--- a/游戏内容/文字游戏新故事.pptx
+++ b/游戏内容/文字游戏新故事.pptx
@@ -5,7 +5,7 @@
     <p:sldMasterId id="2147483648" r:id="rId1"/>
   </p:sldMasterIdLst>
   <p:notesMasterIdLst>
-    <p:notesMasterId r:id="rId9"/>
+    <p:notesMasterId r:id="rId12"/>
   </p:notesMasterIdLst>
   <p:sldIdLst>
     <p:sldId id="256" r:id="rId2"/>
@@ -15,6 +15,9 @@
     <p:sldId id="266" r:id="rId6"/>
     <p:sldId id="262" r:id="rId7"/>
     <p:sldId id="265" r:id="rId8"/>
+    <p:sldId id="267" r:id="rId9"/>
+    <p:sldId id="268" r:id="rId10"/>
+    <p:sldId id="269" r:id="rId11"/>
   </p:sldIdLst>
   <p:sldSz cx="24384000" cy="13716000"/>
   <p:notesSz cx="6858000" cy="9144000"/>
@@ -2129,7 +2132,7 @@
           </a:ln>
           <a:extLst>
             <a:ext uri="{C572A759-6A51-4108-AA02-DFA0A04FC94B}">
-              <ma14:wrappingTextBoxFlag xmlns:ma14="http://schemas.microsoft.com/office/mac/drawingml/2011/main" xmlns="" val="1"/>
+              <ma14:wrappingTextBoxFlag xmlns="" xmlns:ma14="http://schemas.microsoft.com/office/mac/drawingml/2011/main" val="1"/>
             </a:ext>
           </a:extLst>
         </p:spPr>
@@ -2168,7 +2171,7 @@
           </a:ln>
           <a:extLst>
             <a:ext uri="{C572A759-6A51-4108-AA02-DFA0A04FC94B}">
-              <ma14:wrappingTextBoxFlag xmlns:ma14="http://schemas.microsoft.com/office/mac/drawingml/2011/main" xmlns="" val="1"/>
+              <ma14:wrappingTextBoxFlag xmlns="" xmlns:ma14="http://schemas.microsoft.com/office/mac/drawingml/2011/main" val="1"/>
             </a:ext>
           </a:extLst>
         </p:spPr>
@@ -3154,7 +3157,7 @@
           </a:ln>
           <a:extLst>
             <a:ext uri="{C572A759-6A51-4108-AA02-DFA0A04FC94B}">
-              <ma14:wrappingTextBoxFlag xmlns:ma14="http://schemas.microsoft.com/office/mac/drawingml/2011/main" xmlns="" val="1"/>
+              <ma14:wrappingTextBoxFlag xmlns="" xmlns:ma14="http://schemas.microsoft.com/office/mac/drawingml/2011/main" val="1"/>
             </a:ext>
           </a:extLst>
         </p:spPr>
@@ -3192,6 +3195,1720 @@
     <a:masterClrMapping/>
   </p:clrMapOvr>
   <p:transition spd="med"/>
+  <p:timing>
+    <p:tnLst>
+      <p:par>
+        <p:cTn id="1" dur="indefinite" restart="never" nodeType="tmRoot"/>
+      </p:par>
+    </p:tnLst>
+  </p:timing>
+</p:sld>
+</file>
+
+<file path=ppt/slides/slide10.xml><?xml version="1.0" encoding="utf-8"?>
+<p:sld xmlns:a="http://schemas.openxmlformats.org/drawingml/2006/main" xmlns:r="http://schemas.openxmlformats.org/officeDocument/2006/relationships" xmlns:p="http://schemas.openxmlformats.org/presentationml/2006/main">
+  <p:cSld>
+    <p:spTree>
+      <p:nvGrpSpPr>
+        <p:cNvPr id="1" name=""/>
+        <p:cNvGrpSpPr/>
+        <p:nvPr/>
+      </p:nvGrpSpPr>
+      <p:grpSpPr>
+        <a:xfrm>
+          <a:off x="0" y="0"/>
+          <a:ext cx="0" cy="0"/>
+          <a:chOff x="0" y="0"/>
+          <a:chExt cx="0" cy="0"/>
+        </a:xfrm>
+      </p:grpSpPr>
+      <p:sp>
+        <p:nvSpPr>
+          <p:cNvPr id="126" name="Shape 126"/>
+          <p:cNvSpPr/>
+          <p:nvPr/>
+        </p:nvSpPr>
+        <p:spPr>
+          <a:xfrm>
+            <a:off x="-31818" y="-153408"/>
+            <a:ext cx="24447634" cy="2786882"/>
+          </a:xfrm>
+          <a:prstGeom prst="rect">
+            <a:avLst/>
+          </a:prstGeom>
+          <a:solidFill>
+            <a:srgbClr val="00AE66"/>
+          </a:solidFill>
+          <a:ln w="12700">
+            <a:miter lim="400000"/>
+          </a:ln>
+        </p:spPr>
+        <p:txBody>
+          <a:bodyPr lIns="50800" tIns="50800" rIns="50800" bIns="50800" anchor="ctr"/>
+          <a:lstStyle/>
+          <a:p>
+            <a:pPr>
+              <a:defRPr sz="3200">
+                <a:solidFill>
+                  <a:srgbClr val="FFFFFF"/>
+                </a:solidFill>
+              </a:defRPr>
+            </a:pPr>
+            <a:endParaRPr/>
+          </a:p>
+        </p:txBody>
+      </p:sp>
+      <p:sp>
+        <p:nvSpPr>
+          <p:cNvPr id="128" name="Shape 128"/>
+          <p:cNvSpPr/>
+          <p:nvPr/>
+        </p:nvSpPr>
+        <p:spPr>
+          <a:xfrm>
+            <a:off x="-71254" y="-122759"/>
+            <a:ext cx="24526507" cy="2756232"/>
+          </a:xfrm>
+          <a:prstGeom prst="rect">
+            <a:avLst/>
+          </a:prstGeom>
+          <a:solidFill>
+            <a:srgbClr val="000000">
+              <a:alpha val="70000"/>
+            </a:srgbClr>
+          </a:solidFill>
+          <a:ln w="12700">
+            <a:miter lim="400000"/>
+          </a:ln>
+          <a:effectLst>
+            <a:outerShdw blurRad="38100" dist="25400" dir="5400000" rotWithShape="0">
+              <a:srgbClr val="000000">
+                <a:alpha val="50000"/>
+              </a:srgbClr>
+            </a:outerShdw>
+          </a:effectLst>
+        </p:spPr>
+        <p:txBody>
+          <a:bodyPr lIns="50800" tIns="50800" rIns="50800" bIns="50800" anchor="ctr"/>
+          <a:lstStyle/>
+          <a:p>
+            <a:pPr>
+              <a:defRPr sz="3200">
+                <a:solidFill>
+                  <a:srgbClr val="FFFFFF"/>
+                </a:solidFill>
+              </a:defRPr>
+            </a:pPr>
+            <a:endParaRPr/>
+          </a:p>
+        </p:txBody>
+      </p:sp>
+      <p:pic>
+        <p:nvPicPr>
+          <p:cNvPr id="129" name="pasted-image.pdf"/>
+          <p:cNvPicPr>
+            <a:picLocks noChangeAspect="1"/>
+          </p:cNvPicPr>
+          <p:nvPr/>
+        </p:nvPicPr>
+        <p:blipFill>
+          <a:blip r:embed="rId2">
+            <a:extLst/>
+          </a:blip>
+          <a:stretch>
+            <a:fillRect/>
+          </a:stretch>
+        </p:blipFill>
+        <p:spPr>
+          <a:xfrm>
+            <a:off x="10238213" y="-109728"/>
+            <a:ext cx="3800445" cy="1093470"/>
+          </a:xfrm>
+          <a:prstGeom prst="rect">
+            <a:avLst/>
+          </a:prstGeom>
+          <a:ln w="12700">
+            <a:miter lim="400000"/>
+          </a:ln>
+        </p:spPr>
+      </p:pic>
+      <p:sp>
+        <p:nvSpPr>
+          <p:cNvPr id="130" name="Shape 130"/>
+          <p:cNvSpPr/>
+          <p:nvPr/>
+        </p:nvSpPr>
+        <p:spPr>
+          <a:xfrm>
+            <a:off x="10327051" y="1170225"/>
+            <a:ext cx="3693319" cy="1179810"/>
+          </a:xfrm>
+          <a:prstGeom prst="rect">
+            <a:avLst/>
+          </a:prstGeom>
+          <a:ln w="12700">
+            <a:miter lim="400000"/>
+          </a:ln>
+          <a:extLst>
+            <a:ext uri="{C572A759-6A51-4108-AA02-DFA0A04FC94B}">
+              <ma14:wrappingTextBoxFlag xmlns="" xmlns:ma14="http://schemas.microsoft.com/office/mac/drawingml/2011/main" val="1"/>
+            </a:ext>
+          </a:extLst>
+        </p:spPr>
+        <p:txBody>
+          <a:bodyPr wrap="none" lIns="50800" tIns="50800" rIns="50800" bIns="50800" anchor="ctr">
+            <a:spAutoFit/>
+          </a:bodyPr>
+          <a:lstStyle/>
+          <a:p>
+            <a:pPr>
+              <a:defRPr sz="7000" b="1">
+                <a:solidFill>
+                  <a:srgbClr val="FFFFFF"/>
+                </a:solidFill>
+                <a:latin typeface="Helvetica"/>
+                <a:ea typeface="Helvetica"/>
+                <a:cs typeface="Helvetica"/>
+                <a:sym typeface="Helvetica"/>
+              </a:defRPr>
+            </a:pPr>
+            <a:r>
+              <a:rPr lang="zh-CN" altLang="en-US" dirty="0" smtClean="0"/>
+              <a:t>游戏介绍</a:t>
+            </a:r>
+            <a:endParaRPr dirty="0" smtClean="0"/>
+          </a:p>
+        </p:txBody>
+      </p:sp>
+      <p:sp>
+        <p:nvSpPr>
+          <p:cNvPr id="3" name="Rectangle 2"/>
+          <p:cNvSpPr/>
+          <p:nvPr/>
+        </p:nvSpPr>
+        <p:spPr>
+          <a:xfrm>
+            <a:off x="-50106" y="2599045"/>
+            <a:ext cx="3521467" cy="872034"/>
+          </a:xfrm>
+          <a:prstGeom prst="rect">
+            <a:avLst/>
+          </a:prstGeom>
+          <a:solidFill>
+            <a:srgbClr val="00AF66"/>
+          </a:solidFill>
+          <a:ln w="12700" cap="flat">
+            <a:solidFill>
+              <a:schemeClr val="tx1"/>
+            </a:solidFill>
+            <a:miter lim="400000"/>
+          </a:ln>
+          <a:effectLst>
+            <a:outerShdw blurRad="38100" dist="25400" dir="5400000" rotWithShape="0">
+              <a:srgbClr val="000000">
+                <a:alpha val="50000"/>
+              </a:srgbClr>
+            </a:outerShdw>
+          </a:effectLst>
+          <a:sp3d/>
+        </p:spPr>
+        <p:style>
+          <a:lnRef idx="0">
+            <a:scrgbClr r="0" g="0" b="0"/>
+          </a:lnRef>
+          <a:fillRef idx="0">
+            <a:scrgbClr r="0" g="0" b="0"/>
+          </a:fillRef>
+          <a:effectRef idx="0">
+            <a:scrgbClr r="0" g="0" b="0"/>
+          </a:effectRef>
+          <a:fontRef idx="none"/>
+        </p:style>
+        <p:txBody>
+          <a:bodyPr rot="0" spcFirstLastPara="1" vertOverflow="overflow" horzOverflow="overflow" vert="horz" wrap="square" lIns="50800" tIns="50800" rIns="50800" bIns="50800" numCol="1" spcCol="38100" rtlCol="0" anchor="ctr">
+            <a:spAutoFit/>
+          </a:bodyPr>
+          <a:lstStyle/>
+          <a:p>
+            <a:pPr marL="0" marR="0" indent="0" algn="ctr" defTabSz="825500" rtl="0" fontAlgn="auto" latinLnBrk="0" hangingPunct="0">
+              <a:lnSpc>
+                <a:spcPct val="100000"/>
+              </a:lnSpc>
+              <a:spcBef>
+                <a:spcPts val="0"/>
+              </a:spcBef>
+              <a:spcAft>
+                <a:spcPts val="0"/>
+              </a:spcAft>
+              <a:buClrTx/>
+              <a:buSzTx/>
+              <a:buFontTx/>
+              <a:buNone/>
+              <a:tabLst/>
+            </a:pPr>
+            <a:r>
+              <a:rPr kumimoji="0" lang="en-US" altLang="zh-CN" b="0" i="0" u="none" strike="noStrike" cap="none" spc="0" normalizeH="0" baseline="0" dirty="0" smtClean="0">
+                <a:ln>
+                  <a:noFill/>
+                </a:ln>
+                <a:solidFill>
+                  <a:srgbClr val="FFFFFF"/>
+                </a:solidFill>
+                <a:effectLst/>
+                <a:uFillTx/>
+                <a:latin typeface="微软雅黑" panose="020B0503020204020204" pitchFamily="34" charset="-122"/>
+                <a:ea typeface="微软雅黑" panose="020B0503020204020204" pitchFamily="34" charset="-122"/>
+                <a:sym typeface="Helvetica Light"/>
+              </a:rPr>
+              <a:t>UI</a:t>
+            </a:r>
+            <a:r>
+              <a:rPr lang="zh-CN" altLang="en-US" dirty="0">
+                <a:solidFill>
+                  <a:srgbClr val="FFFFFF"/>
+                </a:solidFill>
+                <a:latin typeface="微软雅黑" panose="020B0503020204020204" pitchFamily="34" charset="-122"/>
+                <a:ea typeface="微软雅黑" panose="020B0503020204020204" pitchFamily="34" charset="-122"/>
+              </a:rPr>
+              <a:t>界面</a:t>
+            </a:r>
+            <a:endParaRPr kumimoji="0" lang="zh-CN" altLang="en-US" b="0" i="0" u="none" strike="noStrike" cap="none" spc="0" normalizeH="0" baseline="0" dirty="0">
+              <a:ln>
+                <a:noFill/>
+              </a:ln>
+              <a:solidFill>
+                <a:srgbClr val="FFFFFF"/>
+              </a:solidFill>
+              <a:effectLst/>
+              <a:uFillTx/>
+              <a:latin typeface="微软雅黑" panose="020B0503020204020204" pitchFamily="34" charset="-122"/>
+              <a:ea typeface="微软雅黑" panose="020B0503020204020204" pitchFamily="34" charset="-122"/>
+              <a:sym typeface="Helvetica Light"/>
+            </a:endParaRPr>
+          </a:p>
+        </p:txBody>
+      </p:sp>
+      <p:sp>
+        <p:nvSpPr>
+          <p:cNvPr id="15" name="Rectangle 14"/>
+          <p:cNvSpPr/>
+          <p:nvPr/>
+        </p:nvSpPr>
+        <p:spPr>
+          <a:xfrm>
+            <a:off x="4762407" y="3236229"/>
+            <a:ext cx="6126480" cy="9894554"/>
+          </a:xfrm>
+          <a:prstGeom prst="rect">
+            <a:avLst/>
+          </a:prstGeom>
+          <a:blipFill rotWithShape="1">
+            <a:blip r:embed="rId3"/>
+            <a:srcRect/>
+            <a:tile tx="0" ty="0" sx="100000" sy="100000" flip="none" algn="tl"/>
+          </a:blipFill>
+          <a:ln w="12700" cap="flat">
+            <a:noFill/>
+            <a:miter lim="400000"/>
+          </a:ln>
+          <a:effectLst>
+            <a:outerShdw blurRad="38100" dist="25400" dir="5400000" rotWithShape="0">
+              <a:srgbClr val="000000">
+                <a:alpha val="50000"/>
+              </a:srgbClr>
+            </a:outerShdw>
+          </a:effectLst>
+          <a:sp3d/>
+        </p:spPr>
+        <p:style>
+          <a:lnRef idx="0">
+            <a:scrgbClr r="0" g="0" b="0"/>
+          </a:lnRef>
+          <a:fillRef idx="0">
+            <a:scrgbClr r="0" g="0" b="0"/>
+          </a:fillRef>
+          <a:effectRef idx="0">
+            <a:scrgbClr r="0" g="0" b="0"/>
+          </a:effectRef>
+          <a:fontRef idx="none"/>
+        </p:style>
+        <p:txBody>
+          <a:bodyPr rot="0" spcFirstLastPara="1" vertOverflow="overflow" horzOverflow="overflow" vert="horz" wrap="square" lIns="50800" tIns="50800" rIns="50800" bIns="50800" numCol="1" spcCol="38100" rtlCol="0" anchor="ctr">
+            <a:spAutoFit/>
+          </a:bodyPr>
+          <a:lstStyle/>
+          <a:p>
+            <a:pPr marL="0" marR="0" indent="0" algn="ctr" defTabSz="825500" rtl="0" fontAlgn="auto" latinLnBrk="0" hangingPunct="0">
+              <a:lnSpc>
+                <a:spcPct val="100000"/>
+              </a:lnSpc>
+              <a:spcBef>
+                <a:spcPts val="0"/>
+              </a:spcBef>
+              <a:spcAft>
+                <a:spcPts val="0"/>
+              </a:spcAft>
+              <a:buClrTx/>
+              <a:buSzTx/>
+              <a:buFontTx/>
+              <a:buNone/>
+              <a:tabLst/>
+            </a:pPr>
+            <a:endParaRPr kumimoji="0" lang="zh-CN" altLang="en-US" sz="3200" b="0" i="0" u="none" strike="noStrike" cap="none" spc="0" normalizeH="0" baseline="0">
+              <a:ln>
+                <a:noFill/>
+              </a:ln>
+              <a:solidFill>
+                <a:srgbClr val="FFFFFF"/>
+              </a:solidFill>
+              <a:effectLst/>
+              <a:uFillTx/>
+              <a:latin typeface="+mn-lt"/>
+              <a:ea typeface="+mn-ea"/>
+              <a:cs typeface="+mn-cs"/>
+              <a:sym typeface="Helvetica Light"/>
+            </a:endParaRPr>
+          </a:p>
+        </p:txBody>
+      </p:sp>
+      <p:sp>
+        <p:nvSpPr>
+          <p:cNvPr id="37" name="Rectangle 36"/>
+          <p:cNvSpPr/>
+          <p:nvPr/>
+        </p:nvSpPr>
+        <p:spPr>
+          <a:xfrm>
+            <a:off x="6232567" y="3277414"/>
+            <a:ext cx="3230880" cy="595035"/>
+          </a:xfrm>
+          <a:prstGeom prst="rect">
+            <a:avLst/>
+          </a:prstGeom>
+          <a:blipFill rotWithShape="1">
+            <a:blip r:embed="rId3"/>
+            <a:srcRect/>
+            <a:tile tx="0" ty="0" sx="100000" sy="100000" flip="none" algn="tl"/>
+          </a:blipFill>
+          <a:ln w="12700" cap="flat">
+            <a:solidFill>
+              <a:schemeClr val="bg1"/>
+            </a:solidFill>
+            <a:miter lim="400000"/>
+          </a:ln>
+          <a:effectLst>
+            <a:outerShdw blurRad="38100" dist="25400" dir="5400000" rotWithShape="0">
+              <a:srgbClr val="000000">
+                <a:alpha val="50000"/>
+              </a:srgbClr>
+            </a:outerShdw>
+          </a:effectLst>
+          <a:sp3d/>
+        </p:spPr>
+        <p:style>
+          <a:lnRef idx="0">
+            <a:scrgbClr r="0" g="0" b="0"/>
+          </a:lnRef>
+          <a:fillRef idx="0">
+            <a:scrgbClr r="0" g="0" b="0"/>
+          </a:fillRef>
+          <a:effectRef idx="0">
+            <a:scrgbClr r="0" g="0" b="0"/>
+          </a:effectRef>
+          <a:fontRef idx="none"/>
+        </p:style>
+        <p:txBody>
+          <a:bodyPr rot="0" spcFirstLastPara="1" vertOverflow="overflow" horzOverflow="overflow" vert="horz" wrap="square" lIns="50800" tIns="50800" rIns="50800" bIns="50800" numCol="1" spcCol="38100" rtlCol="0" anchor="ctr">
+            <a:spAutoFit/>
+          </a:bodyPr>
+          <a:lstStyle/>
+          <a:p>
+            <a:pPr marL="0" marR="0" indent="0" algn="ctr" defTabSz="825500" rtl="0" fontAlgn="auto" latinLnBrk="0" hangingPunct="0">
+              <a:lnSpc>
+                <a:spcPct val="100000"/>
+              </a:lnSpc>
+              <a:spcBef>
+                <a:spcPts val="0"/>
+              </a:spcBef>
+              <a:spcAft>
+                <a:spcPts val="0"/>
+              </a:spcAft>
+              <a:buClrTx/>
+              <a:buSzTx/>
+              <a:buFontTx/>
+              <a:buNone/>
+              <a:tabLst/>
+            </a:pPr>
+            <a:r>
+              <a:rPr lang="zh-CN" altLang="en-US" sz="3200" dirty="0">
+                <a:solidFill>
+                  <a:srgbClr val="FFFFFF"/>
+                </a:solidFill>
+              </a:rPr>
+              <a:t>人物</a:t>
+            </a:r>
+            <a:endParaRPr kumimoji="0" lang="zh-CN" altLang="en-US" sz="3200" b="0" i="0" u="none" strike="noStrike" cap="none" spc="0" normalizeH="0" baseline="0" dirty="0">
+              <a:ln>
+                <a:noFill/>
+              </a:ln>
+              <a:solidFill>
+                <a:srgbClr val="FFFFFF"/>
+              </a:solidFill>
+              <a:effectLst/>
+              <a:uFillTx/>
+              <a:latin typeface="+mn-lt"/>
+              <a:ea typeface="+mn-ea"/>
+              <a:cs typeface="+mn-cs"/>
+              <a:sym typeface="Helvetica Light"/>
+            </a:endParaRPr>
+          </a:p>
+        </p:txBody>
+      </p:sp>
+      <p:sp>
+        <p:nvSpPr>
+          <p:cNvPr id="26" name="Rectangle 25"/>
+          <p:cNvSpPr/>
+          <p:nvPr/>
+        </p:nvSpPr>
+        <p:spPr>
+          <a:xfrm>
+            <a:off x="13729623" y="3277414"/>
+            <a:ext cx="6126480" cy="9894554"/>
+          </a:xfrm>
+          <a:prstGeom prst="rect">
+            <a:avLst/>
+          </a:prstGeom>
+          <a:blipFill rotWithShape="1">
+            <a:blip r:embed="rId3"/>
+            <a:srcRect/>
+            <a:tile tx="0" ty="0" sx="100000" sy="100000" flip="none" algn="tl"/>
+          </a:blipFill>
+          <a:ln w="12700" cap="flat">
+            <a:noFill/>
+            <a:miter lim="400000"/>
+          </a:ln>
+          <a:effectLst>
+            <a:outerShdw blurRad="38100" dist="25400" dir="5400000" rotWithShape="0">
+              <a:srgbClr val="000000">
+                <a:alpha val="50000"/>
+              </a:srgbClr>
+            </a:outerShdw>
+          </a:effectLst>
+          <a:sp3d/>
+        </p:spPr>
+        <p:style>
+          <a:lnRef idx="0">
+            <a:scrgbClr r="0" g="0" b="0"/>
+          </a:lnRef>
+          <a:fillRef idx="0">
+            <a:scrgbClr r="0" g="0" b="0"/>
+          </a:fillRef>
+          <a:effectRef idx="0">
+            <a:scrgbClr r="0" g="0" b="0"/>
+          </a:effectRef>
+          <a:fontRef idx="none"/>
+        </p:style>
+        <p:txBody>
+          <a:bodyPr rot="0" spcFirstLastPara="1" vertOverflow="overflow" horzOverflow="overflow" vert="horz" wrap="square" lIns="50800" tIns="50800" rIns="50800" bIns="50800" numCol="1" spcCol="38100" rtlCol="0" anchor="ctr">
+            <a:spAutoFit/>
+          </a:bodyPr>
+          <a:lstStyle/>
+          <a:p>
+            <a:pPr marL="0" marR="0" indent="0" algn="ctr" defTabSz="825500" rtl="0" fontAlgn="auto" latinLnBrk="0" hangingPunct="0">
+              <a:lnSpc>
+                <a:spcPct val="100000"/>
+              </a:lnSpc>
+              <a:spcBef>
+                <a:spcPts val="0"/>
+              </a:spcBef>
+              <a:spcAft>
+                <a:spcPts val="0"/>
+              </a:spcAft>
+              <a:buClrTx/>
+              <a:buSzTx/>
+              <a:buFontTx/>
+              <a:buNone/>
+              <a:tabLst/>
+            </a:pPr>
+            <a:endParaRPr kumimoji="0" lang="zh-CN" altLang="en-US" sz="3200" b="0" i="0" u="none" strike="noStrike" cap="none" spc="0" normalizeH="0" baseline="0">
+              <a:ln>
+                <a:noFill/>
+              </a:ln>
+              <a:solidFill>
+                <a:srgbClr val="FFFFFF"/>
+              </a:solidFill>
+              <a:effectLst/>
+              <a:uFillTx/>
+              <a:latin typeface="+mn-lt"/>
+              <a:ea typeface="+mn-ea"/>
+              <a:cs typeface="+mn-cs"/>
+              <a:sym typeface="Helvetica Light"/>
+            </a:endParaRPr>
+          </a:p>
+        </p:txBody>
+      </p:sp>
+      <p:sp>
+        <p:nvSpPr>
+          <p:cNvPr id="27" name="Rectangle 26"/>
+          <p:cNvSpPr/>
+          <p:nvPr/>
+        </p:nvSpPr>
+        <p:spPr>
+          <a:xfrm>
+            <a:off x="15199783" y="3318599"/>
+            <a:ext cx="3230880" cy="595035"/>
+          </a:xfrm>
+          <a:prstGeom prst="rect">
+            <a:avLst/>
+          </a:prstGeom>
+          <a:blipFill rotWithShape="1">
+            <a:blip r:embed="rId3"/>
+            <a:srcRect/>
+            <a:tile tx="0" ty="0" sx="100000" sy="100000" flip="none" algn="tl"/>
+          </a:blipFill>
+          <a:ln w="12700" cap="flat">
+            <a:solidFill>
+              <a:schemeClr val="bg1"/>
+            </a:solidFill>
+            <a:miter lim="400000"/>
+          </a:ln>
+          <a:effectLst>
+            <a:outerShdw blurRad="38100" dist="25400" dir="5400000" rotWithShape="0">
+              <a:srgbClr val="000000">
+                <a:alpha val="50000"/>
+              </a:srgbClr>
+            </a:outerShdw>
+          </a:effectLst>
+          <a:sp3d/>
+        </p:spPr>
+        <p:style>
+          <a:lnRef idx="0">
+            <a:scrgbClr r="0" g="0" b="0"/>
+          </a:lnRef>
+          <a:fillRef idx="0">
+            <a:scrgbClr r="0" g="0" b="0"/>
+          </a:fillRef>
+          <a:effectRef idx="0">
+            <a:scrgbClr r="0" g="0" b="0"/>
+          </a:effectRef>
+          <a:fontRef idx="none"/>
+        </p:style>
+        <p:txBody>
+          <a:bodyPr rot="0" spcFirstLastPara="1" vertOverflow="overflow" horzOverflow="overflow" vert="horz" wrap="square" lIns="50800" tIns="50800" rIns="50800" bIns="50800" numCol="1" spcCol="38100" rtlCol="0" anchor="ctr">
+            <a:spAutoFit/>
+          </a:bodyPr>
+          <a:lstStyle/>
+          <a:p>
+            <a:pPr marL="0" marR="0" indent="0" algn="ctr" defTabSz="825500" rtl="0" fontAlgn="auto" latinLnBrk="0" hangingPunct="0">
+              <a:lnSpc>
+                <a:spcPct val="100000"/>
+              </a:lnSpc>
+              <a:spcBef>
+                <a:spcPts val="0"/>
+              </a:spcBef>
+              <a:spcAft>
+                <a:spcPts val="0"/>
+              </a:spcAft>
+              <a:buClrTx/>
+              <a:buSzTx/>
+              <a:buFontTx/>
+              <a:buNone/>
+              <a:tabLst/>
+            </a:pPr>
+            <a:r>
+              <a:rPr lang="zh-CN" altLang="en-US" sz="3200" dirty="0">
+                <a:solidFill>
+                  <a:srgbClr val="FFFFFF"/>
+                </a:solidFill>
+              </a:rPr>
+              <a:t>张辉</a:t>
+            </a:r>
+            <a:endParaRPr kumimoji="0" lang="zh-CN" altLang="en-US" sz="3200" b="0" i="0" u="none" strike="noStrike" cap="none" spc="0" normalizeH="0" baseline="0" dirty="0">
+              <a:ln>
+                <a:noFill/>
+              </a:ln>
+              <a:solidFill>
+                <a:srgbClr val="FFFFFF"/>
+              </a:solidFill>
+              <a:effectLst/>
+              <a:uFillTx/>
+              <a:latin typeface="+mn-lt"/>
+              <a:ea typeface="+mn-ea"/>
+              <a:cs typeface="+mn-cs"/>
+              <a:sym typeface="Helvetica Light"/>
+            </a:endParaRPr>
+          </a:p>
+        </p:txBody>
+      </p:sp>
+      <p:sp>
+        <p:nvSpPr>
+          <p:cNvPr id="5" name="TextBox 4"/>
+          <p:cNvSpPr txBox="1"/>
+          <p:nvPr/>
+        </p:nvSpPr>
+        <p:spPr>
+          <a:xfrm>
+            <a:off x="14996160" y="4644298"/>
+            <a:ext cx="3858768" cy="7797006"/>
+          </a:xfrm>
+          <a:prstGeom prst="rect">
+            <a:avLst/>
+          </a:prstGeom>
+          <a:noFill/>
+          <a:ln w="12700" cap="flat">
+            <a:noFill/>
+            <a:miter lim="400000"/>
+          </a:ln>
+          <a:effectLst/>
+          <a:sp3d/>
+        </p:spPr>
+        <p:style>
+          <a:lnRef idx="0">
+            <a:scrgbClr r="0" g="0" b="0"/>
+          </a:lnRef>
+          <a:fillRef idx="0">
+            <a:scrgbClr r="0" g="0" b="0"/>
+          </a:fillRef>
+          <a:effectRef idx="0">
+            <a:scrgbClr r="0" g="0" b="0"/>
+          </a:effectRef>
+          <a:fontRef idx="none"/>
+        </p:style>
+        <p:txBody>
+          <a:bodyPr rot="0" spcFirstLastPara="1" vertOverflow="overflow" horzOverflow="overflow" vert="horz" wrap="square" lIns="50800" tIns="50800" rIns="50800" bIns="50800" numCol="1" spcCol="38100" rtlCol="0" anchor="ctr">
+            <a:spAutoFit/>
+          </a:bodyPr>
+          <a:lstStyle/>
+          <a:p>
+            <a:pPr marL="0" marR="0" indent="0" algn="ctr" defTabSz="825500" rtl="0" fontAlgn="auto" latinLnBrk="0" hangingPunct="0">
+              <a:lnSpc>
+                <a:spcPct val="100000"/>
+              </a:lnSpc>
+              <a:spcBef>
+                <a:spcPts val="0"/>
+              </a:spcBef>
+              <a:spcAft>
+                <a:spcPts val="0"/>
+              </a:spcAft>
+              <a:buClrTx/>
+              <a:buSzTx/>
+              <a:buFontTx/>
+              <a:buNone/>
+              <a:tabLst/>
+            </a:pPr>
+            <a:r>
+              <a:rPr kumimoji="0" lang="en-US" altLang="zh-CN" sz="5000" b="0" i="0" u="none" strike="noStrike" cap="none" spc="0" normalizeH="0" baseline="0" dirty="0" err="1" smtClean="0">
+                <a:ln>
+                  <a:noFill/>
+                </a:ln>
+                <a:solidFill>
+                  <a:srgbClr val="000000"/>
+                </a:solidFill>
+                <a:effectLst/>
+                <a:uFillTx/>
+                <a:latin typeface="+mn-lt"/>
+                <a:ea typeface="+mn-ea"/>
+                <a:cs typeface="+mn-cs"/>
+                <a:sym typeface="Helvetica Light"/>
+              </a:rPr>
+              <a:t>Sdafsdaf</a:t>
+            </a:r>
+            <a:r>
+              <a:rPr kumimoji="0" lang="en-US" altLang="zh-CN" sz="5000" b="0" i="0" u="none" strike="noStrike" cap="none" spc="0" normalizeH="0" baseline="0" dirty="0" smtClean="0">
+                <a:ln>
+                  <a:noFill/>
+                </a:ln>
+                <a:solidFill>
+                  <a:srgbClr val="000000"/>
+                </a:solidFill>
+                <a:effectLst/>
+                <a:uFillTx/>
+                <a:latin typeface="+mn-lt"/>
+                <a:ea typeface="+mn-ea"/>
+                <a:cs typeface="+mn-cs"/>
+                <a:sym typeface="Helvetica Light"/>
+              </a:rPr>
+              <a:t> </a:t>
+            </a:r>
+            <a:r>
+              <a:rPr kumimoji="0" lang="en-US" altLang="zh-CN" sz="5000" b="0" i="0" u="none" strike="noStrike" cap="none" spc="0" normalizeH="0" baseline="0" dirty="0" err="1" smtClean="0">
+                <a:ln>
+                  <a:noFill/>
+                </a:ln>
+                <a:solidFill>
+                  <a:srgbClr val="000000"/>
+                </a:solidFill>
+                <a:effectLst/>
+                <a:uFillTx/>
+                <a:latin typeface="+mn-lt"/>
+                <a:ea typeface="+mn-ea"/>
+                <a:cs typeface="+mn-cs"/>
+                <a:sym typeface="Helvetica Light"/>
+              </a:rPr>
+              <a:t>asdfa</a:t>
+            </a:r>
+            <a:r>
+              <a:rPr kumimoji="0" lang="en-US" altLang="zh-CN" sz="5000" b="0" i="0" u="none" strike="noStrike" cap="none" spc="0" normalizeH="0" baseline="0" dirty="0" smtClean="0">
+                <a:ln>
+                  <a:noFill/>
+                </a:ln>
+                <a:solidFill>
+                  <a:srgbClr val="000000"/>
+                </a:solidFill>
+                <a:effectLst/>
+                <a:uFillTx/>
+                <a:latin typeface="+mn-lt"/>
+                <a:ea typeface="+mn-ea"/>
+                <a:cs typeface="+mn-cs"/>
+                <a:sym typeface="Helvetica Light"/>
+              </a:rPr>
+              <a:t> </a:t>
+            </a:r>
+            <a:r>
+              <a:rPr kumimoji="0" lang="en-US" altLang="zh-CN" sz="5000" b="0" i="0" u="none" strike="noStrike" cap="none" spc="0" normalizeH="0" baseline="0" dirty="0" err="1" smtClean="0">
+                <a:ln>
+                  <a:noFill/>
+                </a:ln>
+                <a:solidFill>
+                  <a:srgbClr val="000000"/>
+                </a:solidFill>
+                <a:effectLst/>
+                <a:uFillTx/>
+                <a:latin typeface="+mn-lt"/>
+                <a:ea typeface="+mn-ea"/>
+                <a:cs typeface="+mn-cs"/>
+                <a:sym typeface="Helvetica Light"/>
+              </a:rPr>
+              <a:t>dsf</a:t>
+            </a:r>
+            <a:r>
+              <a:rPr kumimoji="0" lang="en-US" altLang="zh-CN" sz="5000" b="0" i="0" u="none" strike="noStrike" cap="none" spc="0" normalizeH="0" baseline="0" dirty="0" smtClean="0">
+                <a:ln>
+                  <a:noFill/>
+                </a:ln>
+                <a:solidFill>
+                  <a:srgbClr val="000000"/>
+                </a:solidFill>
+                <a:effectLst/>
+                <a:uFillTx/>
+                <a:latin typeface="+mn-lt"/>
+                <a:ea typeface="+mn-ea"/>
+                <a:cs typeface="+mn-cs"/>
+                <a:sym typeface="Helvetica Light"/>
+              </a:rPr>
+              <a:t> </a:t>
+            </a:r>
+            <a:r>
+              <a:rPr kumimoji="0" lang="en-US" altLang="zh-CN" sz="5000" b="0" i="0" u="none" strike="noStrike" cap="none" spc="0" normalizeH="0" baseline="0" dirty="0" err="1" smtClean="0">
+                <a:ln>
+                  <a:noFill/>
+                </a:ln>
+                <a:solidFill>
+                  <a:srgbClr val="000000"/>
+                </a:solidFill>
+                <a:effectLst/>
+                <a:uFillTx/>
+                <a:latin typeface="+mn-lt"/>
+                <a:ea typeface="+mn-ea"/>
+                <a:cs typeface="+mn-cs"/>
+                <a:sym typeface="Helvetica Light"/>
+              </a:rPr>
+              <a:t>asdfa</a:t>
+            </a:r>
+            <a:r>
+              <a:rPr kumimoji="0" lang="en-US" altLang="zh-CN" sz="5000" b="0" i="0" u="none" strike="noStrike" cap="none" spc="0" normalizeH="0" baseline="0" dirty="0" smtClean="0">
+                <a:ln>
+                  <a:noFill/>
+                </a:ln>
+                <a:solidFill>
+                  <a:srgbClr val="000000"/>
+                </a:solidFill>
+                <a:effectLst/>
+                <a:uFillTx/>
+                <a:latin typeface="+mn-lt"/>
+                <a:ea typeface="+mn-ea"/>
+                <a:cs typeface="+mn-cs"/>
+                <a:sym typeface="Helvetica Light"/>
+              </a:rPr>
+              <a:t> </a:t>
+            </a:r>
+            <a:r>
+              <a:rPr kumimoji="0" lang="en-US" altLang="zh-CN" sz="5000" b="0" i="0" u="none" strike="noStrike" cap="none" spc="0" normalizeH="0" baseline="0" dirty="0" err="1" smtClean="0">
+                <a:ln>
+                  <a:noFill/>
+                </a:ln>
+                <a:solidFill>
+                  <a:srgbClr val="000000"/>
+                </a:solidFill>
+                <a:effectLst/>
+                <a:uFillTx/>
+                <a:latin typeface="+mn-lt"/>
+                <a:ea typeface="+mn-ea"/>
+                <a:cs typeface="+mn-cs"/>
+                <a:sym typeface="Helvetica Light"/>
+              </a:rPr>
+              <a:t>dsfa</a:t>
+            </a:r>
+            <a:r>
+              <a:rPr kumimoji="0" lang="en-US" altLang="zh-CN" sz="5000" b="0" i="0" u="none" strike="noStrike" cap="none" spc="0" normalizeH="0" baseline="0" dirty="0" smtClean="0">
+                <a:ln>
+                  <a:noFill/>
+                </a:ln>
+                <a:solidFill>
+                  <a:srgbClr val="000000"/>
+                </a:solidFill>
+                <a:effectLst/>
+                <a:uFillTx/>
+                <a:latin typeface="+mn-lt"/>
+                <a:ea typeface="+mn-ea"/>
+                <a:cs typeface="+mn-cs"/>
+                <a:sym typeface="Helvetica Light"/>
+              </a:rPr>
+              <a:t> </a:t>
+            </a:r>
+            <a:r>
+              <a:rPr kumimoji="0" lang="en-US" altLang="zh-CN" sz="5000" b="0" i="0" u="none" strike="noStrike" cap="none" spc="0" normalizeH="0" baseline="0" dirty="0" err="1" smtClean="0">
+                <a:ln>
+                  <a:noFill/>
+                </a:ln>
+                <a:solidFill>
+                  <a:srgbClr val="000000"/>
+                </a:solidFill>
+                <a:effectLst/>
+                <a:uFillTx/>
+                <a:latin typeface="+mn-lt"/>
+                <a:ea typeface="+mn-ea"/>
+                <a:cs typeface="+mn-cs"/>
+                <a:sym typeface="Helvetica Light"/>
+              </a:rPr>
+              <a:t>sdf</a:t>
+            </a:r>
+            <a:r>
+              <a:rPr kumimoji="0" lang="en-US" altLang="zh-CN" sz="5000" b="0" i="0" u="none" strike="noStrike" cap="none" spc="0" normalizeH="0" baseline="0" dirty="0" smtClean="0">
+                <a:ln>
+                  <a:noFill/>
+                </a:ln>
+                <a:solidFill>
+                  <a:srgbClr val="000000"/>
+                </a:solidFill>
+                <a:effectLst/>
+                <a:uFillTx/>
+                <a:latin typeface="+mn-lt"/>
+                <a:ea typeface="+mn-ea"/>
+                <a:cs typeface="+mn-cs"/>
+                <a:sym typeface="Helvetica Light"/>
+              </a:rPr>
+              <a:t> </a:t>
+            </a:r>
+            <a:r>
+              <a:rPr kumimoji="0" lang="en-US" altLang="zh-CN" sz="5000" b="0" i="0" u="none" strike="noStrike" cap="none" spc="0" normalizeH="0" baseline="0" dirty="0" err="1" smtClean="0">
+                <a:ln>
+                  <a:noFill/>
+                </a:ln>
+                <a:solidFill>
+                  <a:srgbClr val="000000"/>
+                </a:solidFill>
+                <a:effectLst/>
+                <a:uFillTx/>
+                <a:latin typeface="+mn-lt"/>
+                <a:ea typeface="+mn-ea"/>
+                <a:cs typeface="+mn-cs"/>
+                <a:sym typeface="Helvetica Light"/>
+              </a:rPr>
+              <a:t>adsf</a:t>
+            </a:r>
+            <a:r>
+              <a:rPr kumimoji="0" lang="en-US" altLang="zh-CN" sz="5000" b="0" i="0" u="none" strike="noStrike" cap="none" spc="0" normalizeH="0" baseline="0" dirty="0" smtClean="0">
+                <a:ln>
+                  <a:noFill/>
+                </a:ln>
+                <a:solidFill>
+                  <a:srgbClr val="000000"/>
+                </a:solidFill>
+                <a:effectLst/>
+                <a:uFillTx/>
+                <a:latin typeface="+mn-lt"/>
+                <a:ea typeface="+mn-ea"/>
+                <a:cs typeface="+mn-cs"/>
+                <a:sym typeface="Helvetica Light"/>
+              </a:rPr>
+              <a:t> </a:t>
+            </a:r>
+            <a:r>
+              <a:rPr kumimoji="0" lang="en-US" altLang="zh-CN" sz="5000" b="0" i="0" u="none" strike="noStrike" cap="none" spc="0" normalizeH="0" baseline="0" dirty="0" err="1" smtClean="0">
+                <a:ln>
+                  <a:noFill/>
+                </a:ln>
+                <a:solidFill>
+                  <a:srgbClr val="000000"/>
+                </a:solidFill>
+                <a:effectLst/>
+                <a:uFillTx/>
+                <a:latin typeface="+mn-lt"/>
+                <a:ea typeface="+mn-ea"/>
+                <a:cs typeface="+mn-cs"/>
+                <a:sym typeface="Helvetica Light"/>
+              </a:rPr>
+              <a:t>adsfadf</a:t>
+            </a:r>
+            <a:r>
+              <a:rPr kumimoji="0" lang="en-US" altLang="zh-CN" sz="5000" b="0" i="0" u="none" strike="noStrike" cap="none" spc="0" normalizeH="0" baseline="0" dirty="0" smtClean="0">
+                <a:ln>
+                  <a:noFill/>
+                </a:ln>
+                <a:solidFill>
+                  <a:srgbClr val="000000"/>
+                </a:solidFill>
+                <a:effectLst/>
+                <a:uFillTx/>
+                <a:latin typeface="+mn-lt"/>
+                <a:ea typeface="+mn-ea"/>
+                <a:cs typeface="+mn-cs"/>
+                <a:sym typeface="Helvetica Light"/>
+              </a:rPr>
+              <a:t> </a:t>
+            </a:r>
+            <a:r>
+              <a:rPr kumimoji="0" lang="en-US" altLang="zh-CN" sz="5000" b="0" i="0" u="none" strike="noStrike" cap="none" spc="0" normalizeH="0" baseline="0" dirty="0" err="1" smtClean="0">
+                <a:ln>
+                  <a:noFill/>
+                </a:ln>
+                <a:solidFill>
+                  <a:srgbClr val="000000"/>
+                </a:solidFill>
+                <a:effectLst/>
+                <a:uFillTx/>
+                <a:latin typeface="+mn-lt"/>
+                <a:ea typeface="+mn-ea"/>
+                <a:cs typeface="+mn-cs"/>
+                <a:sym typeface="Helvetica Light"/>
+              </a:rPr>
+              <a:t>asd</a:t>
+            </a:r>
+            <a:r>
+              <a:rPr kumimoji="0" lang="en-US" altLang="zh-CN" sz="5000" b="0" i="0" u="none" strike="noStrike" cap="none" spc="0" normalizeH="0" baseline="0" dirty="0" smtClean="0">
+                <a:ln>
+                  <a:noFill/>
+                </a:ln>
+                <a:solidFill>
+                  <a:srgbClr val="000000"/>
+                </a:solidFill>
+                <a:effectLst/>
+                <a:uFillTx/>
+                <a:latin typeface="+mn-lt"/>
+                <a:ea typeface="+mn-ea"/>
+                <a:cs typeface="+mn-cs"/>
+                <a:sym typeface="Helvetica Light"/>
+              </a:rPr>
+              <a:t> a das </a:t>
+            </a:r>
+            <a:r>
+              <a:rPr kumimoji="0" lang="en-US" altLang="zh-CN" sz="5000" b="0" i="0" u="none" strike="noStrike" cap="none" spc="0" normalizeH="0" baseline="0" dirty="0" err="1" smtClean="0">
+                <a:ln>
+                  <a:noFill/>
+                </a:ln>
+                <a:solidFill>
+                  <a:srgbClr val="000000"/>
+                </a:solidFill>
+                <a:effectLst/>
+                <a:uFillTx/>
+                <a:latin typeface="+mn-lt"/>
+                <a:ea typeface="+mn-ea"/>
+                <a:cs typeface="+mn-cs"/>
+                <a:sym typeface="Helvetica Light"/>
+              </a:rPr>
+              <a:t>adsf</a:t>
+            </a:r>
+            <a:r>
+              <a:rPr kumimoji="0" lang="en-US" altLang="zh-CN" sz="5000" b="0" i="0" u="none" strike="noStrike" cap="none" spc="0" normalizeH="0" baseline="0" dirty="0" smtClean="0">
+                <a:ln>
+                  <a:noFill/>
+                </a:ln>
+                <a:solidFill>
+                  <a:srgbClr val="000000"/>
+                </a:solidFill>
+                <a:effectLst/>
+                <a:uFillTx/>
+                <a:latin typeface="+mn-lt"/>
+                <a:ea typeface="+mn-ea"/>
+                <a:cs typeface="+mn-cs"/>
+                <a:sym typeface="Helvetica Light"/>
+              </a:rPr>
+              <a:t> </a:t>
+            </a:r>
+            <a:r>
+              <a:rPr kumimoji="0" lang="en-US" altLang="zh-CN" sz="5000" b="0" i="0" u="none" strike="noStrike" cap="none" spc="0" normalizeH="0" baseline="0" dirty="0" err="1" smtClean="0">
+                <a:ln>
+                  <a:noFill/>
+                </a:ln>
+                <a:solidFill>
+                  <a:srgbClr val="000000"/>
+                </a:solidFill>
+                <a:effectLst/>
+                <a:uFillTx/>
+                <a:latin typeface="+mn-lt"/>
+                <a:ea typeface="+mn-ea"/>
+                <a:cs typeface="+mn-cs"/>
+                <a:sym typeface="Helvetica Light"/>
+              </a:rPr>
+              <a:t>af</a:t>
+            </a:r>
+            <a:r>
+              <a:rPr kumimoji="0" lang="en-US" altLang="zh-CN" sz="5000" b="0" i="0" u="none" strike="noStrike" cap="none" spc="0" normalizeH="0" baseline="0" dirty="0" smtClean="0">
+                <a:ln>
+                  <a:noFill/>
+                </a:ln>
+                <a:solidFill>
+                  <a:srgbClr val="000000"/>
+                </a:solidFill>
+                <a:effectLst/>
+                <a:uFillTx/>
+                <a:latin typeface="+mn-lt"/>
+                <a:ea typeface="+mn-ea"/>
+                <a:cs typeface="+mn-cs"/>
+                <a:sym typeface="Helvetica Light"/>
+              </a:rPr>
+              <a:t> </a:t>
+            </a:r>
+            <a:r>
+              <a:rPr kumimoji="0" lang="en-US" altLang="zh-CN" sz="5000" b="0" i="0" u="none" strike="noStrike" cap="none" spc="0" normalizeH="0" baseline="0" dirty="0" err="1" smtClean="0">
+                <a:ln>
+                  <a:noFill/>
+                </a:ln>
+                <a:solidFill>
+                  <a:srgbClr val="000000"/>
+                </a:solidFill>
+                <a:effectLst/>
+                <a:uFillTx/>
+                <a:latin typeface="+mn-lt"/>
+                <a:ea typeface="+mn-ea"/>
+                <a:cs typeface="+mn-cs"/>
+                <a:sym typeface="Helvetica Light"/>
+              </a:rPr>
+              <a:t>adsaf</a:t>
+            </a:r>
+            <a:r>
+              <a:rPr kumimoji="0" lang="en-US" altLang="zh-CN" sz="5000" b="0" i="0" u="none" strike="noStrike" cap="none" spc="0" normalizeH="0" baseline="0" dirty="0" smtClean="0">
+                <a:ln>
+                  <a:noFill/>
+                </a:ln>
+                <a:solidFill>
+                  <a:srgbClr val="000000"/>
+                </a:solidFill>
+                <a:effectLst/>
+                <a:uFillTx/>
+                <a:latin typeface="+mn-lt"/>
+                <a:ea typeface="+mn-ea"/>
+                <a:cs typeface="+mn-cs"/>
+                <a:sym typeface="Helvetica Light"/>
+              </a:rPr>
+              <a:t> da </a:t>
+            </a:r>
+            <a:r>
+              <a:rPr kumimoji="0" lang="en-US" altLang="zh-CN" sz="5000" b="0" i="0" u="none" strike="noStrike" cap="none" spc="0" normalizeH="0" baseline="0" dirty="0" err="1" smtClean="0">
+                <a:ln>
+                  <a:noFill/>
+                </a:ln>
+                <a:solidFill>
+                  <a:srgbClr val="000000"/>
+                </a:solidFill>
+                <a:effectLst/>
+                <a:uFillTx/>
+                <a:latin typeface="+mn-lt"/>
+                <a:ea typeface="+mn-ea"/>
+                <a:cs typeface="+mn-cs"/>
+                <a:sym typeface="Helvetica Light"/>
+              </a:rPr>
+              <a:t>dfa</a:t>
+            </a:r>
+            <a:r>
+              <a:rPr kumimoji="0" lang="en-US" altLang="zh-CN" sz="5000" b="0" i="0" u="none" strike="noStrike" cap="none" spc="0" normalizeH="0" baseline="0" dirty="0" smtClean="0">
+                <a:ln>
+                  <a:noFill/>
+                </a:ln>
+                <a:solidFill>
+                  <a:srgbClr val="000000"/>
+                </a:solidFill>
+                <a:effectLst/>
+                <a:uFillTx/>
+                <a:latin typeface="+mn-lt"/>
+                <a:ea typeface="+mn-ea"/>
+                <a:cs typeface="+mn-cs"/>
+                <a:sym typeface="Helvetica Light"/>
+              </a:rPr>
+              <a:t> </a:t>
+            </a:r>
+            <a:r>
+              <a:rPr kumimoji="0" lang="en-US" altLang="zh-CN" sz="5000" b="0" i="0" u="none" strike="noStrike" cap="none" spc="0" normalizeH="0" baseline="0" dirty="0" err="1" smtClean="0">
+                <a:ln>
+                  <a:noFill/>
+                </a:ln>
+                <a:solidFill>
+                  <a:srgbClr val="000000"/>
+                </a:solidFill>
+                <a:effectLst/>
+                <a:uFillTx/>
+                <a:latin typeface="+mn-lt"/>
+                <a:ea typeface="+mn-ea"/>
+                <a:cs typeface="+mn-cs"/>
+                <a:sym typeface="Helvetica Light"/>
+              </a:rPr>
+              <a:t>dsa</a:t>
+            </a:r>
+            <a:r>
+              <a:rPr kumimoji="0" lang="en-US" altLang="zh-CN" sz="5000" b="0" i="0" u="none" strike="noStrike" cap="none" spc="0" normalizeH="0" baseline="0" dirty="0" smtClean="0">
+                <a:ln>
+                  <a:noFill/>
+                </a:ln>
+                <a:solidFill>
+                  <a:srgbClr val="000000"/>
+                </a:solidFill>
+                <a:effectLst/>
+                <a:uFillTx/>
+                <a:latin typeface="+mn-lt"/>
+                <a:ea typeface="+mn-ea"/>
+                <a:cs typeface="+mn-cs"/>
+                <a:sym typeface="Helvetica Light"/>
+              </a:rPr>
+              <a:t> </a:t>
+            </a:r>
+            <a:r>
+              <a:rPr kumimoji="0" lang="en-US" altLang="zh-CN" sz="5000" b="0" i="0" u="none" strike="noStrike" cap="none" spc="0" normalizeH="0" baseline="0" dirty="0" err="1" smtClean="0">
+                <a:ln>
+                  <a:noFill/>
+                </a:ln>
+                <a:solidFill>
+                  <a:srgbClr val="000000"/>
+                </a:solidFill>
+                <a:effectLst/>
+                <a:uFillTx/>
+                <a:latin typeface="+mn-lt"/>
+                <a:ea typeface="+mn-ea"/>
+                <a:cs typeface="+mn-cs"/>
+                <a:sym typeface="Helvetica Light"/>
+              </a:rPr>
+              <a:t>dfsa</a:t>
+            </a:r>
+            <a:r>
+              <a:rPr kumimoji="0" lang="en-US" altLang="zh-CN" sz="5000" b="0" i="0" u="none" strike="noStrike" cap="none" spc="0" normalizeH="0" baseline="0" dirty="0" smtClean="0">
+                <a:ln>
+                  <a:noFill/>
+                </a:ln>
+                <a:solidFill>
+                  <a:srgbClr val="000000"/>
+                </a:solidFill>
+                <a:effectLst/>
+                <a:uFillTx/>
+                <a:latin typeface="+mn-lt"/>
+                <a:ea typeface="+mn-ea"/>
+                <a:cs typeface="+mn-cs"/>
+                <a:sym typeface="Helvetica Light"/>
+              </a:rPr>
+              <a:t> </a:t>
+            </a:r>
+            <a:r>
+              <a:rPr kumimoji="0" lang="en-US" altLang="zh-CN" sz="5000" b="0" i="0" u="none" strike="noStrike" cap="none" spc="0" normalizeH="0" baseline="0" dirty="0" err="1" smtClean="0">
+                <a:ln>
+                  <a:noFill/>
+                </a:ln>
+                <a:solidFill>
+                  <a:srgbClr val="000000"/>
+                </a:solidFill>
+                <a:effectLst/>
+                <a:uFillTx/>
+                <a:latin typeface="+mn-lt"/>
+                <a:ea typeface="+mn-ea"/>
+                <a:cs typeface="+mn-cs"/>
+                <a:sym typeface="Helvetica Light"/>
+              </a:rPr>
+              <a:t>sa</a:t>
+            </a:r>
+            <a:r>
+              <a:rPr kumimoji="0" lang="en-US" altLang="zh-CN" sz="5000" b="0" i="0" u="none" strike="noStrike" cap="none" spc="0" normalizeH="0" baseline="0" dirty="0" smtClean="0">
+                <a:ln>
+                  <a:noFill/>
+                </a:ln>
+                <a:solidFill>
+                  <a:srgbClr val="000000"/>
+                </a:solidFill>
+                <a:effectLst/>
+                <a:uFillTx/>
+                <a:latin typeface="+mn-lt"/>
+                <a:ea typeface="+mn-ea"/>
+                <a:cs typeface="+mn-cs"/>
+                <a:sym typeface="Helvetica Light"/>
+              </a:rPr>
+              <a:t> </a:t>
+            </a:r>
+            <a:r>
+              <a:rPr kumimoji="0" lang="en-US" altLang="zh-CN" sz="5000" b="0" i="0" u="none" strike="noStrike" cap="none" spc="0" normalizeH="0" baseline="0" dirty="0" err="1" smtClean="0">
+                <a:ln>
+                  <a:noFill/>
+                </a:ln>
+                <a:solidFill>
+                  <a:srgbClr val="000000"/>
+                </a:solidFill>
+                <a:effectLst/>
+                <a:uFillTx/>
+                <a:latin typeface="+mn-lt"/>
+                <a:ea typeface="+mn-ea"/>
+                <a:cs typeface="+mn-cs"/>
+                <a:sym typeface="Helvetica Light"/>
+              </a:rPr>
+              <a:t>ssdff</a:t>
+            </a:r>
+            <a:r>
+              <a:rPr kumimoji="0" lang="en-US" altLang="zh-CN" sz="5000" b="0" i="0" u="none" strike="noStrike" cap="none" spc="0" normalizeH="0" baseline="0" dirty="0" smtClean="0">
+                <a:ln>
+                  <a:noFill/>
+                </a:ln>
+                <a:solidFill>
+                  <a:srgbClr val="000000"/>
+                </a:solidFill>
+                <a:effectLst/>
+                <a:uFillTx/>
+                <a:latin typeface="+mn-lt"/>
+                <a:ea typeface="+mn-ea"/>
+                <a:cs typeface="+mn-cs"/>
+                <a:sym typeface="Helvetica Light"/>
+              </a:rPr>
+              <a:t> a</a:t>
+            </a:r>
+            <a:endParaRPr kumimoji="0" lang="zh-CN" altLang="en-US" sz="5000" b="0" i="0" u="none" strike="noStrike" cap="none" spc="0" normalizeH="0" baseline="0" dirty="0">
+              <a:ln>
+                <a:noFill/>
+              </a:ln>
+              <a:solidFill>
+                <a:srgbClr val="000000"/>
+              </a:solidFill>
+              <a:effectLst/>
+              <a:uFillTx/>
+              <a:latin typeface="+mn-lt"/>
+              <a:ea typeface="+mn-ea"/>
+              <a:cs typeface="+mn-cs"/>
+              <a:sym typeface="Helvetica Light"/>
+            </a:endParaRPr>
+          </a:p>
+        </p:txBody>
+      </p:sp>
+      <p:sp>
+        <p:nvSpPr>
+          <p:cNvPr id="2" name="Rectangle 1"/>
+          <p:cNvSpPr/>
+          <p:nvPr/>
+        </p:nvSpPr>
+        <p:spPr>
+          <a:xfrm>
+            <a:off x="4939906" y="4776975"/>
+            <a:ext cx="5771481" cy="792000"/>
+          </a:xfrm>
+          <a:prstGeom prst="rect">
+            <a:avLst/>
+          </a:prstGeom>
+          <a:blipFill rotWithShape="1">
+            <a:blip r:embed="rId3"/>
+            <a:srcRect/>
+            <a:tile tx="0" ty="0" sx="100000" sy="100000" flip="none" algn="tl"/>
+          </a:blipFill>
+          <a:ln w="12700" cap="flat">
+            <a:solidFill>
+              <a:schemeClr val="bg1"/>
+            </a:solidFill>
+            <a:miter lim="400000"/>
+          </a:ln>
+          <a:effectLst>
+            <a:outerShdw blurRad="38100" dist="25400" dir="5400000" rotWithShape="0">
+              <a:srgbClr val="000000">
+                <a:alpha val="50000"/>
+              </a:srgbClr>
+            </a:outerShdw>
+          </a:effectLst>
+          <a:sp3d/>
+        </p:spPr>
+        <p:style>
+          <a:lnRef idx="0">
+            <a:scrgbClr r="0" g="0" b="0"/>
+          </a:lnRef>
+          <a:fillRef idx="0">
+            <a:scrgbClr r="0" g="0" b="0"/>
+          </a:fillRef>
+          <a:effectRef idx="0">
+            <a:scrgbClr r="0" g="0" b="0"/>
+          </a:effectRef>
+          <a:fontRef idx="none"/>
+        </p:style>
+        <p:txBody>
+          <a:bodyPr rot="0" spcFirstLastPara="1" vertOverflow="overflow" horzOverflow="overflow" vert="horz" wrap="square" lIns="50800" tIns="50800" rIns="50800" bIns="50800" numCol="1" spcCol="38100" rtlCol="0" anchor="ctr">
+            <a:spAutoFit/>
+          </a:bodyPr>
+          <a:lstStyle/>
+          <a:p>
+            <a:pPr marL="0" marR="0" indent="0" algn="ctr" defTabSz="825500" rtl="0" fontAlgn="auto" latinLnBrk="0" hangingPunct="0">
+              <a:lnSpc>
+                <a:spcPct val="100000"/>
+              </a:lnSpc>
+              <a:spcBef>
+                <a:spcPts val="0"/>
+              </a:spcBef>
+              <a:spcAft>
+                <a:spcPts val="0"/>
+              </a:spcAft>
+              <a:buClrTx/>
+              <a:buSzTx/>
+              <a:buFontTx/>
+              <a:buNone/>
+              <a:tabLst/>
+            </a:pPr>
+            <a:r>
+              <a:rPr kumimoji="0" lang="zh-CN" altLang="en-US" sz="3200" b="0" i="0" u="none" strike="noStrike" cap="none" spc="0" normalizeH="0" baseline="0" dirty="0" smtClean="0">
+                <a:ln>
+                  <a:noFill/>
+                </a:ln>
+                <a:solidFill>
+                  <a:srgbClr val="FFFFFF"/>
+                </a:solidFill>
+                <a:effectLst/>
+                <a:uFillTx/>
+                <a:latin typeface="+mn-lt"/>
+                <a:ea typeface="+mn-ea"/>
+                <a:cs typeface="+mn-cs"/>
+                <a:sym typeface="Helvetica Light"/>
+              </a:rPr>
+              <a:t>张辉</a:t>
+            </a:r>
+            <a:endParaRPr kumimoji="0" lang="zh-CN" altLang="en-US" sz="3200" b="0" i="0" u="none" strike="noStrike" cap="none" spc="0" normalizeH="0" baseline="0" dirty="0">
+              <a:ln>
+                <a:noFill/>
+              </a:ln>
+              <a:solidFill>
+                <a:srgbClr val="FFFFFF"/>
+              </a:solidFill>
+              <a:effectLst/>
+              <a:uFillTx/>
+              <a:latin typeface="+mn-lt"/>
+              <a:ea typeface="+mn-ea"/>
+              <a:cs typeface="+mn-cs"/>
+              <a:sym typeface="Helvetica Light"/>
+            </a:endParaRPr>
+          </a:p>
+        </p:txBody>
+      </p:sp>
+      <p:sp>
+        <p:nvSpPr>
+          <p:cNvPr id="19" name="Rectangle 18"/>
+          <p:cNvSpPr/>
+          <p:nvPr/>
+        </p:nvSpPr>
+        <p:spPr>
+          <a:xfrm>
+            <a:off x="4939905" y="6175983"/>
+            <a:ext cx="5771481" cy="595035"/>
+          </a:xfrm>
+          <a:prstGeom prst="rect">
+            <a:avLst/>
+          </a:prstGeom>
+          <a:blipFill rotWithShape="1">
+            <a:blip r:embed="rId3"/>
+            <a:srcRect/>
+            <a:tile tx="0" ty="0" sx="100000" sy="100000" flip="none" algn="tl"/>
+          </a:blipFill>
+          <a:ln w="12700" cap="flat">
+            <a:solidFill>
+              <a:schemeClr val="bg1"/>
+            </a:solidFill>
+            <a:miter lim="400000"/>
+          </a:ln>
+          <a:effectLst>
+            <a:outerShdw blurRad="38100" dist="25400" dir="5400000" rotWithShape="0">
+              <a:srgbClr val="000000">
+                <a:alpha val="50000"/>
+              </a:srgbClr>
+            </a:outerShdw>
+          </a:effectLst>
+          <a:sp3d/>
+        </p:spPr>
+        <p:style>
+          <a:lnRef idx="0">
+            <a:scrgbClr r="0" g="0" b="0"/>
+          </a:lnRef>
+          <a:fillRef idx="0">
+            <a:scrgbClr r="0" g="0" b="0"/>
+          </a:fillRef>
+          <a:effectRef idx="0">
+            <a:scrgbClr r="0" g="0" b="0"/>
+          </a:effectRef>
+          <a:fontRef idx="none"/>
+        </p:style>
+        <p:txBody>
+          <a:bodyPr rot="0" spcFirstLastPara="1" vertOverflow="overflow" horzOverflow="overflow" vert="horz" wrap="square" lIns="50800" tIns="50800" rIns="50800" bIns="50800" numCol="1" spcCol="38100" rtlCol="0" anchor="ctr">
+            <a:spAutoFit/>
+          </a:bodyPr>
+          <a:lstStyle/>
+          <a:p>
+            <a:pPr marL="0" marR="0" indent="0" algn="ctr" defTabSz="825500" rtl="0" fontAlgn="auto" latinLnBrk="0" hangingPunct="0">
+              <a:lnSpc>
+                <a:spcPct val="100000"/>
+              </a:lnSpc>
+              <a:spcBef>
+                <a:spcPts val="0"/>
+              </a:spcBef>
+              <a:spcAft>
+                <a:spcPts val="0"/>
+              </a:spcAft>
+              <a:buClrTx/>
+              <a:buSzTx/>
+              <a:buFontTx/>
+              <a:buNone/>
+              <a:tabLst/>
+            </a:pPr>
+            <a:r>
+              <a:rPr lang="zh-CN" altLang="en-US" sz="3200" dirty="0" smtClean="0">
+                <a:solidFill>
+                  <a:srgbClr val="FFFFFF"/>
+                </a:solidFill>
+              </a:rPr>
+              <a:t>老</a:t>
+            </a:r>
+            <a:r>
+              <a:rPr lang="en-US" altLang="zh-CN" sz="3200" dirty="0" smtClean="0">
+                <a:solidFill>
+                  <a:srgbClr val="FFFFFF"/>
+                </a:solidFill>
+              </a:rPr>
+              <a:t>A</a:t>
+            </a:r>
+            <a:endParaRPr kumimoji="0" lang="zh-CN" altLang="en-US" sz="3200" b="0" i="0" u="none" strike="noStrike" cap="none" spc="0" normalizeH="0" baseline="0" dirty="0">
+              <a:ln>
+                <a:noFill/>
+              </a:ln>
+              <a:solidFill>
+                <a:srgbClr val="FFFFFF"/>
+              </a:solidFill>
+              <a:effectLst/>
+              <a:uFillTx/>
+              <a:latin typeface="+mn-lt"/>
+              <a:ea typeface="+mn-ea"/>
+              <a:cs typeface="+mn-cs"/>
+              <a:sym typeface="Helvetica Light"/>
+            </a:endParaRPr>
+          </a:p>
+        </p:txBody>
+      </p:sp>
+      <p:sp>
+        <p:nvSpPr>
+          <p:cNvPr id="20" name="Rectangle 19"/>
+          <p:cNvSpPr/>
+          <p:nvPr/>
+        </p:nvSpPr>
+        <p:spPr>
+          <a:xfrm>
+            <a:off x="4939905" y="7373773"/>
+            <a:ext cx="5771481" cy="595035"/>
+          </a:xfrm>
+          <a:prstGeom prst="rect">
+            <a:avLst/>
+          </a:prstGeom>
+          <a:blipFill rotWithShape="1">
+            <a:blip r:embed="rId3"/>
+            <a:srcRect/>
+            <a:tile tx="0" ty="0" sx="100000" sy="100000" flip="none" algn="tl"/>
+          </a:blipFill>
+          <a:ln w="12700" cap="flat">
+            <a:solidFill>
+              <a:schemeClr val="bg1"/>
+            </a:solidFill>
+            <a:miter lim="400000"/>
+          </a:ln>
+          <a:effectLst>
+            <a:outerShdw blurRad="38100" dist="25400" dir="5400000" rotWithShape="0">
+              <a:srgbClr val="000000">
+                <a:alpha val="50000"/>
+              </a:srgbClr>
+            </a:outerShdw>
+          </a:effectLst>
+          <a:sp3d/>
+        </p:spPr>
+        <p:style>
+          <a:lnRef idx="0">
+            <a:scrgbClr r="0" g="0" b="0"/>
+          </a:lnRef>
+          <a:fillRef idx="0">
+            <a:scrgbClr r="0" g="0" b="0"/>
+          </a:fillRef>
+          <a:effectRef idx="0">
+            <a:scrgbClr r="0" g="0" b="0"/>
+          </a:effectRef>
+          <a:fontRef idx="none"/>
+        </p:style>
+        <p:txBody>
+          <a:bodyPr rot="0" spcFirstLastPara="1" vertOverflow="overflow" horzOverflow="overflow" vert="horz" wrap="square" lIns="50800" tIns="50800" rIns="50800" bIns="50800" numCol="1" spcCol="38100" rtlCol="0" anchor="ctr">
+            <a:spAutoFit/>
+          </a:bodyPr>
+          <a:lstStyle/>
+          <a:p>
+            <a:pPr marL="0" marR="0" indent="0" algn="ctr" defTabSz="825500" rtl="0" fontAlgn="auto" latinLnBrk="0" hangingPunct="0">
+              <a:lnSpc>
+                <a:spcPct val="100000"/>
+              </a:lnSpc>
+              <a:spcBef>
+                <a:spcPts val="0"/>
+              </a:spcBef>
+              <a:spcAft>
+                <a:spcPts val="0"/>
+              </a:spcAft>
+              <a:buClrTx/>
+              <a:buSzTx/>
+              <a:buFontTx/>
+              <a:buNone/>
+              <a:tabLst/>
+            </a:pPr>
+            <a:r>
+              <a:rPr kumimoji="0" lang="zh-CN" altLang="en-US" sz="3200" b="0" i="0" u="none" strike="noStrike" cap="none" spc="0" normalizeH="0" baseline="0" dirty="0" smtClean="0">
+                <a:ln>
+                  <a:noFill/>
+                </a:ln>
+                <a:solidFill>
+                  <a:srgbClr val="FFFFFF"/>
+                </a:solidFill>
+                <a:effectLst/>
+                <a:uFillTx/>
+                <a:latin typeface="+mn-lt"/>
+                <a:ea typeface="+mn-ea"/>
+                <a:cs typeface="+mn-cs"/>
+                <a:sym typeface="Helvetica Light"/>
+              </a:rPr>
+              <a:t>张辉父亲</a:t>
+            </a:r>
+            <a:endParaRPr kumimoji="0" lang="zh-CN" altLang="en-US" sz="3200" b="0" i="0" u="none" strike="noStrike" cap="none" spc="0" normalizeH="0" baseline="0" dirty="0">
+              <a:ln>
+                <a:noFill/>
+              </a:ln>
+              <a:solidFill>
+                <a:srgbClr val="FFFFFF"/>
+              </a:solidFill>
+              <a:effectLst/>
+              <a:uFillTx/>
+              <a:latin typeface="+mn-lt"/>
+              <a:ea typeface="+mn-ea"/>
+              <a:cs typeface="+mn-cs"/>
+              <a:sym typeface="Helvetica Light"/>
+            </a:endParaRPr>
+          </a:p>
+        </p:txBody>
+      </p:sp>
+      <p:sp>
+        <p:nvSpPr>
+          <p:cNvPr id="28" name="Rectangle 27"/>
+          <p:cNvSpPr/>
+          <p:nvPr/>
+        </p:nvSpPr>
+        <p:spPr>
+          <a:xfrm>
+            <a:off x="4939904" y="8571563"/>
+            <a:ext cx="5771481" cy="595035"/>
+          </a:xfrm>
+          <a:prstGeom prst="rect">
+            <a:avLst/>
+          </a:prstGeom>
+          <a:blipFill rotWithShape="1">
+            <a:blip r:embed="rId3"/>
+            <a:srcRect/>
+            <a:tile tx="0" ty="0" sx="100000" sy="100000" flip="none" algn="tl"/>
+          </a:blipFill>
+          <a:ln w="12700" cap="flat">
+            <a:solidFill>
+              <a:schemeClr val="bg1"/>
+            </a:solidFill>
+            <a:miter lim="400000"/>
+          </a:ln>
+          <a:effectLst>
+            <a:outerShdw blurRad="38100" dist="25400" dir="5400000" rotWithShape="0">
+              <a:srgbClr val="000000">
+                <a:alpha val="50000"/>
+              </a:srgbClr>
+            </a:outerShdw>
+          </a:effectLst>
+          <a:sp3d/>
+        </p:spPr>
+        <p:style>
+          <a:lnRef idx="0">
+            <a:scrgbClr r="0" g="0" b="0"/>
+          </a:lnRef>
+          <a:fillRef idx="0">
+            <a:scrgbClr r="0" g="0" b="0"/>
+          </a:fillRef>
+          <a:effectRef idx="0">
+            <a:scrgbClr r="0" g="0" b="0"/>
+          </a:effectRef>
+          <a:fontRef idx="none"/>
+        </p:style>
+        <p:txBody>
+          <a:bodyPr rot="0" spcFirstLastPara="1" vertOverflow="overflow" horzOverflow="overflow" vert="horz" wrap="square" lIns="50800" tIns="50800" rIns="50800" bIns="50800" numCol="1" spcCol="38100" rtlCol="0" anchor="ctr">
+            <a:spAutoFit/>
+          </a:bodyPr>
+          <a:lstStyle/>
+          <a:p>
+            <a:pPr marL="0" marR="0" indent="0" algn="ctr" defTabSz="825500" rtl="0" fontAlgn="auto" latinLnBrk="0" hangingPunct="0">
+              <a:lnSpc>
+                <a:spcPct val="100000"/>
+              </a:lnSpc>
+              <a:spcBef>
+                <a:spcPts val="0"/>
+              </a:spcBef>
+              <a:spcAft>
+                <a:spcPts val="0"/>
+              </a:spcAft>
+              <a:buClrTx/>
+              <a:buSzTx/>
+              <a:buFontTx/>
+              <a:buNone/>
+              <a:tabLst/>
+            </a:pPr>
+            <a:r>
+              <a:rPr kumimoji="0" lang="zh-CN" altLang="en-US" sz="3200" b="0" i="0" u="none" strike="noStrike" cap="none" spc="0" normalizeH="0" baseline="0" dirty="0" smtClean="0">
+                <a:ln>
+                  <a:noFill/>
+                </a:ln>
+                <a:solidFill>
+                  <a:srgbClr val="FFFFFF"/>
+                </a:solidFill>
+                <a:effectLst/>
+                <a:uFillTx/>
+                <a:latin typeface="+mn-lt"/>
+                <a:ea typeface="+mn-ea"/>
+                <a:cs typeface="+mn-cs"/>
+                <a:sym typeface="Helvetica Light"/>
+              </a:rPr>
+              <a:t>面具人</a:t>
+            </a:r>
+            <a:endParaRPr kumimoji="0" lang="zh-CN" altLang="en-US" sz="3200" b="0" i="0" u="none" strike="noStrike" cap="none" spc="0" normalizeH="0" baseline="0" dirty="0">
+              <a:ln>
+                <a:noFill/>
+              </a:ln>
+              <a:solidFill>
+                <a:srgbClr val="FFFFFF"/>
+              </a:solidFill>
+              <a:effectLst/>
+              <a:uFillTx/>
+              <a:latin typeface="+mn-lt"/>
+              <a:ea typeface="+mn-ea"/>
+              <a:cs typeface="+mn-cs"/>
+              <a:sym typeface="Helvetica Light"/>
+            </a:endParaRPr>
+          </a:p>
+        </p:txBody>
+      </p:sp>
+    </p:spTree>
+    <p:extLst>
+      <p:ext uri="{BB962C8B-B14F-4D97-AF65-F5344CB8AC3E}">
+        <p14:creationId xmlns:p14="http://schemas.microsoft.com/office/powerpoint/2010/main" val="502007306"/>
+      </p:ext>
+    </p:extLst>
+  </p:cSld>
+  <p:clrMapOvr>
+    <a:masterClrMapping/>
+  </p:clrMapOvr>
+  <p:transition spd="slow"/>
   <p:timing>
     <p:tnLst>
       <p:par>
@@ -3348,7 +5065,7 @@
           </a:ln>
           <a:extLst>
             <a:ext uri="{C572A759-6A51-4108-AA02-DFA0A04FC94B}">
-              <ma14:wrappingTextBoxFlag xmlns:ma14="http://schemas.microsoft.com/office/mac/drawingml/2011/main" xmlns="" val="1"/>
+              <ma14:wrappingTextBoxFlag xmlns="" xmlns:ma14="http://schemas.microsoft.com/office/mac/drawingml/2011/main" val="1"/>
             </a:ext>
           </a:extLst>
         </p:spPr>
@@ -3396,7 +5113,7 @@
           </a:ln>
           <a:extLst>
             <a:ext uri="{C572A759-6A51-4108-AA02-DFA0A04FC94B}">
-              <ma14:wrappingTextBoxFlag xmlns:ma14="http://schemas.microsoft.com/office/mac/drawingml/2011/main" xmlns="" val="1"/>
+              <ma14:wrappingTextBoxFlag xmlns="" xmlns:ma14="http://schemas.microsoft.com/office/mac/drawingml/2011/main" val="1"/>
             </a:ext>
           </a:extLst>
         </p:spPr>
@@ -3898,7 +5615,7 @@
           </a:ln>
           <a:extLst>
             <a:ext uri="{C572A759-6A51-4108-AA02-DFA0A04FC94B}">
-              <ma14:wrappingTextBoxFlag xmlns:ma14="http://schemas.microsoft.com/office/mac/drawingml/2011/main" xmlns="" val="1"/>
+              <ma14:wrappingTextBoxFlag xmlns="" xmlns:ma14="http://schemas.microsoft.com/office/mac/drawingml/2011/main" val="1"/>
             </a:ext>
           </a:extLst>
         </p:spPr>
@@ -3946,7 +5663,7 @@
           </a:ln>
           <a:extLst>
             <a:ext uri="{C572A759-6A51-4108-AA02-DFA0A04FC94B}">
-              <ma14:wrappingTextBoxFlag xmlns:ma14="http://schemas.microsoft.com/office/mac/drawingml/2011/main" xmlns="" val="1"/>
+              <ma14:wrappingTextBoxFlag xmlns="" xmlns:ma14="http://schemas.microsoft.com/office/mac/drawingml/2011/main" val="1"/>
             </a:ext>
           </a:extLst>
         </p:spPr>
@@ -4313,7 +6030,7 @@
           </a:ln>
           <a:extLst>
             <a:ext uri="{C572A759-6A51-4108-AA02-DFA0A04FC94B}">
-              <ma14:wrappingTextBoxFlag xmlns:ma14="http://schemas.microsoft.com/office/mac/drawingml/2011/main" xmlns="" val="1"/>
+              <ma14:wrappingTextBoxFlag xmlns="" xmlns:ma14="http://schemas.microsoft.com/office/mac/drawingml/2011/main" val="1"/>
             </a:ext>
           </a:extLst>
         </p:spPr>
@@ -4361,7 +6078,7 @@
           </a:ln>
           <a:extLst>
             <a:ext uri="{C572A759-6A51-4108-AA02-DFA0A04FC94B}">
-              <ma14:wrappingTextBoxFlag xmlns:ma14="http://schemas.microsoft.com/office/mac/drawingml/2011/main" xmlns="" val="1"/>
+              <ma14:wrappingTextBoxFlag xmlns="" xmlns:ma14="http://schemas.microsoft.com/office/mac/drawingml/2011/main" val="1"/>
             </a:ext>
           </a:extLst>
         </p:spPr>
@@ -4869,7 +6586,7 @@
           </a:ln>
           <a:extLst>
             <a:ext uri="{C572A759-6A51-4108-AA02-DFA0A04FC94B}">
-              <ma14:wrappingTextBoxFlag xmlns:ma14="http://schemas.microsoft.com/office/mac/drawingml/2011/main" xmlns="" val="1"/>
+              <ma14:wrappingTextBoxFlag xmlns="" xmlns:ma14="http://schemas.microsoft.com/office/mac/drawingml/2011/main" val="1"/>
             </a:ext>
           </a:extLst>
         </p:spPr>
@@ -4917,7 +6634,7 @@
           </a:ln>
           <a:extLst>
             <a:ext uri="{C572A759-6A51-4108-AA02-DFA0A04FC94B}">
-              <ma14:wrappingTextBoxFlag xmlns:ma14="http://schemas.microsoft.com/office/mac/drawingml/2011/main" xmlns="" val="1"/>
+              <ma14:wrappingTextBoxFlag xmlns="" xmlns:ma14="http://schemas.microsoft.com/office/mac/drawingml/2011/main" val="1"/>
             </a:ext>
           </a:extLst>
         </p:spPr>
@@ -5348,7 +7065,7 @@
           </a:ln>
           <a:extLst>
             <a:ext uri="{C572A759-6A51-4108-AA02-DFA0A04FC94B}">
-              <ma14:wrappingTextBoxFlag xmlns:ma14="http://schemas.microsoft.com/office/mac/drawingml/2011/main" xmlns="" val="1"/>
+              <ma14:wrappingTextBoxFlag xmlns="" xmlns:ma14="http://schemas.microsoft.com/office/mac/drawingml/2011/main" val="1"/>
             </a:ext>
           </a:extLst>
         </p:spPr>
@@ -5396,7 +7113,7 @@
           </a:ln>
           <a:extLst>
             <a:ext uri="{C572A759-6A51-4108-AA02-DFA0A04FC94B}">
-              <ma14:wrappingTextBoxFlag xmlns:ma14="http://schemas.microsoft.com/office/mac/drawingml/2011/main" xmlns="" val="1"/>
+              <ma14:wrappingTextBoxFlag xmlns="" xmlns:ma14="http://schemas.microsoft.com/office/mac/drawingml/2011/main" val="1"/>
             </a:ext>
           </a:extLst>
         </p:spPr>
@@ -5830,7 +7547,7 @@
           </a:ln>
           <a:extLst>
             <a:ext uri="{C572A759-6A51-4108-AA02-DFA0A04FC94B}">
-              <ma14:wrappingTextBoxFlag xmlns:ma14="http://schemas.microsoft.com/office/mac/drawingml/2011/main" xmlns="" val="1"/>
+              <ma14:wrappingTextBoxFlag xmlns="" xmlns:ma14="http://schemas.microsoft.com/office/mac/drawingml/2011/main" val="1"/>
             </a:ext>
           </a:extLst>
         </p:spPr>
@@ -5867,8 +7584,8 @@
         </p:nvSpPr>
         <p:spPr>
           <a:xfrm>
-            <a:off x="2414016" y="7064148"/>
-            <a:ext cx="20738592" cy="1949252"/>
+            <a:off x="2414016" y="5833044"/>
+            <a:ext cx="20738592" cy="4411464"/>
           </a:xfrm>
           <a:prstGeom prst="rect">
             <a:avLst/>
@@ -5878,7 +7595,7 @@
           </a:ln>
           <a:extLst>
             <a:ext uri="{C572A759-6A51-4108-AA02-DFA0A04FC94B}">
-              <ma14:wrappingTextBoxFlag xmlns:ma14="http://schemas.microsoft.com/office/mac/drawingml/2011/main" xmlns="" val="1"/>
+              <ma14:wrappingTextBoxFlag xmlns="" xmlns:ma14="http://schemas.microsoft.com/office/mac/drawingml/2011/main" val="1"/>
             </a:ext>
           </a:extLst>
         </p:spPr>
@@ -5898,7 +7615,7 @@
                 <a:latin typeface="微软雅黑" panose="020B0503020204020204" pitchFamily="34" charset="-122"/>
                 <a:ea typeface="微软雅黑" panose="020B0503020204020204" pitchFamily="34" charset="-122"/>
               </a:rPr>
-              <a:t>揭露永生哪些背景</a:t>
+              <a:t>玩家通过帮助游戏角色探索整个秘密基地，收集关于基地做永生试验的资料和基地的背景故事</a:t>
             </a:r>
             <a:endParaRPr lang="en-US" altLang="zh-CN" sz="4000" dirty="0" smtClean="0">
               <a:latin typeface="微软雅黑" panose="020B0503020204020204" pitchFamily="34" charset="-122"/>
@@ -5907,7 +7624,7 @@
           </a:p>
           <a:p>
             <a:pPr algn="l"/>
-            <a:endParaRPr lang="en-US" sz="4000" dirty="0">
+            <a:endParaRPr lang="en-US" altLang="zh-CN" sz="4000" dirty="0" smtClean="0">
               <a:latin typeface="微软雅黑" panose="020B0503020204020204" pitchFamily="34" charset="-122"/>
               <a:ea typeface="微软雅黑" panose="020B0503020204020204" pitchFamily="34" charset="-122"/>
             </a:endParaRPr>
@@ -5915,11 +7632,46 @@
           <a:p>
             <a:pPr algn="l"/>
             <a:r>
+              <a:rPr lang="zh-CN" altLang="en-US" sz="4000" dirty="0">
+                <a:latin typeface="微软雅黑" panose="020B0503020204020204" pitchFamily="34" charset="-122"/>
+                <a:ea typeface="微软雅黑" panose="020B0503020204020204" pitchFamily="34" charset="-122"/>
+              </a:rPr>
+              <a:t>故</a:t>
+            </a:r>
+            <a:r>
               <a:rPr lang="zh-CN" altLang="en-US" sz="4000" dirty="0" smtClean="0">
                 <a:latin typeface="微软雅黑" panose="020B0503020204020204" pitchFamily="34" charset="-122"/>
                 <a:ea typeface="微软雅黑" panose="020B0503020204020204" pitchFamily="34" charset="-122"/>
               </a:rPr>
-              <a:t>外星人？</a:t>
+              <a:t>事的载体暂定为 神秘的石板，刻有神秘的文字，角色手里的设备可破译，但需要时间</a:t>
+            </a:r>
+            <a:endParaRPr lang="en-US" altLang="zh-CN" sz="4000" dirty="0" smtClean="0">
+              <a:latin typeface="微软雅黑" panose="020B0503020204020204" pitchFamily="34" charset="-122"/>
+              <a:ea typeface="微软雅黑" panose="020B0503020204020204" pitchFamily="34" charset="-122"/>
+            </a:endParaRPr>
+          </a:p>
+          <a:p>
+            <a:pPr algn="l"/>
+            <a:endParaRPr lang="en-US" altLang="zh-CN" sz="4000" dirty="0" smtClean="0">
+              <a:latin typeface="微软雅黑" panose="020B0503020204020204" pitchFamily="34" charset="-122"/>
+              <a:ea typeface="微软雅黑" panose="020B0503020204020204" pitchFamily="34" charset="-122"/>
+            </a:endParaRPr>
+          </a:p>
+          <a:p>
+            <a:pPr algn="l"/>
+            <a:r>
+              <a:rPr lang="zh-CN" altLang="en-US" sz="4000" dirty="0">
+                <a:latin typeface="微软雅黑" panose="020B0503020204020204" pitchFamily="34" charset="-122"/>
+                <a:ea typeface="微软雅黑" panose="020B0503020204020204" pitchFamily="34" charset="-122"/>
+              </a:rPr>
+              <a:t>故</a:t>
+            </a:r>
+            <a:r>
+              <a:rPr lang="zh-CN" altLang="en-US" sz="4000" dirty="0" smtClean="0">
+                <a:latin typeface="微软雅黑" panose="020B0503020204020204" pitchFamily="34" charset="-122"/>
+                <a:ea typeface="微软雅黑" panose="020B0503020204020204" pitchFamily="34" charset="-122"/>
+              </a:rPr>
+              <a:t>事的内容大致为 基地的由来，基地的试验，人类永生的发现，骷髅面具的含义，外星人的秘密，神秘组织遍布全球</a:t>
             </a:r>
             <a:endParaRPr lang="en-US" altLang="zh-CN" sz="4000" dirty="0" smtClean="0">
               <a:latin typeface="微软雅黑" panose="020B0503020204020204" pitchFamily="34" charset="-122"/>
@@ -5995,14 +7747,20 @@
               <a:tabLst/>
             </a:pPr>
             <a:r>
-              <a:rPr lang="zh-CN" altLang="en-US" dirty="0">
+              <a:rPr kumimoji="0" lang="zh-CN" altLang="en-US" b="0" i="0" u="none" strike="noStrike" cap="none" spc="0" normalizeH="0" baseline="0" dirty="0" smtClean="0">
+                <a:ln>
+                  <a:noFill/>
+                </a:ln>
                 <a:solidFill>
                   <a:srgbClr val="FFFFFF"/>
                 </a:solidFill>
+                <a:effectLst/>
+                <a:uFillTx/>
                 <a:latin typeface="微软雅黑" panose="020B0503020204020204" pitchFamily="34" charset="-122"/>
                 <a:ea typeface="微软雅黑" panose="020B0503020204020204" pitchFamily="34" charset="-122"/>
-              </a:rPr>
-              <a:t>永生</a:t>
+                <a:sym typeface="Helvetica Light"/>
+              </a:rPr>
+              <a:t>背景</a:t>
             </a:r>
             <a:endParaRPr kumimoji="0" lang="zh-CN" altLang="en-US" b="0" i="0" u="none" strike="noStrike" cap="none" spc="0" normalizeH="0" baseline="0" dirty="0">
               <a:ln>
@@ -6024,6 +7782,4089 @@
     <p:extLst>
       <p:ext uri="{BB962C8B-B14F-4D97-AF65-F5344CB8AC3E}">
         <p14:creationId xmlns:p14="http://schemas.microsoft.com/office/powerpoint/2010/main" val="4292976780"/>
+      </p:ext>
+    </p:extLst>
+  </p:cSld>
+  <p:clrMapOvr>
+    <a:masterClrMapping/>
+  </p:clrMapOvr>
+  <p:transition spd="slow"/>
+  <p:timing>
+    <p:tnLst>
+      <p:par>
+        <p:cTn id="1" dur="indefinite" restart="never" nodeType="tmRoot"/>
+      </p:par>
+    </p:tnLst>
+  </p:timing>
+</p:sld>
+</file>
+
+<file path=ppt/slides/slide8.xml><?xml version="1.0" encoding="utf-8"?>
+<p:sld xmlns:a="http://schemas.openxmlformats.org/drawingml/2006/main" xmlns:r="http://schemas.openxmlformats.org/officeDocument/2006/relationships" xmlns:p="http://schemas.openxmlformats.org/presentationml/2006/main">
+  <p:cSld>
+    <p:spTree>
+      <p:nvGrpSpPr>
+        <p:cNvPr id="1" name=""/>
+        <p:cNvGrpSpPr/>
+        <p:nvPr/>
+      </p:nvGrpSpPr>
+      <p:grpSpPr>
+        <a:xfrm>
+          <a:off x="0" y="0"/>
+          <a:ext cx="0" cy="0"/>
+          <a:chOff x="0" y="0"/>
+          <a:chExt cx="0" cy="0"/>
+        </a:xfrm>
+      </p:grpSpPr>
+      <p:sp>
+        <p:nvSpPr>
+          <p:cNvPr id="126" name="Shape 126"/>
+          <p:cNvSpPr/>
+          <p:nvPr/>
+        </p:nvSpPr>
+        <p:spPr>
+          <a:xfrm>
+            <a:off x="-31818" y="-153408"/>
+            <a:ext cx="24447634" cy="2786882"/>
+          </a:xfrm>
+          <a:prstGeom prst="rect">
+            <a:avLst/>
+          </a:prstGeom>
+          <a:solidFill>
+            <a:srgbClr val="00AE66"/>
+          </a:solidFill>
+          <a:ln w="12700">
+            <a:miter lim="400000"/>
+          </a:ln>
+        </p:spPr>
+        <p:txBody>
+          <a:bodyPr lIns="50800" tIns="50800" rIns="50800" bIns="50800" anchor="ctr"/>
+          <a:lstStyle/>
+          <a:p>
+            <a:pPr>
+              <a:defRPr sz="3200">
+                <a:solidFill>
+                  <a:srgbClr val="FFFFFF"/>
+                </a:solidFill>
+              </a:defRPr>
+            </a:pPr>
+            <a:endParaRPr/>
+          </a:p>
+        </p:txBody>
+      </p:sp>
+      <p:sp>
+        <p:nvSpPr>
+          <p:cNvPr id="128" name="Shape 128"/>
+          <p:cNvSpPr/>
+          <p:nvPr/>
+        </p:nvSpPr>
+        <p:spPr>
+          <a:xfrm>
+            <a:off x="-71254" y="-122759"/>
+            <a:ext cx="24526507" cy="2756232"/>
+          </a:xfrm>
+          <a:prstGeom prst="rect">
+            <a:avLst/>
+          </a:prstGeom>
+          <a:solidFill>
+            <a:srgbClr val="000000">
+              <a:alpha val="70000"/>
+            </a:srgbClr>
+          </a:solidFill>
+          <a:ln w="12700">
+            <a:miter lim="400000"/>
+          </a:ln>
+          <a:effectLst>
+            <a:outerShdw blurRad="38100" dist="25400" dir="5400000" rotWithShape="0">
+              <a:srgbClr val="000000">
+                <a:alpha val="50000"/>
+              </a:srgbClr>
+            </a:outerShdw>
+          </a:effectLst>
+        </p:spPr>
+        <p:txBody>
+          <a:bodyPr lIns="50800" tIns="50800" rIns="50800" bIns="50800" anchor="ctr"/>
+          <a:lstStyle/>
+          <a:p>
+            <a:pPr>
+              <a:defRPr sz="3200">
+                <a:solidFill>
+                  <a:srgbClr val="FFFFFF"/>
+                </a:solidFill>
+              </a:defRPr>
+            </a:pPr>
+            <a:endParaRPr/>
+          </a:p>
+        </p:txBody>
+      </p:sp>
+      <p:pic>
+        <p:nvPicPr>
+          <p:cNvPr id="129" name="pasted-image.pdf"/>
+          <p:cNvPicPr>
+            <a:picLocks noChangeAspect="1"/>
+          </p:cNvPicPr>
+          <p:nvPr/>
+        </p:nvPicPr>
+        <p:blipFill>
+          <a:blip r:embed="rId2">
+            <a:extLst/>
+          </a:blip>
+          <a:stretch>
+            <a:fillRect/>
+          </a:stretch>
+        </p:blipFill>
+        <p:spPr>
+          <a:xfrm>
+            <a:off x="10238213" y="-109728"/>
+            <a:ext cx="3800445" cy="1093470"/>
+          </a:xfrm>
+          <a:prstGeom prst="rect">
+            <a:avLst/>
+          </a:prstGeom>
+          <a:ln w="12700">
+            <a:miter lim="400000"/>
+          </a:ln>
+        </p:spPr>
+      </p:pic>
+      <p:sp>
+        <p:nvSpPr>
+          <p:cNvPr id="130" name="Shape 130"/>
+          <p:cNvSpPr/>
+          <p:nvPr/>
+        </p:nvSpPr>
+        <p:spPr>
+          <a:xfrm>
+            <a:off x="10327051" y="1170225"/>
+            <a:ext cx="3693319" cy="1179810"/>
+          </a:xfrm>
+          <a:prstGeom prst="rect">
+            <a:avLst/>
+          </a:prstGeom>
+          <a:ln w="12700">
+            <a:miter lim="400000"/>
+          </a:ln>
+          <a:extLst>
+            <a:ext uri="{C572A759-6A51-4108-AA02-DFA0A04FC94B}">
+              <ma14:wrappingTextBoxFlag xmlns="" xmlns:ma14="http://schemas.microsoft.com/office/mac/drawingml/2011/main" val="1"/>
+            </a:ext>
+          </a:extLst>
+        </p:spPr>
+        <p:txBody>
+          <a:bodyPr wrap="none" lIns="50800" tIns="50800" rIns="50800" bIns="50800" anchor="ctr">
+            <a:spAutoFit/>
+          </a:bodyPr>
+          <a:lstStyle/>
+          <a:p>
+            <a:pPr>
+              <a:defRPr sz="7000" b="1">
+                <a:solidFill>
+                  <a:srgbClr val="FFFFFF"/>
+                </a:solidFill>
+                <a:latin typeface="Helvetica"/>
+                <a:ea typeface="Helvetica"/>
+                <a:cs typeface="Helvetica"/>
+                <a:sym typeface="Helvetica"/>
+              </a:defRPr>
+            </a:pPr>
+            <a:r>
+              <a:rPr lang="zh-CN" altLang="en-US" dirty="0" smtClean="0"/>
+              <a:t>游戏介绍</a:t>
+            </a:r>
+            <a:endParaRPr dirty="0" smtClean="0"/>
+          </a:p>
+        </p:txBody>
+      </p:sp>
+      <p:sp>
+        <p:nvSpPr>
+          <p:cNvPr id="3" name="Rectangle 2"/>
+          <p:cNvSpPr/>
+          <p:nvPr/>
+        </p:nvSpPr>
+        <p:spPr>
+          <a:xfrm>
+            <a:off x="-50106" y="2599045"/>
+            <a:ext cx="3521467" cy="872034"/>
+          </a:xfrm>
+          <a:prstGeom prst="rect">
+            <a:avLst/>
+          </a:prstGeom>
+          <a:solidFill>
+            <a:srgbClr val="00AF66"/>
+          </a:solidFill>
+          <a:ln w="12700" cap="flat">
+            <a:solidFill>
+              <a:schemeClr val="tx1"/>
+            </a:solidFill>
+            <a:miter lim="400000"/>
+          </a:ln>
+          <a:effectLst>
+            <a:outerShdw blurRad="38100" dist="25400" dir="5400000" rotWithShape="0">
+              <a:srgbClr val="000000">
+                <a:alpha val="50000"/>
+              </a:srgbClr>
+            </a:outerShdw>
+          </a:effectLst>
+          <a:sp3d/>
+        </p:spPr>
+        <p:style>
+          <a:lnRef idx="0">
+            <a:scrgbClr r="0" g="0" b="0"/>
+          </a:lnRef>
+          <a:fillRef idx="0">
+            <a:scrgbClr r="0" g="0" b="0"/>
+          </a:fillRef>
+          <a:effectRef idx="0">
+            <a:scrgbClr r="0" g="0" b="0"/>
+          </a:effectRef>
+          <a:fontRef idx="none"/>
+        </p:style>
+        <p:txBody>
+          <a:bodyPr rot="0" spcFirstLastPara="1" vertOverflow="overflow" horzOverflow="overflow" vert="horz" wrap="square" lIns="50800" tIns="50800" rIns="50800" bIns="50800" numCol="1" spcCol="38100" rtlCol="0" anchor="ctr">
+            <a:spAutoFit/>
+          </a:bodyPr>
+          <a:lstStyle/>
+          <a:p>
+            <a:pPr marL="0" marR="0" indent="0" algn="ctr" defTabSz="825500" rtl="0" fontAlgn="auto" latinLnBrk="0" hangingPunct="0">
+              <a:lnSpc>
+                <a:spcPct val="100000"/>
+              </a:lnSpc>
+              <a:spcBef>
+                <a:spcPts val="0"/>
+              </a:spcBef>
+              <a:spcAft>
+                <a:spcPts val="0"/>
+              </a:spcAft>
+              <a:buClrTx/>
+              <a:buSzTx/>
+              <a:buFontTx/>
+              <a:buNone/>
+              <a:tabLst/>
+            </a:pPr>
+            <a:r>
+              <a:rPr kumimoji="0" lang="en-US" altLang="zh-CN" b="0" i="0" u="none" strike="noStrike" cap="none" spc="0" normalizeH="0" baseline="0" dirty="0" smtClean="0">
+                <a:ln>
+                  <a:noFill/>
+                </a:ln>
+                <a:solidFill>
+                  <a:srgbClr val="FFFFFF"/>
+                </a:solidFill>
+                <a:effectLst/>
+                <a:uFillTx/>
+                <a:latin typeface="微软雅黑" panose="020B0503020204020204" pitchFamily="34" charset="-122"/>
+                <a:ea typeface="微软雅黑" panose="020B0503020204020204" pitchFamily="34" charset="-122"/>
+                <a:sym typeface="Helvetica Light"/>
+              </a:rPr>
+              <a:t>UI</a:t>
+            </a:r>
+            <a:r>
+              <a:rPr lang="zh-CN" altLang="en-US" dirty="0">
+                <a:solidFill>
+                  <a:srgbClr val="FFFFFF"/>
+                </a:solidFill>
+                <a:latin typeface="微软雅黑" panose="020B0503020204020204" pitchFamily="34" charset="-122"/>
+                <a:ea typeface="微软雅黑" panose="020B0503020204020204" pitchFamily="34" charset="-122"/>
+              </a:rPr>
+              <a:t>界面</a:t>
+            </a:r>
+            <a:endParaRPr kumimoji="0" lang="zh-CN" altLang="en-US" b="0" i="0" u="none" strike="noStrike" cap="none" spc="0" normalizeH="0" baseline="0" dirty="0">
+              <a:ln>
+                <a:noFill/>
+              </a:ln>
+              <a:solidFill>
+                <a:srgbClr val="FFFFFF"/>
+              </a:solidFill>
+              <a:effectLst/>
+              <a:uFillTx/>
+              <a:latin typeface="微软雅黑" panose="020B0503020204020204" pitchFamily="34" charset="-122"/>
+              <a:ea typeface="微软雅黑" panose="020B0503020204020204" pitchFamily="34" charset="-122"/>
+              <a:sym typeface="Helvetica Light"/>
+            </a:endParaRPr>
+          </a:p>
+        </p:txBody>
+      </p:sp>
+      <p:sp>
+        <p:nvSpPr>
+          <p:cNvPr id="2" name="Rectangle 1"/>
+          <p:cNvSpPr/>
+          <p:nvPr/>
+        </p:nvSpPr>
+        <p:spPr>
+          <a:xfrm>
+            <a:off x="3877056" y="3035062"/>
+            <a:ext cx="6126480" cy="9894554"/>
+          </a:xfrm>
+          <a:prstGeom prst="rect">
+            <a:avLst/>
+          </a:prstGeom>
+          <a:blipFill rotWithShape="1">
+            <a:blip r:embed="rId3"/>
+            <a:srcRect/>
+            <a:tile tx="0" ty="0" sx="100000" sy="100000" flip="none" algn="tl"/>
+          </a:blipFill>
+          <a:ln w="12700" cap="flat">
+            <a:noFill/>
+            <a:miter lim="400000"/>
+          </a:ln>
+          <a:effectLst>
+            <a:outerShdw blurRad="38100" dist="25400" dir="5400000" rotWithShape="0">
+              <a:srgbClr val="000000">
+                <a:alpha val="50000"/>
+              </a:srgbClr>
+            </a:outerShdw>
+          </a:effectLst>
+          <a:sp3d/>
+        </p:spPr>
+        <p:style>
+          <a:lnRef idx="0">
+            <a:scrgbClr r="0" g="0" b="0"/>
+          </a:lnRef>
+          <a:fillRef idx="0">
+            <a:scrgbClr r="0" g="0" b="0"/>
+          </a:fillRef>
+          <a:effectRef idx="0">
+            <a:scrgbClr r="0" g="0" b="0"/>
+          </a:effectRef>
+          <a:fontRef idx="none"/>
+        </p:style>
+        <p:txBody>
+          <a:bodyPr rot="0" spcFirstLastPara="1" vertOverflow="overflow" horzOverflow="overflow" vert="horz" wrap="square" lIns="50800" tIns="50800" rIns="50800" bIns="50800" numCol="1" spcCol="38100" rtlCol="0" anchor="ctr">
+            <a:spAutoFit/>
+          </a:bodyPr>
+          <a:lstStyle/>
+          <a:p>
+            <a:pPr marL="0" marR="0" indent="0" algn="ctr" defTabSz="825500" rtl="0" fontAlgn="auto" latinLnBrk="0" hangingPunct="0">
+              <a:lnSpc>
+                <a:spcPct val="100000"/>
+              </a:lnSpc>
+              <a:spcBef>
+                <a:spcPts val="0"/>
+              </a:spcBef>
+              <a:spcAft>
+                <a:spcPts val="0"/>
+              </a:spcAft>
+              <a:buClrTx/>
+              <a:buSzTx/>
+              <a:buFontTx/>
+              <a:buNone/>
+              <a:tabLst/>
+            </a:pPr>
+            <a:endParaRPr kumimoji="0" lang="zh-CN" altLang="en-US" sz="3200" b="0" i="0" u="none" strike="noStrike" cap="none" spc="0" normalizeH="0" baseline="0">
+              <a:ln>
+                <a:noFill/>
+              </a:ln>
+              <a:solidFill>
+                <a:srgbClr val="FFFFFF"/>
+              </a:solidFill>
+              <a:effectLst/>
+              <a:uFillTx/>
+              <a:latin typeface="+mn-lt"/>
+              <a:ea typeface="+mn-ea"/>
+              <a:cs typeface="+mn-cs"/>
+              <a:sym typeface="Helvetica Light"/>
+            </a:endParaRPr>
+          </a:p>
+        </p:txBody>
+      </p:sp>
+      <p:sp>
+        <p:nvSpPr>
+          <p:cNvPr id="15" name="Rectangle 14"/>
+          <p:cNvSpPr/>
+          <p:nvPr/>
+        </p:nvSpPr>
+        <p:spPr>
+          <a:xfrm>
+            <a:off x="14961608" y="3053349"/>
+            <a:ext cx="6126480" cy="9894554"/>
+          </a:xfrm>
+          <a:prstGeom prst="rect">
+            <a:avLst/>
+          </a:prstGeom>
+          <a:blipFill rotWithShape="1">
+            <a:blip r:embed="rId3"/>
+            <a:srcRect/>
+            <a:tile tx="0" ty="0" sx="100000" sy="100000" flip="none" algn="tl"/>
+          </a:blipFill>
+          <a:ln w="12700" cap="flat">
+            <a:noFill/>
+            <a:miter lim="400000"/>
+          </a:ln>
+          <a:effectLst>
+            <a:outerShdw blurRad="38100" dist="25400" dir="5400000" rotWithShape="0">
+              <a:srgbClr val="000000">
+                <a:alpha val="50000"/>
+              </a:srgbClr>
+            </a:outerShdw>
+          </a:effectLst>
+          <a:sp3d/>
+        </p:spPr>
+        <p:style>
+          <a:lnRef idx="0">
+            <a:scrgbClr r="0" g="0" b="0"/>
+          </a:lnRef>
+          <a:fillRef idx="0">
+            <a:scrgbClr r="0" g="0" b="0"/>
+          </a:fillRef>
+          <a:effectRef idx="0">
+            <a:scrgbClr r="0" g="0" b="0"/>
+          </a:effectRef>
+          <a:fontRef idx="none"/>
+        </p:style>
+        <p:txBody>
+          <a:bodyPr rot="0" spcFirstLastPara="1" vertOverflow="overflow" horzOverflow="overflow" vert="horz" wrap="square" lIns="50800" tIns="50800" rIns="50800" bIns="50800" numCol="1" spcCol="38100" rtlCol="0" anchor="ctr">
+            <a:spAutoFit/>
+          </a:bodyPr>
+          <a:lstStyle/>
+          <a:p>
+            <a:pPr marL="0" marR="0" indent="0" algn="ctr" defTabSz="825500" rtl="0" fontAlgn="auto" latinLnBrk="0" hangingPunct="0">
+              <a:lnSpc>
+                <a:spcPct val="100000"/>
+              </a:lnSpc>
+              <a:spcBef>
+                <a:spcPts val="0"/>
+              </a:spcBef>
+              <a:spcAft>
+                <a:spcPts val="0"/>
+              </a:spcAft>
+              <a:buClrTx/>
+              <a:buSzTx/>
+              <a:buFontTx/>
+              <a:buNone/>
+              <a:tabLst/>
+            </a:pPr>
+            <a:endParaRPr kumimoji="0" lang="zh-CN" altLang="en-US" sz="3200" b="0" i="0" u="none" strike="noStrike" cap="none" spc="0" normalizeH="0" baseline="0">
+              <a:ln>
+                <a:noFill/>
+              </a:ln>
+              <a:solidFill>
+                <a:srgbClr val="FFFFFF"/>
+              </a:solidFill>
+              <a:effectLst/>
+              <a:uFillTx/>
+              <a:latin typeface="+mn-lt"/>
+              <a:ea typeface="+mn-ea"/>
+              <a:cs typeface="+mn-cs"/>
+              <a:sym typeface="Helvetica Light"/>
+            </a:endParaRPr>
+          </a:p>
+        </p:txBody>
+      </p:sp>
+      <p:sp>
+        <p:nvSpPr>
+          <p:cNvPr id="17" name="Rectangle 16"/>
+          <p:cNvSpPr/>
+          <p:nvPr/>
+        </p:nvSpPr>
+        <p:spPr>
+          <a:xfrm>
+            <a:off x="14983968" y="11143642"/>
+            <a:ext cx="6126480" cy="1800000"/>
+          </a:xfrm>
+          <a:prstGeom prst="rect">
+            <a:avLst/>
+          </a:prstGeom>
+          <a:noFill/>
+          <a:ln/>
+        </p:spPr>
+        <p:style>
+          <a:lnRef idx="3">
+            <a:schemeClr val="lt1"/>
+          </a:lnRef>
+          <a:fillRef idx="1">
+            <a:schemeClr val="accent1"/>
+          </a:fillRef>
+          <a:effectRef idx="1">
+            <a:schemeClr val="accent1"/>
+          </a:effectRef>
+          <a:fontRef idx="minor">
+            <a:schemeClr val="lt1"/>
+          </a:fontRef>
+        </p:style>
+        <p:txBody>
+          <a:bodyPr rot="0" spcFirstLastPara="1" vertOverflow="overflow" horzOverflow="overflow" vert="horz" wrap="square" lIns="50800" tIns="50800" rIns="50800" bIns="50800" numCol="1" spcCol="38100" rtlCol="0" anchor="ctr">
+            <a:spAutoFit/>
+          </a:bodyPr>
+          <a:lstStyle/>
+          <a:p>
+            <a:pPr marL="0" marR="0" indent="0" algn="ctr" defTabSz="825500" rtl="0" fontAlgn="auto" latinLnBrk="0" hangingPunct="0">
+              <a:lnSpc>
+                <a:spcPct val="100000"/>
+              </a:lnSpc>
+              <a:spcBef>
+                <a:spcPts val="0"/>
+              </a:spcBef>
+              <a:spcAft>
+                <a:spcPts val="0"/>
+              </a:spcAft>
+              <a:buClrTx/>
+              <a:buSzTx/>
+              <a:buFontTx/>
+              <a:buNone/>
+              <a:tabLst/>
+            </a:pPr>
+            <a:endParaRPr kumimoji="0" lang="zh-CN" altLang="en-US" sz="3200" b="0" i="0" u="none" strike="noStrike" cap="none" spc="0" normalizeH="0" baseline="0">
+              <a:ln>
+                <a:noFill/>
+              </a:ln>
+              <a:solidFill>
+                <a:srgbClr val="FFFFFF"/>
+              </a:solidFill>
+              <a:effectLst/>
+              <a:uFillTx/>
+              <a:latin typeface="+mn-lt"/>
+              <a:ea typeface="+mn-ea"/>
+              <a:cs typeface="+mn-cs"/>
+              <a:sym typeface="Helvetica Light"/>
+            </a:endParaRPr>
+          </a:p>
+        </p:txBody>
+      </p:sp>
+      <p:sp>
+        <p:nvSpPr>
+          <p:cNvPr id="18" name="Rectangle 17"/>
+          <p:cNvSpPr/>
+          <p:nvPr/>
+        </p:nvSpPr>
+        <p:spPr>
+          <a:xfrm>
+            <a:off x="15290792" y="11687027"/>
+            <a:ext cx="2414016" cy="896112"/>
+          </a:xfrm>
+          <a:prstGeom prst="rect">
+            <a:avLst/>
+          </a:prstGeom>
+          <a:ln/>
+        </p:spPr>
+        <p:style>
+          <a:lnRef idx="3">
+            <a:schemeClr val="lt1"/>
+          </a:lnRef>
+          <a:fillRef idx="1">
+            <a:schemeClr val="accent1"/>
+          </a:fillRef>
+          <a:effectRef idx="1">
+            <a:schemeClr val="accent1"/>
+          </a:effectRef>
+          <a:fontRef idx="minor">
+            <a:schemeClr val="lt1"/>
+          </a:fontRef>
+        </p:style>
+        <p:txBody>
+          <a:bodyPr rot="0" spcFirstLastPara="1" vertOverflow="overflow" horzOverflow="overflow" vert="horz" wrap="square" lIns="50800" tIns="50800" rIns="50800" bIns="50800" numCol="1" spcCol="38100" rtlCol="0" anchor="ctr">
+            <a:spAutoFit/>
+          </a:bodyPr>
+          <a:lstStyle/>
+          <a:p>
+            <a:pPr marL="0" marR="0" indent="0" algn="ctr" defTabSz="825500" rtl="0" fontAlgn="auto" latinLnBrk="0" hangingPunct="0">
+              <a:lnSpc>
+                <a:spcPct val="100000"/>
+              </a:lnSpc>
+              <a:spcBef>
+                <a:spcPts val="0"/>
+              </a:spcBef>
+              <a:spcAft>
+                <a:spcPts val="0"/>
+              </a:spcAft>
+              <a:buClrTx/>
+              <a:buSzTx/>
+              <a:buFontTx/>
+              <a:buNone/>
+              <a:tabLst/>
+            </a:pPr>
+            <a:endParaRPr kumimoji="0" lang="zh-CN" altLang="en-US" sz="3200" b="0" i="0" u="none" strike="noStrike" cap="none" spc="0" normalizeH="0" baseline="0">
+              <a:ln>
+                <a:noFill/>
+              </a:ln>
+              <a:solidFill>
+                <a:srgbClr val="FFFFFF"/>
+              </a:solidFill>
+              <a:effectLst/>
+              <a:uFillTx/>
+              <a:latin typeface="+mn-lt"/>
+              <a:ea typeface="+mn-ea"/>
+              <a:cs typeface="+mn-cs"/>
+              <a:sym typeface="Helvetica Light"/>
+            </a:endParaRPr>
+          </a:p>
+        </p:txBody>
+      </p:sp>
+      <p:sp>
+        <p:nvSpPr>
+          <p:cNvPr id="19" name="Rectangle 18"/>
+          <p:cNvSpPr/>
+          <p:nvPr/>
+        </p:nvSpPr>
+        <p:spPr>
+          <a:xfrm>
+            <a:off x="18350984" y="11687027"/>
+            <a:ext cx="2414016" cy="896112"/>
+          </a:xfrm>
+          <a:prstGeom prst="rect">
+            <a:avLst/>
+          </a:prstGeom>
+          <a:ln/>
+        </p:spPr>
+        <p:style>
+          <a:lnRef idx="3">
+            <a:schemeClr val="lt1"/>
+          </a:lnRef>
+          <a:fillRef idx="1">
+            <a:schemeClr val="accent1"/>
+          </a:fillRef>
+          <a:effectRef idx="1">
+            <a:schemeClr val="accent1"/>
+          </a:effectRef>
+          <a:fontRef idx="minor">
+            <a:schemeClr val="lt1"/>
+          </a:fontRef>
+        </p:style>
+        <p:txBody>
+          <a:bodyPr rot="0" spcFirstLastPara="1" vertOverflow="overflow" horzOverflow="overflow" vert="horz" wrap="square" lIns="50800" tIns="50800" rIns="50800" bIns="50800" numCol="1" spcCol="38100" rtlCol="0" anchor="ctr">
+            <a:spAutoFit/>
+          </a:bodyPr>
+          <a:lstStyle/>
+          <a:p>
+            <a:pPr marL="0" marR="0" indent="0" algn="ctr" defTabSz="825500" rtl="0" fontAlgn="auto" latinLnBrk="0" hangingPunct="0">
+              <a:lnSpc>
+                <a:spcPct val="100000"/>
+              </a:lnSpc>
+              <a:spcBef>
+                <a:spcPts val="0"/>
+              </a:spcBef>
+              <a:spcAft>
+                <a:spcPts val="0"/>
+              </a:spcAft>
+              <a:buClrTx/>
+              <a:buSzTx/>
+              <a:buFontTx/>
+              <a:buNone/>
+              <a:tabLst/>
+            </a:pPr>
+            <a:endParaRPr kumimoji="0" lang="zh-CN" altLang="en-US" sz="3200" b="0" i="0" u="none" strike="noStrike" cap="none" spc="0" normalizeH="0" baseline="0">
+              <a:ln>
+                <a:noFill/>
+              </a:ln>
+              <a:solidFill>
+                <a:srgbClr val="FFFFFF"/>
+              </a:solidFill>
+              <a:effectLst/>
+              <a:uFillTx/>
+              <a:latin typeface="+mn-lt"/>
+              <a:ea typeface="+mn-ea"/>
+              <a:cs typeface="+mn-cs"/>
+              <a:sym typeface="Helvetica Light"/>
+            </a:endParaRPr>
+          </a:p>
+        </p:txBody>
+      </p:sp>
+      <p:cxnSp>
+        <p:nvCxnSpPr>
+          <p:cNvPr id="31" name="Elbow Connector 30"/>
+          <p:cNvCxnSpPr/>
+          <p:nvPr/>
+        </p:nvCxnSpPr>
+        <p:spPr>
+          <a:xfrm flipV="1">
+            <a:off x="3877056" y="8503920"/>
+            <a:ext cx="36576" cy="24034"/>
+          </a:xfrm>
+          <a:prstGeom prst="bentConnector3">
+            <a:avLst/>
+          </a:prstGeom>
+          <a:noFill/>
+          <a:ln w="25400" cap="flat">
+            <a:solidFill>
+              <a:srgbClr val="000000"/>
+            </a:solidFill>
+            <a:prstDash val="solid"/>
+            <a:miter lim="400000"/>
+          </a:ln>
+          <a:effectLst/>
+          <a:sp3d/>
+        </p:spPr>
+        <p:style>
+          <a:lnRef idx="0">
+            <a:scrgbClr r="0" g="0" b="0"/>
+          </a:lnRef>
+          <a:fillRef idx="0">
+            <a:scrgbClr r="0" g="0" b="0"/>
+          </a:fillRef>
+          <a:effectRef idx="0">
+            <a:scrgbClr r="0" g="0" b="0"/>
+          </a:effectRef>
+          <a:fontRef idx="none"/>
+        </p:style>
+      </p:cxnSp>
+      <p:sp>
+        <p:nvSpPr>
+          <p:cNvPr id="32" name="Freeform 31"/>
+          <p:cNvSpPr/>
+          <p:nvPr/>
+        </p:nvSpPr>
+        <p:spPr>
+          <a:xfrm>
+            <a:off x="3931920" y="7662672"/>
+            <a:ext cx="6035040" cy="1024128"/>
+          </a:xfrm>
+          <a:custGeom>
+            <a:avLst/>
+            <a:gdLst>
+              <a:gd name="connsiteX0" fmla="*/ 0 w 6035040"/>
+              <a:gd name="connsiteY0" fmla="*/ 841248 h 1024128"/>
+              <a:gd name="connsiteX1" fmla="*/ 237744 w 6035040"/>
+              <a:gd name="connsiteY1" fmla="*/ 585216 h 1024128"/>
+              <a:gd name="connsiteX2" fmla="*/ 347472 w 6035040"/>
+              <a:gd name="connsiteY2" fmla="*/ 512064 h 1024128"/>
+              <a:gd name="connsiteX3" fmla="*/ 402336 w 6035040"/>
+              <a:gd name="connsiteY3" fmla="*/ 438912 h 1024128"/>
+              <a:gd name="connsiteX4" fmla="*/ 475488 w 6035040"/>
+              <a:gd name="connsiteY4" fmla="*/ 384048 h 1024128"/>
+              <a:gd name="connsiteX5" fmla="*/ 566928 w 6035040"/>
+              <a:gd name="connsiteY5" fmla="*/ 292608 h 1024128"/>
+              <a:gd name="connsiteX6" fmla="*/ 603504 w 6035040"/>
+              <a:gd name="connsiteY6" fmla="*/ 237744 h 1024128"/>
+              <a:gd name="connsiteX7" fmla="*/ 658368 w 6035040"/>
+              <a:gd name="connsiteY7" fmla="*/ 201168 h 1024128"/>
+              <a:gd name="connsiteX8" fmla="*/ 786384 w 6035040"/>
+              <a:gd name="connsiteY8" fmla="*/ 109728 h 1024128"/>
+              <a:gd name="connsiteX9" fmla="*/ 822960 w 6035040"/>
+              <a:gd name="connsiteY9" fmla="*/ 54864 h 1024128"/>
+              <a:gd name="connsiteX10" fmla="*/ 841248 w 6035040"/>
+              <a:gd name="connsiteY10" fmla="*/ 0 h 1024128"/>
+              <a:gd name="connsiteX11" fmla="*/ 896112 w 6035040"/>
+              <a:gd name="connsiteY11" fmla="*/ 54864 h 1024128"/>
+              <a:gd name="connsiteX12" fmla="*/ 950976 w 6035040"/>
+              <a:gd name="connsiteY12" fmla="*/ 201168 h 1024128"/>
+              <a:gd name="connsiteX13" fmla="*/ 1024128 w 6035040"/>
+              <a:gd name="connsiteY13" fmla="*/ 365760 h 1024128"/>
+              <a:gd name="connsiteX14" fmla="*/ 1078992 w 6035040"/>
+              <a:gd name="connsiteY14" fmla="*/ 402336 h 1024128"/>
+              <a:gd name="connsiteX15" fmla="*/ 1097280 w 6035040"/>
+              <a:gd name="connsiteY15" fmla="*/ 475488 h 1024128"/>
+              <a:gd name="connsiteX16" fmla="*/ 1152144 w 6035040"/>
+              <a:gd name="connsiteY16" fmla="*/ 548640 h 1024128"/>
+              <a:gd name="connsiteX17" fmla="*/ 1243584 w 6035040"/>
+              <a:gd name="connsiteY17" fmla="*/ 658368 h 1024128"/>
+              <a:gd name="connsiteX18" fmla="*/ 1261872 w 6035040"/>
+              <a:gd name="connsiteY18" fmla="*/ 713232 h 1024128"/>
+              <a:gd name="connsiteX19" fmla="*/ 1280160 w 6035040"/>
+              <a:gd name="connsiteY19" fmla="*/ 786384 h 1024128"/>
+              <a:gd name="connsiteX20" fmla="*/ 1335024 w 6035040"/>
+              <a:gd name="connsiteY20" fmla="*/ 822960 h 1024128"/>
+              <a:gd name="connsiteX21" fmla="*/ 1444752 w 6035040"/>
+              <a:gd name="connsiteY21" fmla="*/ 1024128 h 1024128"/>
+              <a:gd name="connsiteX22" fmla="*/ 1517904 w 6035040"/>
+              <a:gd name="connsiteY22" fmla="*/ 932688 h 1024128"/>
+              <a:gd name="connsiteX23" fmla="*/ 1572768 w 6035040"/>
+              <a:gd name="connsiteY23" fmla="*/ 841248 h 1024128"/>
+              <a:gd name="connsiteX24" fmla="*/ 1682496 w 6035040"/>
+              <a:gd name="connsiteY24" fmla="*/ 749808 h 1024128"/>
+              <a:gd name="connsiteX25" fmla="*/ 1865376 w 6035040"/>
+              <a:gd name="connsiteY25" fmla="*/ 603504 h 1024128"/>
+              <a:gd name="connsiteX26" fmla="*/ 1938528 w 6035040"/>
+              <a:gd name="connsiteY26" fmla="*/ 530352 h 1024128"/>
+              <a:gd name="connsiteX27" fmla="*/ 1993392 w 6035040"/>
+              <a:gd name="connsiteY27" fmla="*/ 457200 h 1024128"/>
+              <a:gd name="connsiteX28" fmla="*/ 2066544 w 6035040"/>
+              <a:gd name="connsiteY28" fmla="*/ 420624 h 1024128"/>
+              <a:gd name="connsiteX29" fmla="*/ 2267712 w 6035040"/>
+              <a:gd name="connsiteY29" fmla="*/ 292608 h 1024128"/>
+              <a:gd name="connsiteX30" fmla="*/ 2395728 w 6035040"/>
+              <a:gd name="connsiteY30" fmla="*/ 256032 h 1024128"/>
+              <a:gd name="connsiteX31" fmla="*/ 2505456 w 6035040"/>
+              <a:gd name="connsiteY31" fmla="*/ 182880 h 1024128"/>
+              <a:gd name="connsiteX32" fmla="*/ 2560320 w 6035040"/>
+              <a:gd name="connsiteY32" fmla="*/ 146304 h 1024128"/>
+              <a:gd name="connsiteX33" fmla="*/ 2615184 w 6035040"/>
+              <a:gd name="connsiteY33" fmla="*/ 128016 h 1024128"/>
+              <a:gd name="connsiteX34" fmla="*/ 2706624 w 6035040"/>
+              <a:gd name="connsiteY34" fmla="*/ 36576 h 1024128"/>
+              <a:gd name="connsiteX35" fmla="*/ 2724912 w 6035040"/>
+              <a:gd name="connsiteY35" fmla="*/ 109728 h 1024128"/>
+              <a:gd name="connsiteX36" fmla="*/ 2798064 w 6035040"/>
+              <a:gd name="connsiteY36" fmla="*/ 256032 h 1024128"/>
+              <a:gd name="connsiteX37" fmla="*/ 2834640 w 6035040"/>
+              <a:gd name="connsiteY37" fmla="*/ 402336 h 1024128"/>
+              <a:gd name="connsiteX38" fmla="*/ 2852928 w 6035040"/>
+              <a:gd name="connsiteY38" fmla="*/ 457200 h 1024128"/>
+              <a:gd name="connsiteX39" fmla="*/ 2871216 w 6035040"/>
+              <a:gd name="connsiteY39" fmla="*/ 530352 h 1024128"/>
+              <a:gd name="connsiteX40" fmla="*/ 2907792 w 6035040"/>
+              <a:gd name="connsiteY40" fmla="*/ 640080 h 1024128"/>
+              <a:gd name="connsiteX41" fmla="*/ 2944368 w 6035040"/>
+              <a:gd name="connsiteY41" fmla="*/ 694944 h 1024128"/>
+              <a:gd name="connsiteX42" fmla="*/ 2999232 w 6035040"/>
+              <a:gd name="connsiteY42" fmla="*/ 676656 h 1024128"/>
+              <a:gd name="connsiteX43" fmla="*/ 3054096 w 6035040"/>
+              <a:gd name="connsiteY43" fmla="*/ 530352 h 1024128"/>
+              <a:gd name="connsiteX44" fmla="*/ 3108960 w 6035040"/>
+              <a:gd name="connsiteY44" fmla="*/ 493776 h 1024128"/>
+              <a:gd name="connsiteX45" fmla="*/ 3163824 w 6035040"/>
+              <a:gd name="connsiteY45" fmla="*/ 420624 h 1024128"/>
+              <a:gd name="connsiteX46" fmla="*/ 3218688 w 6035040"/>
+              <a:gd name="connsiteY46" fmla="*/ 365760 h 1024128"/>
+              <a:gd name="connsiteX47" fmla="*/ 3236976 w 6035040"/>
+              <a:gd name="connsiteY47" fmla="*/ 310896 h 1024128"/>
+              <a:gd name="connsiteX48" fmla="*/ 3291840 w 6035040"/>
+              <a:gd name="connsiteY48" fmla="*/ 347472 h 1024128"/>
+              <a:gd name="connsiteX49" fmla="*/ 3328416 w 6035040"/>
+              <a:gd name="connsiteY49" fmla="*/ 420624 h 1024128"/>
+              <a:gd name="connsiteX50" fmla="*/ 3383280 w 6035040"/>
+              <a:gd name="connsiteY50" fmla="*/ 475488 h 1024128"/>
+              <a:gd name="connsiteX51" fmla="*/ 3456432 w 6035040"/>
+              <a:gd name="connsiteY51" fmla="*/ 585216 h 1024128"/>
+              <a:gd name="connsiteX52" fmla="*/ 3474720 w 6035040"/>
+              <a:gd name="connsiteY52" fmla="*/ 640080 h 1024128"/>
+              <a:gd name="connsiteX53" fmla="*/ 3511296 w 6035040"/>
+              <a:gd name="connsiteY53" fmla="*/ 694944 h 1024128"/>
+              <a:gd name="connsiteX54" fmla="*/ 3730752 w 6035040"/>
+              <a:gd name="connsiteY54" fmla="*/ 493776 h 1024128"/>
+              <a:gd name="connsiteX55" fmla="*/ 3785616 w 6035040"/>
+              <a:gd name="connsiteY55" fmla="*/ 438912 h 1024128"/>
+              <a:gd name="connsiteX56" fmla="*/ 3877056 w 6035040"/>
+              <a:gd name="connsiteY56" fmla="*/ 384048 h 1024128"/>
+              <a:gd name="connsiteX57" fmla="*/ 3931920 w 6035040"/>
+              <a:gd name="connsiteY57" fmla="*/ 329184 h 1024128"/>
+              <a:gd name="connsiteX58" fmla="*/ 4005072 w 6035040"/>
+              <a:gd name="connsiteY58" fmla="*/ 274320 h 1024128"/>
+              <a:gd name="connsiteX59" fmla="*/ 4078224 w 6035040"/>
+              <a:gd name="connsiteY59" fmla="*/ 182880 h 1024128"/>
+              <a:gd name="connsiteX60" fmla="*/ 4114800 w 6035040"/>
+              <a:gd name="connsiteY60" fmla="*/ 128016 h 1024128"/>
+              <a:gd name="connsiteX61" fmla="*/ 4169664 w 6035040"/>
+              <a:gd name="connsiteY61" fmla="*/ 73152 h 1024128"/>
+              <a:gd name="connsiteX62" fmla="*/ 4242816 w 6035040"/>
+              <a:gd name="connsiteY62" fmla="*/ 109728 h 1024128"/>
+              <a:gd name="connsiteX63" fmla="*/ 4297680 w 6035040"/>
+              <a:gd name="connsiteY63" fmla="*/ 219456 h 1024128"/>
+              <a:gd name="connsiteX64" fmla="*/ 4370832 w 6035040"/>
+              <a:gd name="connsiteY64" fmla="*/ 329184 h 1024128"/>
+              <a:gd name="connsiteX65" fmla="*/ 4425696 w 6035040"/>
+              <a:gd name="connsiteY65" fmla="*/ 493776 h 1024128"/>
+              <a:gd name="connsiteX66" fmla="*/ 4443984 w 6035040"/>
+              <a:gd name="connsiteY66" fmla="*/ 566928 h 1024128"/>
+              <a:gd name="connsiteX67" fmla="*/ 4462272 w 6035040"/>
+              <a:gd name="connsiteY67" fmla="*/ 621792 h 1024128"/>
+              <a:gd name="connsiteX68" fmla="*/ 4517136 w 6035040"/>
+              <a:gd name="connsiteY68" fmla="*/ 676656 h 1024128"/>
+              <a:gd name="connsiteX69" fmla="*/ 4535424 w 6035040"/>
+              <a:gd name="connsiteY69" fmla="*/ 731520 h 1024128"/>
+              <a:gd name="connsiteX70" fmla="*/ 4608576 w 6035040"/>
+              <a:gd name="connsiteY70" fmla="*/ 713232 h 1024128"/>
+              <a:gd name="connsiteX71" fmla="*/ 4864608 w 6035040"/>
+              <a:gd name="connsiteY71" fmla="*/ 585216 h 1024128"/>
+              <a:gd name="connsiteX72" fmla="*/ 4901184 w 6035040"/>
+              <a:gd name="connsiteY72" fmla="*/ 512064 h 1024128"/>
+              <a:gd name="connsiteX73" fmla="*/ 4956048 w 6035040"/>
+              <a:gd name="connsiteY73" fmla="*/ 475488 h 1024128"/>
+              <a:gd name="connsiteX74" fmla="*/ 5010912 w 6035040"/>
+              <a:gd name="connsiteY74" fmla="*/ 420624 h 1024128"/>
+              <a:gd name="connsiteX75" fmla="*/ 5102352 w 6035040"/>
+              <a:gd name="connsiteY75" fmla="*/ 329184 h 1024128"/>
+              <a:gd name="connsiteX76" fmla="*/ 5120640 w 6035040"/>
+              <a:gd name="connsiteY76" fmla="*/ 274320 h 1024128"/>
+              <a:gd name="connsiteX77" fmla="*/ 5248656 w 6035040"/>
+              <a:gd name="connsiteY77" fmla="*/ 347472 h 1024128"/>
+              <a:gd name="connsiteX78" fmla="*/ 5303520 w 6035040"/>
+              <a:gd name="connsiteY78" fmla="*/ 457200 h 1024128"/>
+              <a:gd name="connsiteX79" fmla="*/ 5376672 w 6035040"/>
+              <a:gd name="connsiteY79" fmla="*/ 566928 h 1024128"/>
+              <a:gd name="connsiteX80" fmla="*/ 5394960 w 6035040"/>
+              <a:gd name="connsiteY80" fmla="*/ 621792 h 1024128"/>
+              <a:gd name="connsiteX81" fmla="*/ 5504688 w 6035040"/>
+              <a:gd name="connsiteY81" fmla="*/ 768096 h 1024128"/>
+              <a:gd name="connsiteX82" fmla="*/ 5522976 w 6035040"/>
+              <a:gd name="connsiteY82" fmla="*/ 841248 h 1024128"/>
+              <a:gd name="connsiteX83" fmla="*/ 5596128 w 6035040"/>
+              <a:gd name="connsiteY83" fmla="*/ 768096 h 1024128"/>
+              <a:gd name="connsiteX84" fmla="*/ 5742432 w 6035040"/>
+              <a:gd name="connsiteY84" fmla="*/ 603504 h 1024128"/>
+              <a:gd name="connsiteX85" fmla="*/ 5815584 w 6035040"/>
+              <a:gd name="connsiteY85" fmla="*/ 493776 h 1024128"/>
+              <a:gd name="connsiteX86" fmla="*/ 5852160 w 6035040"/>
+              <a:gd name="connsiteY86" fmla="*/ 438912 h 1024128"/>
+              <a:gd name="connsiteX87" fmla="*/ 5870448 w 6035040"/>
+              <a:gd name="connsiteY87" fmla="*/ 384048 h 1024128"/>
+              <a:gd name="connsiteX88" fmla="*/ 5961888 w 6035040"/>
+              <a:gd name="connsiteY88" fmla="*/ 310896 h 1024128"/>
+              <a:gd name="connsiteX89" fmla="*/ 6016752 w 6035040"/>
+              <a:gd name="connsiteY89" fmla="*/ 201168 h 1024128"/>
+              <a:gd name="connsiteX90" fmla="*/ 6035040 w 6035040"/>
+              <a:gd name="connsiteY90" fmla="*/ 164592 h 1024128"/>
+            </a:gdLst>
+            <a:ahLst/>
+            <a:cxnLst>
+              <a:cxn ang="0">
+                <a:pos x="connsiteX0" y="connsiteY0"/>
+              </a:cxn>
+              <a:cxn ang="0">
+                <a:pos x="connsiteX1" y="connsiteY1"/>
+              </a:cxn>
+              <a:cxn ang="0">
+                <a:pos x="connsiteX2" y="connsiteY2"/>
+              </a:cxn>
+              <a:cxn ang="0">
+                <a:pos x="connsiteX3" y="connsiteY3"/>
+              </a:cxn>
+              <a:cxn ang="0">
+                <a:pos x="connsiteX4" y="connsiteY4"/>
+              </a:cxn>
+              <a:cxn ang="0">
+                <a:pos x="connsiteX5" y="connsiteY5"/>
+              </a:cxn>
+              <a:cxn ang="0">
+                <a:pos x="connsiteX6" y="connsiteY6"/>
+              </a:cxn>
+              <a:cxn ang="0">
+                <a:pos x="connsiteX7" y="connsiteY7"/>
+              </a:cxn>
+              <a:cxn ang="0">
+                <a:pos x="connsiteX8" y="connsiteY8"/>
+              </a:cxn>
+              <a:cxn ang="0">
+                <a:pos x="connsiteX9" y="connsiteY9"/>
+              </a:cxn>
+              <a:cxn ang="0">
+                <a:pos x="connsiteX10" y="connsiteY10"/>
+              </a:cxn>
+              <a:cxn ang="0">
+                <a:pos x="connsiteX11" y="connsiteY11"/>
+              </a:cxn>
+              <a:cxn ang="0">
+                <a:pos x="connsiteX12" y="connsiteY12"/>
+              </a:cxn>
+              <a:cxn ang="0">
+                <a:pos x="connsiteX13" y="connsiteY13"/>
+              </a:cxn>
+              <a:cxn ang="0">
+                <a:pos x="connsiteX14" y="connsiteY14"/>
+              </a:cxn>
+              <a:cxn ang="0">
+                <a:pos x="connsiteX15" y="connsiteY15"/>
+              </a:cxn>
+              <a:cxn ang="0">
+                <a:pos x="connsiteX16" y="connsiteY16"/>
+              </a:cxn>
+              <a:cxn ang="0">
+                <a:pos x="connsiteX17" y="connsiteY17"/>
+              </a:cxn>
+              <a:cxn ang="0">
+                <a:pos x="connsiteX18" y="connsiteY18"/>
+              </a:cxn>
+              <a:cxn ang="0">
+                <a:pos x="connsiteX19" y="connsiteY19"/>
+              </a:cxn>
+              <a:cxn ang="0">
+                <a:pos x="connsiteX20" y="connsiteY20"/>
+              </a:cxn>
+              <a:cxn ang="0">
+                <a:pos x="connsiteX21" y="connsiteY21"/>
+              </a:cxn>
+              <a:cxn ang="0">
+                <a:pos x="connsiteX22" y="connsiteY22"/>
+              </a:cxn>
+              <a:cxn ang="0">
+                <a:pos x="connsiteX23" y="connsiteY23"/>
+              </a:cxn>
+              <a:cxn ang="0">
+                <a:pos x="connsiteX24" y="connsiteY24"/>
+              </a:cxn>
+              <a:cxn ang="0">
+                <a:pos x="connsiteX25" y="connsiteY25"/>
+              </a:cxn>
+              <a:cxn ang="0">
+                <a:pos x="connsiteX26" y="connsiteY26"/>
+              </a:cxn>
+              <a:cxn ang="0">
+                <a:pos x="connsiteX27" y="connsiteY27"/>
+              </a:cxn>
+              <a:cxn ang="0">
+                <a:pos x="connsiteX28" y="connsiteY28"/>
+              </a:cxn>
+              <a:cxn ang="0">
+                <a:pos x="connsiteX29" y="connsiteY29"/>
+              </a:cxn>
+              <a:cxn ang="0">
+                <a:pos x="connsiteX30" y="connsiteY30"/>
+              </a:cxn>
+              <a:cxn ang="0">
+                <a:pos x="connsiteX31" y="connsiteY31"/>
+              </a:cxn>
+              <a:cxn ang="0">
+                <a:pos x="connsiteX32" y="connsiteY32"/>
+              </a:cxn>
+              <a:cxn ang="0">
+                <a:pos x="connsiteX33" y="connsiteY33"/>
+              </a:cxn>
+              <a:cxn ang="0">
+                <a:pos x="connsiteX34" y="connsiteY34"/>
+              </a:cxn>
+              <a:cxn ang="0">
+                <a:pos x="connsiteX35" y="connsiteY35"/>
+              </a:cxn>
+              <a:cxn ang="0">
+                <a:pos x="connsiteX36" y="connsiteY36"/>
+              </a:cxn>
+              <a:cxn ang="0">
+                <a:pos x="connsiteX37" y="connsiteY37"/>
+              </a:cxn>
+              <a:cxn ang="0">
+                <a:pos x="connsiteX38" y="connsiteY38"/>
+              </a:cxn>
+              <a:cxn ang="0">
+                <a:pos x="connsiteX39" y="connsiteY39"/>
+              </a:cxn>
+              <a:cxn ang="0">
+                <a:pos x="connsiteX40" y="connsiteY40"/>
+              </a:cxn>
+              <a:cxn ang="0">
+                <a:pos x="connsiteX41" y="connsiteY41"/>
+              </a:cxn>
+              <a:cxn ang="0">
+                <a:pos x="connsiteX42" y="connsiteY42"/>
+              </a:cxn>
+              <a:cxn ang="0">
+                <a:pos x="connsiteX43" y="connsiteY43"/>
+              </a:cxn>
+              <a:cxn ang="0">
+                <a:pos x="connsiteX44" y="connsiteY44"/>
+              </a:cxn>
+              <a:cxn ang="0">
+                <a:pos x="connsiteX45" y="connsiteY45"/>
+              </a:cxn>
+              <a:cxn ang="0">
+                <a:pos x="connsiteX46" y="connsiteY46"/>
+              </a:cxn>
+              <a:cxn ang="0">
+                <a:pos x="connsiteX47" y="connsiteY47"/>
+              </a:cxn>
+              <a:cxn ang="0">
+                <a:pos x="connsiteX48" y="connsiteY48"/>
+              </a:cxn>
+              <a:cxn ang="0">
+                <a:pos x="connsiteX49" y="connsiteY49"/>
+              </a:cxn>
+              <a:cxn ang="0">
+                <a:pos x="connsiteX50" y="connsiteY50"/>
+              </a:cxn>
+              <a:cxn ang="0">
+                <a:pos x="connsiteX51" y="connsiteY51"/>
+              </a:cxn>
+              <a:cxn ang="0">
+                <a:pos x="connsiteX52" y="connsiteY52"/>
+              </a:cxn>
+              <a:cxn ang="0">
+                <a:pos x="connsiteX53" y="connsiteY53"/>
+              </a:cxn>
+              <a:cxn ang="0">
+                <a:pos x="connsiteX54" y="connsiteY54"/>
+              </a:cxn>
+              <a:cxn ang="0">
+                <a:pos x="connsiteX55" y="connsiteY55"/>
+              </a:cxn>
+              <a:cxn ang="0">
+                <a:pos x="connsiteX56" y="connsiteY56"/>
+              </a:cxn>
+              <a:cxn ang="0">
+                <a:pos x="connsiteX57" y="connsiteY57"/>
+              </a:cxn>
+              <a:cxn ang="0">
+                <a:pos x="connsiteX58" y="connsiteY58"/>
+              </a:cxn>
+              <a:cxn ang="0">
+                <a:pos x="connsiteX59" y="connsiteY59"/>
+              </a:cxn>
+              <a:cxn ang="0">
+                <a:pos x="connsiteX60" y="connsiteY60"/>
+              </a:cxn>
+              <a:cxn ang="0">
+                <a:pos x="connsiteX61" y="connsiteY61"/>
+              </a:cxn>
+              <a:cxn ang="0">
+                <a:pos x="connsiteX62" y="connsiteY62"/>
+              </a:cxn>
+              <a:cxn ang="0">
+                <a:pos x="connsiteX63" y="connsiteY63"/>
+              </a:cxn>
+              <a:cxn ang="0">
+                <a:pos x="connsiteX64" y="connsiteY64"/>
+              </a:cxn>
+              <a:cxn ang="0">
+                <a:pos x="connsiteX65" y="connsiteY65"/>
+              </a:cxn>
+              <a:cxn ang="0">
+                <a:pos x="connsiteX66" y="connsiteY66"/>
+              </a:cxn>
+              <a:cxn ang="0">
+                <a:pos x="connsiteX67" y="connsiteY67"/>
+              </a:cxn>
+              <a:cxn ang="0">
+                <a:pos x="connsiteX68" y="connsiteY68"/>
+              </a:cxn>
+              <a:cxn ang="0">
+                <a:pos x="connsiteX69" y="connsiteY69"/>
+              </a:cxn>
+              <a:cxn ang="0">
+                <a:pos x="connsiteX70" y="connsiteY70"/>
+              </a:cxn>
+              <a:cxn ang="0">
+                <a:pos x="connsiteX71" y="connsiteY71"/>
+              </a:cxn>
+              <a:cxn ang="0">
+                <a:pos x="connsiteX72" y="connsiteY72"/>
+              </a:cxn>
+              <a:cxn ang="0">
+                <a:pos x="connsiteX73" y="connsiteY73"/>
+              </a:cxn>
+              <a:cxn ang="0">
+                <a:pos x="connsiteX74" y="connsiteY74"/>
+              </a:cxn>
+              <a:cxn ang="0">
+                <a:pos x="connsiteX75" y="connsiteY75"/>
+              </a:cxn>
+              <a:cxn ang="0">
+                <a:pos x="connsiteX76" y="connsiteY76"/>
+              </a:cxn>
+              <a:cxn ang="0">
+                <a:pos x="connsiteX77" y="connsiteY77"/>
+              </a:cxn>
+              <a:cxn ang="0">
+                <a:pos x="connsiteX78" y="connsiteY78"/>
+              </a:cxn>
+              <a:cxn ang="0">
+                <a:pos x="connsiteX79" y="connsiteY79"/>
+              </a:cxn>
+              <a:cxn ang="0">
+                <a:pos x="connsiteX80" y="connsiteY80"/>
+              </a:cxn>
+              <a:cxn ang="0">
+                <a:pos x="connsiteX81" y="connsiteY81"/>
+              </a:cxn>
+              <a:cxn ang="0">
+                <a:pos x="connsiteX82" y="connsiteY82"/>
+              </a:cxn>
+              <a:cxn ang="0">
+                <a:pos x="connsiteX83" y="connsiteY83"/>
+              </a:cxn>
+              <a:cxn ang="0">
+                <a:pos x="connsiteX84" y="connsiteY84"/>
+              </a:cxn>
+              <a:cxn ang="0">
+                <a:pos x="connsiteX85" y="connsiteY85"/>
+              </a:cxn>
+              <a:cxn ang="0">
+                <a:pos x="connsiteX86" y="connsiteY86"/>
+              </a:cxn>
+              <a:cxn ang="0">
+                <a:pos x="connsiteX87" y="connsiteY87"/>
+              </a:cxn>
+              <a:cxn ang="0">
+                <a:pos x="connsiteX88" y="connsiteY88"/>
+              </a:cxn>
+              <a:cxn ang="0">
+                <a:pos x="connsiteX89" y="connsiteY89"/>
+              </a:cxn>
+              <a:cxn ang="0">
+                <a:pos x="connsiteX90" y="connsiteY90"/>
+              </a:cxn>
+            </a:cxnLst>
+            <a:rect l="l" t="t" r="r" b="b"/>
+            <a:pathLst>
+              <a:path w="6035040" h="1024128">
+                <a:moveTo>
+                  <a:pt x="0" y="841248"/>
+                </a:moveTo>
+                <a:cubicBezTo>
+                  <a:pt x="149002" y="667413"/>
+                  <a:pt x="69987" y="752973"/>
+                  <a:pt x="237744" y="585216"/>
+                </a:cubicBezTo>
+                <a:cubicBezTo>
+                  <a:pt x="306239" y="516721"/>
+                  <a:pt x="268072" y="538531"/>
+                  <a:pt x="347472" y="512064"/>
+                </a:cubicBezTo>
+                <a:cubicBezTo>
+                  <a:pt x="365760" y="487680"/>
+                  <a:pt x="380783" y="460465"/>
+                  <a:pt x="402336" y="438912"/>
+                </a:cubicBezTo>
+                <a:cubicBezTo>
+                  <a:pt x="423889" y="417359"/>
+                  <a:pt x="455975" y="407463"/>
+                  <a:pt x="475488" y="384048"/>
+                </a:cubicBezTo>
+                <a:cubicBezTo>
+                  <a:pt x="571592" y="268724"/>
+                  <a:pt x="378678" y="386733"/>
+                  <a:pt x="566928" y="292608"/>
+                </a:cubicBezTo>
+                <a:cubicBezTo>
+                  <a:pt x="579120" y="274320"/>
+                  <a:pt x="587962" y="253286"/>
+                  <a:pt x="603504" y="237744"/>
+                </a:cubicBezTo>
+                <a:cubicBezTo>
+                  <a:pt x="619046" y="222202"/>
+                  <a:pt x="640483" y="213943"/>
+                  <a:pt x="658368" y="201168"/>
+                </a:cubicBezTo>
+                <a:cubicBezTo>
+                  <a:pt x="817155" y="87749"/>
+                  <a:pt x="657086" y="195926"/>
+                  <a:pt x="786384" y="109728"/>
+                </a:cubicBezTo>
+                <a:cubicBezTo>
+                  <a:pt x="798576" y="91440"/>
+                  <a:pt x="813130" y="74523"/>
+                  <a:pt x="822960" y="54864"/>
+                </a:cubicBezTo>
+                <a:cubicBezTo>
+                  <a:pt x="831581" y="37622"/>
+                  <a:pt x="821971" y="0"/>
+                  <a:pt x="841248" y="0"/>
+                </a:cubicBezTo>
+                <a:cubicBezTo>
+                  <a:pt x="867111" y="0"/>
+                  <a:pt x="877824" y="36576"/>
+                  <a:pt x="896112" y="54864"/>
+                </a:cubicBezTo>
+                <a:cubicBezTo>
+                  <a:pt x="935707" y="213244"/>
+                  <a:pt x="887221" y="41780"/>
+                  <a:pt x="950976" y="201168"/>
+                </a:cubicBezTo>
+                <a:cubicBezTo>
+                  <a:pt x="975121" y="261529"/>
+                  <a:pt x="977215" y="318847"/>
+                  <a:pt x="1024128" y="365760"/>
+                </a:cubicBezTo>
+                <a:cubicBezTo>
+                  <a:pt x="1039670" y="381302"/>
+                  <a:pt x="1060704" y="390144"/>
+                  <a:pt x="1078992" y="402336"/>
+                </a:cubicBezTo>
+                <a:cubicBezTo>
+                  <a:pt x="1085088" y="426720"/>
+                  <a:pt x="1086040" y="453007"/>
+                  <a:pt x="1097280" y="475488"/>
+                </a:cubicBezTo>
+                <a:cubicBezTo>
+                  <a:pt x="1110911" y="502750"/>
+                  <a:pt x="1134428" y="523837"/>
+                  <a:pt x="1152144" y="548640"/>
+                </a:cubicBezTo>
+                <a:cubicBezTo>
+                  <a:pt x="1215797" y="637754"/>
+                  <a:pt x="1158198" y="572982"/>
+                  <a:pt x="1243584" y="658368"/>
+                </a:cubicBezTo>
+                <a:cubicBezTo>
+                  <a:pt x="1249680" y="676656"/>
+                  <a:pt x="1256576" y="694696"/>
+                  <a:pt x="1261872" y="713232"/>
+                </a:cubicBezTo>
+                <a:cubicBezTo>
+                  <a:pt x="1268777" y="737399"/>
+                  <a:pt x="1266218" y="765471"/>
+                  <a:pt x="1280160" y="786384"/>
+                </a:cubicBezTo>
+                <a:cubicBezTo>
+                  <a:pt x="1292352" y="804672"/>
+                  <a:pt x="1316736" y="810768"/>
+                  <a:pt x="1335024" y="822960"/>
+                </a:cubicBezTo>
+                <a:cubicBezTo>
+                  <a:pt x="1418006" y="988923"/>
+                  <a:pt x="1377931" y="923897"/>
+                  <a:pt x="1444752" y="1024128"/>
+                </a:cubicBezTo>
+                <a:cubicBezTo>
+                  <a:pt x="1486950" y="897533"/>
+                  <a:pt x="1427663" y="1037969"/>
+                  <a:pt x="1517904" y="932688"/>
+                </a:cubicBezTo>
+                <a:cubicBezTo>
+                  <a:pt x="1541037" y="905700"/>
+                  <a:pt x="1551441" y="869684"/>
+                  <a:pt x="1572768" y="841248"/>
+                </a:cubicBezTo>
+                <a:cubicBezTo>
+                  <a:pt x="1607971" y="794311"/>
+                  <a:pt x="1636029" y="780786"/>
+                  <a:pt x="1682496" y="749808"/>
+                </a:cubicBezTo>
+                <a:cubicBezTo>
+                  <a:pt x="1777034" y="608001"/>
+                  <a:pt x="1713945" y="653981"/>
+                  <a:pt x="1865376" y="603504"/>
+                </a:cubicBezTo>
+                <a:cubicBezTo>
+                  <a:pt x="1906641" y="479708"/>
+                  <a:pt x="1848495" y="605380"/>
+                  <a:pt x="1938528" y="530352"/>
+                </a:cubicBezTo>
+                <a:cubicBezTo>
+                  <a:pt x="1961943" y="510839"/>
+                  <a:pt x="1970250" y="477036"/>
+                  <a:pt x="1993392" y="457200"/>
+                </a:cubicBezTo>
+                <a:cubicBezTo>
+                  <a:pt x="2014091" y="439458"/>
+                  <a:pt x="2043167" y="434650"/>
+                  <a:pt x="2066544" y="420624"/>
+                </a:cubicBezTo>
+                <a:cubicBezTo>
+                  <a:pt x="2072682" y="416941"/>
+                  <a:pt x="2246256" y="297972"/>
+                  <a:pt x="2267712" y="292608"/>
+                </a:cubicBezTo>
+                <a:cubicBezTo>
+                  <a:pt x="2359566" y="269645"/>
+                  <a:pt x="2317019" y="282268"/>
+                  <a:pt x="2395728" y="256032"/>
+                </a:cubicBezTo>
+                <a:cubicBezTo>
+                  <a:pt x="2460015" y="159601"/>
+                  <a:pt x="2395235" y="230118"/>
+                  <a:pt x="2505456" y="182880"/>
+                </a:cubicBezTo>
+                <a:cubicBezTo>
+                  <a:pt x="2525658" y="174222"/>
+                  <a:pt x="2540661" y="156134"/>
+                  <a:pt x="2560320" y="146304"/>
+                </a:cubicBezTo>
+                <a:cubicBezTo>
+                  <a:pt x="2577562" y="137683"/>
+                  <a:pt x="2596896" y="134112"/>
+                  <a:pt x="2615184" y="128016"/>
+                </a:cubicBezTo>
+                <a:cubicBezTo>
+                  <a:pt x="2621280" y="118872"/>
+                  <a:pt x="2676144" y="21336"/>
+                  <a:pt x="2706624" y="36576"/>
+                </a:cubicBezTo>
+                <a:cubicBezTo>
+                  <a:pt x="2729105" y="47816"/>
+                  <a:pt x="2715245" y="86527"/>
+                  <a:pt x="2724912" y="109728"/>
+                </a:cubicBezTo>
+                <a:cubicBezTo>
+                  <a:pt x="2745883" y="160058"/>
+                  <a:pt x="2780822" y="204306"/>
+                  <a:pt x="2798064" y="256032"/>
+                </a:cubicBezTo>
+                <a:cubicBezTo>
+                  <a:pt x="2839868" y="381444"/>
+                  <a:pt x="2790503" y="225787"/>
+                  <a:pt x="2834640" y="402336"/>
+                </a:cubicBezTo>
+                <a:cubicBezTo>
+                  <a:pt x="2839315" y="421038"/>
+                  <a:pt x="2847632" y="438664"/>
+                  <a:pt x="2852928" y="457200"/>
+                </a:cubicBezTo>
+                <a:cubicBezTo>
+                  <a:pt x="2859833" y="481367"/>
+                  <a:pt x="2863994" y="506278"/>
+                  <a:pt x="2871216" y="530352"/>
+                </a:cubicBezTo>
+                <a:cubicBezTo>
+                  <a:pt x="2882295" y="567281"/>
+                  <a:pt x="2886406" y="608001"/>
+                  <a:pt x="2907792" y="640080"/>
+                </a:cubicBezTo>
+                <a:lnTo>
+                  <a:pt x="2944368" y="694944"/>
+                </a:lnTo>
+                <a:cubicBezTo>
+                  <a:pt x="2962656" y="688848"/>
+                  <a:pt x="2988539" y="692696"/>
+                  <a:pt x="2999232" y="676656"/>
+                </a:cubicBezTo>
+                <a:cubicBezTo>
+                  <a:pt x="3103910" y="519639"/>
+                  <a:pt x="2942239" y="642209"/>
+                  <a:pt x="3054096" y="530352"/>
+                </a:cubicBezTo>
+                <a:cubicBezTo>
+                  <a:pt x="3069638" y="514810"/>
+                  <a:pt x="3093418" y="509318"/>
+                  <a:pt x="3108960" y="493776"/>
+                </a:cubicBezTo>
+                <a:cubicBezTo>
+                  <a:pt x="3130513" y="472223"/>
+                  <a:pt x="3143988" y="443766"/>
+                  <a:pt x="3163824" y="420624"/>
+                </a:cubicBezTo>
+                <a:cubicBezTo>
+                  <a:pt x="3180656" y="400987"/>
+                  <a:pt x="3200400" y="384048"/>
+                  <a:pt x="3218688" y="365760"/>
+                </a:cubicBezTo>
+                <a:cubicBezTo>
+                  <a:pt x="3224784" y="347472"/>
+                  <a:pt x="3218274" y="315571"/>
+                  <a:pt x="3236976" y="310896"/>
+                </a:cubicBezTo>
+                <a:cubicBezTo>
+                  <a:pt x="3258299" y="305565"/>
+                  <a:pt x="3277769" y="330587"/>
+                  <a:pt x="3291840" y="347472"/>
+                </a:cubicBezTo>
+                <a:cubicBezTo>
+                  <a:pt x="3309293" y="368415"/>
+                  <a:pt x="3312570" y="398440"/>
+                  <a:pt x="3328416" y="420624"/>
+                </a:cubicBezTo>
+                <a:cubicBezTo>
+                  <a:pt x="3343449" y="441670"/>
+                  <a:pt x="3364992" y="457200"/>
+                  <a:pt x="3383280" y="475488"/>
+                </a:cubicBezTo>
+                <a:cubicBezTo>
+                  <a:pt x="3426764" y="605941"/>
+                  <a:pt x="3365105" y="448226"/>
+                  <a:pt x="3456432" y="585216"/>
+                </a:cubicBezTo>
+                <a:cubicBezTo>
+                  <a:pt x="3467125" y="601256"/>
+                  <a:pt x="3466099" y="622838"/>
+                  <a:pt x="3474720" y="640080"/>
+                </a:cubicBezTo>
+                <a:cubicBezTo>
+                  <a:pt x="3484550" y="659739"/>
+                  <a:pt x="3499104" y="676656"/>
+                  <a:pt x="3511296" y="694944"/>
+                </a:cubicBezTo>
+                <a:cubicBezTo>
+                  <a:pt x="3649859" y="584093"/>
+                  <a:pt x="3575135" y="649393"/>
+                  <a:pt x="3730752" y="493776"/>
+                </a:cubicBezTo>
+                <a:cubicBezTo>
+                  <a:pt x="3749040" y="475488"/>
+                  <a:pt x="3763439" y="452218"/>
+                  <a:pt x="3785616" y="438912"/>
+                </a:cubicBezTo>
+                <a:cubicBezTo>
+                  <a:pt x="3816096" y="420624"/>
+                  <a:pt x="3848620" y="405375"/>
+                  <a:pt x="3877056" y="384048"/>
+                </a:cubicBezTo>
+                <a:cubicBezTo>
+                  <a:pt x="3897747" y="368530"/>
+                  <a:pt x="3912283" y="346016"/>
+                  <a:pt x="3931920" y="329184"/>
+                </a:cubicBezTo>
+                <a:cubicBezTo>
+                  <a:pt x="3955062" y="309348"/>
+                  <a:pt x="3980688" y="292608"/>
+                  <a:pt x="4005072" y="274320"/>
+                </a:cubicBezTo>
+                <a:cubicBezTo>
+                  <a:pt x="4040675" y="167511"/>
+                  <a:pt x="3995503" y="265601"/>
+                  <a:pt x="4078224" y="182880"/>
+                </a:cubicBezTo>
+                <a:cubicBezTo>
+                  <a:pt x="4093766" y="167338"/>
+                  <a:pt x="4100729" y="144901"/>
+                  <a:pt x="4114800" y="128016"/>
+                </a:cubicBezTo>
+                <a:cubicBezTo>
+                  <a:pt x="4131357" y="108147"/>
+                  <a:pt x="4151376" y="91440"/>
+                  <a:pt x="4169664" y="73152"/>
+                </a:cubicBezTo>
+                <a:cubicBezTo>
+                  <a:pt x="4194048" y="85344"/>
+                  <a:pt x="4221873" y="92275"/>
+                  <a:pt x="4242816" y="109728"/>
+                </a:cubicBezTo>
+                <a:cubicBezTo>
+                  <a:pt x="4293208" y="151721"/>
+                  <a:pt x="4269702" y="169096"/>
+                  <a:pt x="4297680" y="219456"/>
+                </a:cubicBezTo>
+                <a:cubicBezTo>
+                  <a:pt x="4319028" y="257883"/>
+                  <a:pt x="4356931" y="287481"/>
+                  <a:pt x="4370832" y="329184"/>
+                </a:cubicBezTo>
+                <a:cubicBezTo>
+                  <a:pt x="4389120" y="384048"/>
+                  <a:pt x="4411670" y="437671"/>
+                  <a:pt x="4425696" y="493776"/>
+                </a:cubicBezTo>
+                <a:cubicBezTo>
+                  <a:pt x="4431792" y="518160"/>
+                  <a:pt x="4437079" y="542761"/>
+                  <a:pt x="4443984" y="566928"/>
+                </a:cubicBezTo>
+                <a:cubicBezTo>
+                  <a:pt x="4449280" y="585464"/>
+                  <a:pt x="4451579" y="605752"/>
+                  <a:pt x="4462272" y="621792"/>
+                </a:cubicBezTo>
+                <a:cubicBezTo>
+                  <a:pt x="4476618" y="643311"/>
+                  <a:pt x="4498848" y="658368"/>
+                  <a:pt x="4517136" y="676656"/>
+                </a:cubicBezTo>
+                <a:cubicBezTo>
+                  <a:pt x="4523232" y="694944"/>
+                  <a:pt x="4517526" y="724361"/>
+                  <a:pt x="4535424" y="731520"/>
+                </a:cubicBezTo>
+                <a:cubicBezTo>
+                  <a:pt x="4558761" y="740855"/>
+                  <a:pt x="4586095" y="724472"/>
+                  <a:pt x="4608576" y="713232"/>
+                </a:cubicBezTo>
+                <a:cubicBezTo>
+                  <a:pt x="4894782" y="570129"/>
+                  <a:pt x="4693576" y="627974"/>
+                  <a:pt x="4864608" y="585216"/>
+                </a:cubicBezTo>
+                <a:cubicBezTo>
+                  <a:pt x="4876800" y="560832"/>
+                  <a:pt x="4883731" y="533007"/>
+                  <a:pt x="4901184" y="512064"/>
+                </a:cubicBezTo>
+                <a:cubicBezTo>
+                  <a:pt x="4915255" y="495179"/>
+                  <a:pt x="4939163" y="489559"/>
+                  <a:pt x="4956048" y="475488"/>
+                </a:cubicBezTo>
+                <a:cubicBezTo>
+                  <a:pt x="4975917" y="458931"/>
+                  <a:pt x="4994355" y="440493"/>
+                  <a:pt x="5010912" y="420624"/>
+                </a:cubicBezTo>
+                <a:cubicBezTo>
+                  <a:pt x="5087112" y="329184"/>
+                  <a:pt x="5001768" y="396240"/>
+                  <a:pt x="5102352" y="329184"/>
+                </a:cubicBezTo>
+                <a:cubicBezTo>
+                  <a:pt x="5108448" y="310896"/>
+                  <a:pt x="5103398" y="282941"/>
+                  <a:pt x="5120640" y="274320"/>
+                </a:cubicBezTo>
+                <a:cubicBezTo>
+                  <a:pt x="5148539" y="260371"/>
+                  <a:pt x="5248438" y="347254"/>
+                  <a:pt x="5248656" y="347472"/>
+                </a:cubicBezTo>
+                <a:cubicBezTo>
+                  <a:pt x="5309546" y="408362"/>
+                  <a:pt x="5266335" y="390267"/>
+                  <a:pt x="5303520" y="457200"/>
+                </a:cubicBezTo>
+                <a:cubicBezTo>
+                  <a:pt x="5324868" y="495627"/>
+                  <a:pt x="5355324" y="528501"/>
+                  <a:pt x="5376672" y="566928"/>
+                </a:cubicBezTo>
+                <a:cubicBezTo>
+                  <a:pt x="5386034" y="583779"/>
+                  <a:pt x="5386339" y="604550"/>
+                  <a:pt x="5394960" y="621792"/>
+                </a:cubicBezTo>
+                <a:cubicBezTo>
+                  <a:pt x="5440407" y="712686"/>
+                  <a:pt x="5441223" y="704631"/>
+                  <a:pt x="5504688" y="768096"/>
+                </a:cubicBezTo>
+                <a:cubicBezTo>
+                  <a:pt x="5510784" y="792480"/>
+                  <a:pt x="5497842" y="841248"/>
+                  <a:pt x="5522976" y="841248"/>
+                </a:cubicBezTo>
+                <a:cubicBezTo>
+                  <a:pt x="5557460" y="841248"/>
+                  <a:pt x="5573059" y="793728"/>
+                  <a:pt x="5596128" y="768096"/>
+                </a:cubicBezTo>
+                <a:cubicBezTo>
+                  <a:pt x="5790523" y="552102"/>
+                  <a:pt x="5606969" y="738967"/>
+                  <a:pt x="5742432" y="603504"/>
+                </a:cubicBezTo>
+                <a:cubicBezTo>
+                  <a:pt x="5775679" y="470516"/>
+                  <a:pt x="5731387" y="577973"/>
+                  <a:pt x="5815584" y="493776"/>
+                </a:cubicBezTo>
+                <a:cubicBezTo>
+                  <a:pt x="5831126" y="478234"/>
+                  <a:pt x="5842330" y="458571"/>
+                  <a:pt x="5852160" y="438912"/>
+                </a:cubicBezTo>
+                <a:cubicBezTo>
+                  <a:pt x="5860781" y="421670"/>
+                  <a:pt x="5857903" y="398684"/>
+                  <a:pt x="5870448" y="384048"/>
+                </a:cubicBezTo>
+                <a:cubicBezTo>
+                  <a:pt x="5895851" y="354412"/>
+                  <a:pt x="5934287" y="338497"/>
+                  <a:pt x="5961888" y="310896"/>
+                </a:cubicBezTo>
+                <a:cubicBezTo>
+                  <a:pt x="6002993" y="269791"/>
+                  <a:pt x="5996920" y="250748"/>
+                  <a:pt x="6016752" y="201168"/>
+                </a:cubicBezTo>
+                <a:cubicBezTo>
+                  <a:pt x="6021814" y="188512"/>
+                  <a:pt x="6028944" y="176784"/>
+                  <a:pt x="6035040" y="164592"/>
+                </a:cubicBezTo>
+              </a:path>
+            </a:pathLst>
+          </a:custGeom>
+          <a:noFill/>
+          <a:ln w="12700" cap="flat">
+            <a:noFill/>
+            <a:miter lim="400000"/>
+          </a:ln>
+          <a:effectLst>
+            <a:outerShdw blurRad="38100" dist="25400" dir="5400000" rotWithShape="0">
+              <a:srgbClr val="000000">
+                <a:alpha val="50000"/>
+              </a:srgbClr>
+            </a:outerShdw>
+          </a:effectLst>
+          <a:sp3d/>
+        </p:spPr>
+        <p:style>
+          <a:lnRef idx="0">
+            <a:scrgbClr r="0" g="0" b="0"/>
+          </a:lnRef>
+          <a:fillRef idx="0">
+            <a:scrgbClr r="0" g="0" b="0"/>
+          </a:fillRef>
+          <a:effectRef idx="0">
+            <a:scrgbClr r="0" g="0" b="0"/>
+          </a:effectRef>
+          <a:fontRef idx="none"/>
+        </p:style>
+        <p:txBody>
+          <a:bodyPr rot="0" spcFirstLastPara="1" vertOverflow="overflow" horzOverflow="overflow" vert="horz" wrap="square" lIns="91439" tIns="45719" rIns="91439" bIns="45719" numCol="1" spcCol="38100" rtlCol="0" anchor="t">
+            <a:noAutofit/>
+          </a:bodyPr>
+          <a:lstStyle/>
+          <a:p>
+            <a:pPr marL="0" marR="0" indent="0" algn="l" defTabSz="914400" rtl="0" fontAlgn="auto" latinLnBrk="1" hangingPunct="0">
+              <a:lnSpc>
+                <a:spcPct val="100000"/>
+              </a:lnSpc>
+              <a:spcBef>
+                <a:spcPts val="0"/>
+              </a:spcBef>
+              <a:spcAft>
+                <a:spcPts val="0"/>
+              </a:spcAft>
+              <a:buClrTx/>
+              <a:buSzTx/>
+              <a:buFontTx/>
+              <a:buNone/>
+              <a:tabLst/>
+            </a:pPr>
+            <a:endParaRPr kumimoji="0" lang="zh-CN" altLang="en-US" sz="1800" b="0" i="0" u="none" strike="noStrike" cap="none" spc="0" normalizeH="0" baseline="0">
+              <a:ln>
+                <a:noFill/>
+              </a:ln>
+              <a:solidFill>
+                <a:srgbClr val="000000"/>
+              </a:solidFill>
+              <a:effectLst/>
+              <a:uFillTx/>
+            </a:endParaRPr>
+          </a:p>
+        </p:txBody>
+      </p:sp>
+      <p:sp>
+        <p:nvSpPr>
+          <p:cNvPr id="34" name="TextBox 33"/>
+          <p:cNvSpPr txBox="1"/>
+          <p:nvPr/>
+        </p:nvSpPr>
+        <p:spPr>
+          <a:xfrm>
+            <a:off x="4901184" y="6170412"/>
+            <a:ext cx="4425696" cy="718145"/>
+          </a:xfrm>
+          <a:prstGeom prst="rect">
+            <a:avLst/>
+          </a:prstGeom>
+          <a:noFill/>
+          <a:ln w="12700" cap="flat">
+            <a:noFill/>
+            <a:miter lim="400000"/>
+          </a:ln>
+          <a:effectLst/>
+          <a:sp3d/>
+        </p:spPr>
+        <p:style>
+          <a:lnRef idx="0">
+            <a:scrgbClr r="0" g="0" b="0"/>
+          </a:lnRef>
+          <a:fillRef idx="0">
+            <a:scrgbClr r="0" g="0" b="0"/>
+          </a:fillRef>
+          <a:effectRef idx="0">
+            <a:scrgbClr r="0" g="0" b="0"/>
+          </a:effectRef>
+          <a:fontRef idx="none"/>
+        </p:style>
+        <p:txBody>
+          <a:bodyPr rot="0" spcFirstLastPara="1" vertOverflow="overflow" horzOverflow="overflow" vert="horz" wrap="square" lIns="50800" tIns="50800" rIns="50800" bIns="50800" numCol="1" spcCol="38100" rtlCol="0" anchor="ctr">
+            <a:spAutoFit/>
+          </a:bodyPr>
+          <a:lstStyle/>
+          <a:p>
+            <a:pPr marL="0" marR="0" indent="0" algn="ctr" defTabSz="825500" rtl="0" fontAlgn="auto" latinLnBrk="0" hangingPunct="0">
+              <a:lnSpc>
+                <a:spcPct val="100000"/>
+              </a:lnSpc>
+              <a:spcBef>
+                <a:spcPts val="0"/>
+              </a:spcBef>
+              <a:spcAft>
+                <a:spcPts val="0"/>
+              </a:spcAft>
+              <a:buClrTx/>
+              <a:buSzTx/>
+              <a:buFontTx/>
+              <a:buNone/>
+              <a:tabLst/>
+            </a:pPr>
+            <a:r>
+              <a:rPr kumimoji="0" lang="zh-CN" altLang="en-US" sz="4000" b="0" i="0" u="none" strike="noStrike" cap="none" spc="0" normalizeH="0" baseline="0" dirty="0" smtClean="0">
+                <a:ln>
+                  <a:noFill/>
+                </a:ln>
+                <a:solidFill>
+                  <a:schemeClr val="bg1"/>
+                </a:solidFill>
+                <a:effectLst/>
+                <a:uFillTx/>
+                <a:latin typeface="+mn-lt"/>
+                <a:ea typeface="+mn-ea"/>
+                <a:cs typeface="+mn-cs"/>
+                <a:sym typeface="Helvetica Light"/>
+              </a:rPr>
+              <a:t>正在建立连接</a:t>
+            </a:r>
+            <a:r>
+              <a:rPr kumimoji="0" lang="en-US" altLang="zh-CN" sz="4000" b="0" i="0" u="none" strike="noStrike" cap="none" spc="0" normalizeH="0" baseline="0" dirty="0" smtClean="0">
+                <a:ln>
+                  <a:noFill/>
+                </a:ln>
+                <a:solidFill>
+                  <a:schemeClr val="bg1"/>
+                </a:solidFill>
+                <a:effectLst/>
+                <a:uFillTx/>
+                <a:latin typeface="+mn-lt"/>
+                <a:ea typeface="+mn-ea"/>
+                <a:cs typeface="+mn-cs"/>
+                <a:sym typeface="Helvetica Light"/>
+              </a:rPr>
+              <a:t>…</a:t>
+            </a:r>
+            <a:endParaRPr kumimoji="0" lang="zh-CN" altLang="en-US" sz="4000" b="0" i="0" u="none" strike="noStrike" cap="none" spc="0" normalizeH="0" baseline="0" dirty="0">
+              <a:ln>
+                <a:noFill/>
+              </a:ln>
+              <a:solidFill>
+                <a:schemeClr val="bg1"/>
+              </a:solidFill>
+              <a:effectLst/>
+              <a:uFillTx/>
+              <a:latin typeface="+mn-lt"/>
+              <a:ea typeface="+mn-ea"/>
+              <a:cs typeface="+mn-cs"/>
+              <a:sym typeface="Helvetica Light"/>
+            </a:endParaRPr>
+          </a:p>
+        </p:txBody>
+      </p:sp>
+      <p:sp>
+        <p:nvSpPr>
+          <p:cNvPr id="35" name="Oval 34"/>
+          <p:cNvSpPr/>
+          <p:nvPr/>
+        </p:nvSpPr>
+        <p:spPr>
+          <a:xfrm>
+            <a:off x="8979408" y="3175226"/>
+            <a:ext cx="822960" cy="836732"/>
+          </a:xfrm>
+          <a:prstGeom prst="ellipse">
+            <a:avLst/>
+          </a:prstGeom>
+          <a:blipFill rotWithShape="1">
+            <a:blip r:embed="rId3"/>
+            <a:srcRect/>
+            <a:tile tx="0" ty="0" sx="100000" sy="100000" flip="none" algn="tl"/>
+          </a:blipFill>
+          <a:ln w="12700" cap="flat">
+            <a:solidFill>
+              <a:schemeClr val="bg1"/>
+            </a:solidFill>
+            <a:miter lim="400000"/>
+          </a:ln>
+          <a:effectLst>
+            <a:outerShdw blurRad="38100" dist="25400" dir="5400000" rotWithShape="0">
+              <a:srgbClr val="000000">
+                <a:alpha val="50000"/>
+              </a:srgbClr>
+            </a:outerShdw>
+          </a:effectLst>
+          <a:sp3d/>
+        </p:spPr>
+        <p:style>
+          <a:lnRef idx="0">
+            <a:scrgbClr r="0" g="0" b="0"/>
+          </a:lnRef>
+          <a:fillRef idx="0">
+            <a:scrgbClr r="0" g="0" b="0"/>
+          </a:fillRef>
+          <a:effectRef idx="0">
+            <a:scrgbClr r="0" g="0" b="0"/>
+          </a:effectRef>
+          <a:fontRef idx="none"/>
+        </p:style>
+        <p:txBody>
+          <a:bodyPr rot="0" spcFirstLastPara="1" vertOverflow="overflow" horzOverflow="overflow" vert="horz" wrap="square" lIns="50800" tIns="50800" rIns="50800" bIns="50800" numCol="1" spcCol="38100" rtlCol="0" anchor="ctr">
+            <a:spAutoFit/>
+          </a:bodyPr>
+          <a:lstStyle/>
+          <a:p>
+            <a:pPr marL="0" marR="0" indent="0" algn="ctr" defTabSz="825500" rtl="0" fontAlgn="auto" latinLnBrk="0" hangingPunct="0">
+              <a:lnSpc>
+                <a:spcPct val="100000"/>
+              </a:lnSpc>
+              <a:spcBef>
+                <a:spcPts val="0"/>
+              </a:spcBef>
+              <a:spcAft>
+                <a:spcPts val="0"/>
+              </a:spcAft>
+              <a:buClrTx/>
+              <a:buSzTx/>
+              <a:buFontTx/>
+              <a:buNone/>
+              <a:tabLst/>
+            </a:pPr>
+            <a:r>
+              <a:rPr kumimoji="0" lang="zh-CN" altLang="en-US" sz="3200" b="0" i="0" u="none" strike="noStrike" cap="none" spc="0" normalizeH="0" baseline="0" dirty="0" smtClean="0">
+                <a:ln>
+                  <a:noFill/>
+                </a:ln>
+                <a:solidFill>
+                  <a:srgbClr val="FFFFFF"/>
+                </a:solidFill>
+                <a:effectLst/>
+                <a:uFillTx/>
+                <a:latin typeface="+mn-lt"/>
+                <a:ea typeface="+mn-ea"/>
+                <a:cs typeface="+mn-cs"/>
+                <a:sym typeface="Helvetica Light"/>
+              </a:rPr>
+              <a:t>设</a:t>
+            </a:r>
+            <a:endParaRPr kumimoji="0" lang="zh-CN" altLang="en-US" sz="3200" b="0" i="0" u="none" strike="noStrike" cap="none" spc="0" normalizeH="0" baseline="0" dirty="0">
+              <a:ln>
+                <a:noFill/>
+              </a:ln>
+              <a:solidFill>
+                <a:srgbClr val="FFFFFF"/>
+              </a:solidFill>
+              <a:effectLst/>
+              <a:uFillTx/>
+              <a:latin typeface="+mn-lt"/>
+              <a:ea typeface="+mn-ea"/>
+              <a:cs typeface="+mn-cs"/>
+              <a:sym typeface="Helvetica Light"/>
+            </a:endParaRPr>
+          </a:p>
+        </p:txBody>
+      </p:sp>
+      <p:sp>
+        <p:nvSpPr>
+          <p:cNvPr id="36" name="Rounded Rectangle 35"/>
+          <p:cNvSpPr/>
+          <p:nvPr/>
+        </p:nvSpPr>
+        <p:spPr>
+          <a:xfrm>
+            <a:off x="5212080" y="8980736"/>
+            <a:ext cx="3639312" cy="658368"/>
+          </a:xfrm>
+          <a:prstGeom prst="roundRect">
+            <a:avLst/>
+          </a:prstGeom>
+          <a:blipFill rotWithShape="1">
+            <a:blip r:embed="rId3"/>
+            <a:srcRect/>
+            <a:tile tx="0" ty="0" sx="100000" sy="100000" flip="none" algn="tl"/>
+          </a:blipFill>
+          <a:ln w="12700" cap="flat">
+            <a:solidFill>
+              <a:schemeClr val="bg1"/>
+            </a:solidFill>
+            <a:miter lim="400000"/>
+          </a:ln>
+          <a:effectLst>
+            <a:outerShdw blurRad="38100" dist="25400" dir="5400000" rotWithShape="0">
+              <a:srgbClr val="000000">
+                <a:alpha val="50000"/>
+              </a:srgbClr>
+            </a:outerShdw>
+          </a:effectLst>
+          <a:sp3d/>
+        </p:spPr>
+        <p:style>
+          <a:lnRef idx="0">
+            <a:scrgbClr r="0" g="0" b="0"/>
+          </a:lnRef>
+          <a:fillRef idx="0">
+            <a:scrgbClr r="0" g="0" b="0"/>
+          </a:fillRef>
+          <a:effectRef idx="0">
+            <a:scrgbClr r="0" g="0" b="0"/>
+          </a:effectRef>
+          <a:fontRef idx="none"/>
+        </p:style>
+        <p:txBody>
+          <a:bodyPr rot="0" spcFirstLastPara="1" vertOverflow="overflow" horzOverflow="overflow" vert="horz" wrap="square" lIns="50800" tIns="50800" rIns="50800" bIns="50800" numCol="1" spcCol="38100" rtlCol="0" anchor="ctr">
+            <a:spAutoFit/>
+          </a:bodyPr>
+          <a:lstStyle/>
+          <a:p>
+            <a:pPr marL="0" marR="0" indent="0" algn="ctr" defTabSz="825500" rtl="0" fontAlgn="auto" latinLnBrk="0" hangingPunct="0">
+              <a:lnSpc>
+                <a:spcPct val="100000"/>
+              </a:lnSpc>
+              <a:spcBef>
+                <a:spcPts val="0"/>
+              </a:spcBef>
+              <a:spcAft>
+                <a:spcPts val="0"/>
+              </a:spcAft>
+              <a:buClrTx/>
+              <a:buSzTx/>
+              <a:buFontTx/>
+              <a:buNone/>
+              <a:tabLst/>
+            </a:pPr>
+            <a:r>
+              <a:rPr kumimoji="0" lang="zh-CN" altLang="en-US" sz="3200" b="0" i="0" u="none" strike="noStrike" cap="none" spc="0" normalizeH="0" baseline="0" dirty="0" smtClean="0">
+                <a:ln>
+                  <a:noFill/>
+                </a:ln>
+                <a:solidFill>
+                  <a:srgbClr val="FFFFFF"/>
+                </a:solidFill>
+                <a:effectLst/>
+                <a:uFillTx/>
+                <a:latin typeface="+mn-lt"/>
+                <a:ea typeface="+mn-ea"/>
+                <a:cs typeface="+mn-cs"/>
+                <a:sym typeface="Helvetica Light"/>
+              </a:rPr>
+              <a:t>对话</a:t>
+            </a:r>
+            <a:endParaRPr kumimoji="0" lang="zh-CN" altLang="en-US" sz="3200" b="0" i="0" u="none" strike="noStrike" cap="none" spc="0" normalizeH="0" baseline="0" dirty="0">
+              <a:ln>
+                <a:noFill/>
+              </a:ln>
+              <a:solidFill>
+                <a:srgbClr val="FFFFFF"/>
+              </a:solidFill>
+              <a:effectLst/>
+              <a:uFillTx/>
+              <a:latin typeface="+mn-lt"/>
+              <a:ea typeface="+mn-ea"/>
+              <a:cs typeface="+mn-cs"/>
+              <a:sym typeface="Helvetica Light"/>
+            </a:endParaRPr>
+          </a:p>
+        </p:txBody>
+      </p:sp>
+      <p:sp>
+        <p:nvSpPr>
+          <p:cNvPr id="42" name="Rounded Rectangle 41"/>
+          <p:cNvSpPr/>
+          <p:nvPr/>
+        </p:nvSpPr>
+        <p:spPr>
+          <a:xfrm>
+            <a:off x="5212080" y="10266251"/>
+            <a:ext cx="3639312" cy="658368"/>
+          </a:xfrm>
+          <a:prstGeom prst="roundRect">
+            <a:avLst/>
+          </a:prstGeom>
+          <a:blipFill rotWithShape="1">
+            <a:blip r:embed="rId3"/>
+            <a:srcRect/>
+            <a:tile tx="0" ty="0" sx="100000" sy="100000" flip="none" algn="tl"/>
+          </a:blipFill>
+          <a:ln w="12700" cap="flat">
+            <a:solidFill>
+              <a:schemeClr val="bg1"/>
+            </a:solidFill>
+            <a:miter lim="400000"/>
+          </a:ln>
+          <a:effectLst>
+            <a:outerShdw blurRad="38100" dist="25400" dir="5400000" rotWithShape="0">
+              <a:srgbClr val="000000">
+                <a:alpha val="50000"/>
+              </a:srgbClr>
+            </a:outerShdw>
+          </a:effectLst>
+          <a:sp3d/>
+        </p:spPr>
+        <p:style>
+          <a:lnRef idx="0">
+            <a:scrgbClr r="0" g="0" b="0"/>
+          </a:lnRef>
+          <a:fillRef idx="0">
+            <a:scrgbClr r="0" g="0" b="0"/>
+          </a:fillRef>
+          <a:effectRef idx="0">
+            <a:scrgbClr r="0" g="0" b="0"/>
+          </a:effectRef>
+          <a:fontRef idx="none"/>
+        </p:style>
+        <p:txBody>
+          <a:bodyPr rot="0" spcFirstLastPara="1" vertOverflow="overflow" horzOverflow="overflow" vert="horz" wrap="square" lIns="50800" tIns="50800" rIns="50800" bIns="50800" numCol="1" spcCol="38100" rtlCol="0" anchor="ctr">
+            <a:spAutoFit/>
+          </a:bodyPr>
+          <a:lstStyle/>
+          <a:p>
+            <a:pPr marL="0" marR="0" indent="0" algn="ctr" defTabSz="825500" rtl="0" fontAlgn="auto" latinLnBrk="0" hangingPunct="0">
+              <a:lnSpc>
+                <a:spcPct val="100000"/>
+              </a:lnSpc>
+              <a:spcBef>
+                <a:spcPts val="0"/>
+              </a:spcBef>
+              <a:spcAft>
+                <a:spcPts val="0"/>
+              </a:spcAft>
+              <a:buClrTx/>
+              <a:buSzTx/>
+              <a:buFontTx/>
+              <a:buNone/>
+              <a:tabLst/>
+            </a:pPr>
+            <a:r>
+              <a:rPr lang="zh-CN" altLang="en-US" sz="3200" dirty="0">
+                <a:solidFill>
+                  <a:srgbClr val="FFFFFF"/>
+                </a:solidFill>
+              </a:rPr>
+              <a:t>神</a:t>
+            </a:r>
+            <a:r>
+              <a:rPr lang="zh-CN" altLang="en-US" sz="3200" dirty="0" smtClean="0">
+                <a:solidFill>
+                  <a:srgbClr val="FFFFFF"/>
+                </a:solidFill>
+              </a:rPr>
+              <a:t>秘石板</a:t>
+            </a:r>
+            <a:endParaRPr kumimoji="0" lang="zh-CN" altLang="en-US" sz="3200" b="0" i="0" u="none" strike="noStrike" cap="none" spc="0" normalizeH="0" baseline="0" dirty="0">
+              <a:ln>
+                <a:noFill/>
+              </a:ln>
+              <a:solidFill>
+                <a:srgbClr val="FFFFFF"/>
+              </a:solidFill>
+              <a:effectLst/>
+              <a:uFillTx/>
+              <a:latin typeface="+mn-lt"/>
+              <a:ea typeface="+mn-ea"/>
+              <a:cs typeface="+mn-cs"/>
+              <a:sym typeface="Helvetica Light"/>
+            </a:endParaRPr>
+          </a:p>
+        </p:txBody>
+      </p:sp>
+      <p:sp>
+        <p:nvSpPr>
+          <p:cNvPr id="43" name="Rounded Rectangle 42"/>
+          <p:cNvSpPr/>
+          <p:nvPr/>
+        </p:nvSpPr>
+        <p:spPr>
+          <a:xfrm>
+            <a:off x="5212080" y="11528737"/>
+            <a:ext cx="3639312" cy="658368"/>
+          </a:xfrm>
+          <a:prstGeom prst="roundRect">
+            <a:avLst/>
+          </a:prstGeom>
+          <a:blipFill rotWithShape="1">
+            <a:blip r:embed="rId3"/>
+            <a:srcRect/>
+            <a:tile tx="0" ty="0" sx="100000" sy="100000" flip="none" algn="tl"/>
+          </a:blipFill>
+          <a:ln w="12700" cap="flat">
+            <a:solidFill>
+              <a:schemeClr val="bg1"/>
+            </a:solidFill>
+            <a:miter lim="400000"/>
+          </a:ln>
+          <a:effectLst>
+            <a:outerShdw blurRad="38100" dist="25400" dir="5400000" rotWithShape="0">
+              <a:srgbClr val="000000">
+                <a:alpha val="50000"/>
+              </a:srgbClr>
+            </a:outerShdw>
+          </a:effectLst>
+          <a:sp3d/>
+        </p:spPr>
+        <p:style>
+          <a:lnRef idx="0">
+            <a:scrgbClr r="0" g="0" b="0"/>
+          </a:lnRef>
+          <a:fillRef idx="0">
+            <a:scrgbClr r="0" g="0" b="0"/>
+          </a:fillRef>
+          <a:effectRef idx="0">
+            <a:scrgbClr r="0" g="0" b="0"/>
+          </a:effectRef>
+          <a:fontRef idx="none"/>
+        </p:style>
+        <p:txBody>
+          <a:bodyPr rot="0" spcFirstLastPara="1" vertOverflow="overflow" horzOverflow="overflow" vert="horz" wrap="square" lIns="50800" tIns="50800" rIns="50800" bIns="50800" numCol="1" spcCol="38100" rtlCol="0" anchor="ctr">
+            <a:spAutoFit/>
+          </a:bodyPr>
+          <a:lstStyle/>
+          <a:p>
+            <a:pPr marL="0" marR="0" indent="0" algn="ctr" defTabSz="825500" rtl="0" fontAlgn="auto" latinLnBrk="0" hangingPunct="0">
+              <a:lnSpc>
+                <a:spcPct val="100000"/>
+              </a:lnSpc>
+              <a:spcBef>
+                <a:spcPts val="0"/>
+              </a:spcBef>
+              <a:spcAft>
+                <a:spcPts val="0"/>
+              </a:spcAft>
+              <a:buClrTx/>
+              <a:buSzTx/>
+              <a:buFontTx/>
+              <a:buNone/>
+              <a:tabLst/>
+            </a:pPr>
+            <a:r>
+              <a:rPr lang="zh-CN" altLang="en-US" sz="3200" dirty="0">
+                <a:solidFill>
+                  <a:srgbClr val="FFFFFF"/>
+                </a:solidFill>
+              </a:rPr>
+              <a:t>人物</a:t>
+            </a:r>
+            <a:endParaRPr kumimoji="0" lang="zh-CN" altLang="en-US" sz="3200" b="0" i="0" u="none" strike="noStrike" cap="none" spc="0" normalizeH="0" baseline="0" dirty="0">
+              <a:ln>
+                <a:noFill/>
+              </a:ln>
+              <a:solidFill>
+                <a:srgbClr val="FFFFFF"/>
+              </a:solidFill>
+              <a:effectLst/>
+              <a:uFillTx/>
+              <a:latin typeface="+mn-lt"/>
+              <a:ea typeface="+mn-ea"/>
+              <a:cs typeface="+mn-cs"/>
+              <a:sym typeface="Helvetica Light"/>
+            </a:endParaRPr>
+          </a:p>
+        </p:txBody>
+      </p:sp>
+      <p:sp>
+        <p:nvSpPr>
+          <p:cNvPr id="37" name="Rectangle 36"/>
+          <p:cNvSpPr/>
+          <p:nvPr/>
+        </p:nvSpPr>
+        <p:spPr>
+          <a:xfrm>
+            <a:off x="16431768" y="3094534"/>
+            <a:ext cx="3230880" cy="595035"/>
+          </a:xfrm>
+          <a:prstGeom prst="rect">
+            <a:avLst/>
+          </a:prstGeom>
+          <a:blipFill rotWithShape="1">
+            <a:blip r:embed="rId3"/>
+            <a:srcRect/>
+            <a:tile tx="0" ty="0" sx="100000" sy="100000" flip="none" algn="tl"/>
+          </a:blipFill>
+          <a:ln w="12700" cap="flat">
+            <a:solidFill>
+              <a:schemeClr val="bg1"/>
+            </a:solidFill>
+            <a:miter lim="400000"/>
+          </a:ln>
+          <a:effectLst>
+            <a:outerShdw blurRad="38100" dist="25400" dir="5400000" rotWithShape="0">
+              <a:srgbClr val="000000">
+                <a:alpha val="50000"/>
+              </a:srgbClr>
+            </a:outerShdw>
+          </a:effectLst>
+          <a:sp3d/>
+        </p:spPr>
+        <p:style>
+          <a:lnRef idx="0">
+            <a:scrgbClr r="0" g="0" b="0"/>
+          </a:lnRef>
+          <a:fillRef idx="0">
+            <a:scrgbClr r="0" g="0" b="0"/>
+          </a:fillRef>
+          <a:effectRef idx="0">
+            <a:scrgbClr r="0" g="0" b="0"/>
+          </a:effectRef>
+          <a:fontRef idx="none"/>
+        </p:style>
+        <p:txBody>
+          <a:bodyPr rot="0" spcFirstLastPara="1" vertOverflow="overflow" horzOverflow="overflow" vert="horz" wrap="square" lIns="50800" tIns="50800" rIns="50800" bIns="50800" numCol="1" spcCol="38100" rtlCol="0" anchor="ctr">
+            <a:spAutoFit/>
+          </a:bodyPr>
+          <a:lstStyle/>
+          <a:p>
+            <a:pPr marL="0" marR="0" indent="0" algn="ctr" defTabSz="825500" rtl="0" fontAlgn="auto" latinLnBrk="0" hangingPunct="0">
+              <a:lnSpc>
+                <a:spcPct val="100000"/>
+              </a:lnSpc>
+              <a:spcBef>
+                <a:spcPts val="0"/>
+              </a:spcBef>
+              <a:spcAft>
+                <a:spcPts val="0"/>
+              </a:spcAft>
+              <a:buClrTx/>
+              <a:buSzTx/>
+              <a:buFontTx/>
+              <a:buNone/>
+              <a:tabLst/>
+            </a:pPr>
+            <a:r>
+              <a:rPr kumimoji="0" lang="zh-CN" altLang="en-US" sz="3200" b="0" i="0" u="none" strike="noStrike" cap="none" spc="0" normalizeH="0" baseline="0" dirty="0" smtClean="0">
+                <a:ln>
+                  <a:noFill/>
+                </a:ln>
+                <a:solidFill>
+                  <a:srgbClr val="FFFFFF"/>
+                </a:solidFill>
+                <a:effectLst/>
+                <a:uFillTx/>
+                <a:latin typeface="+mn-lt"/>
+                <a:ea typeface="+mn-ea"/>
+                <a:cs typeface="+mn-cs"/>
+                <a:sym typeface="Helvetica Light"/>
+              </a:rPr>
+              <a:t>连接成功</a:t>
+            </a:r>
+            <a:endParaRPr kumimoji="0" lang="zh-CN" altLang="en-US" sz="3200" b="0" i="0" u="none" strike="noStrike" cap="none" spc="0" normalizeH="0" baseline="0" dirty="0">
+              <a:ln>
+                <a:noFill/>
+              </a:ln>
+              <a:solidFill>
+                <a:srgbClr val="FFFFFF"/>
+              </a:solidFill>
+              <a:effectLst/>
+              <a:uFillTx/>
+              <a:latin typeface="+mn-lt"/>
+              <a:ea typeface="+mn-ea"/>
+              <a:cs typeface="+mn-cs"/>
+              <a:sym typeface="Helvetica Light"/>
+            </a:endParaRPr>
+          </a:p>
+        </p:txBody>
+      </p:sp>
+    </p:spTree>
+    <p:extLst>
+      <p:ext uri="{BB962C8B-B14F-4D97-AF65-F5344CB8AC3E}">
+        <p14:creationId xmlns:p14="http://schemas.microsoft.com/office/powerpoint/2010/main" val="1565277215"/>
+      </p:ext>
+    </p:extLst>
+  </p:cSld>
+  <p:clrMapOvr>
+    <a:masterClrMapping/>
+  </p:clrMapOvr>
+  <p:transition spd="slow"/>
+  <p:timing>
+    <p:tnLst>
+      <p:par>
+        <p:cTn id="1" dur="indefinite" restart="never" nodeType="tmRoot"/>
+      </p:par>
+    </p:tnLst>
+  </p:timing>
+</p:sld>
+</file>
+
+<file path=ppt/slides/slide9.xml><?xml version="1.0" encoding="utf-8"?>
+<p:sld xmlns:a="http://schemas.openxmlformats.org/drawingml/2006/main" xmlns:r="http://schemas.openxmlformats.org/officeDocument/2006/relationships" xmlns:p="http://schemas.openxmlformats.org/presentationml/2006/main">
+  <p:cSld>
+    <p:spTree>
+      <p:nvGrpSpPr>
+        <p:cNvPr id="1" name=""/>
+        <p:cNvGrpSpPr/>
+        <p:nvPr/>
+      </p:nvGrpSpPr>
+      <p:grpSpPr>
+        <a:xfrm>
+          <a:off x="0" y="0"/>
+          <a:ext cx="0" cy="0"/>
+          <a:chOff x="0" y="0"/>
+          <a:chExt cx="0" cy="0"/>
+        </a:xfrm>
+      </p:grpSpPr>
+      <p:sp>
+        <p:nvSpPr>
+          <p:cNvPr id="126" name="Shape 126"/>
+          <p:cNvSpPr/>
+          <p:nvPr/>
+        </p:nvSpPr>
+        <p:spPr>
+          <a:xfrm>
+            <a:off x="-31818" y="-153408"/>
+            <a:ext cx="24447634" cy="2786882"/>
+          </a:xfrm>
+          <a:prstGeom prst="rect">
+            <a:avLst/>
+          </a:prstGeom>
+          <a:solidFill>
+            <a:srgbClr val="00AE66"/>
+          </a:solidFill>
+          <a:ln w="12700">
+            <a:miter lim="400000"/>
+          </a:ln>
+        </p:spPr>
+        <p:txBody>
+          <a:bodyPr lIns="50800" tIns="50800" rIns="50800" bIns="50800" anchor="ctr"/>
+          <a:lstStyle/>
+          <a:p>
+            <a:pPr>
+              <a:defRPr sz="3200">
+                <a:solidFill>
+                  <a:srgbClr val="FFFFFF"/>
+                </a:solidFill>
+              </a:defRPr>
+            </a:pPr>
+            <a:endParaRPr/>
+          </a:p>
+        </p:txBody>
+      </p:sp>
+      <p:sp>
+        <p:nvSpPr>
+          <p:cNvPr id="128" name="Shape 128"/>
+          <p:cNvSpPr/>
+          <p:nvPr/>
+        </p:nvSpPr>
+        <p:spPr>
+          <a:xfrm>
+            <a:off x="-71254" y="-122759"/>
+            <a:ext cx="24526507" cy="2756232"/>
+          </a:xfrm>
+          <a:prstGeom prst="rect">
+            <a:avLst/>
+          </a:prstGeom>
+          <a:solidFill>
+            <a:srgbClr val="000000">
+              <a:alpha val="70000"/>
+            </a:srgbClr>
+          </a:solidFill>
+          <a:ln w="12700">
+            <a:miter lim="400000"/>
+          </a:ln>
+          <a:effectLst>
+            <a:outerShdw blurRad="38100" dist="25400" dir="5400000" rotWithShape="0">
+              <a:srgbClr val="000000">
+                <a:alpha val="50000"/>
+              </a:srgbClr>
+            </a:outerShdw>
+          </a:effectLst>
+        </p:spPr>
+        <p:txBody>
+          <a:bodyPr lIns="50800" tIns="50800" rIns="50800" bIns="50800" anchor="ctr"/>
+          <a:lstStyle/>
+          <a:p>
+            <a:pPr>
+              <a:defRPr sz="3200">
+                <a:solidFill>
+                  <a:srgbClr val="FFFFFF"/>
+                </a:solidFill>
+              </a:defRPr>
+            </a:pPr>
+            <a:endParaRPr/>
+          </a:p>
+        </p:txBody>
+      </p:sp>
+      <p:pic>
+        <p:nvPicPr>
+          <p:cNvPr id="129" name="pasted-image.pdf"/>
+          <p:cNvPicPr>
+            <a:picLocks noChangeAspect="1"/>
+          </p:cNvPicPr>
+          <p:nvPr/>
+        </p:nvPicPr>
+        <p:blipFill>
+          <a:blip r:embed="rId2">
+            <a:extLst/>
+          </a:blip>
+          <a:stretch>
+            <a:fillRect/>
+          </a:stretch>
+        </p:blipFill>
+        <p:spPr>
+          <a:xfrm>
+            <a:off x="10238213" y="-109728"/>
+            <a:ext cx="3800445" cy="1093470"/>
+          </a:xfrm>
+          <a:prstGeom prst="rect">
+            <a:avLst/>
+          </a:prstGeom>
+          <a:ln w="12700">
+            <a:miter lim="400000"/>
+          </a:ln>
+        </p:spPr>
+      </p:pic>
+      <p:sp>
+        <p:nvSpPr>
+          <p:cNvPr id="130" name="Shape 130"/>
+          <p:cNvSpPr/>
+          <p:nvPr/>
+        </p:nvSpPr>
+        <p:spPr>
+          <a:xfrm>
+            <a:off x="10327051" y="1170225"/>
+            <a:ext cx="3693319" cy="1179810"/>
+          </a:xfrm>
+          <a:prstGeom prst="rect">
+            <a:avLst/>
+          </a:prstGeom>
+          <a:ln w="12700">
+            <a:miter lim="400000"/>
+          </a:ln>
+          <a:extLst>
+            <a:ext uri="{C572A759-6A51-4108-AA02-DFA0A04FC94B}">
+              <ma14:wrappingTextBoxFlag xmlns="" xmlns:ma14="http://schemas.microsoft.com/office/mac/drawingml/2011/main" val="1"/>
+            </a:ext>
+          </a:extLst>
+        </p:spPr>
+        <p:txBody>
+          <a:bodyPr wrap="none" lIns="50800" tIns="50800" rIns="50800" bIns="50800" anchor="ctr">
+            <a:spAutoFit/>
+          </a:bodyPr>
+          <a:lstStyle/>
+          <a:p>
+            <a:pPr>
+              <a:defRPr sz="7000" b="1">
+                <a:solidFill>
+                  <a:srgbClr val="FFFFFF"/>
+                </a:solidFill>
+                <a:latin typeface="Helvetica"/>
+                <a:ea typeface="Helvetica"/>
+                <a:cs typeface="Helvetica"/>
+                <a:sym typeface="Helvetica"/>
+              </a:defRPr>
+            </a:pPr>
+            <a:r>
+              <a:rPr lang="zh-CN" altLang="en-US" dirty="0" smtClean="0"/>
+              <a:t>游戏介绍</a:t>
+            </a:r>
+            <a:endParaRPr dirty="0" smtClean="0"/>
+          </a:p>
+        </p:txBody>
+      </p:sp>
+      <p:sp>
+        <p:nvSpPr>
+          <p:cNvPr id="3" name="Rectangle 2"/>
+          <p:cNvSpPr/>
+          <p:nvPr/>
+        </p:nvSpPr>
+        <p:spPr>
+          <a:xfrm>
+            <a:off x="-50106" y="2599045"/>
+            <a:ext cx="3521467" cy="872034"/>
+          </a:xfrm>
+          <a:prstGeom prst="rect">
+            <a:avLst/>
+          </a:prstGeom>
+          <a:solidFill>
+            <a:srgbClr val="00AF66"/>
+          </a:solidFill>
+          <a:ln w="12700" cap="flat">
+            <a:solidFill>
+              <a:schemeClr val="tx1"/>
+            </a:solidFill>
+            <a:miter lim="400000"/>
+          </a:ln>
+          <a:effectLst>
+            <a:outerShdw blurRad="38100" dist="25400" dir="5400000" rotWithShape="0">
+              <a:srgbClr val="000000">
+                <a:alpha val="50000"/>
+              </a:srgbClr>
+            </a:outerShdw>
+          </a:effectLst>
+          <a:sp3d/>
+        </p:spPr>
+        <p:style>
+          <a:lnRef idx="0">
+            <a:scrgbClr r="0" g="0" b="0"/>
+          </a:lnRef>
+          <a:fillRef idx="0">
+            <a:scrgbClr r="0" g="0" b="0"/>
+          </a:fillRef>
+          <a:effectRef idx="0">
+            <a:scrgbClr r="0" g="0" b="0"/>
+          </a:effectRef>
+          <a:fontRef idx="none"/>
+        </p:style>
+        <p:txBody>
+          <a:bodyPr rot="0" spcFirstLastPara="1" vertOverflow="overflow" horzOverflow="overflow" vert="horz" wrap="square" lIns="50800" tIns="50800" rIns="50800" bIns="50800" numCol="1" spcCol="38100" rtlCol="0" anchor="ctr">
+            <a:spAutoFit/>
+          </a:bodyPr>
+          <a:lstStyle/>
+          <a:p>
+            <a:pPr marL="0" marR="0" indent="0" algn="ctr" defTabSz="825500" rtl="0" fontAlgn="auto" latinLnBrk="0" hangingPunct="0">
+              <a:lnSpc>
+                <a:spcPct val="100000"/>
+              </a:lnSpc>
+              <a:spcBef>
+                <a:spcPts val="0"/>
+              </a:spcBef>
+              <a:spcAft>
+                <a:spcPts val="0"/>
+              </a:spcAft>
+              <a:buClrTx/>
+              <a:buSzTx/>
+              <a:buFontTx/>
+              <a:buNone/>
+              <a:tabLst/>
+            </a:pPr>
+            <a:r>
+              <a:rPr kumimoji="0" lang="en-US" altLang="zh-CN" b="0" i="0" u="none" strike="noStrike" cap="none" spc="0" normalizeH="0" baseline="0" dirty="0" smtClean="0">
+                <a:ln>
+                  <a:noFill/>
+                </a:ln>
+                <a:solidFill>
+                  <a:srgbClr val="FFFFFF"/>
+                </a:solidFill>
+                <a:effectLst/>
+                <a:uFillTx/>
+                <a:latin typeface="微软雅黑" panose="020B0503020204020204" pitchFamily="34" charset="-122"/>
+                <a:ea typeface="微软雅黑" panose="020B0503020204020204" pitchFamily="34" charset="-122"/>
+                <a:sym typeface="Helvetica Light"/>
+              </a:rPr>
+              <a:t>UI</a:t>
+            </a:r>
+            <a:r>
+              <a:rPr lang="zh-CN" altLang="en-US" dirty="0">
+                <a:solidFill>
+                  <a:srgbClr val="FFFFFF"/>
+                </a:solidFill>
+                <a:latin typeface="微软雅黑" panose="020B0503020204020204" pitchFamily="34" charset="-122"/>
+                <a:ea typeface="微软雅黑" panose="020B0503020204020204" pitchFamily="34" charset="-122"/>
+              </a:rPr>
+              <a:t>界面</a:t>
+            </a:r>
+            <a:endParaRPr kumimoji="0" lang="zh-CN" altLang="en-US" b="0" i="0" u="none" strike="noStrike" cap="none" spc="0" normalizeH="0" baseline="0" dirty="0">
+              <a:ln>
+                <a:noFill/>
+              </a:ln>
+              <a:solidFill>
+                <a:srgbClr val="FFFFFF"/>
+              </a:solidFill>
+              <a:effectLst/>
+              <a:uFillTx/>
+              <a:latin typeface="微软雅黑" panose="020B0503020204020204" pitchFamily="34" charset="-122"/>
+              <a:ea typeface="微软雅黑" panose="020B0503020204020204" pitchFamily="34" charset="-122"/>
+              <a:sym typeface="Helvetica Light"/>
+            </a:endParaRPr>
+          </a:p>
+        </p:txBody>
+      </p:sp>
+      <p:sp>
+        <p:nvSpPr>
+          <p:cNvPr id="15" name="Rectangle 14"/>
+          <p:cNvSpPr/>
+          <p:nvPr/>
+        </p:nvSpPr>
+        <p:spPr>
+          <a:xfrm>
+            <a:off x="4762407" y="3236229"/>
+            <a:ext cx="6126480" cy="9894554"/>
+          </a:xfrm>
+          <a:prstGeom prst="rect">
+            <a:avLst/>
+          </a:prstGeom>
+          <a:blipFill rotWithShape="1">
+            <a:blip r:embed="rId3"/>
+            <a:srcRect/>
+            <a:tile tx="0" ty="0" sx="100000" sy="100000" flip="none" algn="tl"/>
+          </a:blipFill>
+          <a:ln w="12700" cap="flat">
+            <a:noFill/>
+            <a:miter lim="400000"/>
+          </a:ln>
+          <a:effectLst>
+            <a:outerShdw blurRad="38100" dist="25400" dir="5400000" rotWithShape="0">
+              <a:srgbClr val="000000">
+                <a:alpha val="50000"/>
+              </a:srgbClr>
+            </a:outerShdw>
+          </a:effectLst>
+          <a:sp3d/>
+        </p:spPr>
+        <p:style>
+          <a:lnRef idx="0">
+            <a:scrgbClr r="0" g="0" b="0"/>
+          </a:lnRef>
+          <a:fillRef idx="0">
+            <a:scrgbClr r="0" g="0" b="0"/>
+          </a:fillRef>
+          <a:effectRef idx="0">
+            <a:scrgbClr r="0" g="0" b="0"/>
+          </a:effectRef>
+          <a:fontRef idx="none"/>
+        </p:style>
+        <p:txBody>
+          <a:bodyPr rot="0" spcFirstLastPara="1" vertOverflow="overflow" horzOverflow="overflow" vert="horz" wrap="square" lIns="50800" tIns="50800" rIns="50800" bIns="50800" numCol="1" spcCol="38100" rtlCol="0" anchor="ctr">
+            <a:spAutoFit/>
+          </a:bodyPr>
+          <a:lstStyle/>
+          <a:p>
+            <a:pPr marL="0" marR="0" indent="0" algn="ctr" defTabSz="825500" rtl="0" fontAlgn="auto" latinLnBrk="0" hangingPunct="0">
+              <a:lnSpc>
+                <a:spcPct val="100000"/>
+              </a:lnSpc>
+              <a:spcBef>
+                <a:spcPts val="0"/>
+              </a:spcBef>
+              <a:spcAft>
+                <a:spcPts val="0"/>
+              </a:spcAft>
+              <a:buClrTx/>
+              <a:buSzTx/>
+              <a:buFontTx/>
+              <a:buNone/>
+              <a:tabLst/>
+            </a:pPr>
+            <a:endParaRPr kumimoji="0" lang="zh-CN" altLang="en-US" sz="3200" b="0" i="0" u="none" strike="noStrike" cap="none" spc="0" normalizeH="0" baseline="0">
+              <a:ln>
+                <a:noFill/>
+              </a:ln>
+              <a:solidFill>
+                <a:srgbClr val="FFFFFF"/>
+              </a:solidFill>
+              <a:effectLst/>
+              <a:uFillTx/>
+              <a:latin typeface="+mn-lt"/>
+              <a:ea typeface="+mn-ea"/>
+              <a:cs typeface="+mn-cs"/>
+              <a:sym typeface="Helvetica Light"/>
+            </a:endParaRPr>
+          </a:p>
+        </p:txBody>
+      </p:sp>
+      <p:sp>
+        <p:nvSpPr>
+          <p:cNvPr id="37" name="Rectangle 36"/>
+          <p:cNvSpPr/>
+          <p:nvPr/>
+        </p:nvSpPr>
+        <p:spPr>
+          <a:xfrm>
+            <a:off x="6232567" y="3277414"/>
+            <a:ext cx="3230880" cy="595035"/>
+          </a:xfrm>
+          <a:prstGeom prst="rect">
+            <a:avLst/>
+          </a:prstGeom>
+          <a:blipFill rotWithShape="1">
+            <a:blip r:embed="rId3"/>
+            <a:srcRect/>
+            <a:tile tx="0" ty="0" sx="100000" sy="100000" flip="none" algn="tl"/>
+          </a:blipFill>
+          <a:ln w="12700" cap="flat">
+            <a:solidFill>
+              <a:schemeClr val="bg1"/>
+            </a:solidFill>
+            <a:miter lim="400000"/>
+          </a:ln>
+          <a:effectLst>
+            <a:outerShdw blurRad="38100" dist="25400" dir="5400000" rotWithShape="0">
+              <a:srgbClr val="000000">
+                <a:alpha val="50000"/>
+              </a:srgbClr>
+            </a:outerShdw>
+          </a:effectLst>
+          <a:sp3d/>
+        </p:spPr>
+        <p:style>
+          <a:lnRef idx="0">
+            <a:scrgbClr r="0" g="0" b="0"/>
+          </a:lnRef>
+          <a:fillRef idx="0">
+            <a:scrgbClr r="0" g="0" b="0"/>
+          </a:fillRef>
+          <a:effectRef idx="0">
+            <a:scrgbClr r="0" g="0" b="0"/>
+          </a:effectRef>
+          <a:fontRef idx="none"/>
+        </p:style>
+        <p:txBody>
+          <a:bodyPr rot="0" spcFirstLastPara="1" vertOverflow="overflow" horzOverflow="overflow" vert="horz" wrap="square" lIns="50800" tIns="50800" rIns="50800" bIns="50800" numCol="1" spcCol="38100" rtlCol="0" anchor="ctr">
+            <a:spAutoFit/>
+          </a:bodyPr>
+          <a:lstStyle/>
+          <a:p>
+            <a:pPr marL="0" marR="0" indent="0" algn="ctr" defTabSz="825500" rtl="0" fontAlgn="auto" latinLnBrk="0" hangingPunct="0">
+              <a:lnSpc>
+                <a:spcPct val="100000"/>
+              </a:lnSpc>
+              <a:spcBef>
+                <a:spcPts val="0"/>
+              </a:spcBef>
+              <a:spcAft>
+                <a:spcPts val="0"/>
+              </a:spcAft>
+              <a:buClrTx/>
+              <a:buSzTx/>
+              <a:buFontTx/>
+              <a:buNone/>
+              <a:tabLst/>
+            </a:pPr>
+            <a:r>
+              <a:rPr kumimoji="0" lang="zh-CN" altLang="en-US" sz="3200" b="0" i="0" u="none" strike="noStrike" cap="none" spc="0" normalizeH="0" baseline="0" dirty="0" smtClean="0">
+                <a:ln>
+                  <a:noFill/>
+                </a:ln>
+                <a:solidFill>
+                  <a:srgbClr val="FFFFFF"/>
+                </a:solidFill>
+                <a:effectLst/>
+                <a:uFillTx/>
+                <a:latin typeface="+mn-lt"/>
+                <a:ea typeface="+mn-ea"/>
+                <a:cs typeface="+mn-cs"/>
+                <a:sym typeface="Helvetica Light"/>
+              </a:rPr>
+              <a:t>神秘石板</a:t>
+            </a:r>
+            <a:endParaRPr kumimoji="0" lang="zh-CN" altLang="en-US" sz="3200" b="0" i="0" u="none" strike="noStrike" cap="none" spc="0" normalizeH="0" baseline="0" dirty="0">
+              <a:ln>
+                <a:noFill/>
+              </a:ln>
+              <a:solidFill>
+                <a:srgbClr val="FFFFFF"/>
+              </a:solidFill>
+              <a:effectLst/>
+              <a:uFillTx/>
+              <a:latin typeface="+mn-lt"/>
+              <a:ea typeface="+mn-ea"/>
+              <a:cs typeface="+mn-cs"/>
+              <a:sym typeface="Helvetica Light"/>
+            </a:endParaRPr>
+          </a:p>
+        </p:txBody>
+      </p:sp>
+      <p:sp>
+        <p:nvSpPr>
+          <p:cNvPr id="4" name="Rounded Rectangle 3"/>
+          <p:cNvSpPr/>
+          <p:nvPr/>
+        </p:nvSpPr>
+        <p:spPr>
+          <a:xfrm>
+            <a:off x="5482759" y="4864608"/>
+            <a:ext cx="1499616" cy="2160000"/>
+          </a:xfrm>
+          <a:prstGeom prst="roundRect">
+            <a:avLst/>
+          </a:prstGeom>
+          <a:solidFill>
+            <a:schemeClr val="accent1">
+              <a:lumMod val="75000"/>
+            </a:schemeClr>
+          </a:solidFill>
+          <a:ln/>
+        </p:spPr>
+        <p:style>
+          <a:lnRef idx="3">
+            <a:schemeClr val="lt1"/>
+          </a:lnRef>
+          <a:fillRef idx="1">
+            <a:schemeClr val="accent1"/>
+          </a:fillRef>
+          <a:effectRef idx="1">
+            <a:schemeClr val="accent1"/>
+          </a:effectRef>
+          <a:fontRef idx="minor">
+            <a:schemeClr val="lt1"/>
+          </a:fontRef>
+        </p:style>
+        <p:txBody>
+          <a:bodyPr rot="0" spcFirstLastPara="1" vertOverflow="overflow" horzOverflow="overflow" vert="horz" wrap="square" lIns="50800" tIns="50800" rIns="50800" bIns="50800" numCol="1" spcCol="38100" rtlCol="0" anchor="ctr">
+            <a:spAutoFit/>
+          </a:bodyPr>
+          <a:lstStyle/>
+          <a:p>
+            <a:pPr marL="0" marR="0" indent="0" algn="ctr" defTabSz="825500" rtl="0" fontAlgn="auto" latinLnBrk="0" hangingPunct="0">
+              <a:lnSpc>
+                <a:spcPct val="100000"/>
+              </a:lnSpc>
+              <a:spcBef>
+                <a:spcPts val="0"/>
+              </a:spcBef>
+              <a:spcAft>
+                <a:spcPts val="0"/>
+              </a:spcAft>
+              <a:buClrTx/>
+              <a:buSzTx/>
+              <a:buFontTx/>
+              <a:buNone/>
+              <a:tabLst/>
+            </a:pPr>
+            <a:endParaRPr kumimoji="0" lang="zh-CN" altLang="en-US" sz="3200" b="0" i="0" u="none" strike="noStrike" cap="none" spc="0" normalizeH="0" baseline="0">
+              <a:ln>
+                <a:noFill/>
+              </a:ln>
+              <a:solidFill>
+                <a:srgbClr val="FFFFFF"/>
+              </a:solidFill>
+              <a:effectLst/>
+              <a:uFillTx/>
+              <a:latin typeface="+mn-lt"/>
+              <a:ea typeface="+mn-ea"/>
+              <a:cs typeface="+mn-cs"/>
+              <a:sym typeface="Helvetica Light"/>
+            </a:endParaRPr>
+          </a:p>
+        </p:txBody>
+      </p:sp>
+      <p:sp>
+        <p:nvSpPr>
+          <p:cNvPr id="21" name="Rounded Rectangle 20"/>
+          <p:cNvSpPr/>
+          <p:nvPr/>
+        </p:nvSpPr>
+        <p:spPr>
+          <a:xfrm>
+            <a:off x="8273421" y="4811040"/>
+            <a:ext cx="1499616" cy="2160000"/>
+          </a:xfrm>
+          <a:prstGeom prst="roundRect">
+            <a:avLst/>
+          </a:prstGeom>
+          <a:solidFill>
+            <a:schemeClr val="accent1">
+              <a:lumMod val="75000"/>
+            </a:schemeClr>
+          </a:solidFill>
+          <a:ln/>
+        </p:spPr>
+        <p:style>
+          <a:lnRef idx="3">
+            <a:schemeClr val="lt1"/>
+          </a:lnRef>
+          <a:fillRef idx="1">
+            <a:schemeClr val="accent1"/>
+          </a:fillRef>
+          <a:effectRef idx="1">
+            <a:schemeClr val="accent1"/>
+          </a:effectRef>
+          <a:fontRef idx="minor">
+            <a:schemeClr val="lt1"/>
+          </a:fontRef>
+        </p:style>
+        <p:txBody>
+          <a:bodyPr rot="0" spcFirstLastPara="1" vertOverflow="overflow" horzOverflow="overflow" vert="horz" wrap="square" lIns="50800" tIns="50800" rIns="50800" bIns="50800" numCol="1" spcCol="38100" rtlCol="0" anchor="ctr">
+            <a:spAutoFit/>
+          </a:bodyPr>
+          <a:lstStyle/>
+          <a:p>
+            <a:pPr marL="0" marR="0" indent="0" algn="ctr" defTabSz="825500" rtl="0" fontAlgn="auto" latinLnBrk="0" hangingPunct="0">
+              <a:lnSpc>
+                <a:spcPct val="100000"/>
+              </a:lnSpc>
+              <a:spcBef>
+                <a:spcPts val="0"/>
+              </a:spcBef>
+              <a:spcAft>
+                <a:spcPts val="0"/>
+              </a:spcAft>
+              <a:buClrTx/>
+              <a:buSzTx/>
+              <a:buFontTx/>
+              <a:buNone/>
+              <a:tabLst/>
+            </a:pPr>
+            <a:endParaRPr kumimoji="0" lang="zh-CN" altLang="en-US" sz="3200" b="0" i="0" u="none" strike="noStrike" cap="none" spc="0" normalizeH="0" baseline="0">
+              <a:ln>
+                <a:noFill/>
+              </a:ln>
+              <a:solidFill>
+                <a:srgbClr val="FFFFFF"/>
+              </a:solidFill>
+              <a:effectLst/>
+              <a:uFillTx/>
+              <a:latin typeface="+mn-lt"/>
+              <a:ea typeface="+mn-ea"/>
+              <a:cs typeface="+mn-cs"/>
+              <a:sym typeface="Helvetica Light"/>
+            </a:endParaRPr>
+          </a:p>
+        </p:txBody>
+      </p:sp>
+      <p:sp>
+        <p:nvSpPr>
+          <p:cNvPr id="22" name="Rounded Rectangle 21"/>
+          <p:cNvSpPr/>
+          <p:nvPr/>
+        </p:nvSpPr>
+        <p:spPr>
+          <a:xfrm>
+            <a:off x="5482759" y="7917695"/>
+            <a:ext cx="1499616" cy="2160000"/>
+          </a:xfrm>
+          <a:prstGeom prst="roundRect">
+            <a:avLst/>
+          </a:prstGeom>
+          <a:solidFill>
+            <a:schemeClr val="bg1">
+              <a:lumMod val="50000"/>
+            </a:schemeClr>
+          </a:solidFill>
+          <a:ln/>
+        </p:spPr>
+        <p:style>
+          <a:lnRef idx="3">
+            <a:schemeClr val="lt1"/>
+          </a:lnRef>
+          <a:fillRef idx="1">
+            <a:schemeClr val="accent1"/>
+          </a:fillRef>
+          <a:effectRef idx="1">
+            <a:schemeClr val="accent1"/>
+          </a:effectRef>
+          <a:fontRef idx="minor">
+            <a:schemeClr val="lt1"/>
+          </a:fontRef>
+        </p:style>
+        <p:txBody>
+          <a:bodyPr rot="0" spcFirstLastPara="1" vertOverflow="overflow" horzOverflow="overflow" vert="horz" wrap="square" lIns="50800" tIns="50800" rIns="50800" bIns="50800" numCol="1" spcCol="38100" rtlCol="0" anchor="ctr">
+            <a:spAutoFit/>
+          </a:bodyPr>
+          <a:lstStyle/>
+          <a:p>
+            <a:pPr marL="0" marR="0" indent="0" algn="ctr" defTabSz="825500" rtl="0" fontAlgn="auto" latinLnBrk="0" hangingPunct="0">
+              <a:lnSpc>
+                <a:spcPct val="100000"/>
+              </a:lnSpc>
+              <a:spcBef>
+                <a:spcPts val="0"/>
+              </a:spcBef>
+              <a:spcAft>
+                <a:spcPts val="0"/>
+              </a:spcAft>
+              <a:buClrTx/>
+              <a:buSzTx/>
+              <a:buFontTx/>
+              <a:buNone/>
+              <a:tabLst/>
+            </a:pPr>
+            <a:endParaRPr kumimoji="0" lang="zh-CN" altLang="en-US" sz="3200" b="0" i="0" u="none" strike="noStrike" cap="none" spc="0" normalizeH="0" baseline="0">
+              <a:ln>
+                <a:noFill/>
+              </a:ln>
+              <a:solidFill>
+                <a:srgbClr val="FFFFFF"/>
+              </a:solidFill>
+              <a:effectLst/>
+              <a:uFillTx/>
+              <a:latin typeface="+mn-lt"/>
+              <a:ea typeface="+mn-ea"/>
+              <a:cs typeface="+mn-cs"/>
+              <a:sym typeface="Helvetica Light"/>
+            </a:endParaRPr>
+          </a:p>
+        </p:txBody>
+      </p:sp>
+      <p:sp>
+        <p:nvSpPr>
+          <p:cNvPr id="23" name="Rounded Rectangle 22"/>
+          <p:cNvSpPr/>
+          <p:nvPr/>
+        </p:nvSpPr>
+        <p:spPr>
+          <a:xfrm>
+            <a:off x="8185823" y="7917695"/>
+            <a:ext cx="1499616" cy="2160000"/>
+          </a:xfrm>
+          <a:prstGeom prst="roundRect">
+            <a:avLst/>
+          </a:prstGeom>
+          <a:solidFill>
+            <a:schemeClr val="bg1">
+              <a:lumMod val="50000"/>
+            </a:schemeClr>
+          </a:solidFill>
+          <a:ln/>
+        </p:spPr>
+        <p:style>
+          <a:lnRef idx="3">
+            <a:schemeClr val="lt1"/>
+          </a:lnRef>
+          <a:fillRef idx="1">
+            <a:schemeClr val="accent1"/>
+          </a:fillRef>
+          <a:effectRef idx="1">
+            <a:schemeClr val="accent1"/>
+          </a:effectRef>
+          <a:fontRef idx="minor">
+            <a:schemeClr val="lt1"/>
+          </a:fontRef>
+        </p:style>
+        <p:txBody>
+          <a:bodyPr rot="0" spcFirstLastPara="1" vertOverflow="overflow" horzOverflow="overflow" vert="horz" wrap="square" lIns="50800" tIns="50800" rIns="50800" bIns="50800" numCol="1" spcCol="38100" rtlCol="0" anchor="ctr">
+            <a:spAutoFit/>
+          </a:bodyPr>
+          <a:lstStyle/>
+          <a:p>
+            <a:pPr marL="0" marR="0" indent="0" algn="ctr" defTabSz="825500" rtl="0" fontAlgn="auto" latinLnBrk="0" hangingPunct="0">
+              <a:lnSpc>
+                <a:spcPct val="100000"/>
+              </a:lnSpc>
+              <a:spcBef>
+                <a:spcPts val="0"/>
+              </a:spcBef>
+              <a:spcAft>
+                <a:spcPts val="0"/>
+              </a:spcAft>
+              <a:buClrTx/>
+              <a:buSzTx/>
+              <a:buFontTx/>
+              <a:buNone/>
+              <a:tabLst/>
+            </a:pPr>
+            <a:endParaRPr kumimoji="0" lang="zh-CN" altLang="en-US" sz="3200" b="0" i="0" u="none" strike="noStrike" cap="none" spc="0" normalizeH="0" baseline="0">
+              <a:ln>
+                <a:noFill/>
+              </a:ln>
+              <a:solidFill>
+                <a:srgbClr val="FFFFFF"/>
+              </a:solidFill>
+              <a:effectLst/>
+              <a:uFillTx/>
+              <a:latin typeface="+mn-lt"/>
+              <a:ea typeface="+mn-ea"/>
+              <a:cs typeface="+mn-cs"/>
+              <a:sym typeface="Helvetica Light"/>
+            </a:endParaRPr>
+          </a:p>
+        </p:txBody>
+      </p:sp>
+      <p:sp>
+        <p:nvSpPr>
+          <p:cNvPr id="24" name="Rounded Rectangle 23"/>
+          <p:cNvSpPr/>
+          <p:nvPr/>
+        </p:nvSpPr>
+        <p:spPr>
+          <a:xfrm>
+            <a:off x="5482759" y="10831583"/>
+            <a:ext cx="1499616" cy="2160000"/>
+          </a:xfrm>
+          <a:prstGeom prst="roundRect">
+            <a:avLst/>
+          </a:prstGeom>
+          <a:solidFill>
+            <a:schemeClr val="bg1">
+              <a:lumMod val="50000"/>
+            </a:schemeClr>
+          </a:solidFill>
+          <a:ln/>
+        </p:spPr>
+        <p:style>
+          <a:lnRef idx="3">
+            <a:schemeClr val="lt1"/>
+          </a:lnRef>
+          <a:fillRef idx="1">
+            <a:schemeClr val="accent1"/>
+          </a:fillRef>
+          <a:effectRef idx="1">
+            <a:schemeClr val="accent1"/>
+          </a:effectRef>
+          <a:fontRef idx="minor">
+            <a:schemeClr val="lt1"/>
+          </a:fontRef>
+        </p:style>
+        <p:txBody>
+          <a:bodyPr rot="0" spcFirstLastPara="1" vertOverflow="overflow" horzOverflow="overflow" vert="horz" wrap="square" lIns="50800" tIns="50800" rIns="50800" bIns="50800" numCol="1" spcCol="38100" rtlCol="0" anchor="ctr">
+            <a:spAutoFit/>
+          </a:bodyPr>
+          <a:lstStyle/>
+          <a:p>
+            <a:pPr marL="0" marR="0" indent="0" algn="ctr" defTabSz="825500" rtl="0" fontAlgn="auto" latinLnBrk="0" hangingPunct="0">
+              <a:lnSpc>
+                <a:spcPct val="100000"/>
+              </a:lnSpc>
+              <a:spcBef>
+                <a:spcPts val="0"/>
+              </a:spcBef>
+              <a:spcAft>
+                <a:spcPts val="0"/>
+              </a:spcAft>
+              <a:buClrTx/>
+              <a:buSzTx/>
+              <a:buFontTx/>
+              <a:buNone/>
+              <a:tabLst/>
+            </a:pPr>
+            <a:endParaRPr kumimoji="0" lang="zh-CN" altLang="en-US" sz="3200" b="0" i="0" u="none" strike="noStrike" cap="none" spc="0" normalizeH="0" baseline="0">
+              <a:ln>
+                <a:noFill/>
+              </a:ln>
+              <a:solidFill>
+                <a:srgbClr val="FFFFFF"/>
+              </a:solidFill>
+              <a:effectLst/>
+              <a:uFillTx/>
+              <a:latin typeface="+mn-lt"/>
+              <a:ea typeface="+mn-ea"/>
+              <a:cs typeface="+mn-cs"/>
+              <a:sym typeface="Helvetica Light"/>
+            </a:endParaRPr>
+          </a:p>
+        </p:txBody>
+      </p:sp>
+      <p:sp>
+        <p:nvSpPr>
+          <p:cNvPr id="25" name="Rounded Rectangle 24"/>
+          <p:cNvSpPr/>
+          <p:nvPr/>
+        </p:nvSpPr>
+        <p:spPr>
+          <a:xfrm>
+            <a:off x="8185823" y="10831583"/>
+            <a:ext cx="1499616" cy="2160000"/>
+          </a:xfrm>
+          <a:prstGeom prst="roundRect">
+            <a:avLst/>
+          </a:prstGeom>
+          <a:solidFill>
+            <a:schemeClr val="bg1">
+              <a:lumMod val="50000"/>
+            </a:schemeClr>
+          </a:solidFill>
+          <a:ln/>
+        </p:spPr>
+        <p:style>
+          <a:lnRef idx="3">
+            <a:schemeClr val="lt1"/>
+          </a:lnRef>
+          <a:fillRef idx="1">
+            <a:schemeClr val="accent1"/>
+          </a:fillRef>
+          <a:effectRef idx="1">
+            <a:schemeClr val="accent1"/>
+          </a:effectRef>
+          <a:fontRef idx="minor">
+            <a:schemeClr val="lt1"/>
+          </a:fontRef>
+        </p:style>
+        <p:txBody>
+          <a:bodyPr rot="0" spcFirstLastPara="1" vertOverflow="overflow" horzOverflow="overflow" vert="horz" wrap="square" lIns="50800" tIns="50800" rIns="50800" bIns="50800" numCol="1" spcCol="38100" rtlCol="0" anchor="ctr">
+            <a:spAutoFit/>
+          </a:bodyPr>
+          <a:lstStyle/>
+          <a:p>
+            <a:pPr marL="0" marR="0" indent="0" algn="ctr" defTabSz="825500" rtl="0" fontAlgn="auto" latinLnBrk="0" hangingPunct="0">
+              <a:lnSpc>
+                <a:spcPct val="100000"/>
+              </a:lnSpc>
+              <a:spcBef>
+                <a:spcPts val="0"/>
+              </a:spcBef>
+              <a:spcAft>
+                <a:spcPts val="0"/>
+              </a:spcAft>
+              <a:buClrTx/>
+              <a:buSzTx/>
+              <a:buFontTx/>
+              <a:buNone/>
+              <a:tabLst/>
+            </a:pPr>
+            <a:endParaRPr kumimoji="0" lang="zh-CN" altLang="en-US" sz="3200" b="0" i="0" u="none" strike="noStrike" cap="none" spc="0" normalizeH="0" baseline="0">
+              <a:ln>
+                <a:noFill/>
+              </a:ln>
+              <a:solidFill>
+                <a:srgbClr val="FFFFFF"/>
+              </a:solidFill>
+              <a:effectLst/>
+              <a:uFillTx/>
+              <a:latin typeface="+mn-lt"/>
+              <a:ea typeface="+mn-ea"/>
+              <a:cs typeface="+mn-cs"/>
+              <a:sym typeface="Helvetica Light"/>
+            </a:endParaRPr>
+          </a:p>
+        </p:txBody>
+      </p:sp>
+      <p:sp>
+        <p:nvSpPr>
+          <p:cNvPr id="26" name="Rectangle 25"/>
+          <p:cNvSpPr/>
+          <p:nvPr/>
+        </p:nvSpPr>
+        <p:spPr>
+          <a:xfrm>
+            <a:off x="13729623" y="3277414"/>
+            <a:ext cx="6126480" cy="9894554"/>
+          </a:xfrm>
+          <a:prstGeom prst="rect">
+            <a:avLst/>
+          </a:prstGeom>
+          <a:blipFill rotWithShape="1">
+            <a:blip r:embed="rId3"/>
+            <a:srcRect/>
+            <a:tile tx="0" ty="0" sx="100000" sy="100000" flip="none" algn="tl"/>
+          </a:blipFill>
+          <a:ln w="12700" cap="flat">
+            <a:noFill/>
+            <a:miter lim="400000"/>
+          </a:ln>
+          <a:effectLst>
+            <a:outerShdw blurRad="38100" dist="25400" dir="5400000" rotWithShape="0">
+              <a:srgbClr val="000000">
+                <a:alpha val="50000"/>
+              </a:srgbClr>
+            </a:outerShdw>
+          </a:effectLst>
+          <a:sp3d/>
+        </p:spPr>
+        <p:style>
+          <a:lnRef idx="0">
+            <a:scrgbClr r="0" g="0" b="0"/>
+          </a:lnRef>
+          <a:fillRef idx="0">
+            <a:scrgbClr r="0" g="0" b="0"/>
+          </a:fillRef>
+          <a:effectRef idx="0">
+            <a:scrgbClr r="0" g="0" b="0"/>
+          </a:effectRef>
+          <a:fontRef idx="none"/>
+        </p:style>
+        <p:txBody>
+          <a:bodyPr rot="0" spcFirstLastPara="1" vertOverflow="overflow" horzOverflow="overflow" vert="horz" wrap="square" lIns="50800" tIns="50800" rIns="50800" bIns="50800" numCol="1" spcCol="38100" rtlCol="0" anchor="ctr">
+            <a:spAutoFit/>
+          </a:bodyPr>
+          <a:lstStyle/>
+          <a:p>
+            <a:pPr marL="0" marR="0" indent="0" algn="ctr" defTabSz="825500" rtl="0" fontAlgn="auto" latinLnBrk="0" hangingPunct="0">
+              <a:lnSpc>
+                <a:spcPct val="100000"/>
+              </a:lnSpc>
+              <a:spcBef>
+                <a:spcPts val="0"/>
+              </a:spcBef>
+              <a:spcAft>
+                <a:spcPts val="0"/>
+              </a:spcAft>
+              <a:buClrTx/>
+              <a:buSzTx/>
+              <a:buFontTx/>
+              <a:buNone/>
+              <a:tabLst/>
+            </a:pPr>
+            <a:endParaRPr kumimoji="0" lang="zh-CN" altLang="en-US" sz="3200" b="0" i="0" u="none" strike="noStrike" cap="none" spc="0" normalizeH="0" baseline="0">
+              <a:ln>
+                <a:noFill/>
+              </a:ln>
+              <a:solidFill>
+                <a:srgbClr val="FFFFFF"/>
+              </a:solidFill>
+              <a:effectLst/>
+              <a:uFillTx/>
+              <a:latin typeface="+mn-lt"/>
+              <a:ea typeface="+mn-ea"/>
+              <a:cs typeface="+mn-cs"/>
+              <a:sym typeface="Helvetica Light"/>
+            </a:endParaRPr>
+          </a:p>
+        </p:txBody>
+      </p:sp>
+      <p:sp>
+        <p:nvSpPr>
+          <p:cNvPr id="27" name="Rectangle 26"/>
+          <p:cNvSpPr/>
+          <p:nvPr/>
+        </p:nvSpPr>
+        <p:spPr>
+          <a:xfrm>
+            <a:off x="15199783" y="3318599"/>
+            <a:ext cx="3230880" cy="595035"/>
+          </a:xfrm>
+          <a:prstGeom prst="rect">
+            <a:avLst/>
+          </a:prstGeom>
+          <a:blipFill rotWithShape="1">
+            <a:blip r:embed="rId3"/>
+            <a:srcRect/>
+            <a:tile tx="0" ty="0" sx="100000" sy="100000" flip="none" algn="tl"/>
+          </a:blipFill>
+          <a:ln w="12700" cap="flat">
+            <a:solidFill>
+              <a:schemeClr val="bg1"/>
+            </a:solidFill>
+            <a:miter lim="400000"/>
+          </a:ln>
+          <a:effectLst>
+            <a:outerShdw blurRad="38100" dist="25400" dir="5400000" rotWithShape="0">
+              <a:srgbClr val="000000">
+                <a:alpha val="50000"/>
+              </a:srgbClr>
+            </a:outerShdw>
+          </a:effectLst>
+          <a:sp3d/>
+        </p:spPr>
+        <p:style>
+          <a:lnRef idx="0">
+            <a:scrgbClr r="0" g="0" b="0"/>
+          </a:lnRef>
+          <a:fillRef idx="0">
+            <a:scrgbClr r="0" g="0" b="0"/>
+          </a:fillRef>
+          <a:effectRef idx="0">
+            <a:scrgbClr r="0" g="0" b="0"/>
+          </a:effectRef>
+          <a:fontRef idx="none"/>
+        </p:style>
+        <p:txBody>
+          <a:bodyPr rot="0" spcFirstLastPara="1" vertOverflow="overflow" horzOverflow="overflow" vert="horz" wrap="square" lIns="50800" tIns="50800" rIns="50800" bIns="50800" numCol="1" spcCol="38100" rtlCol="0" anchor="ctr">
+            <a:spAutoFit/>
+          </a:bodyPr>
+          <a:lstStyle/>
+          <a:p>
+            <a:pPr marL="0" marR="0" indent="0" algn="ctr" defTabSz="825500" rtl="0" fontAlgn="auto" latinLnBrk="0" hangingPunct="0">
+              <a:lnSpc>
+                <a:spcPct val="100000"/>
+              </a:lnSpc>
+              <a:spcBef>
+                <a:spcPts val="0"/>
+              </a:spcBef>
+              <a:spcAft>
+                <a:spcPts val="0"/>
+              </a:spcAft>
+              <a:buClrTx/>
+              <a:buSzTx/>
+              <a:buFontTx/>
+              <a:buNone/>
+              <a:tabLst/>
+            </a:pPr>
+            <a:r>
+              <a:rPr kumimoji="0" lang="zh-CN" altLang="en-US" sz="3200" b="0" i="0" u="none" strike="noStrike" cap="none" spc="0" normalizeH="0" baseline="0" dirty="0" smtClean="0">
+                <a:ln>
+                  <a:noFill/>
+                </a:ln>
+                <a:solidFill>
+                  <a:srgbClr val="FFFFFF"/>
+                </a:solidFill>
+                <a:effectLst/>
+                <a:uFillTx/>
+                <a:latin typeface="+mn-lt"/>
+                <a:ea typeface="+mn-ea"/>
+                <a:cs typeface="+mn-cs"/>
+                <a:sym typeface="Helvetica Light"/>
+              </a:rPr>
+              <a:t>神秘石板</a:t>
+            </a:r>
+            <a:endParaRPr kumimoji="0" lang="zh-CN" altLang="en-US" sz="3200" b="0" i="0" u="none" strike="noStrike" cap="none" spc="0" normalizeH="0" baseline="0" dirty="0">
+              <a:ln>
+                <a:noFill/>
+              </a:ln>
+              <a:solidFill>
+                <a:srgbClr val="FFFFFF"/>
+              </a:solidFill>
+              <a:effectLst/>
+              <a:uFillTx/>
+              <a:latin typeface="+mn-lt"/>
+              <a:ea typeface="+mn-ea"/>
+              <a:cs typeface="+mn-cs"/>
+              <a:sym typeface="Helvetica Light"/>
+            </a:endParaRPr>
+          </a:p>
+        </p:txBody>
+      </p:sp>
+      <p:sp>
+        <p:nvSpPr>
+          <p:cNvPr id="5" name="TextBox 4"/>
+          <p:cNvSpPr txBox="1"/>
+          <p:nvPr/>
+        </p:nvSpPr>
+        <p:spPr>
+          <a:xfrm>
+            <a:off x="14996160" y="4644298"/>
+            <a:ext cx="3858768" cy="7797006"/>
+          </a:xfrm>
+          <a:prstGeom prst="rect">
+            <a:avLst/>
+          </a:prstGeom>
+          <a:noFill/>
+          <a:ln w="12700" cap="flat">
+            <a:noFill/>
+            <a:miter lim="400000"/>
+          </a:ln>
+          <a:effectLst/>
+          <a:sp3d/>
+        </p:spPr>
+        <p:style>
+          <a:lnRef idx="0">
+            <a:scrgbClr r="0" g="0" b="0"/>
+          </a:lnRef>
+          <a:fillRef idx="0">
+            <a:scrgbClr r="0" g="0" b="0"/>
+          </a:fillRef>
+          <a:effectRef idx="0">
+            <a:scrgbClr r="0" g="0" b="0"/>
+          </a:effectRef>
+          <a:fontRef idx="none"/>
+        </p:style>
+        <p:txBody>
+          <a:bodyPr rot="0" spcFirstLastPara="1" vertOverflow="overflow" horzOverflow="overflow" vert="horz" wrap="square" lIns="50800" tIns="50800" rIns="50800" bIns="50800" numCol="1" spcCol="38100" rtlCol="0" anchor="ctr">
+            <a:spAutoFit/>
+          </a:bodyPr>
+          <a:lstStyle/>
+          <a:p>
+            <a:pPr marL="0" marR="0" indent="0" algn="ctr" defTabSz="825500" rtl="0" fontAlgn="auto" latinLnBrk="0" hangingPunct="0">
+              <a:lnSpc>
+                <a:spcPct val="100000"/>
+              </a:lnSpc>
+              <a:spcBef>
+                <a:spcPts val="0"/>
+              </a:spcBef>
+              <a:spcAft>
+                <a:spcPts val="0"/>
+              </a:spcAft>
+              <a:buClrTx/>
+              <a:buSzTx/>
+              <a:buFontTx/>
+              <a:buNone/>
+              <a:tabLst/>
+            </a:pPr>
+            <a:r>
+              <a:rPr kumimoji="0" lang="en-US" altLang="zh-CN" sz="5000" b="0" i="0" u="none" strike="noStrike" cap="none" spc="0" normalizeH="0" baseline="0" dirty="0" err="1" smtClean="0">
+                <a:ln>
+                  <a:noFill/>
+                </a:ln>
+                <a:solidFill>
+                  <a:srgbClr val="000000"/>
+                </a:solidFill>
+                <a:effectLst/>
+                <a:uFillTx/>
+                <a:latin typeface="+mn-lt"/>
+                <a:ea typeface="+mn-ea"/>
+                <a:cs typeface="+mn-cs"/>
+                <a:sym typeface="Helvetica Light"/>
+              </a:rPr>
+              <a:t>Sdafsdaf</a:t>
+            </a:r>
+            <a:r>
+              <a:rPr kumimoji="0" lang="en-US" altLang="zh-CN" sz="5000" b="0" i="0" u="none" strike="noStrike" cap="none" spc="0" normalizeH="0" baseline="0" dirty="0" smtClean="0">
+                <a:ln>
+                  <a:noFill/>
+                </a:ln>
+                <a:solidFill>
+                  <a:srgbClr val="000000"/>
+                </a:solidFill>
+                <a:effectLst/>
+                <a:uFillTx/>
+                <a:latin typeface="+mn-lt"/>
+                <a:ea typeface="+mn-ea"/>
+                <a:cs typeface="+mn-cs"/>
+                <a:sym typeface="Helvetica Light"/>
+              </a:rPr>
+              <a:t> </a:t>
+            </a:r>
+            <a:r>
+              <a:rPr kumimoji="0" lang="en-US" altLang="zh-CN" sz="5000" b="0" i="0" u="none" strike="noStrike" cap="none" spc="0" normalizeH="0" baseline="0" dirty="0" err="1" smtClean="0">
+                <a:ln>
+                  <a:noFill/>
+                </a:ln>
+                <a:solidFill>
+                  <a:srgbClr val="000000"/>
+                </a:solidFill>
+                <a:effectLst/>
+                <a:uFillTx/>
+                <a:latin typeface="+mn-lt"/>
+                <a:ea typeface="+mn-ea"/>
+                <a:cs typeface="+mn-cs"/>
+                <a:sym typeface="Helvetica Light"/>
+              </a:rPr>
+              <a:t>asdfa</a:t>
+            </a:r>
+            <a:r>
+              <a:rPr kumimoji="0" lang="en-US" altLang="zh-CN" sz="5000" b="0" i="0" u="none" strike="noStrike" cap="none" spc="0" normalizeH="0" baseline="0" dirty="0" smtClean="0">
+                <a:ln>
+                  <a:noFill/>
+                </a:ln>
+                <a:solidFill>
+                  <a:srgbClr val="000000"/>
+                </a:solidFill>
+                <a:effectLst/>
+                <a:uFillTx/>
+                <a:latin typeface="+mn-lt"/>
+                <a:ea typeface="+mn-ea"/>
+                <a:cs typeface="+mn-cs"/>
+                <a:sym typeface="Helvetica Light"/>
+              </a:rPr>
+              <a:t> </a:t>
+            </a:r>
+            <a:r>
+              <a:rPr kumimoji="0" lang="en-US" altLang="zh-CN" sz="5000" b="0" i="0" u="none" strike="noStrike" cap="none" spc="0" normalizeH="0" baseline="0" dirty="0" err="1" smtClean="0">
+                <a:ln>
+                  <a:noFill/>
+                </a:ln>
+                <a:solidFill>
+                  <a:srgbClr val="000000"/>
+                </a:solidFill>
+                <a:effectLst/>
+                <a:uFillTx/>
+                <a:latin typeface="+mn-lt"/>
+                <a:ea typeface="+mn-ea"/>
+                <a:cs typeface="+mn-cs"/>
+                <a:sym typeface="Helvetica Light"/>
+              </a:rPr>
+              <a:t>dsf</a:t>
+            </a:r>
+            <a:r>
+              <a:rPr kumimoji="0" lang="en-US" altLang="zh-CN" sz="5000" b="0" i="0" u="none" strike="noStrike" cap="none" spc="0" normalizeH="0" baseline="0" dirty="0" smtClean="0">
+                <a:ln>
+                  <a:noFill/>
+                </a:ln>
+                <a:solidFill>
+                  <a:srgbClr val="000000"/>
+                </a:solidFill>
+                <a:effectLst/>
+                <a:uFillTx/>
+                <a:latin typeface="+mn-lt"/>
+                <a:ea typeface="+mn-ea"/>
+                <a:cs typeface="+mn-cs"/>
+                <a:sym typeface="Helvetica Light"/>
+              </a:rPr>
+              <a:t> </a:t>
+            </a:r>
+            <a:r>
+              <a:rPr kumimoji="0" lang="en-US" altLang="zh-CN" sz="5000" b="0" i="0" u="none" strike="noStrike" cap="none" spc="0" normalizeH="0" baseline="0" dirty="0" err="1" smtClean="0">
+                <a:ln>
+                  <a:noFill/>
+                </a:ln>
+                <a:solidFill>
+                  <a:srgbClr val="000000"/>
+                </a:solidFill>
+                <a:effectLst/>
+                <a:uFillTx/>
+                <a:latin typeface="+mn-lt"/>
+                <a:ea typeface="+mn-ea"/>
+                <a:cs typeface="+mn-cs"/>
+                <a:sym typeface="Helvetica Light"/>
+              </a:rPr>
+              <a:t>asdfa</a:t>
+            </a:r>
+            <a:r>
+              <a:rPr kumimoji="0" lang="en-US" altLang="zh-CN" sz="5000" b="0" i="0" u="none" strike="noStrike" cap="none" spc="0" normalizeH="0" baseline="0" dirty="0" smtClean="0">
+                <a:ln>
+                  <a:noFill/>
+                </a:ln>
+                <a:solidFill>
+                  <a:srgbClr val="000000"/>
+                </a:solidFill>
+                <a:effectLst/>
+                <a:uFillTx/>
+                <a:latin typeface="+mn-lt"/>
+                <a:ea typeface="+mn-ea"/>
+                <a:cs typeface="+mn-cs"/>
+                <a:sym typeface="Helvetica Light"/>
+              </a:rPr>
+              <a:t> </a:t>
+            </a:r>
+            <a:r>
+              <a:rPr kumimoji="0" lang="en-US" altLang="zh-CN" sz="5000" b="0" i="0" u="none" strike="noStrike" cap="none" spc="0" normalizeH="0" baseline="0" dirty="0" err="1" smtClean="0">
+                <a:ln>
+                  <a:noFill/>
+                </a:ln>
+                <a:solidFill>
+                  <a:srgbClr val="000000"/>
+                </a:solidFill>
+                <a:effectLst/>
+                <a:uFillTx/>
+                <a:latin typeface="+mn-lt"/>
+                <a:ea typeface="+mn-ea"/>
+                <a:cs typeface="+mn-cs"/>
+                <a:sym typeface="Helvetica Light"/>
+              </a:rPr>
+              <a:t>dsfa</a:t>
+            </a:r>
+            <a:r>
+              <a:rPr kumimoji="0" lang="en-US" altLang="zh-CN" sz="5000" b="0" i="0" u="none" strike="noStrike" cap="none" spc="0" normalizeH="0" baseline="0" dirty="0" smtClean="0">
+                <a:ln>
+                  <a:noFill/>
+                </a:ln>
+                <a:solidFill>
+                  <a:srgbClr val="000000"/>
+                </a:solidFill>
+                <a:effectLst/>
+                <a:uFillTx/>
+                <a:latin typeface="+mn-lt"/>
+                <a:ea typeface="+mn-ea"/>
+                <a:cs typeface="+mn-cs"/>
+                <a:sym typeface="Helvetica Light"/>
+              </a:rPr>
+              <a:t> </a:t>
+            </a:r>
+            <a:r>
+              <a:rPr kumimoji="0" lang="en-US" altLang="zh-CN" sz="5000" b="0" i="0" u="none" strike="noStrike" cap="none" spc="0" normalizeH="0" baseline="0" dirty="0" err="1" smtClean="0">
+                <a:ln>
+                  <a:noFill/>
+                </a:ln>
+                <a:solidFill>
+                  <a:srgbClr val="000000"/>
+                </a:solidFill>
+                <a:effectLst/>
+                <a:uFillTx/>
+                <a:latin typeface="+mn-lt"/>
+                <a:ea typeface="+mn-ea"/>
+                <a:cs typeface="+mn-cs"/>
+                <a:sym typeface="Helvetica Light"/>
+              </a:rPr>
+              <a:t>sdf</a:t>
+            </a:r>
+            <a:r>
+              <a:rPr kumimoji="0" lang="en-US" altLang="zh-CN" sz="5000" b="0" i="0" u="none" strike="noStrike" cap="none" spc="0" normalizeH="0" baseline="0" dirty="0" smtClean="0">
+                <a:ln>
+                  <a:noFill/>
+                </a:ln>
+                <a:solidFill>
+                  <a:srgbClr val="000000"/>
+                </a:solidFill>
+                <a:effectLst/>
+                <a:uFillTx/>
+                <a:latin typeface="+mn-lt"/>
+                <a:ea typeface="+mn-ea"/>
+                <a:cs typeface="+mn-cs"/>
+                <a:sym typeface="Helvetica Light"/>
+              </a:rPr>
+              <a:t> </a:t>
+            </a:r>
+            <a:r>
+              <a:rPr kumimoji="0" lang="en-US" altLang="zh-CN" sz="5000" b="0" i="0" u="none" strike="noStrike" cap="none" spc="0" normalizeH="0" baseline="0" dirty="0" err="1" smtClean="0">
+                <a:ln>
+                  <a:noFill/>
+                </a:ln>
+                <a:solidFill>
+                  <a:srgbClr val="000000"/>
+                </a:solidFill>
+                <a:effectLst/>
+                <a:uFillTx/>
+                <a:latin typeface="+mn-lt"/>
+                <a:ea typeface="+mn-ea"/>
+                <a:cs typeface="+mn-cs"/>
+                <a:sym typeface="Helvetica Light"/>
+              </a:rPr>
+              <a:t>adsf</a:t>
+            </a:r>
+            <a:r>
+              <a:rPr kumimoji="0" lang="en-US" altLang="zh-CN" sz="5000" b="0" i="0" u="none" strike="noStrike" cap="none" spc="0" normalizeH="0" baseline="0" dirty="0" smtClean="0">
+                <a:ln>
+                  <a:noFill/>
+                </a:ln>
+                <a:solidFill>
+                  <a:srgbClr val="000000"/>
+                </a:solidFill>
+                <a:effectLst/>
+                <a:uFillTx/>
+                <a:latin typeface="+mn-lt"/>
+                <a:ea typeface="+mn-ea"/>
+                <a:cs typeface="+mn-cs"/>
+                <a:sym typeface="Helvetica Light"/>
+              </a:rPr>
+              <a:t> </a:t>
+            </a:r>
+            <a:r>
+              <a:rPr kumimoji="0" lang="en-US" altLang="zh-CN" sz="5000" b="0" i="0" u="none" strike="noStrike" cap="none" spc="0" normalizeH="0" baseline="0" dirty="0" err="1" smtClean="0">
+                <a:ln>
+                  <a:noFill/>
+                </a:ln>
+                <a:solidFill>
+                  <a:srgbClr val="000000"/>
+                </a:solidFill>
+                <a:effectLst/>
+                <a:uFillTx/>
+                <a:latin typeface="+mn-lt"/>
+                <a:ea typeface="+mn-ea"/>
+                <a:cs typeface="+mn-cs"/>
+                <a:sym typeface="Helvetica Light"/>
+              </a:rPr>
+              <a:t>adsfadf</a:t>
+            </a:r>
+            <a:r>
+              <a:rPr kumimoji="0" lang="en-US" altLang="zh-CN" sz="5000" b="0" i="0" u="none" strike="noStrike" cap="none" spc="0" normalizeH="0" baseline="0" dirty="0" smtClean="0">
+                <a:ln>
+                  <a:noFill/>
+                </a:ln>
+                <a:solidFill>
+                  <a:srgbClr val="000000"/>
+                </a:solidFill>
+                <a:effectLst/>
+                <a:uFillTx/>
+                <a:latin typeface="+mn-lt"/>
+                <a:ea typeface="+mn-ea"/>
+                <a:cs typeface="+mn-cs"/>
+                <a:sym typeface="Helvetica Light"/>
+              </a:rPr>
+              <a:t> </a:t>
+            </a:r>
+            <a:r>
+              <a:rPr kumimoji="0" lang="en-US" altLang="zh-CN" sz="5000" b="0" i="0" u="none" strike="noStrike" cap="none" spc="0" normalizeH="0" baseline="0" dirty="0" err="1" smtClean="0">
+                <a:ln>
+                  <a:noFill/>
+                </a:ln>
+                <a:solidFill>
+                  <a:srgbClr val="000000"/>
+                </a:solidFill>
+                <a:effectLst/>
+                <a:uFillTx/>
+                <a:latin typeface="+mn-lt"/>
+                <a:ea typeface="+mn-ea"/>
+                <a:cs typeface="+mn-cs"/>
+                <a:sym typeface="Helvetica Light"/>
+              </a:rPr>
+              <a:t>asd</a:t>
+            </a:r>
+            <a:r>
+              <a:rPr kumimoji="0" lang="en-US" altLang="zh-CN" sz="5000" b="0" i="0" u="none" strike="noStrike" cap="none" spc="0" normalizeH="0" baseline="0" dirty="0" smtClean="0">
+                <a:ln>
+                  <a:noFill/>
+                </a:ln>
+                <a:solidFill>
+                  <a:srgbClr val="000000"/>
+                </a:solidFill>
+                <a:effectLst/>
+                <a:uFillTx/>
+                <a:latin typeface="+mn-lt"/>
+                <a:ea typeface="+mn-ea"/>
+                <a:cs typeface="+mn-cs"/>
+                <a:sym typeface="Helvetica Light"/>
+              </a:rPr>
+              <a:t> a das </a:t>
+            </a:r>
+            <a:r>
+              <a:rPr kumimoji="0" lang="en-US" altLang="zh-CN" sz="5000" b="0" i="0" u="none" strike="noStrike" cap="none" spc="0" normalizeH="0" baseline="0" dirty="0" err="1" smtClean="0">
+                <a:ln>
+                  <a:noFill/>
+                </a:ln>
+                <a:solidFill>
+                  <a:srgbClr val="000000"/>
+                </a:solidFill>
+                <a:effectLst/>
+                <a:uFillTx/>
+                <a:latin typeface="+mn-lt"/>
+                <a:ea typeface="+mn-ea"/>
+                <a:cs typeface="+mn-cs"/>
+                <a:sym typeface="Helvetica Light"/>
+              </a:rPr>
+              <a:t>adsf</a:t>
+            </a:r>
+            <a:r>
+              <a:rPr kumimoji="0" lang="en-US" altLang="zh-CN" sz="5000" b="0" i="0" u="none" strike="noStrike" cap="none" spc="0" normalizeH="0" baseline="0" dirty="0" smtClean="0">
+                <a:ln>
+                  <a:noFill/>
+                </a:ln>
+                <a:solidFill>
+                  <a:srgbClr val="000000"/>
+                </a:solidFill>
+                <a:effectLst/>
+                <a:uFillTx/>
+                <a:latin typeface="+mn-lt"/>
+                <a:ea typeface="+mn-ea"/>
+                <a:cs typeface="+mn-cs"/>
+                <a:sym typeface="Helvetica Light"/>
+              </a:rPr>
+              <a:t> </a:t>
+            </a:r>
+            <a:r>
+              <a:rPr kumimoji="0" lang="en-US" altLang="zh-CN" sz="5000" b="0" i="0" u="none" strike="noStrike" cap="none" spc="0" normalizeH="0" baseline="0" dirty="0" err="1" smtClean="0">
+                <a:ln>
+                  <a:noFill/>
+                </a:ln>
+                <a:solidFill>
+                  <a:srgbClr val="000000"/>
+                </a:solidFill>
+                <a:effectLst/>
+                <a:uFillTx/>
+                <a:latin typeface="+mn-lt"/>
+                <a:ea typeface="+mn-ea"/>
+                <a:cs typeface="+mn-cs"/>
+                <a:sym typeface="Helvetica Light"/>
+              </a:rPr>
+              <a:t>af</a:t>
+            </a:r>
+            <a:r>
+              <a:rPr kumimoji="0" lang="en-US" altLang="zh-CN" sz="5000" b="0" i="0" u="none" strike="noStrike" cap="none" spc="0" normalizeH="0" baseline="0" dirty="0" smtClean="0">
+                <a:ln>
+                  <a:noFill/>
+                </a:ln>
+                <a:solidFill>
+                  <a:srgbClr val="000000"/>
+                </a:solidFill>
+                <a:effectLst/>
+                <a:uFillTx/>
+                <a:latin typeface="+mn-lt"/>
+                <a:ea typeface="+mn-ea"/>
+                <a:cs typeface="+mn-cs"/>
+                <a:sym typeface="Helvetica Light"/>
+              </a:rPr>
+              <a:t> </a:t>
+            </a:r>
+            <a:r>
+              <a:rPr kumimoji="0" lang="en-US" altLang="zh-CN" sz="5000" b="0" i="0" u="none" strike="noStrike" cap="none" spc="0" normalizeH="0" baseline="0" dirty="0" err="1" smtClean="0">
+                <a:ln>
+                  <a:noFill/>
+                </a:ln>
+                <a:solidFill>
+                  <a:srgbClr val="000000"/>
+                </a:solidFill>
+                <a:effectLst/>
+                <a:uFillTx/>
+                <a:latin typeface="+mn-lt"/>
+                <a:ea typeface="+mn-ea"/>
+                <a:cs typeface="+mn-cs"/>
+                <a:sym typeface="Helvetica Light"/>
+              </a:rPr>
+              <a:t>adsaf</a:t>
+            </a:r>
+            <a:r>
+              <a:rPr kumimoji="0" lang="en-US" altLang="zh-CN" sz="5000" b="0" i="0" u="none" strike="noStrike" cap="none" spc="0" normalizeH="0" baseline="0" dirty="0" smtClean="0">
+                <a:ln>
+                  <a:noFill/>
+                </a:ln>
+                <a:solidFill>
+                  <a:srgbClr val="000000"/>
+                </a:solidFill>
+                <a:effectLst/>
+                <a:uFillTx/>
+                <a:latin typeface="+mn-lt"/>
+                <a:ea typeface="+mn-ea"/>
+                <a:cs typeface="+mn-cs"/>
+                <a:sym typeface="Helvetica Light"/>
+              </a:rPr>
+              <a:t> da </a:t>
+            </a:r>
+            <a:r>
+              <a:rPr kumimoji="0" lang="en-US" altLang="zh-CN" sz="5000" b="0" i="0" u="none" strike="noStrike" cap="none" spc="0" normalizeH="0" baseline="0" dirty="0" err="1" smtClean="0">
+                <a:ln>
+                  <a:noFill/>
+                </a:ln>
+                <a:solidFill>
+                  <a:srgbClr val="000000"/>
+                </a:solidFill>
+                <a:effectLst/>
+                <a:uFillTx/>
+                <a:latin typeface="+mn-lt"/>
+                <a:ea typeface="+mn-ea"/>
+                <a:cs typeface="+mn-cs"/>
+                <a:sym typeface="Helvetica Light"/>
+              </a:rPr>
+              <a:t>dfa</a:t>
+            </a:r>
+            <a:r>
+              <a:rPr kumimoji="0" lang="en-US" altLang="zh-CN" sz="5000" b="0" i="0" u="none" strike="noStrike" cap="none" spc="0" normalizeH="0" baseline="0" dirty="0" smtClean="0">
+                <a:ln>
+                  <a:noFill/>
+                </a:ln>
+                <a:solidFill>
+                  <a:srgbClr val="000000"/>
+                </a:solidFill>
+                <a:effectLst/>
+                <a:uFillTx/>
+                <a:latin typeface="+mn-lt"/>
+                <a:ea typeface="+mn-ea"/>
+                <a:cs typeface="+mn-cs"/>
+                <a:sym typeface="Helvetica Light"/>
+              </a:rPr>
+              <a:t> </a:t>
+            </a:r>
+            <a:r>
+              <a:rPr kumimoji="0" lang="en-US" altLang="zh-CN" sz="5000" b="0" i="0" u="none" strike="noStrike" cap="none" spc="0" normalizeH="0" baseline="0" dirty="0" err="1" smtClean="0">
+                <a:ln>
+                  <a:noFill/>
+                </a:ln>
+                <a:solidFill>
+                  <a:srgbClr val="000000"/>
+                </a:solidFill>
+                <a:effectLst/>
+                <a:uFillTx/>
+                <a:latin typeface="+mn-lt"/>
+                <a:ea typeface="+mn-ea"/>
+                <a:cs typeface="+mn-cs"/>
+                <a:sym typeface="Helvetica Light"/>
+              </a:rPr>
+              <a:t>dsa</a:t>
+            </a:r>
+            <a:r>
+              <a:rPr kumimoji="0" lang="en-US" altLang="zh-CN" sz="5000" b="0" i="0" u="none" strike="noStrike" cap="none" spc="0" normalizeH="0" baseline="0" dirty="0" smtClean="0">
+                <a:ln>
+                  <a:noFill/>
+                </a:ln>
+                <a:solidFill>
+                  <a:srgbClr val="000000"/>
+                </a:solidFill>
+                <a:effectLst/>
+                <a:uFillTx/>
+                <a:latin typeface="+mn-lt"/>
+                <a:ea typeface="+mn-ea"/>
+                <a:cs typeface="+mn-cs"/>
+                <a:sym typeface="Helvetica Light"/>
+              </a:rPr>
+              <a:t> </a:t>
+            </a:r>
+            <a:r>
+              <a:rPr kumimoji="0" lang="en-US" altLang="zh-CN" sz="5000" b="0" i="0" u="none" strike="noStrike" cap="none" spc="0" normalizeH="0" baseline="0" dirty="0" err="1" smtClean="0">
+                <a:ln>
+                  <a:noFill/>
+                </a:ln>
+                <a:solidFill>
+                  <a:srgbClr val="000000"/>
+                </a:solidFill>
+                <a:effectLst/>
+                <a:uFillTx/>
+                <a:latin typeface="+mn-lt"/>
+                <a:ea typeface="+mn-ea"/>
+                <a:cs typeface="+mn-cs"/>
+                <a:sym typeface="Helvetica Light"/>
+              </a:rPr>
+              <a:t>dfsa</a:t>
+            </a:r>
+            <a:r>
+              <a:rPr kumimoji="0" lang="en-US" altLang="zh-CN" sz="5000" b="0" i="0" u="none" strike="noStrike" cap="none" spc="0" normalizeH="0" baseline="0" dirty="0" smtClean="0">
+                <a:ln>
+                  <a:noFill/>
+                </a:ln>
+                <a:solidFill>
+                  <a:srgbClr val="000000"/>
+                </a:solidFill>
+                <a:effectLst/>
+                <a:uFillTx/>
+                <a:latin typeface="+mn-lt"/>
+                <a:ea typeface="+mn-ea"/>
+                <a:cs typeface="+mn-cs"/>
+                <a:sym typeface="Helvetica Light"/>
+              </a:rPr>
+              <a:t> </a:t>
+            </a:r>
+            <a:r>
+              <a:rPr kumimoji="0" lang="en-US" altLang="zh-CN" sz="5000" b="0" i="0" u="none" strike="noStrike" cap="none" spc="0" normalizeH="0" baseline="0" dirty="0" err="1" smtClean="0">
+                <a:ln>
+                  <a:noFill/>
+                </a:ln>
+                <a:solidFill>
+                  <a:srgbClr val="000000"/>
+                </a:solidFill>
+                <a:effectLst/>
+                <a:uFillTx/>
+                <a:latin typeface="+mn-lt"/>
+                <a:ea typeface="+mn-ea"/>
+                <a:cs typeface="+mn-cs"/>
+                <a:sym typeface="Helvetica Light"/>
+              </a:rPr>
+              <a:t>sa</a:t>
+            </a:r>
+            <a:r>
+              <a:rPr kumimoji="0" lang="en-US" altLang="zh-CN" sz="5000" b="0" i="0" u="none" strike="noStrike" cap="none" spc="0" normalizeH="0" baseline="0" dirty="0" smtClean="0">
+                <a:ln>
+                  <a:noFill/>
+                </a:ln>
+                <a:solidFill>
+                  <a:srgbClr val="000000"/>
+                </a:solidFill>
+                <a:effectLst/>
+                <a:uFillTx/>
+                <a:latin typeface="+mn-lt"/>
+                <a:ea typeface="+mn-ea"/>
+                <a:cs typeface="+mn-cs"/>
+                <a:sym typeface="Helvetica Light"/>
+              </a:rPr>
+              <a:t> </a:t>
+            </a:r>
+            <a:r>
+              <a:rPr kumimoji="0" lang="en-US" altLang="zh-CN" sz="5000" b="0" i="0" u="none" strike="noStrike" cap="none" spc="0" normalizeH="0" baseline="0" dirty="0" err="1" smtClean="0">
+                <a:ln>
+                  <a:noFill/>
+                </a:ln>
+                <a:solidFill>
+                  <a:srgbClr val="000000"/>
+                </a:solidFill>
+                <a:effectLst/>
+                <a:uFillTx/>
+                <a:latin typeface="+mn-lt"/>
+                <a:ea typeface="+mn-ea"/>
+                <a:cs typeface="+mn-cs"/>
+                <a:sym typeface="Helvetica Light"/>
+              </a:rPr>
+              <a:t>ssdff</a:t>
+            </a:r>
+            <a:r>
+              <a:rPr kumimoji="0" lang="en-US" altLang="zh-CN" sz="5000" b="0" i="0" u="none" strike="noStrike" cap="none" spc="0" normalizeH="0" baseline="0" dirty="0" smtClean="0">
+                <a:ln>
+                  <a:noFill/>
+                </a:ln>
+                <a:solidFill>
+                  <a:srgbClr val="000000"/>
+                </a:solidFill>
+                <a:effectLst/>
+                <a:uFillTx/>
+                <a:latin typeface="+mn-lt"/>
+                <a:ea typeface="+mn-ea"/>
+                <a:cs typeface="+mn-cs"/>
+                <a:sym typeface="Helvetica Light"/>
+              </a:rPr>
+              <a:t> a</a:t>
+            </a:r>
+            <a:endParaRPr kumimoji="0" lang="zh-CN" altLang="en-US" sz="5000" b="0" i="0" u="none" strike="noStrike" cap="none" spc="0" normalizeH="0" baseline="0" dirty="0">
+              <a:ln>
+                <a:noFill/>
+              </a:ln>
+              <a:solidFill>
+                <a:srgbClr val="000000"/>
+              </a:solidFill>
+              <a:effectLst/>
+              <a:uFillTx/>
+              <a:latin typeface="+mn-lt"/>
+              <a:ea typeface="+mn-ea"/>
+              <a:cs typeface="+mn-cs"/>
+              <a:sym typeface="Helvetica Light"/>
+            </a:endParaRPr>
+          </a:p>
+        </p:txBody>
+      </p:sp>
+    </p:spTree>
+    <p:extLst>
+      <p:ext uri="{BB962C8B-B14F-4D97-AF65-F5344CB8AC3E}">
+        <p14:creationId xmlns:p14="http://schemas.microsoft.com/office/powerpoint/2010/main" val="1907302832"/>
       </p:ext>
     </p:extLst>
   </p:cSld>

--- a/游戏内容/文字游戏新故事.pptx
+++ b/游戏内容/文字游戏新故事.pptx
@@ -2132,7 +2132,7 @@
           </a:ln>
           <a:extLst>
             <a:ext uri="{C572A759-6A51-4108-AA02-DFA0A04FC94B}">
-              <ma14:wrappingTextBoxFlag xmlns="" xmlns:ma14="http://schemas.microsoft.com/office/mac/drawingml/2011/main" val="1"/>
+              <ma14:wrappingTextBoxFlag xmlns:ma14="http://schemas.microsoft.com/office/mac/drawingml/2011/main" xmlns="" val="1"/>
             </a:ext>
           </a:extLst>
         </p:spPr>
@@ -2171,7 +2171,7 @@
           </a:ln>
           <a:extLst>
             <a:ext uri="{C572A759-6A51-4108-AA02-DFA0A04FC94B}">
-              <ma14:wrappingTextBoxFlag xmlns="" xmlns:ma14="http://schemas.microsoft.com/office/mac/drawingml/2011/main" val="1"/>
+              <ma14:wrappingTextBoxFlag xmlns:ma14="http://schemas.microsoft.com/office/mac/drawingml/2011/main" xmlns="" val="1"/>
             </a:ext>
           </a:extLst>
         </p:spPr>
@@ -3157,7 +3157,7 @@
           </a:ln>
           <a:extLst>
             <a:ext uri="{C572A759-6A51-4108-AA02-DFA0A04FC94B}">
-              <ma14:wrappingTextBoxFlag xmlns="" xmlns:ma14="http://schemas.microsoft.com/office/mac/drawingml/2011/main" val="1"/>
+              <ma14:wrappingTextBoxFlag xmlns:ma14="http://schemas.microsoft.com/office/mac/drawingml/2011/main" xmlns="" val="1"/>
             </a:ext>
           </a:extLst>
         </p:spPr>
@@ -3351,7 +3351,7 @@
           </a:ln>
           <a:extLst>
             <a:ext uri="{C572A759-6A51-4108-AA02-DFA0A04FC94B}">
-              <ma14:wrappingTextBoxFlag xmlns="" xmlns:ma14="http://schemas.microsoft.com/office/mac/drawingml/2011/main" val="1"/>
+              <ma14:wrappingTextBoxFlag xmlns:ma14="http://schemas.microsoft.com/office/mac/drawingml/2011/main" xmlns="" val="1"/>
             </a:ext>
           </a:extLst>
         </p:spPr>
@@ -5065,7 +5065,7 @@
           </a:ln>
           <a:extLst>
             <a:ext uri="{C572A759-6A51-4108-AA02-DFA0A04FC94B}">
-              <ma14:wrappingTextBoxFlag xmlns="" xmlns:ma14="http://schemas.microsoft.com/office/mac/drawingml/2011/main" val="1"/>
+              <ma14:wrappingTextBoxFlag xmlns:ma14="http://schemas.microsoft.com/office/mac/drawingml/2011/main" xmlns="" val="1"/>
             </a:ext>
           </a:extLst>
         </p:spPr>
@@ -5113,7 +5113,7 @@
           </a:ln>
           <a:extLst>
             <a:ext uri="{C572A759-6A51-4108-AA02-DFA0A04FC94B}">
-              <ma14:wrappingTextBoxFlag xmlns="" xmlns:ma14="http://schemas.microsoft.com/office/mac/drawingml/2011/main" val="1"/>
+              <ma14:wrappingTextBoxFlag xmlns:ma14="http://schemas.microsoft.com/office/mac/drawingml/2011/main" xmlns="" val="1"/>
             </a:ext>
           </a:extLst>
         </p:spPr>
@@ -5615,7 +5615,7 @@
           </a:ln>
           <a:extLst>
             <a:ext uri="{C572A759-6A51-4108-AA02-DFA0A04FC94B}">
-              <ma14:wrappingTextBoxFlag xmlns="" xmlns:ma14="http://schemas.microsoft.com/office/mac/drawingml/2011/main" val="1"/>
+              <ma14:wrappingTextBoxFlag xmlns:ma14="http://schemas.microsoft.com/office/mac/drawingml/2011/main" xmlns="" val="1"/>
             </a:ext>
           </a:extLst>
         </p:spPr>
@@ -5663,7 +5663,7 @@
           </a:ln>
           <a:extLst>
             <a:ext uri="{C572A759-6A51-4108-AA02-DFA0A04FC94B}">
-              <ma14:wrappingTextBoxFlag xmlns="" xmlns:ma14="http://schemas.microsoft.com/office/mac/drawingml/2011/main" val="1"/>
+              <ma14:wrappingTextBoxFlag xmlns:ma14="http://schemas.microsoft.com/office/mac/drawingml/2011/main" xmlns="" val="1"/>
             </a:ext>
           </a:extLst>
         </p:spPr>
@@ -6030,7 +6030,7 @@
           </a:ln>
           <a:extLst>
             <a:ext uri="{C572A759-6A51-4108-AA02-DFA0A04FC94B}">
-              <ma14:wrappingTextBoxFlag xmlns="" xmlns:ma14="http://schemas.microsoft.com/office/mac/drawingml/2011/main" val="1"/>
+              <ma14:wrappingTextBoxFlag xmlns:ma14="http://schemas.microsoft.com/office/mac/drawingml/2011/main" xmlns="" val="1"/>
             </a:ext>
           </a:extLst>
         </p:spPr>
@@ -6078,7 +6078,7 @@
           </a:ln>
           <a:extLst>
             <a:ext uri="{C572A759-6A51-4108-AA02-DFA0A04FC94B}">
-              <ma14:wrappingTextBoxFlag xmlns="" xmlns:ma14="http://schemas.microsoft.com/office/mac/drawingml/2011/main" val="1"/>
+              <ma14:wrappingTextBoxFlag xmlns:ma14="http://schemas.microsoft.com/office/mac/drawingml/2011/main" xmlns="" val="1"/>
             </a:ext>
           </a:extLst>
         </p:spPr>
@@ -6586,7 +6586,7 @@
           </a:ln>
           <a:extLst>
             <a:ext uri="{C572A759-6A51-4108-AA02-DFA0A04FC94B}">
-              <ma14:wrappingTextBoxFlag xmlns="" xmlns:ma14="http://schemas.microsoft.com/office/mac/drawingml/2011/main" val="1"/>
+              <ma14:wrappingTextBoxFlag xmlns:ma14="http://schemas.microsoft.com/office/mac/drawingml/2011/main" xmlns="" val="1"/>
             </a:ext>
           </a:extLst>
         </p:spPr>
@@ -6634,7 +6634,7 @@
           </a:ln>
           <a:extLst>
             <a:ext uri="{C572A759-6A51-4108-AA02-DFA0A04FC94B}">
-              <ma14:wrappingTextBoxFlag xmlns="" xmlns:ma14="http://schemas.microsoft.com/office/mac/drawingml/2011/main" val="1"/>
+              <ma14:wrappingTextBoxFlag xmlns:ma14="http://schemas.microsoft.com/office/mac/drawingml/2011/main" xmlns="" val="1"/>
             </a:ext>
           </a:extLst>
         </p:spPr>
@@ -7065,7 +7065,7 @@
           </a:ln>
           <a:extLst>
             <a:ext uri="{C572A759-6A51-4108-AA02-DFA0A04FC94B}">
-              <ma14:wrappingTextBoxFlag xmlns="" xmlns:ma14="http://schemas.microsoft.com/office/mac/drawingml/2011/main" val="1"/>
+              <ma14:wrappingTextBoxFlag xmlns:ma14="http://schemas.microsoft.com/office/mac/drawingml/2011/main" xmlns="" val="1"/>
             </a:ext>
           </a:extLst>
         </p:spPr>
@@ -7102,7 +7102,7 @@
         </p:nvSpPr>
         <p:spPr>
           <a:xfrm>
-            <a:off x="1493518" y="3471079"/>
+            <a:off x="1511807" y="3540590"/>
             <a:ext cx="21360383" cy="9797554"/>
           </a:xfrm>
           <a:prstGeom prst="rect">
@@ -7113,7 +7113,7 @@
           </a:ln>
           <a:extLst>
             <a:ext uri="{C572A759-6A51-4108-AA02-DFA0A04FC94B}">
-              <ma14:wrappingTextBoxFlag xmlns="" xmlns:ma14="http://schemas.microsoft.com/office/mac/drawingml/2011/main" val="1"/>
+              <ma14:wrappingTextBoxFlag xmlns:ma14="http://schemas.microsoft.com/office/mac/drawingml/2011/main" xmlns="" val="1"/>
             </a:ext>
           </a:extLst>
         </p:spPr>
@@ -7547,7 +7547,7 @@
           </a:ln>
           <a:extLst>
             <a:ext uri="{C572A759-6A51-4108-AA02-DFA0A04FC94B}">
-              <ma14:wrappingTextBoxFlag xmlns="" xmlns:ma14="http://schemas.microsoft.com/office/mac/drawingml/2011/main" val="1"/>
+              <ma14:wrappingTextBoxFlag xmlns:ma14="http://schemas.microsoft.com/office/mac/drawingml/2011/main" xmlns="" val="1"/>
             </a:ext>
           </a:extLst>
         </p:spPr>
@@ -7595,7 +7595,7 @@
           </a:ln>
           <a:extLst>
             <a:ext uri="{C572A759-6A51-4108-AA02-DFA0A04FC94B}">
-              <ma14:wrappingTextBoxFlag xmlns="" xmlns:ma14="http://schemas.microsoft.com/office/mac/drawingml/2011/main" val="1"/>
+              <ma14:wrappingTextBoxFlag xmlns:ma14="http://schemas.microsoft.com/office/mac/drawingml/2011/main" xmlns="" val="1"/>
             </a:ext>
           </a:extLst>
         </p:spPr>
@@ -7945,7 +7945,7 @@
           </a:ln>
           <a:extLst>
             <a:ext uri="{C572A759-6A51-4108-AA02-DFA0A04FC94B}">
-              <ma14:wrappingTextBoxFlag xmlns="" xmlns:ma14="http://schemas.microsoft.com/office/mac/drawingml/2011/main" val="1"/>
+              <ma14:wrappingTextBoxFlag xmlns:ma14="http://schemas.microsoft.com/office/mac/drawingml/2011/main" xmlns="" val="1"/>
             </a:ext>
           </a:extLst>
         </p:spPr>
@@ -10259,7 +10259,7 @@
           </a:ln>
           <a:extLst>
             <a:ext uri="{C572A759-6A51-4108-AA02-DFA0A04FC94B}">
-              <ma14:wrappingTextBoxFlag xmlns="" xmlns:ma14="http://schemas.microsoft.com/office/mac/drawingml/2011/main" val="1"/>
+              <ma14:wrappingTextBoxFlag xmlns:ma14="http://schemas.microsoft.com/office/mac/drawingml/2011/main" xmlns="" val="1"/>
             </a:ext>
           </a:extLst>
         </p:spPr>
@@ -10818,7 +10818,7 @@
             <a:avLst/>
           </a:prstGeom>
           <a:solidFill>
-            <a:schemeClr val="bg1">
+            <a:schemeClr val="accent1">
               <a:lumMod val="50000"/>
             </a:schemeClr>
           </a:solidFill>
@@ -11843,6 +11843,130 @@
                 <a:sym typeface="Helvetica Light"/>
               </a:rPr>
               <a:t> a</a:t>
+            </a:r>
+            <a:endParaRPr kumimoji="0" lang="zh-CN" altLang="en-US" sz="5000" b="0" i="0" u="none" strike="noStrike" cap="none" spc="0" normalizeH="0" baseline="0" dirty="0">
+              <a:ln>
+                <a:noFill/>
+              </a:ln>
+              <a:solidFill>
+                <a:srgbClr val="000000"/>
+              </a:solidFill>
+              <a:effectLst/>
+              <a:uFillTx/>
+              <a:latin typeface="+mn-lt"/>
+              <a:ea typeface="+mn-ea"/>
+              <a:cs typeface="+mn-cs"/>
+              <a:sym typeface="Helvetica Light"/>
+            </a:endParaRPr>
+          </a:p>
+        </p:txBody>
+      </p:sp>
+      <p:sp>
+        <p:nvSpPr>
+          <p:cNvPr id="2" name="TextBox 1"/>
+          <p:cNvSpPr txBox="1"/>
+          <p:nvPr/>
+        </p:nvSpPr>
+        <p:spPr>
+          <a:xfrm>
+            <a:off x="7825647" y="6678719"/>
+            <a:ext cx="2141228" cy="872034"/>
+          </a:xfrm>
+          <a:prstGeom prst="rect">
+            <a:avLst/>
+          </a:prstGeom>
+          <a:noFill/>
+          <a:ln w="12700" cap="flat">
+            <a:noFill/>
+            <a:miter lim="400000"/>
+          </a:ln>
+          <a:effectLst/>
+          <a:sp3d/>
+        </p:spPr>
+        <p:style>
+          <a:lnRef idx="0">
+            <a:scrgbClr r="0" g="0" b="0"/>
+          </a:lnRef>
+          <a:fillRef idx="0">
+            <a:scrgbClr r="0" g="0" b="0"/>
+          </a:fillRef>
+          <a:effectRef idx="0">
+            <a:scrgbClr r="0" g="0" b="0"/>
+          </a:effectRef>
+          <a:fontRef idx="none"/>
+        </p:style>
+        <p:txBody>
+          <a:bodyPr rot="0" spcFirstLastPara="1" vertOverflow="overflow" horzOverflow="overflow" vert="horz" wrap="square" lIns="50800" tIns="50800" rIns="50800" bIns="50800" numCol="1" spcCol="38100" rtlCol="0" anchor="ctr">
+            <a:spAutoFit/>
+          </a:bodyPr>
+          <a:lstStyle/>
+          <a:p>
+            <a:pPr marL="0" marR="0" indent="0" algn="ctr" defTabSz="825500" rtl="0" fontAlgn="auto" latinLnBrk="0" hangingPunct="0">
+              <a:lnSpc>
+                <a:spcPct val="100000"/>
+              </a:lnSpc>
+              <a:spcBef>
+                <a:spcPts val="0"/>
+              </a:spcBef>
+              <a:spcAft>
+                <a:spcPts val="0"/>
+              </a:spcAft>
+              <a:buClrTx/>
+              <a:buSzTx/>
+              <a:buFontTx/>
+              <a:buNone/>
+              <a:tabLst/>
+            </a:pPr>
+            <a:r>
+              <a:rPr kumimoji="0" lang="en-US" altLang="zh-CN" sz="5000" b="0" i="0" u="none" strike="noStrike" cap="none" spc="0" normalizeH="0" baseline="0" dirty="0" smtClean="0">
+                <a:ln>
+                  <a:noFill/>
+                </a:ln>
+                <a:solidFill>
+                  <a:srgbClr val="000000"/>
+                </a:solidFill>
+                <a:effectLst/>
+                <a:uFillTx/>
+                <a:latin typeface="+mn-lt"/>
+                <a:ea typeface="+mn-ea"/>
+                <a:cs typeface="+mn-cs"/>
+                <a:sym typeface="Helvetica Light"/>
+              </a:rPr>
+              <a:t>00</a:t>
+            </a:r>
+            <a:r>
+              <a:rPr kumimoji="0" lang="zh-CN" altLang="en-US" sz="5000" b="0" i="0" u="none" strike="noStrike" cap="none" spc="0" normalizeH="0" baseline="0" dirty="0" smtClean="0">
+                <a:ln>
+                  <a:noFill/>
+                </a:ln>
+                <a:solidFill>
+                  <a:srgbClr val="000000"/>
+                </a:solidFill>
+                <a:effectLst/>
+                <a:uFillTx/>
+                <a:latin typeface="+mn-lt"/>
+                <a:ea typeface="+mn-ea"/>
+                <a:cs typeface="+mn-cs"/>
+                <a:sym typeface="Helvetica Light"/>
+              </a:rPr>
+              <a:t>：</a:t>
+            </a:r>
+            <a:r>
+              <a:rPr kumimoji="0" lang="en-US" altLang="zh-CN" sz="5000" b="0" i="0" u="none" strike="noStrike" cap="none" spc="0" normalizeH="0" baseline="0" dirty="0" smtClean="0">
+                <a:ln>
+                  <a:noFill/>
+                </a:ln>
+                <a:solidFill>
+                  <a:srgbClr val="000000"/>
+                </a:solidFill>
+                <a:effectLst/>
+                <a:uFillTx/>
+                <a:latin typeface="+mn-lt"/>
+                <a:ea typeface="+mn-ea"/>
+                <a:cs typeface="+mn-cs"/>
+                <a:sym typeface="Helvetica Light"/>
+              </a:rPr>
+              <a:t>09</a:t>
             </a:r>
             <a:endParaRPr kumimoji="0" lang="zh-CN" altLang="en-US" sz="5000" b="0" i="0" u="none" strike="noStrike" cap="none" spc="0" normalizeH="0" baseline="0" dirty="0">
               <a:ln>

--- a/游戏内容/文字游戏新故事.pptx
+++ b/游戏内容/文字游戏新故事.pptx
@@ -5,7 +5,7 @@
     <p:sldMasterId id="2147483648" r:id="rId1"/>
   </p:sldMasterIdLst>
   <p:notesMasterIdLst>
-    <p:notesMasterId r:id="rId12"/>
+    <p:notesMasterId r:id="rId16"/>
   </p:notesMasterIdLst>
   <p:sldIdLst>
     <p:sldId id="256" r:id="rId2"/>
@@ -18,6 +18,10 @@
     <p:sldId id="267" r:id="rId9"/>
     <p:sldId id="268" r:id="rId10"/>
     <p:sldId id="269" r:id="rId11"/>
+    <p:sldId id="270" r:id="rId12"/>
+    <p:sldId id="271" r:id="rId13"/>
+    <p:sldId id="272" r:id="rId14"/>
+    <p:sldId id="273" r:id="rId15"/>
   </p:sldIdLst>
   <p:sldSz cx="24384000" cy="13716000"/>
   <p:notesSz cx="6858000" cy="9144000"/>
@@ -4919,6 +4923,3496 @@
 </p:sld>
 </file>
 
+<file path=ppt/slides/slide11.xml><?xml version="1.0" encoding="utf-8"?>
+<p:sld xmlns:a="http://schemas.openxmlformats.org/drawingml/2006/main" xmlns:r="http://schemas.openxmlformats.org/officeDocument/2006/relationships" xmlns:p="http://schemas.openxmlformats.org/presentationml/2006/main">
+  <p:cSld>
+    <p:spTree>
+      <p:nvGrpSpPr>
+        <p:cNvPr id="1" name=""/>
+        <p:cNvGrpSpPr/>
+        <p:nvPr/>
+      </p:nvGrpSpPr>
+      <p:grpSpPr>
+        <a:xfrm>
+          <a:off x="0" y="0"/>
+          <a:ext cx="0" cy="0"/>
+          <a:chOff x="0" y="0"/>
+          <a:chExt cx="0" cy="0"/>
+        </a:xfrm>
+      </p:grpSpPr>
+      <p:sp>
+        <p:nvSpPr>
+          <p:cNvPr id="126" name="Shape 126"/>
+          <p:cNvSpPr/>
+          <p:nvPr/>
+        </p:nvSpPr>
+        <p:spPr>
+          <a:xfrm>
+            <a:off x="-31818" y="-153408"/>
+            <a:ext cx="24447634" cy="2786882"/>
+          </a:xfrm>
+          <a:prstGeom prst="rect">
+            <a:avLst/>
+          </a:prstGeom>
+          <a:solidFill>
+            <a:srgbClr val="00AE66"/>
+          </a:solidFill>
+          <a:ln w="12700">
+            <a:miter lim="400000"/>
+          </a:ln>
+        </p:spPr>
+        <p:txBody>
+          <a:bodyPr lIns="50800" tIns="50800" rIns="50800" bIns="50800" anchor="ctr"/>
+          <a:lstStyle/>
+          <a:p>
+            <a:pPr>
+              <a:defRPr sz="3200">
+                <a:solidFill>
+                  <a:srgbClr val="FFFFFF"/>
+                </a:solidFill>
+              </a:defRPr>
+            </a:pPr>
+            <a:endParaRPr/>
+          </a:p>
+        </p:txBody>
+      </p:sp>
+      <p:sp>
+        <p:nvSpPr>
+          <p:cNvPr id="128" name="Shape 128"/>
+          <p:cNvSpPr/>
+          <p:nvPr/>
+        </p:nvSpPr>
+        <p:spPr>
+          <a:xfrm>
+            <a:off x="-71254" y="-122759"/>
+            <a:ext cx="24526507" cy="2756232"/>
+          </a:xfrm>
+          <a:prstGeom prst="rect">
+            <a:avLst/>
+          </a:prstGeom>
+          <a:solidFill>
+            <a:srgbClr val="000000">
+              <a:alpha val="70000"/>
+            </a:srgbClr>
+          </a:solidFill>
+          <a:ln w="12700">
+            <a:miter lim="400000"/>
+          </a:ln>
+          <a:effectLst>
+            <a:outerShdw blurRad="38100" dist="25400" dir="5400000" rotWithShape="0">
+              <a:srgbClr val="000000">
+                <a:alpha val="50000"/>
+              </a:srgbClr>
+            </a:outerShdw>
+          </a:effectLst>
+        </p:spPr>
+        <p:txBody>
+          <a:bodyPr lIns="50800" tIns="50800" rIns="50800" bIns="50800" anchor="ctr"/>
+          <a:lstStyle/>
+          <a:p>
+            <a:pPr>
+              <a:defRPr sz="3200">
+                <a:solidFill>
+                  <a:srgbClr val="FFFFFF"/>
+                </a:solidFill>
+              </a:defRPr>
+            </a:pPr>
+            <a:endParaRPr/>
+          </a:p>
+        </p:txBody>
+      </p:sp>
+      <p:pic>
+        <p:nvPicPr>
+          <p:cNvPr id="129" name="pasted-image.pdf"/>
+          <p:cNvPicPr>
+            <a:picLocks noChangeAspect="1"/>
+          </p:cNvPicPr>
+          <p:nvPr/>
+        </p:nvPicPr>
+        <p:blipFill>
+          <a:blip r:embed="rId2">
+            <a:extLst/>
+          </a:blip>
+          <a:stretch>
+            <a:fillRect/>
+          </a:stretch>
+        </p:blipFill>
+        <p:spPr>
+          <a:xfrm>
+            <a:off x="10238213" y="-109728"/>
+            <a:ext cx="3800445" cy="1093470"/>
+          </a:xfrm>
+          <a:prstGeom prst="rect">
+            <a:avLst/>
+          </a:prstGeom>
+          <a:ln w="12700">
+            <a:miter lim="400000"/>
+          </a:ln>
+        </p:spPr>
+      </p:pic>
+      <p:sp>
+        <p:nvSpPr>
+          <p:cNvPr id="130" name="Shape 130"/>
+          <p:cNvSpPr/>
+          <p:nvPr/>
+        </p:nvSpPr>
+        <p:spPr>
+          <a:xfrm>
+            <a:off x="10327051" y="1170225"/>
+            <a:ext cx="3693319" cy="1179810"/>
+          </a:xfrm>
+          <a:prstGeom prst="rect">
+            <a:avLst/>
+          </a:prstGeom>
+          <a:ln w="12700">
+            <a:miter lim="400000"/>
+          </a:ln>
+          <a:extLst>
+            <a:ext uri="{C572A759-6A51-4108-AA02-DFA0A04FC94B}">
+              <ma14:wrappingTextBoxFlag xmlns:ma14="http://schemas.microsoft.com/office/mac/drawingml/2011/main" xmlns="" val="1"/>
+            </a:ext>
+          </a:extLst>
+        </p:spPr>
+        <p:txBody>
+          <a:bodyPr wrap="none" lIns="50800" tIns="50800" rIns="50800" bIns="50800" anchor="ctr">
+            <a:spAutoFit/>
+          </a:bodyPr>
+          <a:lstStyle/>
+          <a:p>
+            <a:pPr>
+              <a:defRPr sz="7000" b="1">
+                <a:solidFill>
+                  <a:srgbClr val="FFFFFF"/>
+                </a:solidFill>
+                <a:latin typeface="Helvetica"/>
+                <a:ea typeface="Helvetica"/>
+                <a:cs typeface="Helvetica"/>
+                <a:sym typeface="Helvetica"/>
+              </a:defRPr>
+            </a:pPr>
+            <a:r>
+              <a:rPr lang="zh-CN" altLang="en-US" dirty="0" smtClean="0"/>
+              <a:t>游戏介绍</a:t>
+            </a:r>
+            <a:endParaRPr dirty="0" smtClean="0"/>
+          </a:p>
+        </p:txBody>
+      </p:sp>
+      <p:sp>
+        <p:nvSpPr>
+          <p:cNvPr id="3" name="Rectangle 2"/>
+          <p:cNvSpPr/>
+          <p:nvPr/>
+        </p:nvSpPr>
+        <p:spPr>
+          <a:xfrm>
+            <a:off x="-50106" y="2599045"/>
+            <a:ext cx="3521467" cy="872034"/>
+          </a:xfrm>
+          <a:prstGeom prst="rect">
+            <a:avLst/>
+          </a:prstGeom>
+          <a:solidFill>
+            <a:srgbClr val="00AF66"/>
+          </a:solidFill>
+          <a:ln w="12700" cap="flat">
+            <a:solidFill>
+              <a:schemeClr val="tx1"/>
+            </a:solidFill>
+            <a:miter lim="400000"/>
+          </a:ln>
+          <a:effectLst>
+            <a:outerShdw blurRad="38100" dist="25400" dir="5400000" rotWithShape="0">
+              <a:srgbClr val="000000">
+                <a:alpha val="50000"/>
+              </a:srgbClr>
+            </a:outerShdw>
+          </a:effectLst>
+          <a:sp3d/>
+        </p:spPr>
+        <p:style>
+          <a:lnRef idx="0">
+            <a:scrgbClr r="0" g="0" b="0"/>
+          </a:lnRef>
+          <a:fillRef idx="0">
+            <a:scrgbClr r="0" g="0" b="0"/>
+          </a:fillRef>
+          <a:effectRef idx="0">
+            <a:scrgbClr r="0" g="0" b="0"/>
+          </a:effectRef>
+          <a:fontRef idx="none"/>
+        </p:style>
+        <p:txBody>
+          <a:bodyPr rot="0" spcFirstLastPara="1" vertOverflow="overflow" horzOverflow="overflow" vert="horz" wrap="square" lIns="50800" tIns="50800" rIns="50800" bIns="50800" numCol="1" spcCol="38100" rtlCol="0" anchor="ctr">
+            <a:spAutoFit/>
+          </a:bodyPr>
+          <a:lstStyle/>
+          <a:p>
+            <a:pPr marL="0" marR="0" indent="0" algn="ctr" defTabSz="825500" rtl="0" fontAlgn="auto" latinLnBrk="0" hangingPunct="0">
+              <a:lnSpc>
+                <a:spcPct val="100000"/>
+              </a:lnSpc>
+              <a:spcBef>
+                <a:spcPts val="0"/>
+              </a:spcBef>
+              <a:spcAft>
+                <a:spcPts val="0"/>
+              </a:spcAft>
+              <a:buClrTx/>
+              <a:buSzTx/>
+              <a:buFontTx/>
+              <a:buNone/>
+              <a:tabLst/>
+            </a:pPr>
+            <a:r>
+              <a:rPr kumimoji="0" lang="zh-CN" altLang="en-US" b="0" i="0" u="none" strike="noStrike" cap="none" spc="0" normalizeH="0" baseline="0" dirty="0" smtClean="0">
+                <a:ln>
+                  <a:noFill/>
+                </a:ln>
+                <a:solidFill>
+                  <a:srgbClr val="FFFFFF"/>
+                </a:solidFill>
+                <a:effectLst/>
+                <a:uFillTx/>
+                <a:latin typeface="微软雅黑" panose="020B0503020204020204" pitchFamily="34" charset="-122"/>
+                <a:ea typeface="微软雅黑" panose="020B0503020204020204" pitchFamily="34" charset="-122"/>
+                <a:sym typeface="Helvetica Light"/>
+              </a:rPr>
+              <a:t>地图</a:t>
+            </a:r>
+            <a:endParaRPr kumimoji="0" lang="zh-CN" altLang="en-US" b="0" i="0" u="none" strike="noStrike" cap="none" spc="0" normalizeH="0" baseline="0" dirty="0">
+              <a:ln>
+                <a:noFill/>
+              </a:ln>
+              <a:solidFill>
+                <a:srgbClr val="FFFFFF"/>
+              </a:solidFill>
+              <a:effectLst/>
+              <a:uFillTx/>
+              <a:latin typeface="微软雅黑" panose="020B0503020204020204" pitchFamily="34" charset="-122"/>
+              <a:ea typeface="微软雅黑" panose="020B0503020204020204" pitchFamily="34" charset="-122"/>
+              <a:sym typeface="Helvetica Light"/>
+            </a:endParaRPr>
+          </a:p>
+        </p:txBody>
+      </p:sp>
+      <p:sp>
+        <p:nvSpPr>
+          <p:cNvPr id="6" name="Rectangle 5"/>
+          <p:cNvSpPr/>
+          <p:nvPr/>
+        </p:nvSpPr>
+        <p:spPr>
+          <a:xfrm rot="20342728">
+            <a:off x="3475477" y="9445790"/>
+            <a:ext cx="5337029" cy="1080000"/>
+          </a:xfrm>
+          <a:prstGeom prst="rect">
+            <a:avLst/>
+          </a:prstGeom>
+          <a:blipFill rotWithShape="1">
+            <a:blip r:embed="rId3"/>
+            <a:srcRect/>
+            <a:tile tx="0" ty="0" sx="100000" sy="100000" flip="none" algn="tl"/>
+          </a:blipFill>
+          <a:ln w="12700" cap="flat">
+            <a:noFill/>
+            <a:miter lim="400000"/>
+          </a:ln>
+          <a:effectLst>
+            <a:outerShdw blurRad="38100" dist="25400" dir="5400000" rotWithShape="0">
+              <a:srgbClr val="000000">
+                <a:alpha val="50000"/>
+              </a:srgbClr>
+            </a:outerShdw>
+          </a:effectLst>
+          <a:sp3d/>
+        </p:spPr>
+        <p:style>
+          <a:lnRef idx="0">
+            <a:scrgbClr r="0" g="0" b="0"/>
+          </a:lnRef>
+          <a:fillRef idx="0">
+            <a:scrgbClr r="0" g="0" b="0"/>
+          </a:fillRef>
+          <a:effectRef idx="0">
+            <a:scrgbClr r="0" g="0" b="0"/>
+          </a:effectRef>
+          <a:fontRef idx="none"/>
+        </p:style>
+        <p:txBody>
+          <a:bodyPr rot="0" spcFirstLastPara="1" vertOverflow="overflow" horzOverflow="overflow" vert="horz" wrap="square" lIns="50800" tIns="50800" rIns="50800" bIns="50800" numCol="1" spcCol="38100" rtlCol="0" anchor="ctr">
+            <a:spAutoFit/>
+          </a:bodyPr>
+          <a:lstStyle/>
+          <a:p>
+            <a:pPr marL="0" marR="0" indent="0" algn="ctr" defTabSz="825500" rtl="0" fontAlgn="auto" latinLnBrk="0" hangingPunct="0">
+              <a:lnSpc>
+                <a:spcPct val="100000"/>
+              </a:lnSpc>
+              <a:spcBef>
+                <a:spcPts val="0"/>
+              </a:spcBef>
+              <a:spcAft>
+                <a:spcPts val="0"/>
+              </a:spcAft>
+              <a:buClrTx/>
+              <a:buSzTx/>
+              <a:buFontTx/>
+              <a:buNone/>
+              <a:tabLst/>
+            </a:pPr>
+            <a:endParaRPr kumimoji="0" lang="zh-CN" altLang="en-US" sz="3200" b="0" i="0" u="none" strike="noStrike" cap="none" spc="0" normalizeH="0" baseline="0">
+              <a:ln>
+                <a:noFill/>
+              </a:ln>
+              <a:solidFill>
+                <a:srgbClr val="FFFFFF"/>
+              </a:solidFill>
+              <a:effectLst/>
+              <a:uFillTx/>
+              <a:latin typeface="+mn-lt"/>
+              <a:ea typeface="+mn-ea"/>
+              <a:cs typeface="+mn-cs"/>
+              <a:sym typeface="Helvetica Light"/>
+            </a:endParaRPr>
+          </a:p>
+        </p:txBody>
+      </p:sp>
+      <p:sp>
+        <p:nvSpPr>
+          <p:cNvPr id="21" name="Rectangle 20"/>
+          <p:cNvSpPr/>
+          <p:nvPr/>
+        </p:nvSpPr>
+        <p:spPr>
+          <a:xfrm rot="1303251">
+            <a:off x="3481736" y="7231087"/>
+            <a:ext cx="5337029" cy="1080000"/>
+          </a:xfrm>
+          <a:prstGeom prst="rect">
+            <a:avLst/>
+          </a:prstGeom>
+          <a:blipFill rotWithShape="1">
+            <a:blip r:embed="rId3"/>
+            <a:srcRect/>
+            <a:tile tx="0" ty="0" sx="100000" sy="100000" flip="none" algn="tl"/>
+          </a:blipFill>
+          <a:ln w="12700" cap="flat">
+            <a:noFill/>
+            <a:miter lim="400000"/>
+          </a:ln>
+          <a:effectLst>
+            <a:outerShdw blurRad="38100" dist="25400" dir="5400000" rotWithShape="0">
+              <a:srgbClr val="000000">
+                <a:alpha val="50000"/>
+              </a:srgbClr>
+            </a:outerShdw>
+          </a:effectLst>
+          <a:sp3d/>
+        </p:spPr>
+        <p:style>
+          <a:lnRef idx="0">
+            <a:scrgbClr r="0" g="0" b="0"/>
+          </a:lnRef>
+          <a:fillRef idx="0">
+            <a:scrgbClr r="0" g="0" b="0"/>
+          </a:fillRef>
+          <a:effectRef idx="0">
+            <a:scrgbClr r="0" g="0" b="0"/>
+          </a:effectRef>
+          <a:fontRef idx="none"/>
+        </p:style>
+        <p:txBody>
+          <a:bodyPr rot="0" spcFirstLastPara="1" vertOverflow="overflow" horzOverflow="overflow" vert="horz" wrap="square" lIns="50800" tIns="50800" rIns="50800" bIns="50800" numCol="1" spcCol="38100" rtlCol="0" anchor="ctr">
+            <a:spAutoFit/>
+          </a:bodyPr>
+          <a:lstStyle/>
+          <a:p>
+            <a:pPr marL="0" marR="0" indent="0" algn="ctr" defTabSz="825500" rtl="0" fontAlgn="auto" latinLnBrk="0" hangingPunct="0">
+              <a:lnSpc>
+                <a:spcPct val="100000"/>
+              </a:lnSpc>
+              <a:spcBef>
+                <a:spcPts val="0"/>
+              </a:spcBef>
+              <a:spcAft>
+                <a:spcPts val="0"/>
+              </a:spcAft>
+              <a:buClrTx/>
+              <a:buSzTx/>
+              <a:buFontTx/>
+              <a:buNone/>
+              <a:tabLst/>
+            </a:pPr>
+            <a:endParaRPr kumimoji="0" lang="zh-CN" altLang="en-US" sz="3200" b="0" i="0" u="none" strike="noStrike" cap="none" spc="0" normalizeH="0" baseline="0">
+              <a:ln>
+                <a:noFill/>
+              </a:ln>
+              <a:solidFill>
+                <a:srgbClr val="FFFFFF"/>
+              </a:solidFill>
+              <a:effectLst/>
+              <a:uFillTx/>
+              <a:latin typeface="+mn-lt"/>
+              <a:ea typeface="+mn-ea"/>
+              <a:cs typeface="+mn-cs"/>
+              <a:sym typeface="Helvetica Light"/>
+            </a:endParaRPr>
+          </a:p>
+        </p:txBody>
+      </p:sp>
+      <p:sp>
+        <p:nvSpPr>
+          <p:cNvPr id="7" name="Rounded Rectangle 6"/>
+          <p:cNvSpPr/>
+          <p:nvPr/>
+        </p:nvSpPr>
+        <p:spPr>
+          <a:xfrm>
+            <a:off x="7936992" y="8213907"/>
+            <a:ext cx="6419088" cy="1536192"/>
+          </a:xfrm>
+          <a:prstGeom prst="roundRect">
+            <a:avLst/>
+          </a:prstGeom>
+          <a:blipFill rotWithShape="1">
+            <a:blip r:embed="rId3"/>
+            <a:srcRect/>
+            <a:tile tx="0" ty="0" sx="100000" sy="100000" flip="none" algn="tl"/>
+          </a:blipFill>
+          <a:ln w="12700" cap="flat">
+            <a:noFill/>
+            <a:miter lim="400000"/>
+          </a:ln>
+          <a:effectLst>
+            <a:outerShdw blurRad="38100" dist="25400" dir="5400000" rotWithShape="0">
+              <a:srgbClr val="000000">
+                <a:alpha val="50000"/>
+              </a:srgbClr>
+            </a:outerShdw>
+          </a:effectLst>
+          <a:sp3d/>
+        </p:spPr>
+        <p:style>
+          <a:lnRef idx="0">
+            <a:scrgbClr r="0" g="0" b="0"/>
+          </a:lnRef>
+          <a:fillRef idx="0">
+            <a:scrgbClr r="0" g="0" b="0"/>
+          </a:fillRef>
+          <a:effectRef idx="0">
+            <a:scrgbClr r="0" g="0" b="0"/>
+          </a:effectRef>
+          <a:fontRef idx="none"/>
+        </p:style>
+        <p:txBody>
+          <a:bodyPr rot="0" spcFirstLastPara="1" vertOverflow="overflow" horzOverflow="overflow" vert="horz" wrap="square" lIns="50800" tIns="50800" rIns="50800" bIns="50800" numCol="1" spcCol="38100" rtlCol="0" anchor="ctr">
+            <a:spAutoFit/>
+          </a:bodyPr>
+          <a:lstStyle/>
+          <a:p>
+            <a:pPr marL="0" marR="0" indent="0" algn="ctr" defTabSz="825500" rtl="0" fontAlgn="auto" latinLnBrk="0" hangingPunct="0">
+              <a:lnSpc>
+                <a:spcPct val="100000"/>
+              </a:lnSpc>
+              <a:spcBef>
+                <a:spcPts val="0"/>
+              </a:spcBef>
+              <a:spcAft>
+                <a:spcPts val="0"/>
+              </a:spcAft>
+              <a:buClrTx/>
+              <a:buSzTx/>
+              <a:buFontTx/>
+              <a:buNone/>
+              <a:tabLst/>
+            </a:pPr>
+            <a:endParaRPr kumimoji="0" lang="zh-CN" altLang="en-US" sz="3200" b="0" i="0" u="none" strike="noStrike" cap="none" spc="0" normalizeH="0" baseline="0">
+              <a:ln>
+                <a:noFill/>
+              </a:ln>
+              <a:solidFill>
+                <a:srgbClr val="FFFFFF"/>
+              </a:solidFill>
+              <a:effectLst/>
+              <a:uFillTx/>
+              <a:latin typeface="+mn-lt"/>
+              <a:ea typeface="+mn-ea"/>
+              <a:cs typeface="+mn-cs"/>
+              <a:sym typeface="Helvetica Light"/>
+            </a:endParaRPr>
+          </a:p>
+        </p:txBody>
+      </p:sp>
+      <p:sp>
+        <p:nvSpPr>
+          <p:cNvPr id="8" name="Oval 7"/>
+          <p:cNvSpPr/>
+          <p:nvPr/>
+        </p:nvSpPr>
+        <p:spPr>
+          <a:xfrm>
+            <a:off x="14038658" y="6268907"/>
+            <a:ext cx="5340096" cy="5413248"/>
+          </a:xfrm>
+          <a:prstGeom prst="ellipse">
+            <a:avLst/>
+          </a:prstGeom>
+          <a:blipFill rotWithShape="1">
+            <a:blip r:embed="rId3"/>
+            <a:srcRect/>
+            <a:tile tx="0" ty="0" sx="100000" sy="100000" flip="none" algn="tl"/>
+          </a:blipFill>
+          <a:ln w="12700" cap="flat">
+            <a:noFill/>
+            <a:miter lim="400000"/>
+          </a:ln>
+          <a:effectLst>
+            <a:outerShdw blurRad="38100" dist="25400" dir="5400000" rotWithShape="0">
+              <a:srgbClr val="000000">
+                <a:alpha val="50000"/>
+              </a:srgbClr>
+            </a:outerShdw>
+          </a:effectLst>
+          <a:sp3d/>
+        </p:spPr>
+        <p:style>
+          <a:lnRef idx="0">
+            <a:scrgbClr r="0" g="0" b="0"/>
+          </a:lnRef>
+          <a:fillRef idx="0">
+            <a:scrgbClr r="0" g="0" b="0"/>
+          </a:fillRef>
+          <a:effectRef idx="0">
+            <a:scrgbClr r="0" g="0" b="0"/>
+          </a:effectRef>
+          <a:fontRef idx="none"/>
+        </p:style>
+        <p:txBody>
+          <a:bodyPr rot="0" spcFirstLastPara="1" vertOverflow="overflow" horzOverflow="overflow" vert="horz" wrap="square" lIns="50800" tIns="50800" rIns="50800" bIns="50800" numCol="1" spcCol="38100" rtlCol="0" anchor="ctr">
+            <a:spAutoFit/>
+          </a:bodyPr>
+          <a:lstStyle/>
+          <a:p>
+            <a:pPr marL="0" marR="0" indent="0" algn="ctr" defTabSz="825500" rtl="0" fontAlgn="auto" latinLnBrk="0" hangingPunct="0">
+              <a:lnSpc>
+                <a:spcPct val="100000"/>
+              </a:lnSpc>
+              <a:spcBef>
+                <a:spcPts val="0"/>
+              </a:spcBef>
+              <a:spcAft>
+                <a:spcPts val="0"/>
+              </a:spcAft>
+              <a:buClrTx/>
+              <a:buSzTx/>
+              <a:buFontTx/>
+              <a:buNone/>
+              <a:tabLst/>
+            </a:pPr>
+            <a:endParaRPr kumimoji="0" lang="zh-CN" altLang="en-US" sz="3200" b="0" i="0" u="none" strike="noStrike" cap="none" spc="0" normalizeH="0" baseline="0">
+              <a:ln>
+                <a:noFill/>
+              </a:ln>
+              <a:solidFill>
+                <a:srgbClr val="FFFFFF"/>
+              </a:solidFill>
+              <a:effectLst/>
+              <a:uFillTx/>
+              <a:latin typeface="+mn-lt"/>
+              <a:ea typeface="+mn-ea"/>
+              <a:cs typeface="+mn-cs"/>
+              <a:sym typeface="Helvetica Light"/>
+            </a:endParaRPr>
+          </a:p>
+        </p:txBody>
+      </p:sp>
+      <p:sp>
+        <p:nvSpPr>
+          <p:cNvPr id="10" name="Rectangle 9"/>
+          <p:cNvSpPr/>
+          <p:nvPr/>
+        </p:nvSpPr>
+        <p:spPr>
+          <a:xfrm>
+            <a:off x="15800831" y="8314736"/>
+            <a:ext cx="2121408" cy="2009628"/>
+          </a:xfrm>
+          <a:prstGeom prst="rect">
+            <a:avLst/>
+          </a:prstGeom>
+          <a:solidFill>
+            <a:srgbClr val="F2F2F2">
+              <a:alpha val="23922"/>
+            </a:srgbClr>
+          </a:solidFill>
+          <a:ln w="12700" cap="flat">
+            <a:solidFill>
+              <a:schemeClr val="bg1"/>
+            </a:solidFill>
+            <a:prstDash val="dash"/>
+            <a:miter lim="400000"/>
+          </a:ln>
+          <a:effectLst>
+            <a:outerShdw blurRad="38100" dist="25400" dir="5400000" rotWithShape="0">
+              <a:srgbClr val="000000">
+                <a:alpha val="50000"/>
+              </a:srgbClr>
+            </a:outerShdw>
+          </a:effectLst>
+          <a:sp3d/>
+        </p:spPr>
+        <p:style>
+          <a:lnRef idx="0">
+            <a:scrgbClr r="0" g="0" b="0"/>
+          </a:lnRef>
+          <a:fillRef idx="0">
+            <a:scrgbClr r="0" g="0" b="0"/>
+          </a:fillRef>
+          <a:effectRef idx="0">
+            <a:scrgbClr r="0" g="0" b="0"/>
+          </a:effectRef>
+          <a:fontRef idx="none"/>
+        </p:style>
+        <p:txBody>
+          <a:bodyPr rot="0" spcFirstLastPara="1" vertOverflow="overflow" horzOverflow="overflow" vert="horz" wrap="square" lIns="50800" tIns="50800" rIns="50800" bIns="50800" numCol="1" spcCol="38100" rtlCol="0" anchor="ctr">
+            <a:spAutoFit/>
+          </a:bodyPr>
+          <a:lstStyle/>
+          <a:p>
+            <a:pPr marL="0" marR="0" indent="0" algn="ctr" defTabSz="825500" rtl="0" fontAlgn="auto" latinLnBrk="0" hangingPunct="0">
+              <a:lnSpc>
+                <a:spcPct val="100000"/>
+              </a:lnSpc>
+              <a:spcBef>
+                <a:spcPts val="0"/>
+              </a:spcBef>
+              <a:spcAft>
+                <a:spcPts val="0"/>
+              </a:spcAft>
+              <a:buClrTx/>
+              <a:buSzTx/>
+              <a:buFontTx/>
+              <a:buNone/>
+              <a:tabLst/>
+            </a:pPr>
+            <a:endParaRPr kumimoji="0" lang="zh-CN" altLang="en-US" sz="3200" b="0" i="0" u="none" strike="noStrike" cap="none" spc="0" normalizeH="0" baseline="0">
+              <a:ln>
+                <a:noFill/>
+              </a:ln>
+              <a:solidFill>
+                <a:srgbClr val="FFFFFF"/>
+              </a:solidFill>
+              <a:effectLst/>
+              <a:uFillTx/>
+              <a:latin typeface="+mn-lt"/>
+              <a:ea typeface="+mn-ea"/>
+              <a:cs typeface="+mn-cs"/>
+              <a:sym typeface="Helvetica Light"/>
+            </a:endParaRPr>
+          </a:p>
+        </p:txBody>
+      </p:sp>
+      <p:sp>
+        <p:nvSpPr>
+          <p:cNvPr id="24" name="Shape 132"/>
+          <p:cNvSpPr/>
+          <p:nvPr/>
+        </p:nvSpPr>
+        <p:spPr>
+          <a:xfrm>
+            <a:off x="2342069" y="11753795"/>
+            <a:ext cx="1737360" cy="718145"/>
+          </a:xfrm>
+          <a:prstGeom prst="rect">
+            <a:avLst/>
+          </a:prstGeom>
+          <a:ln w="12700">
+            <a:miter lim="400000"/>
+          </a:ln>
+          <a:extLst>
+            <a:ext uri="{C572A759-6A51-4108-AA02-DFA0A04FC94B}">
+              <ma14:wrappingTextBoxFlag xmlns:ma14="http://schemas.microsoft.com/office/mac/drawingml/2011/main" xmlns="" val="1"/>
+            </a:ext>
+          </a:extLst>
+        </p:spPr>
+        <p:txBody>
+          <a:bodyPr wrap="square" lIns="50800" tIns="50800" rIns="50800" bIns="50800" anchor="ctr">
+            <a:spAutoFit/>
+          </a:bodyPr>
+          <a:lstStyle>
+            <a:lvl1pPr>
+              <a:defRPr sz="3000"/>
+            </a:lvl1pPr>
+          </a:lstStyle>
+          <a:p>
+            <a:pPr algn="l"/>
+            <a:r>
+              <a:rPr lang="zh-CN" altLang="en-US" sz="4000" dirty="0">
+                <a:latin typeface="微软雅黑" panose="020B0503020204020204" pitchFamily="34" charset="-122"/>
+                <a:ea typeface="微软雅黑" panose="020B0503020204020204" pitchFamily="34" charset="-122"/>
+              </a:rPr>
+              <a:t>过去</a:t>
+            </a:r>
+            <a:endParaRPr lang="en-US" altLang="zh-CN" sz="4000" dirty="0" smtClean="0">
+              <a:latin typeface="微软雅黑" panose="020B0503020204020204" pitchFamily="34" charset="-122"/>
+              <a:ea typeface="微软雅黑" panose="020B0503020204020204" pitchFamily="34" charset="-122"/>
+            </a:endParaRPr>
+          </a:p>
+        </p:txBody>
+      </p:sp>
+      <p:sp>
+        <p:nvSpPr>
+          <p:cNvPr id="11" name="Trapezoid 10"/>
+          <p:cNvSpPr/>
+          <p:nvPr/>
+        </p:nvSpPr>
+        <p:spPr>
+          <a:xfrm>
+            <a:off x="4700016" y="3735714"/>
+            <a:ext cx="17757648" cy="9582912"/>
+          </a:xfrm>
+          <a:prstGeom prst="trapezoid">
+            <a:avLst/>
+          </a:prstGeom>
+          <a:noFill/>
+          <a:ln w="12700" cap="flat">
+            <a:solidFill>
+              <a:schemeClr val="accent1"/>
+            </a:solidFill>
+            <a:prstDash val="lgDash"/>
+            <a:miter lim="400000"/>
+          </a:ln>
+          <a:effectLst>
+            <a:outerShdw blurRad="38100" dist="25400" dir="5400000" rotWithShape="0">
+              <a:srgbClr val="000000">
+                <a:alpha val="50000"/>
+              </a:srgbClr>
+            </a:outerShdw>
+          </a:effectLst>
+          <a:sp3d/>
+        </p:spPr>
+        <p:style>
+          <a:lnRef idx="0">
+            <a:scrgbClr r="0" g="0" b="0"/>
+          </a:lnRef>
+          <a:fillRef idx="0">
+            <a:scrgbClr r="0" g="0" b="0"/>
+          </a:fillRef>
+          <a:effectRef idx="0">
+            <a:scrgbClr r="0" g="0" b="0"/>
+          </a:effectRef>
+          <a:fontRef idx="none"/>
+        </p:style>
+        <p:txBody>
+          <a:bodyPr rot="0" spcFirstLastPara="1" vertOverflow="overflow" horzOverflow="overflow" vert="horz" wrap="square" lIns="50800" tIns="50800" rIns="50800" bIns="50800" numCol="1" spcCol="38100" rtlCol="0" anchor="ctr">
+            <a:spAutoFit/>
+          </a:bodyPr>
+          <a:lstStyle/>
+          <a:p>
+            <a:pPr marL="0" marR="0" indent="0" algn="ctr" defTabSz="825500" rtl="0" fontAlgn="auto" latinLnBrk="0" hangingPunct="0">
+              <a:lnSpc>
+                <a:spcPct val="100000"/>
+              </a:lnSpc>
+              <a:spcBef>
+                <a:spcPts val="0"/>
+              </a:spcBef>
+              <a:spcAft>
+                <a:spcPts val="0"/>
+              </a:spcAft>
+              <a:buClrTx/>
+              <a:buSzTx/>
+              <a:buFontTx/>
+              <a:buNone/>
+              <a:tabLst/>
+            </a:pPr>
+            <a:endParaRPr kumimoji="0" lang="zh-CN" altLang="en-US" sz="3200" b="0" i="0" u="none" strike="noStrike" cap="none" spc="0" normalizeH="0" baseline="0">
+              <a:ln>
+                <a:noFill/>
+              </a:ln>
+              <a:solidFill>
+                <a:srgbClr val="FFFFFF"/>
+              </a:solidFill>
+              <a:effectLst/>
+              <a:uFillTx/>
+              <a:latin typeface="+mn-lt"/>
+              <a:ea typeface="+mn-ea"/>
+              <a:cs typeface="+mn-cs"/>
+              <a:sym typeface="Helvetica Light"/>
+            </a:endParaRPr>
+          </a:p>
+        </p:txBody>
+      </p:sp>
+      <p:sp>
+        <p:nvSpPr>
+          <p:cNvPr id="29" name="Shape 132"/>
+          <p:cNvSpPr/>
+          <p:nvPr/>
+        </p:nvSpPr>
+        <p:spPr>
+          <a:xfrm>
+            <a:off x="2342069" y="5173581"/>
+            <a:ext cx="1737360" cy="718145"/>
+          </a:xfrm>
+          <a:prstGeom prst="rect">
+            <a:avLst/>
+          </a:prstGeom>
+          <a:ln w="12700">
+            <a:miter lim="400000"/>
+          </a:ln>
+          <a:extLst>
+            <a:ext uri="{C572A759-6A51-4108-AA02-DFA0A04FC94B}">
+              <ma14:wrappingTextBoxFlag xmlns:ma14="http://schemas.microsoft.com/office/mac/drawingml/2011/main" xmlns="" val="1"/>
+            </a:ext>
+          </a:extLst>
+        </p:spPr>
+        <p:txBody>
+          <a:bodyPr wrap="square" lIns="50800" tIns="50800" rIns="50800" bIns="50800" anchor="ctr">
+            <a:spAutoFit/>
+          </a:bodyPr>
+          <a:lstStyle>
+            <a:lvl1pPr>
+              <a:defRPr sz="3000"/>
+            </a:lvl1pPr>
+          </a:lstStyle>
+          <a:p>
+            <a:pPr algn="l"/>
+            <a:r>
+              <a:rPr lang="zh-CN" altLang="en-US" sz="4000" dirty="0" smtClean="0">
+                <a:latin typeface="微软雅黑" panose="020B0503020204020204" pitchFamily="34" charset="-122"/>
+                <a:ea typeface="微软雅黑" panose="020B0503020204020204" pitchFamily="34" charset="-122"/>
+              </a:rPr>
+              <a:t>未来</a:t>
+            </a:r>
+            <a:endParaRPr lang="en-US" altLang="zh-CN" sz="4000" dirty="0" smtClean="0">
+              <a:latin typeface="微软雅黑" panose="020B0503020204020204" pitchFamily="34" charset="-122"/>
+              <a:ea typeface="微软雅黑" panose="020B0503020204020204" pitchFamily="34" charset="-122"/>
+            </a:endParaRPr>
+          </a:p>
+        </p:txBody>
+      </p:sp>
+      <p:sp>
+        <p:nvSpPr>
+          <p:cNvPr id="30" name="Shape 132"/>
+          <p:cNvSpPr/>
+          <p:nvPr/>
+        </p:nvSpPr>
+        <p:spPr>
+          <a:xfrm>
+            <a:off x="10436350" y="7252452"/>
+            <a:ext cx="2145794" cy="718145"/>
+          </a:xfrm>
+          <a:prstGeom prst="rect">
+            <a:avLst/>
+          </a:prstGeom>
+          <a:ln w="12700">
+            <a:miter lim="400000"/>
+          </a:ln>
+          <a:extLst>
+            <a:ext uri="{C572A759-6A51-4108-AA02-DFA0A04FC94B}">
+              <ma14:wrappingTextBoxFlag xmlns:ma14="http://schemas.microsoft.com/office/mac/drawingml/2011/main" xmlns="" val="1"/>
+            </a:ext>
+          </a:extLst>
+        </p:spPr>
+        <p:txBody>
+          <a:bodyPr wrap="square" lIns="50800" tIns="50800" rIns="50800" bIns="50800" anchor="ctr">
+            <a:spAutoFit/>
+          </a:bodyPr>
+          <a:lstStyle>
+            <a:lvl1pPr>
+              <a:defRPr sz="3000"/>
+            </a:lvl1pPr>
+          </a:lstStyle>
+          <a:p>
+            <a:pPr algn="l"/>
+            <a:r>
+              <a:rPr lang="zh-CN" altLang="en-US" sz="4000" dirty="0">
+                <a:latin typeface="微软雅黑" panose="020B0503020204020204" pitchFamily="34" charset="-122"/>
+                <a:ea typeface="微软雅黑" panose="020B0503020204020204" pitchFamily="34" charset="-122"/>
+              </a:rPr>
+              <a:t>蝴</a:t>
+            </a:r>
+            <a:r>
+              <a:rPr lang="zh-CN" altLang="en-US" sz="4000" dirty="0" smtClean="0">
+                <a:latin typeface="微软雅黑" panose="020B0503020204020204" pitchFamily="34" charset="-122"/>
+                <a:ea typeface="微软雅黑" panose="020B0503020204020204" pitchFamily="34" charset="-122"/>
+              </a:rPr>
+              <a:t>蝶效应</a:t>
+            </a:r>
+            <a:endParaRPr lang="en-US" altLang="zh-CN" sz="4000" dirty="0" smtClean="0">
+              <a:latin typeface="微软雅黑" panose="020B0503020204020204" pitchFamily="34" charset="-122"/>
+              <a:ea typeface="微软雅黑" panose="020B0503020204020204" pitchFamily="34" charset="-122"/>
+            </a:endParaRPr>
+          </a:p>
+        </p:txBody>
+      </p:sp>
+      <p:sp>
+        <p:nvSpPr>
+          <p:cNvPr id="31" name="Shape 132"/>
+          <p:cNvSpPr/>
+          <p:nvPr/>
+        </p:nvSpPr>
+        <p:spPr>
+          <a:xfrm>
+            <a:off x="16337064" y="8416401"/>
+            <a:ext cx="1621751" cy="1333698"/>
+          </a:xfrm>
+          <a:prstGeom prst="rect">
+            <a:avLst/>
+          </a:prstGeom>
+          <a:ln w="12700">
+            <a:miter lim="400000"/>
+          </a:ln>
+          <a:extLst>
+            <a:ext uri="{C572A759-6A51-4108-AA02-DFA0A04FC94B}">
+              <ma14:wrappingTextBoxFlag xmlns:ma14="http://schemas.microsoft.com/office/mac/drawingml/2011/main" xmlns="" val="1"/>
+            </a:ext>
+          </a:extLst>
+        </p:spPr>
+        <p:txBody>
+          <a:bodyPr wrap="square" lIns="50800" tIns="50800" rIns="50800" bIns="50800" anchor="ctr">
+            <a:spAutoFit/>
+          </a:bodyPr>
+          <a:lstStyle>
+            <a:lvl1pPr>
+              <a:defRPr sz="3000"/>
+            </a:lvl1pPr>
+          </a:lstStyle>
+          <a:p>
+            <a:pPr algn="l"/>
+            <a:r>
+              <a:rPr lang="zh-CN" altLang="en-US" sz="4000" dirty="0">
+                <a:latin typeface="微软雅黑" panose="020B0503020204020204" pitchFamily="34" charset="-122"/>
+                <a:ea typeface="微软雅黑" panose="020B0503020204020204" pitchFamily="34" charset="-122"/>
+              </a:rPr>
+              <a:t>三</a:t>
+            </a:r>
+            <a:r>
+              <a:rPr lang="zh-CN" altLang="en-US" sz="4000" dirty="0" smtClean="0">
+                <a:latin typeface="微软雅黑" panose="020B0503020204020204" pitchFamily="34" charset="-122"/>
+                <a:ea typeface="微软雅黑" panose="020B0503020204020204" pitchFamily="34" charset="-122"/>
+              </a:rPr>
+              <a:t>人通话</a:t>
+            </a:r>
+            <a:endParaRPr lang="en-US" altLang="zh-CN" sz="4000" dirty="0" smtClean="0">
+              <a:latin typeface="微软雅黑" panose="020B0503020204020204" pitchFamily="34" charset="-122"/>
+              <a:ea typeface="微软雅黑" panose="020B0503020204020204" pitchFamily="34" charset="-122"/>
+            </a:endParaRPr>
+          </a:p>
+        </p:txBody>
+      </p:sp>
+      <p:sp>
+        <p:nvSpPr>
+          <p:cNvPr id="33" name="Shape 132"/>
+          <p:cNvSpPr/>
+          <p:nvPr/>
+        </p:nvSpPr>
+        <p:spPr>
+          <a:xfrm>
+            <a:off x="16031420" y="6700903"/>
+            <a:ext cx="1660231" cy="487313"/>
+          </a:xfrm>
+          <a:prstGeom prst="rect">
+            <a:avLst/>
+          </a:prstGeom>
+          <a:ln w="12700">
+            <a:miter lim="400000"/>
+          </a:ln>
+          <a:extLst>
+            <a:ext uri="{C572A759-6A51-4108-AA02-DFA0A04FC94B}">
+              <ma14:wrappingTextBoxFlag xmlns:ma14="http://schemas.microsoft.com/office/mac/drawingml/2011/main" xmlns="" val="1"/>
+            </a:ext>
+          </a:extLst>
+        </p:spPr>
+        <p:txBody>
+          <a:bodyPr wrap="square" lIns="50800" tIns="50800" rIns="50800" bIns="50800" anchor="ctr">
+            <a:spAutoFit/>
+          </a:bodyPr>
+          <a:lstStyle>
+            <a:lvl1pPr>
+              <a:defRPr sz="3000"/>
+            </a:lvl1pPr>
+          </a:lstStyle>
+          <a:p>
+            <a:pPr algn="l"/>
+            <a:r>
+              <a:rPr lang="zh-CN" altLang="en-US" sz="2500" dirty="0" smtClean="0">
+                <a:solidFill>
+                  <a:schemeClr val="bg1"/>
+                </a:solidFill>
+                <a:latin typeface="微软雅黑" panose="020B0503020204020204" pitchFamily="34" charset="-122"/>
+                <a:ea typeface="微软雅黑" panose="020B0503020204020204" pitchFamily="34" charset="-122"/>
+              </a:rPr>
+              <a:t>祭司大厅</a:t>
+            </a:r>
+            <a:endParaRPr lang="en-US" altLang="zh-CN" sz="2500" dirty="0" smtClean="0">
+              <a:solidFill>
+                <a:schemeClr val="bg1"/>
+              </a:solidFill>
+              <a:latin typeface="微软雅黑" panose="020B0503020204020204" pitchFamily="34" charset="-122"/>
+              <a:ea typeface="微软雅黑" panose="020B0503020204020204" pitchFamily="34" charset="-122"/>
+            </a:endParaRPr>
+          </a:p>
+        </p:txBody>
+      </p:sp>
+      <p:sp>
+        <p:nvSpPr>
+          <p:cNvPr id="34" name="Shape 132"/>
+          <p:cNvSpPr/>
+          <p:nvPr/>
+        </p:nvSpPr>
+        <p:spPr>
+          <a:xfrm>
+            <a:off x="16071189" y="9739715"/>
+            <a:ext cx="2594515" cy="487313"/>
+          </a:xfrm>
+          <a:prstGeom prst="rect">
+            <a:avLst/>
+          </a:prstGeom>
+          <a:ln w="12700">
+            <a:miter lim="400000"/>
+          </a:ln>
+          <a:extLst>
+            <a:ext uri="{C572A759-6A51-4108-AA02-DFA0A04FC94B}">
+              <ma14:wrappingTextBoxFlag xmlns:ma14="http://schemas.microsoft.com/office/mac/drawingml/2011/main" xmlns="" val="1"/>
+            </a:ext>
+          </a:extLst>
+        </p:spPr>
+        <p:txBody>
+          <a:bodyPr wrap="square" lIns="50800" tIns="50800" rIns="50800" bIns="50800" anchor="ctr">
+            <a:spAutoFit/>
+          </a:bodyPr>
+          <a:lstStyle>
+            <a:lvl1pPr>
+              <a:defRPr sz="3000"/>
+            </a:lvl1pPr>
+          </a:lstStyle>
+          <a:p>
+            <a:pPr algn="l"/>
+            <a:r>
+              <a:rPr lang="zh-CN" altLang="en-US" sz="2500" dirty="0" smtClean="0">
+                <a:solidFill>
+                  <a:schemeClr val="bg1"/>
+                </a:solidFill>
+                <a:latin typeface="微软雅黑" panose="020B0503020204020204" pitchFamily="34" charset="-122"/>
+                <a:ea typeface="微软雅黑" panose="020B0503020204020204" pitchFamily="34" charset="-122"/>
+              </a:rPr>
+              <a:t>秘密实验室</a:t>
+            </a:r>
+            <a:endParaRPr lang="en-US" altLang="zh-CN" sz="2500" dirty="0" smtClean="0">
+              <a:solidFill>
+                <a:schemeClr val="bg1"/>
+              </a:solidFill>
+              <a:latin typeface="微软雅黑" panose="020B0503020204020204" pitchFamily="34" charset="-122"/>
+              <a:ea typeface="微软雅黑" panose="020B0503020204020204" pitchFamily="34" charset="-122"/>
+            </a:endParaRPr>
+          </a:p>
+        </p:txBody>
+      </p:sp>
+      <p:sp>
+        <p:nvSpPr>
+          <p:cNvPr id="35" name="Shape 132"/>
+          <p:cNvSpPr/>
+          <p:nvPr/>
+        </p:nvSpPr>
+        <p:spPr>
+          <a:xfrm>
+            <a:off x="10834380" y="8805709"/>
+            <a:ext cx="1660231" cy="487313"/>
+          </a:xfrm>
+          <a:prstGeom prst="rect">
+            <a:avLst/>
+          </a:prstGeom>
+          <a:ln w="12700">
+            <a:miter lim="400000"/>
+          </a:ln>
+          <a:extLst>
+            <a:ext uri="{C572A759-6A51-4108-AA02-DFA0A04FC94B}">
+              <ma14:wrappingTextBoxFlag xmlns:ma14="http://schemas.microsoft.com/office/mac/drawingml/2011/main" xmlns="" val="1"/>
+            </a:ext>
+          </a:extLst>
+        </p:spPr>
+        <p:txBody>
+          <a:bodyPr wrap="square" lIns="50800" tIns="50800" rIns="50800" bIns="50800" anchor="ctr">
+            <a:spAutoFit/>
+          </a:bodyPr>
+          <a:lstStyle>
+            <a:lvl1pPr>
+              <a:defRPr sz="3000"/>
+            </a:lvl1pPr>
+          </a:lstStyle>
+          <a:p>
+            <a:pPr algn="l"/>
+            <a:r>
+              <a:rPr lang="zh-CN" altLang="en-US" sz="2500" dirty="0" smtClean="0">
+                <a:solidFill>
+                  <a:schemeClr val="bg1"/>
+                </a:solidFill>
+                <a:latin typeface="微软雅黑" panose="020B0503020204020204" pitchFamily="34" charset="-122"/>
+                <a:ea typeface="微软雅黑" panose="020B0503020204020204" pitchFamily="34" charset="-122"/>
+              </a:rPr>
+              <a:t>通道</a:t>
+            </a:r>
+            <a:r>
+              <a:rPr lang="en-US" altLang="zh-CN" sz="2500" dirty="0" smtClean="0">
+                <a:solidFill>
+                  <a:schemeClr val="bg1"/>
+                </a:solidFill>
+                <a:latin typeface="微软雅黑" panose="020B0503020204020204" pitchFamily="34" charset="-122"/>
+                <a:ea typeface="微软雅黑" panose="020B0503020204020204" pitchFamily="34" charset="-122"/>
+              </a:rPr>
+              <a:t>3</a:t>
+            </a:r>
+          </a:p>
+        </p:txBody>
+      </p:sp>
+      <p:sp>
+        <p:nvSpPr>
+          <p:cNvPr id="36" name="Shape 132"/>
+          <p:cNvSpPr/>
+          <p:nvPr/>
+        </p:nvSpPr>
+        <p:spPr>
+          <a:xfrm>
+            <a:off x="4683072" y="7124211"/>
+            <a:ext cx="1660231" cy="487313"/>
+          </a:xfrm>
+          <a:prstGeom prst="rect">
+            <a:avLst/>
+          </a:prstGeom>
+          <a:ln w="12700">
+            <a:miter lim="400000"/>
+          </a:ln>
+          <a:extLst>
+            <a:ext uri="{C572A759-6A51-4108-AA02-DFA0A04FC94B}">
+              <ma14:wrappingTextBoxFlag xmlns:ma14="http://schemas.microsoft.com/office/mac/drawingml/2011/main" xmlns="" val="1"/>
+            </a:ext>
+          </a:extLst>
+        </p:spPr>
+        <p:txBody>
+          <a:bodyPr wrap="square" lIns="50800" tIns="50800" rIns="50800" bIns="50800" anchor="ctr">
+            <a:spAutoFit/>
+          </a:bodyPr>
+          <a:lstStyle>
+            <a:lvl1pPr>
+              <a:defRPr sz="3000"/>
+            </a:lvl1pPr>
+          </a:lstStyle>
+          <a:p>
+            <a:pPr algn="l"/>
+            <a:r>
+              <a:rPr lang="zh-CN" altLang="en-US" sz="2500" dirty="0" smtClean="0">
+                <a:solidFill>
+                  <a:schemeClr val="bg1"/>
+                </a:solidFill>
+                <a:latin typeface="微软雅黑" panose="020B0503020204020204" pitchFamily="34" charset="-122"/>
+                <a:ea typeface="微软雅黑" panose="020B0503020204020204" pitchFamily="34" charset="-122"/>
+              </a:rPr>
+              <a:t>通道</a:t>
+            </a:r>
+            <a:r>
+              <a:rPr lang="en-US" altLang="zh-CN" sz="2500" dirty="0" smtClean="0">
+                <a:solidFill>
+                  <a:schemeClr val="bg1"/>
+                </a:solidFill>
+                <a:latin typeface="微软雅黑" panose="020B0503020204020204" pitchFamily="34" charset="-122"/>
+                <a:ea typeface="微软雅黑" panose="020B0503020204020204" pitchFamily="34" charset="-122"/>
+              </a:rPr>
+              <a:t>2</a:t>
+            </a:r>
+          </a:p>
+        </p:txBody>
+      </p:sp>
+      <p:sp>
+        <p:nvSpPr>
+          <p:cNvPr id="38" name="Shape 132"/>
+          <p:cNvSpPr/>
+          <p:nvPr/>
+        </p:nvSpPr>
+        <p:spPr>
+          <a:xfrm>
+            <a:off x="4286832" y="10342962"/>
+            <a:ext cx="1660231" cy="487313"/>
+          </a:xfrm>
+          <a:prstGeom prst="rect">
+            <a:avLst/>
+          </a:prstGeom>
+          <a:ln w="12700">
+            <a:miter lim="400000"/>
+          </a:ln>
+          <a:extLst>
+            <a:ext uri="{C572A759-6A51-4108-AA02-DFA0A04FC94B}">
+              <ma14:wrappingTextBoxFlag xmlns:ma14="http://schemas.microsoft.com/office/mac/drawingml/2011/main" xmlns="" val="1"/>
+            </a:ext>
+          </a:extLst>
+        </p:spPr>
+        <p:txBody>
+          <a:bodyPr wrap="square" lIns="50800" tIns="50800" rIns="50800" bIns="50800" anchor="ctr">
+            <a:spAutoFit/>
+          </a:bodyPr>
+          <a:lstStyle>
+            <a:lvl1pPr>
+              <a:defRPr sz="3000"/>
+            </a:lvl1pPr>
+          </a:lstStyle>
+          <a:p>
+            <a:pPr algn="l"/>
+            <a:r>
+              <a:rPr lang="zh-CN" altLang="en-US" sz="2500" dirty="0" smtClean="0">
+                <a:solidFill>
+                  <a:schemeClr val="bg1"/>
+                </a:solidFill>
+                <a:latin typeface="微软雅黑" panose="020B0503020204020204" pitchFamily="34" charset="-122"/>
+                <a:ea typeface="微软雅黑" panose="020B0503020204020204" pitchFamily="34" charset="-122"/>
+              </a:rPr>
+              <a:t>通道</a:t>
+            </a:r>
+            <a:r>
+              <a:rPr lang="en-US" altLang="zh-CN" sz="2500" dirty="0" smtClean="0">
+                <a:solidFill>
+                  <a:schemeClr val="bg1"/>
+                </a:solidFill>
+                <a:latin typeface="微软雅黑" panose="020B0503020204020204" pitchFamily="34" charset="-122"/>
+                <a:ea typeface="微软雅黑" panose="020B0503020204020204" pitchFamily="34" charset="-122"/>
+              </a:rPr>
+              <a:t>1</a:t>
+            </a:r>
+          </a:p>
+        </p:txBody>
+      </p:sp>
+      <p:sp>
+        <p:nvSpPr>
+          <p:cNvPr id="12" name="Rounded Rectangle 11"/>
+          <p:cNvSpPr/>
+          <p:nvPr/>
+        </p:nvSpPr>
+        <p:spPr>
+          <a:xfrm>
+            <a:off x="3791576" y="6733299"/>
+            <a:ext cx="287853" cy="285986"/>
+          </a:xfrm>
+          <a:prstGeom prst="roundRect">
+            <a:avLst/>
+          </a:prstGeom>
+          <a:solidFill>
+            <a:schemeClr val="accent4"/>
+          </a:solidFill>
+          <a:ln w="12700" cap="flat">
+            <a:noFill/>
+            <a:miter lim="400000"/>
+          </a:ln>
+          <a:effectLst>
+            <a:outerShdw blurRad="38100" dist="25400" dir="5400000" rotWithShape="0">
+              <a:srgbClr val="000000">
+                <a:alpha val="50000"/>
+              </a:srgbClr>
+            </a:outerShdw>
+          </a:effectLst>
+          <a:sp3d/>
+        </p:spPr>
+        <p:style>
+          <a:lnRef idx="0">
+            <a:scrgbClr r="0" g="0" b="0"/>
+          </a:lnRef>
+          <a:fillRef idx="0">
+            <a:scrgbClr r="0" g="0" b="0"/>
+          </a:fillRef>
+          <a:effectRef idx="0">
+            <a:scrgbClr r="0" g="0" b="0"/>
+          </a:effectRef>
+          <a:fontRef idx="none"/>
+        </p:style>
+        <p:txBody>
+          <a:bodyPr rot="0" spcFirstLastPara="1" vertOverflow="overflow" horzOverflow="overflow" vert="horz" wrap="square" lIns="50800" tIns="50800" rIns="50800" bIns="50800" numCol="1" spcCol="38100" rtlCol="0" anchor="ctr">
+            <a:spAutoFit/>
+          </a:bodyPr>
+          <a:lstStyle/>
+          <a:p>
+            <a:pPr marL="0" marR="0" indent="0" algn="ctr" defTabSz="825500" rtl="0" fontAlgn="auto" latinLnBrk="0" hangingPunct="0">
+              <a:lnSpc>
+                <a:spcPct val="100000"/>
+              </a:lnSpc>
+              <a:spcBef>
+                <a:spcPts val="0"/>
+              </a:spcBef>
+              <a:spcAft>
+                <a:spcPts val="0"/>
+              </a:spcAft>
+              <a:buClrTx/>
+              <a:buSzTx/>
+              <a:buFontTx/>
+              <a:buNone/>
+              <a:tabLst/>
+            </a:pPr>
+            <a:endParaRPr kumimoji="0" lang="zh-CN" altLang="en-US" sz="3200" b="0" i="0" u="none" strike="noStrike" cap="none" spc="0" normalizeH="0" baseline="0">
+              <a:ln>
+                <a:noFill/>
+              </a:ln>
+              <a:solidFill>
+                <a:srgbClr val="FFFFFF"/>
+              </a:solidFill>
+              <a:effectLst/>
+              <a:uFillTx/>
+              <a:latin typeface="+mn-lt"/>
+              <a:ea typeface="+mn-ea"/>
+              <a:cs typeface="+mn-cs"/>
+              <a:sym typeface="Helvetica Light"/>
+            </a:endParaRPr>
+          </a:p>
+        </p:txBody>
+      </p:sp>
+      <p:sp>
+        <p:nvSpPr>
+          <p:cNvPr id="39" name="Rounded Rectangle 38"/>
+          <p:cNvSpPr/>
+          <p:nvPr/>
+        </p:nvSpPr>
+        <p:spPr>
+          <a:xfrm>
+            <a:off x="6143991" y="8223928"/>
+            <a:ext cx="287853" cy="285986"/>
+          </a:xfrm>
+          <a:prstGeom prst="roundRect">
+            <a:avLst/>
+          </a:prstGeom>
+          <a:solidFill>
+            <a:schemeClr val="accent4"/>
+          </a:solidFill>
+          <a:ln w="12700" cap="flat">
+            <a:noFill/>
+            <a:miter lim="400000"/>
+          </a:ln>
+          <a:effectLst>
+            <a:outerShdw blurRad="38100" dist="25400" dir="5400000" rotWithShape="0">
+              <a:srgbClr val="000000">
+                <a:alpha val="50000"/>
+              </a:srgbClr>
+            </a:outerShdw>
+          </a:effectLst>
+          <a:sp3d/>
+        </p:spPr>
+        <p:style>
+          <a:lnRef idx="0">
+            <a:scrgbClr r="0" g="0" b="0"/>
+          </a:lnRef>
+          <a:fillRef idx="0">
+            <a:scrgbClr r="0" g="0" b="0"/>
+          </a:fillRef>
+          <a:effectRef idx="0">
+            <a:scrgbClr r="0" g="0" b="0"/>
+          </a:effectRef>
+          <a:fontRef idx="none"/>
+        </p:style>
+        <p:txBody>
+          <a:bodyPr rot="0" spcFirstLastPara="1" vertOverflow="overflow" horzOverflow="overflow" vert="horz" wrap="square" lIns="50800" tIns="50800" rIns="50800" bIns="50800" numCol="1" spcCol="38100" rtlCol="0" anchor="ctr">
+            <a:spAutoFit/>
+          </a:bodyPr>
+          <a:lstStyle/>
+          <a:p>
+            <a:pPr marL="0" marR="0" indent="0" algn="ctr" defTabSz="825500" rtl="0" fontAlgn="auto" latinLnBrk="0" hangingPunct="0">
+              <a:lnSpc>
+                <a:spcPct val="100000"/>
+              </a:lnSpc>
+              <a:spcBef>
+                <a:spcPts val="0"/>
+              </a:spcBef>
+              <a:spcAft>
+                <a:spcPts val="0"/>
+              </a:spcAft>
+              <a:buClrTx/>
+              <a:buSzTx/>
+              <a:buFontTx/>
+              <a:buNone/>
+              <a:tabLst/>
+            </a:pPr>
+            <a:endParaRPr kumimoji="0" lang="zh-CN" altLang="en-US" sz="3200" b="0" i="0" u="none" strike="noStrike" cap="none" spc="0" normalizeH="0" baseline="0">
+              <a:ln>
+                <a:noFill/>
+              </a:ln>
+              <a:solidFill>
+                <a:srgbClr val="FFFFFF"/>
+              </a:solidFill>
+              <a:effectLst/>
+              <a:uFillTx/>
+              <a:latin typeface="+mn-lt"/>
+              <a:ea typeface="+mn-ea"/>
+              <a:cs typeface="+mn-cs"/>
+              <a:sym typeface="Helvetica Light"/>
+            </a:endParaRPr>
+          </a:p>
+        </p:txBody>
+      </p:sp>
+      <p:sp>
+        <p:nvSpPr>
+          <p:cNvPr id="40" name="Rounded Rectangle 39"/>
+          <p:cNvSpPr/>
+          <p:nvPr/>
+        </p:nvSpPr>
+        <p:spPr>
+          <a:xfrm>
+            <a:off x="5044999" y="9774446"/>
+            <a:ext cx="287853" cy="285986"/>
+          </a:xfrm>
+          <a:prstGeom prst="roundRect">
+            <a:avLst/>
+          </a:prstGeom>
+          <a:solidFill>
+            <a:schemeClr val="accent4"/>
+          </a:solidFill>
+          <a:ln w="12700" cap="flat">
+            <a:noFill/>
+            <a:miter lim="400000"/>
+          </a:ln>
+          <a:effectLst>
+            <a:outerShdw blurRad="38100" dist="25400" dir="5400000" rotWithShape="0">
+              <a:srgbClr val="000000">
+                <a:alpha val="50000"/>
+              </a:srgbClr>
+            </a:outerShdw>
+          </a:effectLst>
+          <a:sp3d/>
+        </p:spPr>
+        <p:style>
+          <a:lnRef idx="0">
+            <a:scrgbClr r="0" g="0" b="0"/>
+          </a:lnRef>
+          <a:fillRef idx="0">
+            <a:scrgbClr r="0" g="0" b="0"/>
+          </a:fillRef>
+          <a:effectRef idx="0">
+            <a:scrgbClr r="0" g="0" b="0"/>
+          </a:effectRef>
+          <a:fontRef idx="none"/>
+        </p:style>
+        <p:txBody>
+          <a:bodyPr rot="0" spcFirstLastPara="1" vertOverflow="overflow" horzOverflow="overflow" vert="horz" wrap="square" lIns="50800" tIns="50800" rIns="50800" bIns="50800" numCol="1" spcCol="38100" rtlCol="0" anchor="ctr">
+            <a:spAutoFit/>
+          </a:bodyPr>
+          <a:lstStyle/>
+          <a:p>
+            <a:pPr marL="0" marR="0" indent="0" algn="ctr" defTabSz="825500" rtl="0" fontAlgn="auto" latinLnBrk="0" hangingPunct="0">
+              <a:lnSpc>
+                <a:spcPct val="100000"/>
+              </a:lnSpc>
+              <a:spcBef>
+                <a:spcPts val="0"/>
+              </a:spcBef>
+              <a:spcAft>
+                <a:spcPts val="0"/>
+              </a:spcAft>
+              <a:buClrTx/>
+              <a:buSzTx/>
+              <a:buFontTx/>
+              <a:buNone/>
+              <a:tabLst/>
+            </a:pPr>
+            <a:endParaRPr kumimoji="0" lang="zh-CN" altLang="en-US" sz="3200" b="0" i="0" u="none" strike="noStrike" cap="none" spc="0" normalizeH="0" baseline="0">
+              <a:ln>
+                <a:noFill/>
+              </a:ln>
+              <a:solidFill>
+                <a:srgbClr val="FFFFFF"/>
+              </a:solidFill>
+              <a:effectLst/>
+              <a:uFillTx/>
+              <a:latin typeface="+mn-lt"/>
+              <a:ea typeface="+mn-ea"/>
+              <a:cs typeface="+mn-cs"/>
+              <a:sym typeface="Helvetica Light"/>
+            </a:endParaRPr>
+          </a:p>
+        </p:txBody>
+      </p:sp>
+      <p:sp>
+        <p:nvSpPr>
+          <p:cNvPr id="41" name="Rounded Rectangle 40"/>
+          <p:cNvSpPr/>
+          <p:nvPr/>
+        </p:nvSpPr>
+        <p:spPr>
+          <a:xfrm>
+            <a:off x="6776000" y="9911445"/>
+            <a:ext cx="287853" cy="285986"/>
+          </a:xfrm>
+          <a:prstGeom prst="roundRect">
+            <a:avLst/>
+          </a:prstGeom>
+          <a:solidFill>
+            <a:schemeClr val="accent4"/>
+          </a:solidFill>
+          <a:ln w="12700" cap="flat">
+            <a:noFill/>
+            <a:miter lim="400000"/>
+          </a:ln>
+          <a:effectLst>
+            <a:outerShdw blurRad="38100" dist="25400" dir="5400000" rotWithShape="0">
+              <a:srgbClr val="000000">
+                <a:alpha val="50000"/>
+              </a:srgbClr>
+            </a:outerShdw>
+          </a:effectLst>
+          <a:sp3d/>
+        </p:spPr>
+        <p:style>
+          <a:lnRef idx="0">
+            <a:scrgbClr r="0" g="0" b="0"/>
+          </a:lnRef>
+          <a:fillRef idx="0">
+            <a:scrgbClr r="0" g="0" b="0"/>
+          </a:fillRef>
+          <a:effectRef idx="0">
+            <a:scrgbClr r="0" g="0" b="0"/>
+          </a:effectRef>
+          <a:fontRef idx="none"/>
+        </p:style>
+        <p:txBody>
+          <a:bodyPr rot="0" spcFirstLastPara="1" vertOverflow="overflow" horzOverflow="overflow" vert="horz" wrap="square" lIns="50800" tIns="50800" rIns="50800" bIns="50800" numCol="1" spcCol="38100" rtlCol="0" anchor="ctr">
+            <a:spAutoFit/>
+          </a:bodyPr>
+          <a:lstStyle/>
+          <a:p>
+            <a:pPr marL="0" marR="0" indent="0" algn="ctr" defTabSz="825500" rtl="0" fontAlgn="auto" latinLnBrk="0" hangingPunct="0">
+              <a:lnSpc>
+                <a:spcPct val="100000"/>
+              </a:lnSpc>
+              <a:spcBef>
+                <a:spcPts val="0"/>
+              </a:spcBef>
+              <a:spcAft>
+                <a:spcPts val="0"/>
+              </a:spcAft>
+              <a:buClrTx/>
+              <a:buSzTx/>
+              <a:buFontTx/>
+              <a:buNone/>
+              <a:tabLst/>
+            </a:pPr>
+            <a:endParaRPr kumimoji="0" lang="zh-CN" altLang="en-US" sz="3200" b="0" i="0" u="none" strike="noStrike" cap="none" spc="0" normalizeH="0" baseline="0">
+              <a:ln>
+                <a:noFill/>
+              </a:ln>
+              <a:solidFill>
+                <a:srgbClr val="FFFFFF"/>
+              </a:solidFill>
+              <a:effectLst/>
+              <a:uFillTx/>
+              <a:latin typeface="+mn-lt"/>
+              <a:ea typeface="+mn-ea"/>
+              <a:cs typeface="+mn-cs"/>
+              <a:sym typeface="Helvetica Light"/>
+            </a:endParaRPr>
+          </a:p>
+        </p:txBody>
+      </p:sp>
+      <p:sp>
+        <p:nvSpPr>
+          <p:cNvPr id="42" name="Rounded Rectangle 41"/>
+          <p:cNvSpPr/>
+          <p:nvPr/>
+        </p:nvSpPr>
+        <p:spPr>
+          <a:xfrm>
+            <a:off x="9413473" y="9488460"/>
+            <a:ext cx="287853" cy="285986"/>
+          </a:xfrm>
+          <a:prstGeom prst="roundRect">
+            <a:avLst/>
+          </a:prstGeom>
+          <a:solidFill>
+            <a:schemeClr val="accent4"/>
+          </a:solidFill>
+          <a:ln w="12700" cap="flat">
+            <a:noFill/>
+            <a:miter lim="400000"/>
+          </a:ln>
+          <a:effectLst>
+            <a:outerShdw blurRad="38100" dist="25400" dir="5400000" rotWithShape="0">
+              <a:srgbClr val="000000">
+                <a:alpha val="50000"/>
+              </a:srgbClr>
+            </a:outerShdw>
+          </a:effectLst>
+          <a:sp3d/>
+        </p:spPr>
+        <p:style>
+          <a:lnRef idx="0">
+            <a:scrgbClr r="0" g="0" b="0"/>
+          </a:lnRef>
+          <a:fillRef idx="0">
+            <a:scrgbClr r="0" g="0" b="0"/>
+          </a:fillRef>
+          <a:effectRef idx="0">
+            <a:scrgbClr r="0" g="0" b="0"/>
+          </a:effectRef>
+          <a:fontRef idx="none"/>
+        </p:style>
+        <p:txBody>
+          <a:bodyPr rot="0" spcFirstLastPara="1" vertOverflow="overflow" horzOverflow="overflow" vert="horz" wrap="square" lIns="50800" tIns="50800" rIns="50800" bIns="50800" numCol="1" spcCol="38100" rtlCol="0" anchor="ctr">
+            <a:spAutoFit/>
+          </a:bodyPr>
+          <a:lstStyle/>
+          <a:p>
+            <a:pPr marL="0" marR="0" indent="0" algn="ctr" defTabSz="825500" rtl="0" fontAlgn="auto" latinLnBrk="0" hangingPunct="0">
+              <a:lnSpc>
+                <a:spcPct val="100000"/>
+              </a:lnSpc>
+              <a:spcBef>
+                <a:spcPts val="0"/>
+              </a:spcBef>
+              <a:spcAft>
+                <a:spcPts val="0"/>
+              </a:spcAft>
+              <a:buClrTx/>
+              <a:buSzTx/>
+              <a:buFontTx/>
+              <a:buNone/>
+              <a:tabLst/>
+            </a:pPr>
+            <a:endParaRPr kumimoji="0" lang="zh-CN" altLang="en-US" sz="3200" b="0" i="0" u="none" strike="noStrike" cap="none" spc="0" normalizeH="0" baseline="0">
+              <a:ln>
+                <a:noFill/>
+              </a:ln>
+              <a:solidFill>
+                <a:srgbClr val="FFFFFF"/>
+              </a:solidFill>
+              <a:effectLst/>
+              <a:uFillTx/>
+              <a:latin typeface="+mn-lt"/>
+              <a:ea typeface="+mn-ea"/>
+              <a:cs typeface="+mn-cs"/>
+              <a:sym typeface="Helvetica Light"/>
+            </a:endParaRPr>
+          </a:p>
+        </p:txBody>
+      </p:sp>
+      <p:sp>
+        <p:nvSpPr>
+          <p:cNvPr id="43" name="Rounded Rectangle 42"/>
+          <p:cNvSpPr/>
+          <p:nvPr/>
+        </p:nvSpPr>
+        <p:spPr>
+          <a:xfrm>
+            <a:off x="11593838" y="8284134"/>
+            <a:ext cx="287853" cy="285986"/>
+          </a:xfrm>
+          <a:prstGeom prst="roundRect">
+            <a:avLst/>
+          </a:prstGeom>
+          <a:solidFill>
+            <a:schemeClr val="accent4"/>
+          </a:solidFill>
+          <a:ln w="12700" cap="flat">
+            <a:noFill/>
+            <a:miter lim="400000"/>
+          </a:ln>
+          <a:effectLst>
+            <a:outerShdw blurRad="38100" dist="25400" dir="5400000" rotWithShape="0">
+              <a:srgbClr val="000000">
+                <a:alpha val="50000"/>
+              </a:srgbClr>
+            </a:outerShdw>
+          </a:effectLst>
+          <a:sp3d/>
+        </p:spPr>
+        <p:style>
+          <a:lnRef idx="0">
+            <a:scrgbClr r="0" g="0" b="0"/>
+          </a:lnRef>
+          <a:fillRef idx="0">
+            <a:scrgbClr r="0" g="0" b="0"/>
+          </a:fillRef>
+          <a:effectRef idx="0">
+            <a:scrgbClr r="0" g="0" b="0"/>
+          </a:effectRef>
+          <a:fontRef idx="none"/>
+        </p:style>
+        <p:txBody>
+          <a:bodyPr rot="0" spcFirstLastPara="1" vertOverflow="overflow" horzOverflow="overflow" vert="horz" wrap="square" lIns="50800" tIns="50800" rIns="50800" bIns="50800" numCol="1" spcCol="38100" rtlCol="0" anchor="ctr">
+            <a:spAutoFit/>
+          </a:bodyPr>
+          <a:lstStyle/>
+          <a:p>
+            <a:pPr marL="0" marR="0" indent="0" algn="ctr" defTabSz="825500" rtl="0" fontAlgn="auto" latinLnBrk="0" hangingPunct="0">
+              <a:lnSpc>
+                <a:spcPct val="100000"/>
+              </a:lnSpc>
+              <a:spcBef>
+                <a:spcPts val="0"/>
+              </a:spcBef>
+              <a:spcAft>
+                <a:spcPts val="0"/>
+              </a:spcAft>
+              <a:buClrTx/>
+              <a:buSzTx/>
+              <a:buFontTx/>
+              <a:buNone/>
+              <a:tabLst/>
+            </a:pPr>
+            <a:endParaRPr kumimoji="0" lang="zh-CN" altLang="en-US" sz="3200" b="0" i="0" u="none" strike="noStrike" cap="none" spc="0" normalizeH="0" baseline="0">
+              <a:ln>
+                <a:noFill/>
+              </a:ln>
+              <a:solidFill>
+                <a:srgbClr val="FFFFFF"/>
+              </a:solidFill>
+              <a:effectLst/>
+              <a:uFillTx/>
+              <a:latin typeface="+mn-lt"/>
+              <a:ea typeface="+mn-ea"/>
+              <a:cs typeface="+mn-cs"/>
+              <a:sym typeface="Helvetica Light"/>
+            </a:endParaRPr>
+          </a:p>
+        </p:txBody>
+      </p:sp>
+      <p:sp>
+        <p:nvSpPr>
+          <p:cNvPr id="44" name="Rounded Rectangle 43"/>
+          <p:cNvSpPr/>
+          <p:nvPr/>
+        </p:nvSpPr>
+        <p:spPr>
+          <a:xfrm>
+            <a:off x="18370998" y="7224874"/>
+            <a:ext cx="287853" cy="285986"/>
+          </a:xfrm>
+          <a:prstGeom prst="roundRect">
+            <a:avLst/>
+          </a:prstGeom>
+          <a:solidFill>
+            <a:schemeClr val="accent4"/>
+          </a:solidFill>
+          <a:ln w="12700" cap="flat">
+            <a:noFill/>
+            <a:miter lim="400000"/>
+          </a:ln>
+          <a:effectLst>
+            <a:outerShdw blurRad="38100" dist="25400" dir="5400000" rotWithShape="0">
+              <a:srgbClr val="000000">
+                <a:alpha val="50000"/>
+              </a:srgbClr>
+            </a:outerShdw>
+          </a:effectLst>
+          <a:sp3d/>
+        </p:spPr>
+        <p:style>
+          <a:lnRef idx="0">
+            <a:scrgbClr r="0" g="0" b="0"/>
+          </a:lnRef>
+          <a:fillRef idx="0">
+            <a:scrgbClr r="0" g="0" b="0"/>
+          </a:fillRef>
+          <a:effectRef idx="0">
+            <a:scrgbClr r="0" g="0" b="0"/>
+          </a:effectRef>
+          <a:fontRef idx="none"/>
+        </p:style>
+        <p:txBody>
+          <a:bodyPr rot="0" spcFirstLastPara="1" vertOverflow="overflow" horzOverflow="overflow" vert="horz" wrap="square" lIns="50800" tIns="50800" rIns="50800" bIns="50800" numCol="1" spcCol="38100" rtlCol="0" anchor="ctr">
+            <a:spAutoFit/>
+          </a:bodyPr>
+          <a:lstStyle/>
+          <a:p>
+            <a:pPr marL="0" marR="0" indent="0" algn="ctr" defTabSz="825500" rtl="0" fontAlgn="auto" latinLnBrk="0" hangingPunct="0">
+              <a:lnSpc>
+                <a:spcPct val="100000"/>
+              </a:lnSpc>
+              <a:spcBef>
+                <a:spcPts val="0"/>
+              </a:spcBef>
+              <a:spcAft>
+                <a:spcPts val="0"/>
+              </a:spcAft>
+              <a:buClrTx/>
+              <a:buSzTx/>
+              <a:buFontTx/>
+              <a:buNone/>
+              <a:tabLst/>
+            </a:pPr>
+            <a:endParaRPr kumimoji="0" lang="zh-CN" altLang="en-US" sz="3200" b="0" i="0" u="none" strike="noStrike" cap="none" spc="0" normalizeH="0" baseline="0">
+              <a:ln>
+                <a:noFill/>
+              </a:ln>
+              <a:solidFill>
+                <a:srgbClr val="FFFFFF"/>
+              </a:solidFill>
+              <a:effectLst/>
+              <a:uFillTx/>
+              <a:latin typeface="+mn-lt"/>
+              <a:ea typeface="+mn-ea"/>
+              <a:cs typeface="+mn-cs"/>
+              <a:sym typeface="Helvetica Light"/>
+            </a:endParaRPr>
+          </a:p>
+        </p:txBody>
+      </p:sp>
+      <p:sp>
+        <p:nvSpPr>
+          <p:cNvPr id="45" name="Rounded Rectangle 44"/>
+          <p:cNvSpPr/>
+          <p:nvPr/>
+        </p:nvSpPr>
+        <p:spPr>
+          <a:xfrm>
+            <a:off x="18739918" y="10054438"/>
+            <a:ext cx="287853" cy="285986"/>
+          </a:xfrm>
+          <a:prstGeom prst="roundRect">
+            <a:avLst/>
+          </a:prstGeom>
+          <a:solidFill>
+            <a:schemeClr val="accent4"/>
+          </a:solidFill>
+          <a:ln w="12700" cap="flat">
+            <a:noFill/>
+            <a:miter lim="400000"/>
+          </a:ln>
+          <a:effectLst>
+            <a:outerShdw blurRad="38100" dist="25400" dir="5400000" rotWithShape="0">
+              <a:srgbClr val="000000">
+                <a:alpha val="50000"/>
+              </a:srgbClr>
+            </a:outerShdw>
+          </a:effectLst>
+          <a:sp3d/>
+        </p:spPr>
+        <p:style>
+          <a:lnRef idx="0">
+            <a:scrgbClr r="0" g="0" b="0"/>
+          </a:lnRef>
+          <a:fillRef idx="0">
+            <a:scrgbClr r="0" g="0" b="0"/>
+          </a:fillRef>
+          <a:effectRef idx="0">
+            <a:scrgbClr r="0" g="0" b="0"/>
+          </a:effectRef>
+          <a:fontRef idx="none"/>
+        </p:style>
+        <p:txBody>
+          <a:bodyPr rot="0" spcFirstLastPara="1" vertOverflow="overflow" horzOverflow="overflow" vert="horz" wrap="square" lIns="50800" tIns="50800" rIns="50800" bIns="50800" numCol="1" spcCol="38100" rtlCol="0" anchor="ctr">
+            <a:spAutoFit/>
+          </a:bodyPr>
+          <a:lstStyle/>
+          <a:p>
+            <a:pPr marL="0" marR="0" indent="0" algn="ctr" defTabSz="825500" rtl="0" fontAlgn="auto" latinLnBrk="0" hangingPunct="0">
+              <a:lnSpc>
+                <a:spcPct val="100000"/>
+              </a:lnSpc>
+              <a:spcBef>
+                <a:spcPts val="0"/>
+              </a:spcBef>
+              <a:spcAft>
+                <a:spcPts val="0"/>
+              </a:spcAft>
+              <a:buClrTx/>
+              <a:buSzTx/>
+              <a:buFontTx/>
+              <a:buNone/>
+              <a:tabLst/>
+            </a:pPr>
+            <a:endParaRPr kumimoji="0" lang="zh-CN" altLang="en-US" sz="3200" b="0" i="0" u="none" strike="noStrike" cap="none" spc="0" normalizeH="0" baseline="0">
+              <a:ln>
+                <a:noFill/>
+              </a:ln>
+              <a:solidFill>
+                <a:srgbClr val="FFFFFF"/>
+              </a:solidFill>
+              <a:effectLst/>
+              <a:uFillTx/>
+              <a:latin typeface="+mn-lt"/>
+              <a:ea typeface="+mn-ea"/>
+              <a:cs typeface="+mn-cs"/>
+              <a:sym typeface="Helvetica Light"/>
+            </a:endParaRPr>
+          </a:p>
+        </p:txBody>
+      </p:sp>
+      <p:sp>
+        <p:nvSpPr>
+          <p:cNvPr id="46" name="Rounded Rectangle 45"/>
+          <p:cNvSpPr/>
+          <p:nvPr/>
+        </p:nvSpPr>
+        <p:spPr>
+          <a:xfrm>
+            <a:off x="16427760" y="11367297"/>
+            <a:ext cx="287853" cy="285986"/>
+          </a:xfrm>
+          <a:prstGeom prst="roundRect">
+            <a:avLst/>
+          </a:prstGeom>
+          <a:solidFill>
+            <a:schemeClr val="accent4"/>
+          </a:solidFill>
+          <a:ln w="12700" cap="flat">
+            <a:noFill/>
+            <a:miter lim="400000"/>
+          </a:ln>
+          <a:effectLst>
+            <a:outerShdw blurRad="38100" dist="25400" dir="5400000" rotWithShape="0">
+              <a:srgbClr val="000000">
+                <a:alpha val="50000"/>
+              </a:srgbClr>
+            </a:outerShdw>
+          </a:effectLst>
+          <a:sp3d/>
+        </p:spPr>
+        <p:style>
+          <a:lnRef idx="0">
+            <a:scrgbClr r="0" g="0" b="0"/>
+          </a:lnRef>
+          <a:fillRef idx="0">
+            <a:scrgbClr r="0" g="0" b="0"/>
+          </a:fillRef>
+          <a:effectRef idx="0">
+            <a:scrgbClr r="0" g="0" b="0"/>
+          </a:effectRef>
+          <a:fontRef idx="none"/>
+        </p:style>
+        <p:txBody>
+          <a:bodyPr rot="0" spcFirstLastPara="1" vertOverflow="overflow" horzOverflow="overflow" vert="horz" wrap="square" lIns="50800" tIns="50800" rIns="50800" bIns="50800" numCol="1" spcCol="38100" rtlCol="0" anchor="ctr">
+            <a:spAutoFit/>
+          </a:bodyPr>
+          <a:lstStyle/>
+          <a:p>
+            <a:pPr marL="0" marR="0" indent="0" algn="ctr" defTabSz="825500" rtl="0" fontAlgn="auto" latinLnBrk="0" hangingPunct="0">
+              <a:lnSpc>
+                <a:spcPct val="100000"/>
+              </a:lnSpc>
+              <a:spcBef>
+                <a:spcPts val="0"/>
+              </a:spcBef>
+              <a:spcAft>
+                <a:spcPts val="0"/>
+              </a:spcAft>
+              <a:buClrTx/>
+              <a:buSzTx/>
+              <a:buFontTx/>
+              <a:buNone/>
+              <a:tabLst/>
+            </a:pPr>
+            <a:endParaRPr kumimoji="0" lang="zh-CN" altLang="en-US" sz="3200" b="0" i="0" u="none" strike="noStrike" cap="none" spc="0" normalizeH="0" baseline="0">
+              <a:ln>
+                <a:noFill/>
+              </a:ln>
+              <a:solidFill>
+                <a:srgbClr val="FFFFFF"/>
+              </a:solidFill>
+              <a:effectLst/>
+              <a:uFillTx/>
+              <a:latin typeface="+mn-lt"/>
+              <a:ea typeface="+mn-ea"/>
+              <a:cs typeface="+mn-cs"/>
+              <a:sym typeface="Helvetica Light"/>
+            </a:endParaRPr>
+          </a:p>
+        </p:txBody>
+      </p:sp>
+      <p:sp>
+        <p:nvSpPr>
+          <p:cNvPr id="47" name="Rounded Rectangle 46"/>
+          <p:cNvSpPr/>
+          <p:nvPr/>
+        </p:nvSpPr>
+        <p:spPr>
+          <a:xfrm>
+            <a:off x="17508748" y="8696782"/>
+            <a:ext cx="287853" cy="285986"/>
+          </a:xfrm>
+          <a:prstGeom prst="roundRect">
+            <a:avLst/>
+          </a:prstGeom>
+          <a:solidFill>
+            <a:schemeClr val="accent4"/>
+          </a:solidFill>
+          <a:ln w="12700" cap="flat">
+            <a:noFill/>
+            <a:miter lim="400000"/>
+          </a:ln>
+          <a:effectLst>
+            <a:outerShdw blurRad="38100" dist="25400" dir="5400000" rotWithShape="0">
+              <a:srgbClr val="000000">
+                <a:alpha val="50000"/>
+              </a:srgbClr>
+            </a:outerShdw>
+          </a:effectLst>
+          <a:sp3d/>
+        </p:spPr>
+        <p:style>
+          <a:lnRef idx="0">
+            <a:scrgbClr r="0" g="0" b="0"/>
+          </a:lnRef>
+          <a:fillRef idx="0">
+            <a:scrgbClr r="0" g="0" b="0"/>
+          </a:fillRef>
+          <a:effectRef idx="0">
+            <a:scrgbClr r="0" g="0" b="0"/>
+          </a:effectRef>
+          <a:fontRef idx="none"/>
+        </p:style>
+        <p:txBody>
+          <a:bodyPr rot="0" spcFirstLastPara="1" vertOverflow="overflow" horzOverflow="overflow" vert="horz" wrap="square" lIns="50800" tIns="50800" rIns="50800" bIns="50800" numCol="1" spcCol="38100" rtlCol="0" anchor="ctr">
+            <a:spAutoFit/>
+          </a:bodyPr>
+          <a:lstStyle/>
+          <a:p>
+            <a:pPr marL="0" marR="0" indent="0" algn="ctr" defTabSz="825500" rtl="0" fontAlgn="auto" latinLnBrk="0" hangingPunct="0">
+              <a:lnSpc>
+                <a:spcPct val="100000"/>
+              </a:lnSpc>
+              <a:spcBef>
+                <a:spcPts val="0"/>
+              </a:spcBef>
+              <a:spcAft>
+                <a:spcPts val="0"/>
+              </a:spcAft>
+              <a:buClrTx/>
+              <a:buSzTx/>
+              <a:buFontTx/>
+              <a:buNone/>
+              <a:tabLst/>
+            </a:pPr>
+            <a:endParaRPr kumimoji="0" lang="zh-CN" altLang="en-US" sz="3200" b="0" i="0" u="none" strike="noStrike" cap="none" spc="0" normalizeH="0" baseline="0">
+              <a:ln>
+                <a:noFill/>
+              </a:ln>
+              <a:solidFill>
+                <a:srgbClr val="FFFFFF"/>
+              </a:solidFill>
+              <a:effectLst/>
+              <a:uFillTx/>
+              <a:latin typeface="+mn-lt"/>
+              <a:ea typeface="+mn-ea"/>
+              <a:cs typeface="+mn-cs"/>
+              <a:sym typeface="Helvetica Light"/>
+            </a:endParaRPr>
+          </a:p>
+        </p:txBody>
+      </p:sp>
+      <p:sp>
+        <p:nvSpPr>
+          <p:cNvPr id="48" name="Rounded Rectangle 47"/>
+          <p:cNvSpPr/>
+          <p:nvPr/>
+        </p:nvSpPr>
+        <p:spPr>
+          <a:xfrm>
+            <a:off x="15887493" y="8967379"/>
+            <a:ext cx="287853" cy="285986"/>
+          </a:xfrm>
+          <a:prstGeom prst="roundRect">
+            <a:avLst/>
+          </a:prstGeom>
+          <a:solidFill>
+            <a:schemeClr val="accent4"/>
+          </a:solidFill>
+          <a:ln w="12700" cap="flat">
+            <a:noFill/>
+            <a:miter lim="400000"/>
+          </a:ln>
+          <a:effectLst>
+            <a:outerShdw blurRad="38100" dist="25400" dir="5400000" rotWithShape="0">
+              <a:srgbClr val="000000">
+                <a:alpha val="50000"/>
+              </a:srgbClr>
+            </a:outerShdw>
+          </a:effectLst>
+          <a:sp3d/>
+        </p:spPr>
+        <p:style>
+          <a:lnRef idx="0">
+            <a:scrgbClr r="0" g="0" b="0"/>
+          </a:lnRef>
+          <a:fillRef idx="0">
+            <a:scrgbClr r="0" g="0" b="0"/>
+          </a:fillRef>
+          <a:effectRef idx="0">
+            <a:scrgbClr r="0" g="0" b="0"/>
+          </a:effectRef>
+          <a:fontRef idx="none"/>
+        </p:style>
+        <p:txBody>
+          <a:bodyPr rot="0" spcFirstLastPara="1" vertOverflow="overflow" horzOverflow="overflow" vert="horz" wrap="square" lIns="50800" tIns="50800" rIns="50800" bIns="50800" numCol="1" spcCol="38100" rtlCol="0" anchor="ctr">
+            <a:spAutoFit/>
+          </a:bodyPr>
+          <a:lstStyle/>
+          <a:p>
+            <a:pPr marL="0" marR="0" indent="0" algn="ctr" defTabSz="825500" rtl="0" fontAlgn="auto" latinLnBrk="0" hangingPunct="0">
+              <a:lnSpc>
+                <a:spcPct val="100000"/>
+              </a:lnSpc>
+              <a:spcBef>
+                <a:spcPts val="0"/>
+              </a:spcBef>
+              <a:spcAft>
+                <a:spcPts val="0"/>
+              </a:spcAft>
+              <a:buClrTx/>
+              <a:buSzTx/>
+              <a:buFontTx/>
+              <a:buNone/>
+              <a:tabLst/>
+            </a:pPr>
+            <a:endParaRPr kumimoji="0" lang="zh-CN" altLang="en-US" sz="3200" b="0" i="0" u="none" strike="noStrike" cap="none" spc="0" normalizeH="0" baseline="0">
+              <a:ln>
+                <a:noFill/>
+              </a:ln>
+              <a:solidFill>
+                <a:srgbClr val="FFFFFF"/>
+              </a:solidFill>
+              <a:effectLst/>
+              <a:uFillTx/>
+              <a:latin typeface="+mn-lt"/>
+              <a:ea typeface="+mn-ea"/>
+              <a:cs typeface="+mn-cs"/>
+              <a:sym typeface="Helvetica Light"/>
+            </a:endParaRPr>
+          </a:p>
+        </p:txBody>
+      </p:sp>
+      <p:sp>
+        <p:nvSpPr>
+          <p:cNvPr id="49" name="Rounded Rectangle 48"/>
+          <p:cNvSpPr/>
+          <p:nvPr/>
+        </p:nvSpPr>
+        <p:spPr>
+          <a:xfrm>
+            <a:off x="17616649" y="9428093"/>
+            <a:ext cx="287853" cy="285986"/>
+          </a:xfrm>
+          <a:prstGeom prst="roundRect">
+            <a:avLst/>
+          </a:prstGeom>
+          <a:solidFill>
+            <a:schemeClr val="accent4"/>
+          </a:solidFill>
+          <a:ln w="12700" cap="flat">
+            <a:noFill/>
+            <a:miter lim="400000"/>
+          </a:ln>
+          <a:effectLst>
+            <a:outerShdw blurRad="38100" dist="25400" dir="5400000" rotWithShape="0">
+              <a:srgbClr val="000000">
+                <a:alpha val="50000"/>
+              </a:srgbClr>
+            </a:outerShdw>
+          </a:effectLst>
+          <a:sp3d/>
+        </p:spPr>
+        <p:style>
+          <a:lnRef idx="0">
+            <a:scrgbClr r="0" g="0" b="0"/>
+          </a:lnRef>
+          <a:fillRef idx="0">
+            <a:scrgbClr r="0" g="0" b="0"/>
+          </a:fillRef>
+          <a:effectRef idx="0">
+            <a:scrgbClr r="0" g="0" b="0"/>
+          </a:effectRef>
+          <a:fontRef idx="none"/>
+        </p:style>
+        <p:txBody>
+          <a:bodyPr rot="0" spcFirstLastPara="1" vertOverflow="overflow" horzOverflow="overflow" vert="horz" wrap="square" lIns="50800" tIns="50800" rIns="50800" bIns="50800" numCol="1" spcCol="38100" rtlCol="0" anchor="ctr">
+            <a:spAutoFit/>
+          </a:bodyPr>
+          <a:lstStyle/>
+          <a:p>
+            <a:pPr marL="0" marR="0" indent="0" algn="ctr" defTabSz="825500" rtl="0" fontAlgn="auto" latinLnBrk="0" hangingPunct="0">
+              <a:lnSpc>
+                <a:spcPct val="100000"/>
+              </a:lnSpc>
+              <a:spcBef>
+                <a:spcPts val="0"/>
+              </a:spcBef>
+              <a:spcAft>
+                <a:spcPts val="0"/>
+              </a:spcAft>
+              <a:buClrTx/>
+              <a:buSzTx/>
+              <a:buFontTx/>
+              <a:buNone/>
+              <a:tabLst/>
+            </a:pPr>
+            <a:endParaRPr kumimoji="0" lang="zh-CN" altLang="en-US" sz="3200" b="0" i="0" u="none" strike="noStrike" cap="none" spc="0" normalizeH="0" baseline="0">
+              <a:ln>
+                <a:noFill/>
+              </a:ln>
+              <a:solidFill>
+                <a:srgbClr val="FFFFFF"/>
+              </a:solidFill>
+              <a:effectLst/>
+              <a:uFillTx/>
+              <a:latin typeface="+mn-lt"/>
+              <a:ea typeface="+mn-ea"/>
+              <a:cs typeface="+mn-cs"/>
+              <a:sym typeface="Helvetica Light"/>
+            </a:endParaRPr>
+          </a:p>
+        </p:txBody>
+      </p:sp>
+    </p:spTree>
+    <p:extLst>
+      <p:ext uri="{BB962C8B-B14F-4D97-AF65-F5344CB8AC3E}">
+        <p14:creationId xmlns:p14="http://schemas.microsoft.com/office/powerpoint/2010/main" val="3565762754"/>
+      </p:ext>
+    </p:extLst>
+  </p:cSld>
+  <p:clrMapOvr>
+    <a:masterClrMapping/>
+  </p:clrMapOvr>
+  <p:transition spd="slow"/>
+  <p:timing>
+    <p:tnLst>
+      <p:par>
+        <p:cTn id="1" dur="indefinite" restart="never" nodeType="tmRoot"/>
+      </p:par>
+    </p:tnLst>
+  </p:timing>
+</p:sld>
+</file>
+
+<file path=ppt/slides/slide12.xml><?xml version="1.0" encoding="utf-8"?>
+<p:sld xmlns:a="http://schemas.openxmlformats.org/drawingml/2006/main" xmlns:r="http://schemas.openxmlformats.org/officeDocument/2006/relationships" xmlns:p="http://schemas.openxmlformats.org/presentationml/2006/main">
+  <p:cSld>
+    <p:spTree>
+      <p:nvGrpSpPr>
+        <p:cNvPr id="1" name=""/>
+        <p:cNvGrpSpPr/>
+        <p:nvPr/>
+      </p:nvGrpSpPr>
+      <p:grpSpPr>
+        <a:xfrm>
+          <a:off x="0" y="0"/>
+          <a:ext cx="0" cy="0"/>
+          <a:chOff x="0" y="0"/>
+          <a:chExt cx="0" cy="0"/>
+        </a:xfrm>
+      </p:grpSpPr>
+      <p:sp>
+        <p:nvSpPr>
+          <p:cNvPr id="126" name="Shape 126"/>
+          <p:cNvSpPr/>
+          <p:nvPr/>
+        </p:nvSpPr>
+        <p:spPr>
+          <a:xfrm>
+            <a:off x="-31818" y="-153408"/>
+            <a:ext cx="24447634" cy="2786882"/>
+          </a:xfrm>
+          <a:prstGeom prst="rect">
+            <a:avLst/>
+          </a:prstGeom>
+          <a:solidFill>
+            <a:srgbClr val="00AE66"/>
+          </a:solidFill>
+          <a:ln w="12700">
+            <a:miter lim="400000"/>
+          </a:ln>
+        </p:spPr>
+        <p:txBody>
+          <a:bodyPr lIns="50800" tIns="50800" rIns="50800" bIns="50800" anchor="ctr"/>
+          <a:lstStyle/>
+          <a:p>
+            <a:pPr>
+              <a:defRPr sz="3200">
+                <a:solidFill>
+                  <a:srgbClr val="FFFFFF"/>
+                </a:solidFill>
+              </a:defRPr>
+            </a:pPr>
+            <a:endParaRPr/>
+          </a:p>
+        </p:txBody>
+      </p:sp>
+      <p:sp>
+        <p:nvSpPr>
+          <p:cNvPr id="128" name="Shape 128"/>
+          <p:cNvSpPr/>
+          <p:nvPr/>
+        </p:nvSpPr>
+        <p:spPr>
+          <a:xfrm>
+            <a:off x="-71254" y="-122759"/>
+            <a:ext cx="24526507" cy="2756232"/>
+          </a:xfrm>
+          <a:prstGeom prst="rect">
+            <a:avLst/>
+          </a:prstGeom>
+          <a:solidFill>
+            <a:srgbClr val="000000">
+              <a:alpha val="70000"/>
+            </a:srgbClr>
+          </a:solidFill>
+          <a:ln w="12700">
+            <a:miter lim="400000"/>
+          </a:ln>
+          <a:effectLst>
+            <a:outerShdw blurRad="38100" dist="25400" dir="5400000" rotWithShape="0">
+              <a:srgbClr val="000000">
+                <a:alpha val="50000"/>
+              </a:srgbClr>
+            </a:outerShdw>
+          </a:effectLst>
+        </p:spPr>
+        <p:txBody>
+          <a:bodyPr lIns="50800" tIns="50800" rIns="50800" bIns="50800" anchor="ctr"/>
+          <a:lstStyle/>
+          <a:p>
+            <a:pPr>
+              <a:defRPr sz="3200">
+                <a:solidFill>
+                  <a:srgbClr val="FFFFFF"/>
+                </a:solidFill>
+              </a:defRPr>
+            </a:pPr>
+            <a:endParaRPr/>
+          </a:p>
+        </p:txBody>
+      </p:sp>
+      <p:pic>
+        <p:nvPicPr>
+          <p:cNvPr id="129" name="pasted-image.pdf"/>
+          <p:cNvPicPr>
+            <a:picLocks noChangeAspect="1"/>
+          </p:cNvPicPr>
+          <p:nvPr/>
+        </p:nvPicPr>
+        <p:blipFill>
+          <a:blip r:embed="rId2">
+            <a:extLst/>
+          </a:blip>
+          <a:stretch>
+            <a:fillRect/>
+          </a:stretch>
+        </p:blipFill>
+        <p:spPr>
+          <a:xfrm>
+            <a:off x="10238213" y="-109728"/>
+            <a:ext cx="3800445" cy="1093470"/>
+          </a:xfrm>
+          <a:prstGeom prst="rect">
+            <a:avLst/>
+          </a:prstGeom>
+          <a:ln w="12700">
+            <a:miter lim="400000"/>
+          </a:ln>
+        </p:spPr>
+      </p:pic>
+      <p:sp>
+        <p:nvSpPr>
+          <p:cNvPr id="130" name="Shape 130"/>
+          <p:cNvSpPr/>
+          <p:nvPr/>
+        </p:nvSpPr>
+        <p:spPr>
+          <a:xfrm>
+            <a:off x="10327051" y="1170225"/>
+            <a:ext cx="3693319" cy="1179810"/>
+          </a:xfrm>
+          <a:prstGeom prst="rect">
+            <a:avLst/>
+          </a:prstGeom>
+          <a:ln w="12700">
+            <a:miter lim="400000"/>
+          </a:ln>
+          <a:extLst>
+            <a:ext uri="{C572A759-6A51-4108-AA02-DFA0A04FC94B}">
+              <ma14:wrappingTextBoxFlag xmlns:ma14="http://schemas.microsoft.com/office/mac/drawingml/2011/main" xmlns="" val="1"/>
+            </a:ext>
+          </a:extLst>
+        </p:spPr>
+        <p:txBody>
+          <a:bodyPr wrap="none" lIns="50800" tIns="50800" rIns="50800" bIns="50800" anchor="ctr">
+            <a:spAutoFit/>
+          </a:bodyPr>
+          <a:lstStyle/>
+          <a:p>
+            <a:pPr>
+              <a:defRPr sz="7000" b="1">
+                <a:solidFill>
+                  <a:srgbClr val="FFFFFF"/>
+                </a:solidFill>
+                <a:latin typeface="Helvetica"/>
+                <a:ea typeface="Helvetica"/>
+                <a:cs typeface="Helvetica"/>
+                <a:sym typeface="Helvetica"/>
+              </a:defRPr>
+            </a:pPr>
+            <a:r>
+              <a:rPr lang="zh-CN" altLang="en-US" dirty="0"/>
+              <a:t>游</a:t>
+            </a:r>
+            <a:r>
+              <a:rPr lang="zh-CN" altLang="en-US" dirty="0" smtClean="0"/>
+              <a:t>戏剧情</a:t>
+            </a:r>
+            <a:endParaRPr dirty="0" smtClean="0"/>
+          </a:p>
+        </p:txBody>
+      </p:sp>
+      <p:sp>
+        <p:nvSpPr>
+          <p:cNvPr id="3" name="Rectangle 2"/>
+          <p:cNvSpPr/>
+          <p:nvPr/>
+        </p:nvSpPr>
+        <p:spPr>
+          <a:xfrm>
+            <a:off x="-50106" y="2599045"/>
+            <a:ext cx="3521467" cy="872034"/>
+          </a:xfrm>
+          <a:prstGeom prst="rect">
+            <a:avLst/>
+          </a:prstGeom>
+          <a:solidFill>
+            <a:srgbClr val="00AF66"/>
+          </a:solidFill>
+          <a:ln w="12700" cap="flat">
+            <a:solidFill>
+              <a:schemeClr val="tx1"/>
+            </a:solidFill>
+            <a:miter lim="400000"/>
+          </a:ln>
+          <a:effectLst>
+            <a:outerShdw blurRad="38100" dist="25400" dir="5400000" rotWithShape="0">
+              <a:srgbClr val="000000">
+                <a:alpha val="50000"/>
+              </a:srgbClr>
+            </a:outerShdw>
+          </a:effectLst>
+          <a:sp3d/>
+        </p:spPr>
+        <p:style>
+          <a:lnRef idx="0">
+            <a:scrgbClr r="0" g="0" b="0"/>
+          </a:lnRef>
+          <a:fillRef idx="0">
+            <a:scrgbClr r="0" g="0" b="0"/>
+          </a:fillRef>
+          <a:effectRef idx="0">
+            <a:scrgbClr r="0" g="0" b="0"/>
+          </a:effectRef>
+          <a:fontRef idx="none"/>
+        </p:style>
+        <p:txBody>
+          <a:bodyPr rot="0" spcFirstLastPara="1" vertOverflow="overflow" horzOverflow="overflow" vert="horz" wrap="square" lIns="50800" tIns="50800" rIns="50800" bIns="50800" numCol="1" spcCol="38100" rtlCol="0" anchor="ctr">
+            <a:spAutoFit/>
+          </a:bodyPr>
+          <a:lstStyle/>
+          <a:p>
+            <a:pPr marL="0" marR="0" indent="0" algn="ctr" defTabSz="825500" rtl="0" fontAlgn="auto" latinLnBrk="0" hangingPunct="0">
+              <a:lnSpc>
+                <a:spcPct val="100000"/>
+              </a:lnSpc>
+              <a:spcBef>
+                <a:spcPts val="0"/>
+              </a:spcBef>
+              <a:spcAft>
+                <a:spcPts val="0"/>
+              </a:spcAft>
+              <a:buClrTx/>
+              <a:buSzTx/>
+              <a:buFontTx/>
+              <a:buNone/>
+              <a:tabLst/>
+            </a:pPr>
+            <a:r>
+              <a:rPr lang="zh-CN" altLang="en-US" dirty="0">
+                <a:solidFill>
+                  <a:srgbClr val="FFFFFF"/>
+                </a:solidFill>
+                <a:latin typeface="微软雅黑" panose="020B0503020204020204" pitchFamily="34" charset="-122"/>
+                <a:ea typeface="微软雅黑" panose="020B0503020204020204" pitchFamily="34" charset="-122"/>
+              </a:rPr>
+              <a:t>阶</a:t>
+            </a:r>
+            <a:r>
+              <a:rPr lang="zh-CN" altLang="en-US" dirty="0" smtClean="0">
+                <a:solidFill>
+                  <a:srgbClr val="FFFFFF"/>
+                </a:solidFill>
+                <a:latin typeface="微软雅黑" panose="020B0503020204020204" pitchFamily="34" charset="-122"/>
+                <a:ea typeface="微软雅黑" panose="020B0503020204020204" pitchFamily="34" charset="-122"/>
+              </a:rPr>
+              <a:t>段一</a:t>
+            </a:r>
+            <a:endParaRPr kumimoji="0" lang="zh-CN" altLang="en-US" b="0" i="0" u="none" strike="noStrike" cap="none" spc="0" normalizeH="0" baseline="0" dirty="0">
+              <a:ln>
+                <a:noFill/>
+              </a:ln>
+              <a:solidFill>
+                <a:srgbClr val="FFFFFF"/>
+              </a:solidFill>
+              <a:effectLst/>
+              <a:uFillTx/>
+              <a:latin typeface="微软雅黑" panose="020B0503020204020204" pitchFamily="34" charset="-122"/>
+              <a:ea typeface="微软雅黑" panose="020B0503020204020204" pitchFamily="34" charset="-122"/>
+              <a:sym typeface="Helvetica Light"/>
+            </a:endParaRPr>
+          </a:p>
+        </p:txBody>
+      </p:sp>
+      <p:sp>
+        <p:nvSpPr>
+          <p:cNvPr id="37" name="Shape 132"/>
+          <p:cNvSpPr/>
+          <p:nvPr/>
+        </p:nvSpPr>
+        <p:spPr>
+          <a:xfrm>
+            <a:off x="1664208" y="6341297"/>
+            <a:ext cx="21287232" cy="3872855"/>
+          </a:xfrm>
+          <a:prstGeom prst="rect">
+            <a:avLst/>
+          </a:prstGeom>
+          <a:ln w="12700">
+            <a:miter lim="400000"/>
+          </a:ln>
+          <a:extLst>
+            <a:ext uri="{C572A759-6A51-4108-AA02-DFA0A04FC94B}">
+              <ma14:wrappingTextBoxFlag xmlns:ma14="http://schemas.microsoft.com/office/mac/drawingml/2011/main" xmlns="" val="1"/>
+            </a:ext>
+          </a:extLst>
+        </p:spPr>
+        <p:txBody>
+          <a:bodyPr wrap="square" lIns="50800" tIns="50800" rIns="50800" bIns="50800" anchor="ctr">
+            <a:spAutoFit/>
+          </a:bodyPr>
+          <a:lstStyle>
+            <a:lvl1pPr>
+              <a:defRPr sz="3000"/>
+            </a:lvl1pPr>
+          </a:lstStyle>
+          <a:p>
+            <a:pPr algn="l"/>
+            <a:r>
+              <a:rPr lang="zh-CN" altLang="en-US" sz="3500" dirty="0" smtClean="0">
+                <a:latin typeface="微软雅黑" panose="020B0503020204020204" pitchFamily="34" charset="-122"/>
+                <a:ea typeface="微软雅黑" panose="020B0503020204020204" pitchFamily="34" charset="-122"/>
+              </a:rPr>
+              <a:t>张辉：</a:t>
+            </a:r>
+            <a:endParaRPr lang="en-US" altLang="zh-CN" sz="3500" dirty="0" smtClean="0">
+              <a:latin typeface="微软雅黑" panose="020B0503020204020204" pitchFamily="34" charset="-122"/>
+              <a:ea typeface="微软雅黑" panose="020B0503020204020204" pitchFamily="34" charset="-122"/>
+            </a:endParaRPr>
+          </a:p>
+          <a:p>
+            <a:pPr algn="l"/>
+            <a:endParaRPr lang="en-US" sz="3500" dirty="0">
+              <a:latin typeface="微软雅黑" panose="020B0503020204020204" pitchFamily="34" charset="-122"/>
+              <a:ea typeface="微软雅黑" panose="020B0503020204020204" pitchFamily="34" charset="-122"/>
+            </a:endParaRPr>
+          </a:p>
+          <a:p>
+            <a:pPr algn="l"/>
+            <a:endParaRPr lang="en-US" sz="3500" dirty="0" smtClean="0">
+              <a:latin typeface="微软雅黑" panose="020B0503020204020204" pitchFamily="34" charset="-122"/>
+              <a:ea typeface="微软雅黑" panose="020B0503020204020204" pitchFamily="34" charset="-122"/>
+            </a:endParaRPr>
+          </a:p>
+          <a:p>
+            <a:pPr algn="l"/>
+            <a:endParaRPr lang="en-US" sz="3500" dirty="0">
+              <a:latin typeface="微软雅黑" panose="020B0503020204020204" pitchFamily="34" charset="-122"/>
+              <a:ea typeface="微软雅黑" panose="020B0503020204020204" pitchFamily="34" charset="-122"/>
+            </a:endParaRPr>
+          </a:p>
+          <a:p>
+            <a:pPr algn="l"/>
+            <a:endParaRPr lang="en-US" sz="3500" dirty="0" smtClean="0">
+              <a:latin typeface="微软雅黑" panose="020B0503020204020204" pitchFamily="34" charset="-122"/>
+              <a:ea typeface="微软雅黑" panose="020B0503020204020204" pitchFamily="34" charset="-122"/>
+            </a:endParaRPr>
+          </a:p>
+          <a:p>
+            <a:pPr algn="l"/>
+            <a:endParaRPr lang="en-US" sz="3500" dirty="0">
+              <a:latin typeface="微软雅黑" panose="020B0503020204020204" pitchFamily="34" charset="-122"/>
+              <a:ea typeface="微软雅黑" panose="020B0503020204020204" pitchFamily="34" charset="-122"/>
+            </a:endParaRPr>
+          </a:p>
+          <a:p>
+            <a:pPr algn="l"/>
+            <a:r>
+              <a:rPr lang="zh-CN" altLang="en-US" sz="3500" dirty="0" smtClean="0">
+                <a:latin typeface="微软雅黑" panose="020B0503020204020204" pitchFamily="34" charset="-122"/>
+                <a:ea typeface="微软雅黑" panose="020B0503020204020204" pitchFamily="34" charset="-122"/>
+              </a:rPr>
+              <a:t>老</a:t>
+            </a:r>
+            <a:r>
+              <a:rPr lang="en-US" altLang="zh-CN" sz="3500" dirty="0" smtClean="0">
+                <a:latin typeface="微软雅黑" panose="020B0503020204020204" pitchFamily="34" charset="-122"/>
+                <a:ea typeface="微软雅黑" panose="020B0503020204020204" pitchFamily="34" charset="-122"/>
+              </a:rPr>
+              <a:t>A</a:t>
+            </a:r>
+            <a:r>
+              <a:rPr lang="zh-CN" altLang="en-US" sz="3500" dirty="0" smtClean="0">
+                <a:latin typeface="微软雅黑" panose="020B0503020204020204" pitchFamily="34" charset="-122"/>
+                <a:ea typeface="微软雅黑" panose="020B0503020204020204" pitchFamily="34" charset="-122"/>
+              </a:rPr>
+              <a:t>：</a:t>
+            </a:r>
+            <a:endParaRPr sz="3500" dirty="0">
+              <a:latin typeface="微软雅黑" panose="020B0503020204020204" pitchFamily="34" charset="-122"/>
+              <a:ea typeface="微软雅黑" panose="020B0503020204020204" pitchFamily="34" charset="-122"/>
+            </a:endParaRPr>
+          </a:p>
+        </p:txBody>
+      </p:sp>
+    </p:spTree>
+    <p:extLst>
+      <p:ext uri="{BB962C8B-B14F-4D97-AF65-F5344CB8AC3E}">
+        <p14:creationId xmlns:p14="http://schemas.microsoft.com/office/powerpoint/2010/main" val="4220137409"/>
+      </p:ext>
+    </p:extLst>
+  </p:cSld>
+  <p:clrMapOvr>
+    <a:masterClrMapping/>
+  </p:clrMapOvr>
+  <p:transition spd="slow"/>
+  <p:timing>
+    <p:tnLst>
+      <p:par>
+        <p:cTn id="1" dur="indefinite" restart="never" nodeType="tmRoot"/>
+      </p:par>
+    </p:tnLst>
+  </p:timing>
+</p:sld>
+</file>
+
+<file path=ppt/slides/slide13.xml><?xml version="1.0" encoding="utf-8"?>
+<p:sld xmlns:a="http://schemas.openxmlformats.org/drawingml/2006/main" xmlns:r="http://schemas.openxmlformats.org/officeDocument/2006/relationships" xmlns:p="http://schemas.openxmlformats.org/presentationml/2006/main">
+  <p:cSld>
+    <p:spTree>
+      <p:nvGrpSpPr>
+        <p:cNvPr id="1" name=""/>
+        <p:cNvGrpSpPr/>
+        <p:nvPr/>
+      </p:nvGrpSpPr>
+      <p:grpSpPr>
+        <a:xfrm>
+          <a:off x="0" y="0"/>
+          <a:ext cx="0" cy="0"/>
+          <a:chOff x="0" y="0"/>
+          <a:chExt cx="0" cy="0"/>
+        </a:xfrm>
+      </p:grpSpPr>
+      <p:sp>
+        <p:nvSpPr>
+          <p:cNvPr id="126" name="Shape 126"/>
+          <p:cNvSpPr/>
+          <p:nvPr/>
+        </p:nvSpPr>
+        <p:spPr>
+          <a:xfrm>
+            <a:off x="-31818" y="-153408"/>
+            <a:ext cx="24447634" cy="2786882"/>
+          </a:xfrm>
+          <a:prstGeom prst="rect">
+            <a:avLst/>
+          </a:prstGeom>
+          <a:solidFill>
+            <a:srgbClr val="00AE66"/>
+          </a:solidFill>
+          <a:ln w="12700">
+            <a:miter lim="400000"/>
+          </a:ln>
+        </p:spPr>
+        <p:txBody>
+          <a:bodyPr lIns="50800" tIns="50800" rIns="50800" bIns="50800" anchor="ctr"/>
+          <a:lstStyle/>
+          <a:p>
+            <a:pPr>
+              <a:defRPr sz="3200">
+                <a:solidFill>
+                  <a:srgbClr val="FFFFFF"/>
+                </a:solidFill>
+              </a:defRPr>
+            </a:pPr>
+            <a:endParaRPr/>
+          </a:p>
+        </p:txBody>
+      </p:sp>
+      <p:sp>
+        <p:nvSpPr>
+          <p:cNvPr id="128" name="Shape 128"/>
+          <p:cNvSpPr/>
+          <p:nvPr/>
+        </p:nvSpPr>
+        <p:spPr>
+          <a:xfrm>
+            <a:off x="-71254" y="-122759"/>
+            <a:ext cx="24526507" cy="2756232"/>
+          </a:xfrm>
+          <a:prstGeom prst="rect">
+            <a:avLst/>
+          </a:prstGeom>
+          <a:solidFill>
+            <a:srgbClr val="000000">
+              <a:alpha val="70000"/>
+            </a:srgbClr>
+          </a:solidFill>
+          <a:ln w="12700">
+            <a:miter lim="400000"/>
+          </a:ln>
+          <a:effectLst>
+            <a:outerShdw blurRad="38100" dist="25400" dir="5400000" rotWithShape="0">
+              <a:srgbClr val="000000">
+                <a:alpha val="50000"/>
+              </a:srgbClr>
+            </a:outerShdw>
+          </a:effectLst>
+        </p:spPr>
+        <p:txBody>
+          <a:bodyPr lIns="50800" tIns="50800" rIns="50800" bIns="50800" anchor="ctr"/>
+          <a:lstStyle/>
+          <a:p>
+            <a:pPr>
+              <a:defRPr sz="3200">
+                <a:solidFill>
+                  <a:srgbClr val="FFFFFF"/>
+                </a:solidFill>
+              </a:defRPr>
+            </a:pPr>
+            <a:endParaRPr/>
+          </a:p>
+        </p:txBody>
+      </p:sp>
+      <p:pic>
+        <p:nvPicPr>
+          <p:cNvPr id="129" name="pasted-image.pdf"/>
+          <p:cNvPicPr>
+            <a:picLocks noChangeAspect="1"/>
+          </p:cNvPicPr>
+          <p:nvPr/>
+        </p:nvPicPr>
+        <p:blipFill>
+          <a:blip r:embed="rId2">
+            <a:extLst/>
+          </a:blip>
+          <a:stretch>
+            <a:fillRect/>
+          </a:stretch>
+        </p:blipFill>
+        <p:spPr>
+          <a:xfrm>
+            <a:off x="10238213" y="-109728"/>
+            <a:ext cx="3800445" cy="1093470"/>
+          </a:xfrm>
+          <a:prstGeom prst="rect">
+            <a:avLst/>
+          </a:prstGeom>
+          <a:ln w="12700">
+            <a:miter lim="400000"/>
+          </a:ln>
+        </p:spPr>
+      </p:pic>
+      <p:sp>
+        <p:nvSpPr>
+          <p:cNvPr id="130" name="Shape 130"/>
+          <p:cNvSpPr/>
+          <p:nvPr/>
+        </p:nvSpPr>
+        <p:spPr>
+          <a:xfrm>
+            <a:off x="10327051" y="1170225"/>
+            <a:ext cx="3693319" cy="1179810"/>
+          </a:xfrm>
+          <a:prstGeom prst="rect">
+            <a:avLst/>
+          </a:prstGeom>
+          <a:ln w="12700">
+            <a:miter lim="400000"/>
+          </a:ln>
+          <a:extLst>
+            <a:ext uri="{C572A759-6A51-4108-AA02-DFA0A04FC94B}">
+              <ma14:wrappingTextBoxFlag xmlns:ma14="http://schemas.microsoft.com/office/mac/drawingml/2011/main" xmlns="" val="1"/>
+            </a:ext>
+          </a:extLst>
+        </p:spPr>
+        <p:txBody>
+          <a:bodyPr wrap="none" lIns="50800" tIns="50800" rIns="50800" bIns="50800" anchor="ctr">
+            <a:spAutoFit/>
+          </a:bodyPr>
+          <a:lstStyle/>
+          <a:p>
+            <a:pPr>
+              <a:defRPr sz="7000" b="1">
+                <a:solidFill>
+                  <a:srgbClr val="FFFFFF"/>
+                </a:solidFill>
+                <a:latin typeface="Helvetica"/>
+                <a:ea typeface="Helvetica"/>
+                <a:cs typeface="Helvetica"/>
+                <a:sym typeface="Helvetica"/>
+              </a:defRPr>
+            </a:pPr>
+            <a:r>
+              <a:rPr lang="zh-CN" altLang="en-US" dirty="0"/>
+              <a:t>游</a:t>
+            </a:r>
+            <a:r>
+              <a:rPr lang="zh-CN" altLang="en-US" dirty="0" smtClean="0"/>
+              <a:t>戏剧情</a:t>
+            </a:r>
+            <a:endParaRPr dirty="0" smtClean="0"/>
+          </a:p>
+        </p:txBody>
+      </p:sp>
+      <p:sp>
+        <p:nvSpPr>
+          <p:cNvPr id="3" name="Rectangle 2"/>
+          <p:cNvSpPr/>
+          <p:nvPr/>
+        </p:nvSpPr>
+        <p:spPr>
+          <a:xfrm>
+            <a:off x="-50106" y="2599045"/>
+            <a:ext cx="3521467" cy="872034"/>
+          </a:xfrm>
+          <a:prstGeom prst="rect">
+            <a:avLst/>
+          </a:prstGeom>
+          <a:solidFill>
+            <a:srgbClr val="00AF66"/>
+          </a:solidFill>
+          <a:ln w="12700" cap="flat">
+            <a:solidFill>
+              <a:schemeClr val="tx1"/>
+            </a:solidFill>
+            <a:miter lim="400000"/>
+          </a:ln>
+          <a:effectLst>
+            <a:outerShdw blurRad="38100" dist="25400" dir="5400000" rotWithShape="0">
+              <a:srgbClr val="000000">
+                <a:alpha val="50000"/>
+              </a:srgbClr>
+            </a:outerShdw>
+          </a:effectLst>
+          <a:sp3d/>
+        </p:spPr>
+        <p:style>
+          <a:lnRef idx="0">
+            <a:scrgbClr r="0" g="0" b="0"/>
+          </a:lnRef>
+          <a:fillRef idx="0">
+            <a:scrgbClr r="0" g="0" b="0"/>
+          </a:fillRef>
+          <a:effectRef idx="0">
+            <a:scrgbClr r="0" g="0" b="0"/>
+          </a:effectRef>
+          <a:fontRef idx="none"/>
+        </p:style>
+        <p:txBody>
+          <a:bodyPr rot="0" spcFirstLastPara="1" vertOverflow="overflow" horzOverflow="overflow" vert="horz" wrap="square" lIns="50800" tIns="50800" rIns="50800" bIns="50800" numCol="1" spcCol="38100" rtlCol="0" anchor="ctr">
+            <a:spAutoFit/>
+          </a:bodyPr>
+          <a:lstStyle/>
+          <a:p>
+            <a:pPr marL="0" marR="0" indent="0" algn="ctr" defTabSz="825500" rtl="0" fontAlgn="auto" latinLnBrk="0" hangingPunct="0">
+              <a:lnSpc>
+                <a:spcPct val="100000"/>
+              </a:lnSpc>
+              <a:spcBef>
+                <a:spcPts val="0"/>
+              </a:spcBef>
+              <a:spcAft>
+                <a:spcPts val="0"/>
+              </a:spcAft>
+              <a:buClrTx/>
+              <a:buSzTx/>
+              <a:buFontTx/>
+              <a:buNone/>
+              <a:tabLst/>
+            </a:pPr>
+            <a:r>
+              <a:rPr lang="zh-CN" altLang="en-US" dirty="0">
+                <a:solidFill>
+                  <a:srgbClr val="FFFFFF"/>
+                </a:solidFill>
+                <a:latin typeface="微软雅黑" panose="020B0503020204020204" pitchFamily="34" charset="-122"/>
+                <a:ea typeface="微软雅黑" panose="020B0503020204020204" pitchFamily="34" charset="-122"/>
+              </a:rPr>
+              <a:t>阶</a:t>
+            </a:r>
+            <a:r>
+              <a:rPr lang="zh-CN" altLang="en-US" dirty="0" smtClean="0">
+                <a:solidFill>
+                  <a:srgbClr val="FFFFFF"/>
+                </a:solidFill>
+                <a:latin typeface="微软雅黑" panose="020B0503020204020204" pitchFamily="34" charset="-122"/>
+                <a:ea typeface="微软雅黑" panose="020B0503020204020204" pitchFamily="34" charset="-122"/>
+              </a:rPr>
+              <a:t>段二</a:t>
+            </a:r>
+            <a:endParaRPr kumimoji="0" lang="zh-CN" altLang="en-US" b="0" i="0" u="none" strike="noStrike" cap="none" spc="0" normalizeH="0" baseline="0" dirty="0">
+              <a:ln>
+                <a:noFill/>
+              </a:ln>
+              <a:solidFill>
+                <a:srgbClr val="FFFFFF"/>
+              </a:solidFill>
+              <a:effectLst/>
+              <a:uFillTx/>
+              <a:latin typeface="微软雅黑" panose="020B0503020204020204" pitchFamily="34" charset="-122"/>
+              <a:ea typeface="微软雅黑" panose="020B0503020204020204" pitchFamily="34" charset="-122"/>
+              <a:sym typeface="Helvetica Light"/>
+            </a:endParaRPr>
+          </a:p>
+        </p:txBody>
+      </p:sp>
+      <p:sp>
+        <p:nvSpPr>
+          <p:cNvPr id="37" name="Shape 132"/>
+          <p:cNvSpPr/>
+          <p:nvPr/>
+        </p:nvSpPr>
+        <p:spPr>
+          <a:xfrm>
+            <a:off x="1664208" y="6341297"/>
+            <a:ext cx="21287232" cy="3872855"/>
+          </a:xfrm>
+          <a:prstGeom prst="rect">
+            <a:avLst/>
+          </a:prstGeom>
+          <a:ln w="12700">
+            <a:miter lim="400000"/>
+          </a:ln>
+          <a:extLst>
+            <a:ext uri="{C572A759-6A51-4108-AA02-DFA0A04FC94B}">
+              <ma14:wrappingTextBoxFlag xmlns:ma14="http://schemas.microsoft.com/office/mac/drawingml/2011/main" xmlns="" val="1"/>
+            </a:ext>
+          </a:extLst>
+        </p:spPr>
+        <p:txBody>
+          <a:bodyPr wrap="square" lIns="50800" tIns="50800" rIns="50800" bIns="50800" anchor="ctr">
+            <a:spAutoFit/>
+          </a:bodyPr>
+          <a:lstStyle>
+            <a:lvl1pPr>
+              <a:defRPr sz="3000"/>
+            </a:lvl1pPr>
+          </a:lstStyle>
+          <a:p>
+            <a:pPr algn="l"/>
+            <a:r>
+              <a:rPr lang="zh-CN" altLang="en-US" sz="3500" dirty="0" smtClean="0">
+                <a:latin typeface="微软雅黑" panose="020B0503020204020204" pitchFamily="34" charset="-122"/>
+                <a:ea typeface="微软雅黑" panose="020B0503020204020204" pitchFamily="34" charset="-122"/>
+              </a:rPr>
+              <a:t>张辉：</a:t>
+            </a:r>
+            <a:endParaRPr lang="en-US" altLang="zh-CN" sz="3500" dirty="0" smtClean="0">
+              <a:latin typeface="微软雅黑" panose="020B0503020204020204" pitchFamily="34" charset="-122"/>
+              <a:ea typeface="微软雅黑" panose="020B0503020204020204" pitchFamily="34" charset="-122"/>
+            </a:endParaRPr>
+          </a:p>
+          <a:p>
+            <a:pPr algn="l"/>
+            <a:endParaRPr lang="en-US" sz="3500" dirty="0">
+              <a:latin typeface="微软雅黑" panose="020B0503020204020204" pitchFamily="34" charset="-122"/>
+              <a:ea typeface="微软雅黑" panose="020B0503020204020204" pitchFamily="34" charset="-122"/>
+            </a:endParaRPr>
+          </a:p>
+          <a:p>
+            <a:pPr algn="l"/>
+            <a:endParaRPr lang="en-US" sz="3500" dirty="0" smtClean="0">
+              <a:latin typeface="微软雅黑" panose="020B0503020204020204" pitchFamily="34" charset="-122"/>
+              <a:ea typeface="微软雅黑" panose="020B0503020204020204" pitchFamily="34" charset="-122"/>
+            </a:endParaRPr>
+          </a:p>
+          <a:p>
+            <a:pPr algn="l"/>
+            <a:endParaRPr lang="en-US" sz="3500" dirty="0">
+              <a:latin typeface="微软雅黑" panose="020B0503020204020204" pitchFamily="34" charset="-122"/>
+              <a:ea typeface="微软雅黑" panose="020B0503020204020204" pitchFamily="34" charset="-122"/>
+            </a:endParaRPr>
+          </a:p>
+          <a:p>
+            <a:pPr algn="l"/>
+            <a:endParaRPr lang="en-US" sz="3500" dirty="0" smtClean="0">
+              <a:latin typeface="微软雅黑" panose="020B0503020204020204" pitchFamily="34" charset="-122"/>
+              <a:ea typeface="微软雅黑" panose="020B0503020204020204" pitchFamily="34" charset="-122"/>
+            </a:endParaRPr>
+          </a:p>
+          <a:p>
+            <a:pPr algn="l"/>
+            <a:endParaRPr lang="en-US" sz="3500" dirty="0">
+              <a:latin typeface="微软雅黑" panose="020B0503020204020204" pitchFamily="34" charset="-122"/>
+              <a:ea typeface="微软雅黑" panose="020B0503020204020204" pitchFamily="34" charset="-122"/>
+            </a:endParaRPr>
+          </a:p>
+          <a:p>
+            <a:pPr algn="l"/>
+            <a:r>
+              <a:rPr lang="zh-CN" altLang="en-US" sz="3500" dirty="0" smtClean="0">
+                <a:latin typeface="微软雅黑" panose="020B0503020204020204" pitchFamily="34" charset="-122"/>
+                <a:ea typeface="微软雅黑" panose="020B0503020204020204" pitchFamily="34" charset="-122"/>
+              </a:rPr>
+              <a:t>老</a:t>
+            </a:r>
+            <a:r>
+              <a:rPr lang="en-US" altLang="zh-CN" sz="3500" dirty="0" smtClean="0">
+                <a:latin typeface="微软雅黑" panose="020B0503020204020204" pitchFamily="34" charset="-122"/>
+                <a:ea typeface="微软雅黑" panose="020B0503020204020204" pitchFamily="34" charset="-122"/>
+              </a:rPr>
+              <a:t>A</a:t>
+            </a:r>
+            <a:r>
+              <a:rPr lang="zh-CN" altLang="en-US" sz="3500" dirty="0" smtClean="0">
+                <a:latin typeface="微软雅黑" panose="020B0503020204020204" pitchFamily="34" charset="-122"/>
+                <a:ea typeface="微软雅黑" panose="020B0503020204020204" pitchFamily="34" charset="-122"/>
+              </a:rPr>
+              <a:t>：</a:t>
+            </a:r>
+            <a:endParaRPr sz="3500" dirty="0">
+              <a:latin typeface="微软雅黑" panose="020B0503020204020204" pitchFamily="34" charset="-122"/>
+              <a:ea typeface="微软雅黑" panose="020B0503020204020204" pitchFamily="34" charset="-122"/>
+            </a:endParaRPr>
+          </a:p>
+        </p:txBody>
+      </p:sp>
+    </p:spTree>
+    <p:extLst>
+      <p:ext uri="{BB962C8B-B14F-4D97-AF65-F5344CB8AC3E}">
+        <p14:creationId xmlns:p14="http://schemas.microsoft.com/office/powerpoint/2010/main" val="2773845989"/>
+      </p:ext>
+    </p:extLst>
+  </p:cSld>
+  <p:clrMapOvr>
+    <a:masterClrMapping/>
+  </p:clrMapOvr>
+  <p:transition spd="slow"/>
+  <p:timing>
+    <p:tnLst>
+      <p:par>
+        <p:cTn id="1" dur="indefinite" restart="never" nodeType="tmRoot"/>
+      </p:par>
+    </p:tnLst>
+  </p:timing>
+</p:sld>
+</file>
+
+<file path=ppt/slides/slide14.xml><?xml version="1.0" encoding="utf-8"?>
+<p:sld xmlns:a="http://schemas.openxmlformats.org/drawingml/2006/main" xmlns:r="http://schemas.openxmlformats.org/officeDocument/2006/relationships" xmlns:p="http://schemas.openxmlformats.org/presentationml/2006/main">
+  <p:cSld>
+    <p:spTree>
+      <p:nvGrpSpPr>
+        <p:cNvPr id="1" name=""/>
+        <p:cNvGrpSpPr/>
+        <p:nvPr/>
+      </p:nvGrpSpPr>
+      <p:grpSpPr>
+        <a:xfrm>
+          <a:off x="0" y="0"/>
+          <a:ext cx="0" cy="0"/>
+          <a:chOff x="0" y="0"/>
+          <a:chExt cx="0" cy="0"/>
+        </a:xfrm>
+      </p:grpSpPr>
+      <p:sp>
+        <p:nvSpPr>
+          <p:cNvPr id="126" name="Shape 126"/>
+          <p:cNvSpPr/>
+          <p:nvPr/>
+        </p:nvSpPr>
+        <p:spPr>
+          <a:xfrm>
+            <a:off x="-31818" y="-153408"/>
+            <a:ext cx="24447634" cy="2786882"/>
+          </a:xfrm>
+          <a:prstGeom prst="rect">
+            <a:avLst/>
+          </a:prstGeom>
+          <a:solidFill>
+            <a:srgbClr val="00AE66"/>
+          </a:solidFill>
+          <a:ln w="12700">
+            <a:miter lim="400000"/>
+          </a:ln>
+        </p:spPr>
+        <p:txBody>
+          <a:bodyPr lIns="50800" tIns="50800" rIns="50800" bIns="50800" anchor="ctr"/>
+          <a:lstStyle/>
+          <a:p>
+            <a:pPr>
+              <a:defRPr sz="3200">
+                <a:solidFill>
+                  <a:srgbClr val="FFFFFF"/>
+                </a:solidFill>
+              </a:defRPr>
+            </a:pPr>
+            <a:endParaRPr/>
+          </a:p>
+        </p:txBody>
+      </p:sp>
+      <p:sp>
+        <p:nvSpPr>
+          <p:cNvPr id="128" name="Shape 128"/>
+          <p:cNvSpPr/>
+          <p:nvPr/>
+        </p:nvSpPr>
+        <p:spPr>
+          <a:xfrm>
+            <a:off x="-71254" y="-122759"/>
+            <a:ext cx="24526507" cy="2756232"/>
+          </a:xfrm>
+          <a:prstGeom prst="rect">
+            <a:avLst/>
+          </a:prstGeom>
+          <a:solidFill>
+            <a:srgbClr val="000000">
+              <a:alpha val="70000"/>
+            </a:srgbClr>
+          </a:solidFill>
+          <a:ln w="12700">
+            <a:miter lim="400000"/>
+          </a:ln>
+          <a:effectLst>
+            <a:outerShdw blurRad="38100" dist="25400" dir="5400000" rotWithShape="0">
+              <a:srgbClr val="000000">
+                <a:alpha val="50000"/>
+              </a:srgbClr>
+            </a:outerShdw>
+          </a:effectLst>
+        </p:spPr>
+        <p:txBody>
+          <a:bodyPr lIns="50800" tIns="50800" rIns="50800" bIns="50800" anchor="ctr"/>
+          <a:lstStyle/>
+          <a:p>
+            <a:pPr>
+              <a:defRPr sz="3200">
+                <a:solidFill>
+                  <a:srgbClr val="FFFFFF"/>
+                </a:solidFill>
+              </a:defRPr>
+            </a:pPr>
+            <a:endParaRPr/>
+          </a:p>
+        </p:txBody>
+      </p:sp>
+      <p:pic>
+        <p:nvPicPr>
+          <p:cNvPr id="129" name="pasted-image.pdf"/>
+          <p:cNvPicPr>
+            <a:picLocks noChangeAspect="1"/>
+          </p:cNvPicPr>
+          <p:nvPr/>
+        </p:nvPicPr>
+        <p:blipFill>
+          <a:blip r:embed="rId2">
+            <a:extLst/>
+          </a:blip>
+          <a:stretch>
+            <a:fillRect/>
+          </a:stretch>
+        </p:blipFill>
+        <p:spPr>
+          <a:xfrm>
+            <a:off x="10238213" y="-109728"/>
+            <a:ext cx="3800445" cy="1093470"/>
+          </a:xfrm>
+          <a:prstGeom prst="rect">
+            <a:avLst/>
+          </a:prstGeom>
+          <a:ln w="12700">
+            <a:miter lim="400000"/>
+          </a:ln>
+        </p:spPr>
+      </p:pic>
+      <p:sp>
+        <p:nvSpPr>
+          <p:cNvPr id="130" name="Shape 130"/>
+          <p:cNvSpPr/>
+          <p:nvPr/>
+        </p:nvSpPr>
+        <p:spPr>
+          <a:xfrm>
+            <a:off x="10327051" y="1170225"/>
+            <a:ext cx="3693319" cy="1179810"/>
+          </a:xfrm>
+          <a:prstGeom prst="rect">
+            <a:avLst/>
+          </a:prstGeom>
+          <a:ln w="12700">
+            <a:miter lim="400000"/>
+          </a:ln>
+          <a:extLst>
+            <a:ext uri="{C572A759-6A51-4108-AA02-DFA0A04FC94B}">
+              <ma14:wrappingTextBoxFlag xmlns:ma14="http://schemas.microsoft.com/office/mac/drawingml/2011/main" xmlns="" val="1"/>
+            </a:ext>
+          </a:extLst>
+        </p:spPr>
+        <p:txBody>
+          <a:bodyPr wrap="none" lIns="50800" tIns="50800" rIns="50800" bIns="50800" anchor="ctr">
+            <a:spAutoFit/>
+          </a:bodyPr>
+          <a:lstStyle/>
+          <a:p>
+            <a:pPr>
+              <a:defRPr sz="7000" b="1">
+                <a:solidFill>
+                  <a:srgbClr val="FFFFFF"/>
+                </a:solidFill>
+                <a:latin typeface="Helvetica"/>
+                <a:ea typeface="Helvetica"/>
+                <a:cs typeface="Helvetica"/>
+                <a:sym typeface="Helvetica"/>
+              </a:defRPr>
+            </a:pPr>
+            <a:r>
+              <a:rPr lang="zh-CN" altLang="en-US" dirty="0"/>
+              <a:t>游</a:t>
+            </a:r>
+            <a:r>
+              <a:rPr lang="zh-CN" altLang="en-US" dirty="0" smtClean="0"/>
+              <a:t>戏剧情</a:t>
+            </a:r>
+            <a:endParaRPr dirty="0" smtClean="0"/>
+          </a:p>
+        </p:txBody>
+      </p:sp>
+      <p:sp>
+        <p:nvSpPr>
+          <p:cNvPr id="3" name="Rectangle 2"/>
+          <p:cNvSpPr/>
+          <p:nvPr/>
+        </p:nvSpPr>
+        <p:spPr>
+          <a:xfrm>
+            <a:off x="-50106" y="2599045"/>
+            <a:ext cx="3521467" cy="872034"/>
+          </a:xfrm>
+          <a:prstGeom prst="rect">
+            <a:avLst/>
+          </a:prstGeom>
+          <a:solidFill>
+            <a:srgbClr val="00AF66"/>
+          </a:solidFill>
+          <a:ln w="12700" cap="flat">
+            <a:solidFill>
+              <a:schemeClr val="tx1"/>
+            </a:solidFill>
+            <a:miter lim="400000"/>
+          </a:ln>
+          <a:effectLst>
+            <a:outerShdw blurRad="38100" dist="25400" dir="5400000" rotWithShape="0">
+              <a:srgbClr val="000000">
+                <a:alpha val="50000"/>
+              </a:srgbClr>
+            </a:outerShdw>
+          </a:effectLst>
+          <a:sp3d/>
+        </p:spPr>
+        <p:style>
+          <a:lnRef idx="0">
+            <a:scrgbClr r="0" g="0" b="0"/>
+          </a:lnRef>
+          <a:fillRef idx="0">
+            <a:scrgbClr r="0" g="0" b="0"/>
+          </a:fillRef>
+          <a:effectRef idx="0">
+            <a:scrgbClr r="0" g="0" b="0"/>
+          </a:effectRef>
+          <a:fontRef idx="none"/>
+        </p:style>
+        <p:txBody>
+          <a:bodyPr rot="0" spcFirstLastPara="1" vertOverflow="overflow" horzOverflow="overflow" vert="horz" wrap="square" lIns="50800" tIns="50800" rIns="50800" bIns="50800" numCol="1" spcCol="38100" rtlCol="0" anchor="ctr">
+            <a:spAutoFit/>
+          </a:bodyPr>
+          <a:lstStyle/>
+          <a:p>
+            <a:pPr marL="0" marR="0" indent="0" algn="ctr" defTabSz="825500" rtl="0" fontAlgn="auto" latinLnBrk="0" hangingPunct="0">
+              <a:lnSpc>
+                <a:spcPct val="100000"/>
+              </a:lnSpc>
+              <a:spcBef>
+                <a:spcPts val="0"/>
+              </a:spcBef>
+              <a:spcAft>
+                <a:spcPts val="0"/>
+              </a:spcAft>
+              <a:buClrTx/>
+              <a:buSzTx/>
+              <a:buFontTx/>
+              <a:buNone/>
+              <a:tabLst/>
+            </a:pPr>
+            <a:r>
+              <a:rPr lang="zh-CN" altLang="en-US" dirty="0">
+                <a:solidFill>
+                  <a:srgbClr val="FFFFFF"/>
+                </a:solidFill>
+                <a:latin typeface="微软雅黑" panose="020B0503020204020204" pitchFamily="34" charset="-122"/>
+                <a:ea typeface="微软雅黑" panose="020B0503020204020204" pitchFamily="34" charset="-122"/>
+              </a:rPr>
+              <a:t>阶</a:t>
+            </a:r>
+            <a:r>
+              <a:rPr lang="zh-CN" altLang="en-US" dirty="0" smtClean="0">
+                <a:solidFill>
+                  <a:srgbClr val="FFFFFF"/>
+                </a:solidFill>
+                <a:latin typeface="微软雅黑" panose="020B0503020204020204" pitchFamily="34" charset="-122"/>
+                <a:ea typeface="微软雅黑" panose="020B0503020204020204" pitchFamily="34" charset="-122"/>
+              </a:rPr>
+              <a:t>段三</a:t>
+            </a:r>
+            <a:endParaRPr kumimoji="0" lang="zh-CN" altLang="en-US" b="0" i="0" u="none" strike="noStrike" cap="none" spc="0" normalizeH="0" baseline="0" dirty="0">
+              <a:ln>
+                <a:noFill/>
+              </a:ln>
+              <a:solidFill>
+                <a:srgbClr val="FFFFFF"/>
+              </a:solidFill>
+              <a:effectLst/>
+              <a:uFillTx/>
+              <a:latin typeface="微软雅黑" panose="020B0503020204020204" pitchFamily="34" charset="-122"/>
+              <a:ea typeface="微软雅黑" panose="020B0503020204020204" pitchFamily="34" charset="-122"/>
+              <a:sym typeface="Helvetica Light"/>
+            </a:endParaRPr>
+          </a:p>
+        </p:txBody>
+      </p:sp>
+      <p:sp>
+        <p:nvSpPr>
+          <p:cNvPr id="37" name="Shape 132"/>
+          <p:cNvSpPr/>
+          <p:nvPr/>
+        </p:nvSpPr>
+        <p:spPr>
+          <a:xfrm>
+            <a:off x="1664208" y="6341297"/>
+            <a:ext cx="21287232" cy="3872855"/>
+          </a:xfrm>
+          <a:prstGeom prst="rect">
+            <a:avLst/>
+          </a:prstGeom>
+          <a:ln w="12700">
+            <a:miter lim="400000"/>
+          </a:ln>
+          <a:extLst>
+            <a:ext uri="{C572A759-6A51-4108-AA02-DFA0A04FC94B}">
+              <ma14:wrappingTextBoxFlag xmlns:ma14="http://schemas.microsoft.com/office/mac/drawingml/2011/main" xmlns="" val="1"/>
+            </a:ext>
+          </a:extLst>
+        </p:spPr>
+        <p:txBody>
+          <a:bodyPr wrap="square" lIns="50800" tIns="50800" rIns="50800" bIns="50800" anchor="ctr">
+            <a:spAutoFit/>
+          </a:bodyPr>
+          <a:lstStyle>
+            <a:lvl1pPr>
+              <a:defRPr sz="3000"/>
+            </a:lvl1pPr>
+          </a:lstStyle>
+          <a:p>
+            <a:pPr algn="l"/>
+            <a:r>
+              <a:rPr lang="zh-CN" altLang="en-US" sz="3500" dirty="0" smtClean="0">
+                <a:latin typeface="微软雅黑" panose="020B0503020204020204" pitchFamily="34" charset="-122"/>
+                <a:ea typeface="微软雅黑" panose="020B0503020204020204" pitchFamily="34" charset="-122"/>
+              </a:rPr>
+              <a:t>张辉：</a:t>
+            </a:r>
+            <a:endParaRPr lang="en-US" altLang="zh-CN" sz="3500" dirty="0" smtClean="0">
+              <a:latin typeface="微软雅黑" panose="020B0503020204020204" pitchFamily="34" charset="-122"/>
+              <a:ea typeface="微软雅黑" panose="020B0503020204020204" pitchFamily="34" charset="-122"/>
+            </a:endParaRPr>
+          </a:p>
+          <a:p>
+            <a:pPr algn="l"/>
+            <a:endParaRPr lang="en-US" sz="3500" dirty="0">
+              <a:latin typeface="微软雅黑" panose="020B0503020204020204" pitchFamily="34" charset="-122"/>
+              <a:ea typeface="微软雅黑" panose="020B0503020204020204" pitchFamily="34" charset="-122"/>
+            </a:endParaRPr>
+          </a:p>
+          <a:p>
+            <a:pPr algn="l"/>
+            <a:endParaRPr lang="en-US" sz="3500" dirty="0" smtClean="0">
+              <a:latin typeface="微软雅黑" panose="020B0503020204020204" pitchFamily="34" charset="-122"/>
+              <a:ea typeface="微软雅黑" panose="020B0503020204020204" pitchFamily="34" charset="-122"/>
+            </a:endParaRPr>
+          </a:p>
+          <a:p>
+            <a:pPr algn="l"/>
+            <a:endParaRPr lang="en-US" sz="3500" dirty="0">
+              <a:latin typeface="微软雅黑" panose="020B0503020204020204" pitchFamily="34" charset="-122"/>
+              <a:ea typeface="微软雅黑" panose="020B0503020204020204" pitchFamily="34" charset="-122"/>
+            </a:endParaRPr>
+          </a:p>
+          <a:p>
+            <a:pPr algn="l"/>
+            <a:endParaRPr lang="en-US" sz="3500" dirty="0" smtClean="0">
+              <a:latin typeface="微软雅黑" panose="020B0503020204020204" pitchFamily="34" charset="-122"/>
+              <a:ea typeface="微软雅黑" panose="020B0503020204020204" pitchFamily="34" charset="-122"/>
+            </a:endParaRPr>
+          </a:p>
+          <a:p>
+            <a:pPr algn="l"/>
+            <a:endParaRPr lang="en-US" sz="3500" dirty="0">
+              <a:latin typeface="微软雅黑" panose="020B0503020204020204" pitchFamily="34" charset="-122"/>
+              <a:ea typeface="微软雅黑" panose="020B0503020204020204" pitchFamily="34" charset="-122"/>
+            </a:endParaRPr>
+          </a:p>
+          <a:p>
+            <a:pPr algn="l"/>
+            <a:r>
+              <a:rPr lang="zh-CN" altLang="en-US" sz="3500" dirty="0" smtClean="0">
+                <a:latin typeface="微软雅黑" panose="020B0503020204020204" pitchFamily="34" charset="-122"/>
+                <a:ea typeface="微软雅黑" panose="020B0503020204020204" pitchFamily="34" charset="-122"/>
+              </a:rPr>
+              <a:t>老</a:t>
+            </a:r>
+            <a:r>
+              <a:rPr lang="en-US" altLang="zh-CN" sz="3500" dirty="0" smtClean="0">
+                <a:latin typeface="微软雅黑" panose="020B0503020204020204" pitchFamily="34" charset="-122"/>
+                <a:ea typeface="微软雅黑" panose="020B0503020204020204" pitchFamily="34" charset="-122"/>
+              </a:rPr>
+              <a:t>A</a:t>
+            </a:r>
+            <a:r>
+              <a:rPr lang="zh-CN" altLang="en-US" sz="3500" dirty="0" smtClean="0">
+                <a:latin typeface="微软雅黑" panose="020B0503020204020204" pitchFamily="34" charset="-122"/>
+                <a:ea typeface="微软雅黑" panose="020B0503020204020204" pitchFamily="34" charset="-122"/>
+              </a:rPr>
+              <a:t>：</a:t>
+            </a:r>
+            <a:endParaRPr sz="3500" dirty="0">
+              <a:latin typeface="微软雅黑" panose="020B0503020204020204" pitchFamily="34" charset="-122"/>
+              <a:ea typeface="微软雅黑" panose="020B0503020204020204" pitchFamily="34" charset="-122"/>
+            </a:endParaRPr>
+          </a:p>
+        </p:txBody>
+      </p:sp>
+    </p:spTree>
+    <p:extLst>
+      <p:ext uri="{BB962C8B-B14F-4D97-AF65-F5344CB8AC3E}">
+        <p14:creationId xmlns:p14="http://schemas.microsoft.com/office/powerpoint/2010/main" val="2447339968"/>
+      </p:ext>
+    </p:extLst>
+  </p:cSld>
+  <p:clrMapOvr>
+    <a:masterClrMapping/>
+  </p:clrMapOvr>
+  <p:transition spd="slow"/>
+  <p:timing>
+    <p:tnLst>
+      <p:par>
+        <p:cTn id="1" dur="indefinite" restart="never" nodeType="tmRoot"/>
+      </p:par>
+    </p:tnLst>
+  </p:timing>
+</p:sld>
+</file>
+
 <file path=ppt/slides/slide2.xml><?xml version="1.0" encoding="utf-8"?>
 <p:sld xmlns:a="http://schemas.openxmlformats.org/drawingml/2006/main" xmlns:r="http://schemas.openxmlformats.org/officeDocument/2006/relationships" xmlns:p="http://schemas.openxmlformats.org/presentationml/2006/main">
   <p:cSld>
@@ -7102,7 +10596,7 @@
         </p:nvSpPr>
         <p:spPr>
           <a:xfrm>
-            <a:off x="1511807" y="3540590"/>
+            <a:off x="1511807" y="3610465"/>
             <a:ext cx="21360383" cy="9797554"/>
           </a:xfrm>
           <a:prstGeom prst="rect">
@@ -11869,7 +15363,7 @@
         </p:nvSpPr>
         <p:spPr>
           <a:xfrm>
-            <a:off x="7825647" y="6678719"/>
+            <a:off x="7952615" y="6852894"/>
             <a:ext cx="2141228" cy="872034"/>
           </a:xfrm>
           <a:prstGeom prst="rect">
